--- a/doc/ref_model/artefacts/anuket-ref-model-chap-8-multicloud-interactions-diagrams-01.pptx
+++ b/doc/ref_model/artefacts/anuket-ref-model-chap-8-multicloud-interactions-diagrams-01.pptx
@@ -124,7 +124,7 @@
 <file path=ppt/revisionInfo.xml><?xml version="1.0" encoding="utf-8"?>
 <p1510:revInfo xmlns:a="http://schemas.openxmlformats.org/drawingml/2006/main" xmlns:r="http://schemas.openxmlformats.org/officeDocument/2006/relationships" xmlns:p1510="http://schemas.microsoft.com/office/powerpoint/2015/10/main">
   <p1510:revLst>
-    <p1510:client id="{3101FC71-147B-4B5D-AD4F-350F54B2E346}" v="24" dt="2021-10-06T00:22:31.439"/>
+    <p1510:client id="{3101FC71-147B-4B5D-AD4F-350F54B2E346}" v="37" dt="2021-10-06T04:36:14.882"/>
   </p1510:revLst>
 </p1510:revInfo>
 </file>
@@ -863,13 +863,28 @@
   </pc:docChgLst>
   <pc:docChgLst>
     <pc:chgData name="John Hartley" userId="a170d456-558b-4bfb-8993-eab8e1306763" providerId="ADAL" clId="{3101FC71-147B-4B5D-AD4F-350F54B2E346}"/>
-    <pc:docChg chg="undo custSel addSld modSld sldOrd">
-      <pc:chgData name="John Hartley" userId="a170d456-558b-4bfb-8993-eab8e1306763" providerId="ADAL" clId="{3101FC71-147B-4B5D-AD4F-350F54B2E346}" dt="2021-10-06T00:41:24.015" v="2063" actId="14100"/>
+    <pc:docChg chg="undo redo custSel addSld modSld sldOrd">
+      <pc:chgData name="John Hartley" userId="a170d456-558b-4bfb-8993-eab8e1306763" providerId="ADAL" clId="{3101FC71-147B-4B5D-AD4F-350F54B2E346}" dt="2021-10-06T04:42:12.631" v="2416" actId="1037"/>
       <pc:docMkLst>
         <pc:docMk/>
       </pc:docMkLst>
+      <pc:sldChg chg="modSp mod">
+        <pc:chgData name="John Hartley" userId="a170d456-558b-4bfb-8993-eab8e1306763" providerId="ADAL" clId="{3101FC71-147B-4B5D-AD4F-350F54B2E346}" dt="2021-10-06T03:52:32.776" v="2170" actId="20577"/>
+        <pc:sldMkLst>
+          <pc:docMk/>
+          <pc:sldMk cId="3920058781" sldId="257"/>
+        </pc:sldMkLst>
+        <pc:spChg chg="mod">
+          <ac:chgData name="John Hartley" userId="a170d456-558b-4bfb-8993-eab8e1306763" providerId="ADAL" clId="{3101FC71-147B-4B5D-AD4F-350F54B2E346}" dt="2021-10-06T03:52:32.776" v="2170" actId="20577"/>
+          <ac:spMkLst>
+            <pc:docMk/>
+            <pc:sldMk cId="3920058781" sldId="257"/>
+            <ac:spMk id="2" creationId="{00000000-0000-0000-0000-000000000000}"/>
+          </ac:spMkLst>
+        </pc:spChg>
+      </pc:sldChg>
       <pc:sldChg chg="addSp delSp modSp mod">
-        <pc:chgData name="John Hartley" userId="a170d456-558b-4bfb-8993-eab8e1306763" providerId="ADAL" clId="{3101FC71-147B-4B5D-AD4F-350F54B2E346}" dt="2021-10-05T23:58:28.139" v="1086" actId="1036"/>
+        <pc:chgData name="John Hartley" userId="a170d456-558b-4bfb-8993-eab8e1306763" providerId="ADAL" clId="{3101FC71-147B-4B5D-AD4F-350F54B2E346}" dt="2021-10-06T04:42:12.631" v="2416" actId="1037"/>
         <pc:sldMkLst>
           <pc:docMk/>
           <pc:sldMk cId="3729088671" sldId="1448943289"/>
@@ -970,6 +985,14 @@
             <ac:spMk id="27" creationId="{8E04B8C0-E6F4-4880-B808-339426CACC66}"/>
           </ac:spMkLst>
         </pc:spChg>
+        <pc:spChg chg="add mod">
+          <ac:chgData name="John Hartley" userId="a170d456-558b-4bfb-8993-eab8e1306763" providerId="ADAL" clId="{3101FC71-147B-4B5D-AD4F-350F54B2E346}" dt="2021-10-06T04:42:07.979" v="2414" actId="1035"/>
+          <ac:spMkLst>
+            <pc:docMk/>
+            <pc:sldMk cId="3729088671" sldId="1448943289"/>
+            <ac:spMk id="31" creationId="{4D5729A0-7EFF-4E51-927F-E23730B4C897}"/>
+          </ac:spMkLst>
+        </pc:spChg>
         <pc:spChg chg="mod">
           <ac:chgData name="John Hartley" userId="a170d456-558b-4bfb-8993-eab8e1306763" providerId="ADAL" clId="{3101FC71-147B-4B5D-AD4F-350F54B2E346}" dt="2021-10-05T23:58:28.139" v="1086" actId="1036"/>
           <ac:spMkLst>
@@ -1019,7 +1042,7 @@
           </ac:picMkLst>
         </pc:picChg>
         <pc:picChg chg="mod">
-          <ac:chgData name="John Hartley" userId="a170d456-558b-4bfb-8993-eab8e1306763" providerId="ADAL" clId="{3101FC71-147B-4B5D-AD4F-350F54B2E346}" dt="2021-10-05T23:35:31.392" v="384" actId="1038"/>
+          <ac:chgData name="John Hartley" userId="a170d456-558b-4bfb-8993-eab8e1306763" providerId="ADAL" clId="{3101FC71-147B-4B5D-AD4F-350F54B2E346}" dt="2021-10-06T04:42:12.631" v="2416" actId="1037"/>
           <ac:picMkLst>
             <pc:docMk/>
             <pc:sldMk cId="3729088671" sldId="1448943289"/>
@@ -1100,7 +1123,7 @@
         </pc:cxnChg>
       </pc:sldChg>
       <pc:sldChg chg="addSp delSp modSp mod">
-        <pc:chgData name="John Hartley" userId="a170d456-558b-4bfb-8993-eab8e1306763" providerId="ADAL" clId="{3101FC71-147B-4B5D-AD4F-350F54B2E346}" dt="2021-10-06T00:37:02.375" v="1934" actId="14100"/>
+        <pc:chgData name="John Hartley" userId="a170d456-558b-4bfb-8993-eab8e1306763" providerId="ADAL" clId="{3101FC71-147B-4B5D-AD4F-350F54B2E346}" dt="2021-10-06T04:38:50.883" v="2395" actId="167"/>
         <pc:sldMkLst>
           <pc:docMk/>
           <pc:sldMk cId="3531437310" sldId="2147328245"/>
@@ -1130,7 +1153,7 @@
           </ac:spMkLst>
         </pc:spChg>
         <pc:spChg chg="add mod">
-          <ac:chgData name="John Hartley" userId="a170d456-558b-4bfb-8993-eab8e1306763" providerId="ADAL" clId="{3101FC71-147B-4B5D-AD4F-350F54B2E346}" dt="2021-10-05T23:57:53.288" v="1065" actId="20577"/>
+          <ac:chgData name="John Hartley" userId="a170d456-558b-4bfb-8993-eab8e1306763" providerId="ADAL" clId="{3101FC71-147B-4B5D-AD4F-350F54B2E346}" dt="2021-10-06T03:53:33.924" v="2242" actId="14100"/>
           <ac:spMkLst>
             <pc:docMk/>
             <pc:sldMk cId="3531437310" sldId="2147328245"/>
@@ -1169,8 +1192,8 @@
             <ac:spMk id="44" creationId="{69F75579-AD1B-4031-AA3C-C2629DCCDC25}"/>
           </ac:spMkLst>
         </pc:spChg>
-        <pc:spChg chg="add mod">
-          <ac:chgData name="John Hartley" userId="a170d456-558b-4bfb-8993-eab8e1306763" providerId="ADAL" clId="{3101FC71-147B-4B5D-AD4F-350F54B2E346}" dt="2021-10-05T23:55:51.346" v="908" actId="1038"/>
+        <pc:spChg chg="add del mod">
+          <ac:chgData name="John Hartley" userId="a170d456-558b-4bfb-8993-eab8e1306763" providerId="ADAL" clId="{3101FC71-147B-4B5D-AD4F-350F54B2E346}" dt="2021-10-06T04:34:23.634" v="2255" actId="478"/>
           <ac:spMkLst>
             <pc:docMk/>
             <pc:sldMk cId="3531437310" sldId="2147328245"/>
@@ -1194,6 +1217,22 @@
           </ac:spMkLst>
         </pc:spChg>
         <pc:spChg chg="add del mod">
+          <ac:chgData name="John Hartley" userId="a170d456-558b-4bfb-8993-eab8e1306763" providerId="ADAL" clId="{3101FC71-147B-4B5D-AD4F-350F54B2E346}" dt="2021-10-06T04:34:26.018" v="2256" actId="478"/>
+          <ac:spMkLst>
+            <pc:docMk/>
+            <pc:sldMk cId="3531437310" sldId="2147328245"/>
+            <ac:spMk id="49" creationId="{7E3AA5CC-BC40-4741-9D62-55537F68862C}"/>
+          </ac:spMkLst>
+        </pc:spChg>
+        <pc:spChg chg="add mod ord">
+          <ac:chgData name="John Hartley" userId="a170d456-558b-4bfb-8993-eab8e1306763" providerId="ADAL" clId="{3101FC71-147B-4B5D-AD4F-350F54B2E346}" dt="2021-10-06T04:38:50.883" v="2395" actId="167"/>
+          <ac:spMkLst>
+            <pc:docMk/>
+            <pc:sldMk cId="3531437310" sldId="2147328245"/>
+            <ac:spMk id="50" creationId="{533A2E50-1D96-4293-A185-13A2D8B806C1}"/>
+          </ac:spMkLst>
+        </pc:spChg>
+        <pc:spChg chg="add del mod">
           <ac:chgData name="John Hartley" userId="a170d456-558b-4bfb-8993-eab8e1306763" providerId="ADAL" clId="{3101FC71-147B-4B5D-AD4F-350F54B2E346}" dt="2021-10-05T23:55:58.922" v="909" actId="478"/>
           <ac:spMkLst>
             <pc:docMk/>
@@ -1201,8 +1240,8 @@
             <ac:spMk id="50" creationId="{7D204BE7-D9D0-420F-8D79-E330115EF21D}"/>
           </ac:spMkLst>
         </pc:spChg>
-        <pc:spChg chg="add mod">
-          <ac:chgData name="John Hartley" userId="a170d456-558b-4bfb-8993-eab8e1306763" providerId="ADAL" clId="{3101FC71-147B-4B5D-AD4F-350F54B2E346}" dt="2021-10-05T23:55:51.346" v="908" actId="1038"/>
+        <pc:spChg chg="add mod ord">
+          <ac:chgData name="John Hartley" userId="a170d456-558b-4bfb-8993-eab8e1306763" providerId="ADAL" clId="{3101FC71-147B-4B5D-AD4F-350F54B2E346}" dt="2021-10-06T03:53:13.914" v="2240" actId="166"/>
           <ac:spMkLst>
             <pc:docMk/>
             <pc:sldMk cId="3531437310" sldId="2147328245"/>
@@ -1265,6 +1304,14 @@
             <ac:spMk id="63" creationId="{C8D99E12-FB49-4C44-B886-ABBB8319ED73}"/>
           </ac:spMkLst>
         </pc:spChg>
+        <pc:spChg chg="add mod">
+          <ac:chgData name="John Hartley" userId="a170d456-558b-4bfb-8993-eab8e1306763" providerId="ADAL" clId="{3101FC71-147B-4B5D-AD4F-350F54B2E346}" dt="2021-10-06T04:35:00.763" v="2307" actId="1035"/>
+          <ac:spMkLst>
+            <pc:docMk/>
+            <pc:sldMk cId="3531437310" sldId="2147328245"/>
+            <ac:spMk id="65" creationId="{17A375E2-8CB7-4DF9-A914-4FD0B1C153B0}"/>
+          </ac:spMkLst>
+        </pc:spChg>
         <pc:spChg chg="add del mod">
           <ac:chgData name="John Hartley" userId="a170d456-558b-4bfb-8993-eab8e1306763" providerId="ADAL" clId="{3101FC71-147B-4B5D-AD4F-350F54B2E346}" dt="2021-10-05T23:57:38.293" v="1059" actId="478"/>
           <ac:spMkLst>
@@ -1625,12 +1672,20 @@
             <ac:picMk id="34" creationId="{6C524D63-B59B-4343-B8C8-6E168F79759F}"/>
           </ac:picMkLst>
         </pc:picChg>
-        <pc:picChg chg="add mod">
-          <ac:chgData name="John Hartley" userId="a170d456-558b-4bfb-8993-eab8e1306763" providerId="ADAL" clId="{3101FC71-147B-4B5D-AD4F-350F54B2E346}" dt="2021-10-05T23:55:51.346" v="908" actId="1038"/>
+        <pc:picChg chg="add del mod">
+          <ac:chgData name="John Hartley" userId="a170d456-558b-4bfb-8993-eab8e1306763" providerId="ADAL" clId="{3101FC71-147B-4B5D-AD4F-350F54B2E346}" dt="2021-10-06T04:34:18.968" v="2254" actId="478"/>
           <ac:picMkLst>
             <pc:docMk/>
             <pc:sldMk cId="3531437310" sldId="2147328245"/>
             <ac:picMk id="46" creationId="{88729566-346C-4CAA-AF1F-79556851B48D}"/>
+          </ac:picMkLst>
+        </pc:picChg>
+        <pc:picChg chg="add mod ord">
+          <ac:chgData name="John Hartley" userId="a170d456-558b-4bfb-8993-eab8e1306763" providerId="ADAL" clId="{3101FC71-147B-4B5D-AD4F-350F54B2E346}" dt="2021-10-06T04:38:45.264" v="2394" actId="167"/>
+          <ac:picMkLst>
+            <pc:docMk/>
+            <pc:sldMk cId="3531437310" sldId="2147328245"/>
+            <ac:picMk id="64" creationId="{410ABBED-8228-4A11-85D3-BF18B6FEEE9A}"/>
           </ac:picMkLst>
         </pc:picChg>
         <pc:picChg chg="add del mod">
@@ -1689,8 +1744,8 @@
             <ac:cxnSpMk id="39" creationId="{02C8ADB8-C489-432A-9F5E-FC333B3E8F24}"/>
           </ac:cxnSpMkLst>
         </pc:cxnChg>
-        <pc:cxnChg chg="add mod">
-          <ac:chgData name="John Hartley" userId="a170d456-558b-4bfb-8993-eab8e1306763" providerId="ADAL" clId="{3101FC71-147B-4B5D-AD4F-350F54B2E346}" dt="2021-10-05T23:55:51.346" v="908" actId="1038"/>
+        <pc:cxnChg chg="add mod ord">
+          <ac:chgData name="John Hartley" userId="a170d456-558b-4bfb-8993-eab8e1306763" providerId="ADAL" clId="{3101FC71-147B-4B5D-AD4F-350F54B2E346}" dt="2021-10-06T03:53:18.586" v="2241" actId="166"/>
           <ac:cxnSpMkLst>
             <pc:docMk/>
             <pc:sldMk cId="3531437310" sldId="2147328245"/>
@@ -1714,7 +1769,7 @@
           </ac:cxnSpMkLst>
         </pc:cxnChg>
         <pc:cxnChg chg="add mod">
-          <ac:chgData name="John Hartley" userId="a170d456-558b-4bfb-8993-eab8e1306763" providerId="ADAL" clId="{3101FC71-147B-4B5D-AD4F-350F54B2E346}" dt="2021-10-05T23:55:51.346" v="908" actId="1038"/>
+          <ac:chgData name="John Hartley" userId="a170d456-558b-4bfb-8993-eab8e1306763" providerId="ADAL" clId="{3101FC71-147B-4B5D-AD4F-350F54B2E346}" dt="2021-10-06T04:35:00.763" v="2307" actId="1035"/>
           <ac:cxnSpMkLst>
             <pc:docMk/>
             <pc:sldMk cId="3531437310" sldId="2147328245"/>
@@ -1722,7 +1777,7 @@
           </ac:cxnSpMkLst>
         </pc:cxnChg>
         <pc:cxnChg chg="add mod">
-          <ac:chgData name="John Hartley" userId="a170d456-558b-4bfb-8993-eab8e1306763" providerId="ADAL" clId="{3101FC71-147B-4B5D-AD4F-350F54B2E346}" dt="2021-10-05T23:55:51.346" v="908" actId="1038"/>
+          <ac:chgData name="John Hartley" userId="a170d456-558b-4bfb-8993-eab8e1306763" providerId="ADAL" clId="{3101FC71-147B-4B5D-AD4F-350F54B2E346}" dt="2021-10-06T04:35:52.333" v="2314" actId="14100"/>
           <ac:cxnSpMkLst>
             <pc:docMk/>
             <pc:sldMk cId="3531437310" sldId="2147328245"/>
@@ -1954,7 +2009,7 @@
         </pc:sldMkLst>
       </pc:sldChg>
       <pc:sldChg chg="addSp delSp modSp add mod">
-        <pc:chgData name="John Hartley" userId="a170d456-558b-4bfb-8993-eab8e1306763" providerId="ADAL" clId="{3101FC71-147B-4B5D-AD4F-350F54B2E346}" dt="2021-10-05T23:58:21.934" v="1083" actId="1036"/>
+        <pc:chgData name="John Hartley" userId="a170d456-558b-4bfb-8993-eab8e1306763" providerId="ADAL" clId="{3101FC71-147B-4B5D-AD4F-350F54B2E346}" dt="2021-10-06T04:41:54.947" v="2412" actId="1035"/>
         <pc:sldMkLst>
           <pc:docMk/>
           <pc:sldMk cId="2193452701" sldId="2147328247"/>
@@ -2039,8 +2094,8 @@
             <ac:spMk id="86" creationId="{D67BD9F2-2C19-42D9-8B49-C8E236558AF8}"/>
           </ac:spMkLst>
         </pc:spChg>
-        <pc:spChg chg="add mod">
-          <ac:chgData name="John Hartley" userId="a170d456-558b-4bfb-8993-eab8e1306763" providerId="ADAL" clId="{3101FC71-147B-4B5D-AD4F-350F54B2E346}" dt="2021-10-05T23:38:13.503" v="425" actId="1035"/>
+        <pc:spChg chg="add del mod">
+          <ac:chgData name="John Hartley" userId="a170d456-558b-4bfb-8993-eab8e1306763" providerId="ADAL" clId="{3101FC71-147B-4B5D-AD4F-350F54B2E346}" dt="2021-10-06T04:37:55.762" v="2391" actId="21"/>
           <ac:spMkLst>
             <pc:docMk/>
             <pc:sldMk cId="2193452701" sldId="2147328247"/>
@@ -2223,12 +2278,12 @@
             <ac:spMk id="124" creationId="{683EB629-E86F-44C2-86BD-8F503C6A4FA0}"/>
           </ac:spMkLst>
         </pc:spChg>
-        <pc:spChg chg="del">
-          <ac:chgData name="John Hartley" userId="a170d456-558b-4bfb-8993-eab8e1306763" providerId="ADAL" clId="{3101FC71-147B-4B5D-AD4F-350F54B2E346}" dt="2021-10-05T23:38:06.299" v="398" actId="478"/>
+        <pc:spChg chg="add del mod">
+          <ac:chgData name="John Hartley" userId="a170d456-558b-4bfb-8993-eab8e1306763" providerId="ADAL" clId="{3101FC71-147B-4B5D-AD4F-350F54B2E346}" dt="2021-10-06T04:37:48.488" v="2390" actId="478"/>
           <ac:spMkLst>
             <pc:docMk/>
             <pc:sldMk cId="2193452701" sldId="2147328247"/>
-            <ac:spMk id="127" creationId="{C0E561F1-4CDC-4BDB-B60A-D51B6B824C28}"/>
+            <ac:spMk id="127" creationId="{3329C89F-C62D-4018-8067-8F0F5705F629}"/>
           </ac:spMkLst>
         </pc:spChg>
         <pc:spChg chg="del">
@@ -2236,7 +2291,31 @@
           <ac:spMkLst>
             <pc:docMk/>
             <pc:sldMk cId="2193452701" sldId="2147328247"/>
-            <ac:spMk id="130" creationId="{853B3346-8951-48CB-A5A8-E86B0304D0EA}"/>
+            <ac:spMk id="127" creationId="{C0E561F1-4CDC-4BDB-B60A-D51B6B824C28}"/>
+          </ac:spMkLst>
+        </pc:spChg>
+        <pc:spChg chg="add mod">
+          <ac:chgData name="John Hartley" userId="a170d456-558b-4bfb-8993-eab8e1306763" providerId="ADAL" clId="{3101FC71-147B-4B5D-AD4F-350F54B2E346}" dt="2021-10-06T04:41:36.125" v="2406" actId="1035"/>
+          <ac:spMkLst>
+            <pc:docMk/>
+            <pc:sldMk cId="2193452701" sldId="2147328247"/>
+            <ac:spMk id="128" creationId="{B52F7625-5B7D-4B30-A236-C7D3EAC5FBD5}"/>
+          </ac:spMkLst>
+        </pc:spChg>
+        <pc:spChg chg="add mod">
+          <ac:chgData name="John Hartley" userId="a170d456-558b-4bfb-8993-eab8e1306763" providerId="ADAL" clId="{3101FC71-147B-4B5D-AD4F-350F54B2E346}" dt="2021-10-06T04:41:42.881" v="2408" actId="1035"/>
+          <ac:spMkLst>
+            <pc:docMk/>
+            <pc:sldMk cId="2193452701" sldId="2147328247"/>
+            <ac:spMk id="129" creationId="{92367D78-DF09-4509-9032-F8DC7726F040}"/>
+          </ac:spMkLst>
+        </pc:spChg>
+        <pc:spChg chg="add mod">
+          <ac:chgData name="John Hartley" userId="a170d456-558b-4bfb-8993-eab8e1306763" providerId="ADAL" clId="{3101FC71-147B-4B5D-AD4F-350F54B2E346}" dt="2021-10-06T04:41:54.947" v="2412" actId="1035"/>
+          <ac:spMkLst>
+            <pc:docMk/>
+            <pc:sldMk cId="2193452701" sldId="2147328247"/>
+            <ac:spMk id="130" creationId="{4AB2CB60-43CA-4C39-88D2-DE998AA06222}"/>
           </ac:spMkLst>
         </pc:spChg>
         <pc:spChg chg="del">
@@ -2244,7 +2323,31 @@
           <ac:spMkLst>
             <pc:docMk/>
             <pc:sldMk cId="2193452701" sldId="2147328247"/>
+            <ac:spMk id="130" creationId="{853B3346-8951-48CB-A5A8-E86B0304D0EA}"/>
+          </ac:spMkLst>
+        </pc:spChg>
+        <pc:spChg chg="add mod ord">
+          <ac:chgData name="John Hartley" userId="a170d456-558b-4bfb-8993-eab8e1306763" providerId="ADAL" clId="{3101FC71-147B-4B5D-AD4F-350F54B2E346}" dt="2021-10-06T04:39:30.014" v="2402" actId="167"/>
+          <ac:spMkLst>
+            <pc:docMk/>
+            <pc:sldMk cId="2193452701" sldId="2147328247"/>
+            <ac:spMk id="131" creationId="{5A6744CB-5C27-44CA-B25A-BBCB8B222E61}"/>
+          </ac:spMkLst>
+        </pc:spChg>
+        <pc:spChg chg="del">
+          <ac:chgData name="John Hartley" userId="a170d456-558b-4bfb-8993-eab8e1306763" providerId="ADAL" clId="{3101FC71-147B-4B5D-AD4F-350F54B2E346}" dt="2021-10-05T23:38:06.299" v="398" actId="478"/>
+          <ac:spMkLst>
+            <pc:docMk/>
+            <pc:sldMk cId="2193452701" sldId="2147328247"/>
             <ac:spMk id="132" creationId="{4212AAF9-7E75-491F-9456-13861FAF9EC4}"/>
+          </ac:spMkLst>
+        </pc:spChg>
+        <pc:spChg chg="add mod ord">
+          <ac:chgData name="John Hartley" userId="a170d456-558b-4bfb-8993-eab8e1306763" providerId="ADAL" clId="{3101FC71-147B-4B5D-AD4F-350F54B2E346}" dt="2021-10-06T04:37:08.163" v="2385" actId="167"/>
+          <ac:spMkLst>
+            <pc:docMk/>
+            <pc:sldMk cId="2193452701" sldId="2147328247"/>
+            <ac:spMk id="133" creationId="{3FD115D7-4C88-4C9B-8090-2BEAC1BF9018}"/>
           </ac:spMkLst>
         </pc:spChg>
         <pc:spChg chg="del">
@@ -2719,8 +2822,8 @@
             <ac:picMk id="76" creationId="{2B60D64C-2084-4BA2-8C35-EFA0A1A8B3C5}"/>
           </ac:picMkLst>
         </pc:picChg>
-        <pc:picChg chg="add mod">
-          <ac:chgData name="John Hartley" userId="a170d456-558b-4bfb-8993-eab8e1306763" providerId="ADAL" clId="{3101FC71-147B-4B5D-AD4F-350F54B2E346}" dt="2021-10-05T23:38:13.503" v="425" actId="1035"/>
+        <pc:picChg chg="add del mod">
+          <ac:chgData name="John Hartley" userId="a170d456-558b-4bfb-8993-eab8e1306763" providerId="ADAL" clId="{3101FC71-147B-4B5D-AD4F-350F54B2E346}" dt="2021-10-06T04:38:56.939" v="2396" actId="478"/>
           <ac:picMkLst>
             <pc:docMk/>
             <pc:sldMk cId="2193452701" sldId="2147328247"/>
@@ -2736,7 +2839,7 @@
           </ac:picMkLst>
         </pc:picChg>
         <pc:picChg chg="add mod">
-          <ac:chgData name="John Hartley" userId="a170d456-558b-4bfb-8993-eab8e1306763" providerId="ADAL" clId="{3101FC71-147B-4B5D-AD4F-350F54B2E346}" dt="2021-10-05T23:40:42.472" v="554" actId="1038"/>
+          <ac:chgData name="John Hartley" userId="a170d456-558b-4bfb-8993-eab8e1306763" providerId="ADAL" clId="{3101FC71-147B-4B5D-AD4F-350F54B2E346}" dt="2021-10-06T04:39:43.497" v="2404" actId="1037"/>
           <ac:picMkLst>
             <pc:docMk/>
             <pc:sldMk cId="2193452701" sldId="2147328247"/>
@@ -2751,6 +2854,14 @@
             <ac:picMk id="125" creationId="{D28DEBFD-2475-4639-ACEB-B961340E6F86}"/>
           </ac:picMkLst>
         </pc:picChg>
+        <pc:picChg chg="add mod ord">
+          <ac:chgData name="John Hartley" userId="a170d456-558b-4bfb-8993-eab8e1306763" providerId="ADAL" clId="{3101FC71-147B-4B5D-AD4F-350F54B2E346}" dt="2021-10-06T04:39:17.739" v="2400" actId="167"/>
+          <ac:picMkLst>
+            <pc:docMk/>
+            <pc:sldMk cId="2193452701" sldId="2147328247"/>
+            <ac:picMk id="132" creationId="{1A7802CD-902A-4CEB-A49E-EA31CD2596BD}"/>
+          </ac:picMkLst>
+        </pc:picChg>
         <pc:picChg chg="del">
           <ac:chgData name="John Hartley" userId="a170d456-558b-4bfb-8993-eab8e1306763" providerId="ADAL" clId="{3101FC71-147B-4B5D-AD4F-350F54B2E346}" dt="2021-10-05T23:38:06.299" v="398" actId="478"/>
           <ac:picMkLst>
@@ -2808,7 +2919,7 @@
           </ac:picMkLst>
         </pc:picChg>
         <pc:picChg chg="add mod">
-          <ac:chgData name="John Hartley" userId="a170d456-558b-4bfb-8993-eab8e1306763" providerId="ADAL" clId="{3101FC71-147B-4B5D-AD4F-350F54B2E346}" dt="2021-10-05T23:43:26.724" v="724" actId="1036"/>
+          <ac:chgData name="John Hartley" userId="a170d456-558b-4bfb-8993-eab8e1306763" providerId="ADAL" clId="{3101FC71-147B-4B5D-AD4F-350F54B2E346}" dt="2021-10-06T04:41:49.976" v="2410" actId="1037"/>
           <ac:picMkLst>
             <pc:docMk/>
             <pc:sldMk cId="2193452701" sldId="2147328247"/>
@@ -2824,7 +2935,7 @@
           </ac:picMkLst>
         </pc:picChg>
         <pc:picChg chg="add mod">
-          <ac:chgData name="John Hartley" userId="a170d456-558b-4bfb-8993-eab8e1306763" providerId="ADAL" clId="{3101FC71-147B-4B5D-AD4F-350F54B2E346}" dt="2021-10-05T23:45:39.542" v="819" actId="1036"/>
+          <ac:chgData name="John Hartley" userId="a170d456-558b-4bfb-8993-eab8e1306763" providerId="ADAL" clId="{3101FC71-147B-4B5D-AD4F-350F54B2E346}" dt="2021-10-06T03:18:59.010" v="2096" actId="555"/>
           <ac:picMkLst>
             <pc:docMk/>
             <pc:sldMk cId="2193452701" sldId="2147328247"/>
@@ -2880,7 +2991,7 @@
           </ac:cxnSpMkLst>
         </pc:cxnChg>
         <pc:cxnChg chg="add mod">
-          <ac:chgData name="John Hartley" userId="a170d456-558b-4bfb-8993-eab8e1306763" providerId="ADAL" clId="{3101FC71-147B-4B5D-AD4F-350F54B2E346}" dt="2021-10-05T23:38:13.503" v="425" actId="1035"/>
+          <ac:chgData name="John Hartley" userId="a170d456-558b-4bfb-8993-eab8e1306763" providerId="ADAL" clId="{3101FC71-147B-4B5D-AD4F-350F54B2E346}" dt="2021-10-06T04:39:06.861" v="2398" actId="14100"/>
           <ac:cxnSpMkLst>
             <pc:docMk/>
             <pc:sldMk cId="2193452701" sldId="2147328247"/>
@@ -2888,7 +2999,7 @@
           </ac:cxnSpMkLst>
         </pc:cxnChg>
         <pc:cxnChg chg="add mod">
-          <ac:chgData name="John Hartley" userId="a170d456-558b-4bfb-8993-eab8e1306763" providerId="ADAL" clId="{3101FC71-147B-4B5D-AD4F-350F54B2E346}" dt="2021-10-05T23:38:13.503" v="425" actId="1035"/>
+          <ac:chgData name="John Hartley" userId="a170d456-558b-4bfb-8993-eab8e1306763" providerId="ADAL" clId="{3101FC71-147B-4B5D-AD4F-350F54B2E346}" dt="2021-10-06T04:39:23.230" v="2401" actId="14100"/>
           <ac:cxnSpMkLst>
             <pc:docMk/>
             <pc:sldMk cId="2193452701" sldId="2147328247"/>
@@ -3670,7 +3781,7 @@
         </pc:sldMkLst>
       </pc:sldChg>
       <pc:sldChg chg="addSp delSp modSp add mod">
-        <pc:chgData name="John Hartley" userId="a170d456-558b-4bfb-8993-eab8e1306763" providerId="ADAL" clId="{3101FC71-147B-4B5D-AD4F-350F54B2E346}" dt="2021-10-06T00:39:59.376" v="2062" actId="1038"/>
+        <pc:chgData name="John Hartley" userId="a170d456-558b-4bfb-8993-eab8e1306763" providerId="ADAL" clId="{3101FC71-147B-4B5D-AD4F-350F54B2E346}" dt="2021-10-06T04:34:12.596" v="2253" actId="167"/>
         <pc:sldMkLst>
           <pc:docMk/>
           <pc:sldMk cId="2169926769" sldId="2147328251"/>
@@ -3715,6 +3826,14 @@
             <ac:spMk id="40" creationId="{E9B344BB-EE97-4B15-9803-745A9CF127C0}"/>
           </ac:spMkLst>
         </pc:spChg>
+        <pc:spChg chg="add del mod">
+          <ac:chgData name="John Hartley" userId="a170d456-558b-4bfb-8993-eab8e1306763" providerId="ADAL" clId="{3101FC71-147B-4B5D-AD4F-350F54B2E346}" dt="2021-10-06T04:33:28.071" v="2247" actId="478"/>
+          <ac:spMkLst>
+            <pc:docMk/>
+            <pc:sldMk cId="2169926769" sldId="2147328251"/>
+            <ac:spMk id="41" creationId="{70AA6466-7005-4300-ACF8-BB7651BFE2B7}"/>
+          </ac:spMkLst>
+        </pc:spChg>
         <pc:spChg chg="mod">
           <ac:chgData name="John Hartley" userId="a170d456-558b-4bfb-8993-eab8e1306763" providerId="ADAL" clId="{3101FC71-147B-4B5D-AD4F-350F54B2E346}" dt="2021-10-06T00:39:59.376" v="2062" actId="1038"/>
           <ac:spMkLst>
@@ -3731,8 +3850,8 @@
             <ac:spMk id="44" creationId="{69F75579-AD1B-4031-AA3C-C2629DCCDC25}"/>
           </ac:spMkLst>
         </pc:spChg>
-        <pc:spChg chg="mod">
-          <ac:chgData name="John Hartley" userId="a170d456-558b-4bfb-8993-eab8e1306763" providerId="ADAL" clId="{3101FC71-147B-4B5D-AD4F-350F54B2E346}" dt="2021-10-06T00:16:35.132" v="1363" actId="1038"/>
+        <pc:spChg chg="del mod">
+          <ac:chgData name="John Hartley" userId="a170d456-558b-4bfb-8993-eab8e1306763" providerId="ADAL" clId="{3101FC71-147B-4B5D-AD4F-350F54B2E346}" dt="2021-10-06T04:33:25.711" v="2246" actId="478"/>
           <ac:spMkLst>
             <pc:docMk/>
             <pc:sldMk cId="2169926769" sldId="2147328251"/>
@@ -3795,6 +3914,14 @@
             <ac:spMk id="55" creationId="{FE5FA00F-96DD-4AC8-A555-E01DE829717E}"/>
           </ac:spMkLst>
         </pc:spChg>
+        <pc:spChg chg="add mod ord">
+          <ac:chgData name="John Hartley" userId="a170d456-558b-4bfb-8993-eab8e1306763" providerId="ADAL" clId="{3101FC71-147B-4B5D-AD4F-350F54B2E346}" dt="2021-10-06T04:34:12.596" v="2253" actId="167"/>
+          <ac:spMkLst>
+            <pc:docMk/>
+            <pc:sldMk cId="2169926769" sldId="2147328251"/>
+            <ac:spMk id="56" creationId="{4B5A266C-6BCE-4811-B19E-3008800282C4}"/>
+          </ac:spMkLst>
+        </pc:spChg>
         <pc:spChg chg="del mod">
           <ac:chgData name="John Hartley" userId="a170d456-558b-4bfb-8993-eab8e1306763" providerId="ADAL" clId="{3101FC71-147B-4B5D-AD4F-350F54B2E346}" dt="2021-10-06T00:08:51.966" v="1191" actId="478"/>
           <ac:spMkLst>
@@ -3875,6 +4002,14 @@
             <ac:spMk id="70" creationId="{CD8BF25B-B8F0-4A98-B353-200FC2C70962}"/>
           </ac:spMkLst>
         </pc:spChg>
+        <pc:spChg chg="add mod">
+          <ac:chgData name="John Hartley" userId="a170d456-558b-4bfb-8993-eab8e1306763" providerId="ADAL" clId="{3101FC71-147B-4B5D-AD4F-350F54B2E346}" dt="2021-10-06T04:33:30.081" v="2248"/>
+          <ac:spMkLst>
+            <pc:docMk/>
+            <pc:sldMk cId="2169926769" sldId="2147328251"/>
+            <ac:spMk id="71" creationId="{FCC241D2-F1D4-40AE-B86E-B592D7C3819A}"/>
+          </ac:spMkLst>
+        </pc:spChg>
         <pc:spChg chg="del mod">
           <ac:chgData name="John Hartley" userId="a170d456-558b-4bfb-8993-eab8e1306763" providerId="ADAL" clId="{3101FC71-147B-4B5D-AD4F-350F54B2E346}" dt="2021-10-06T00:09:21.873" v="1211" actId="478"/>
           <ac:spMkLst>
@@ -3899,12 +4034,20 @@
             <ac:picMk id="34" creationId="{6C524D63-B59B-4343-B8C8-6E168F79759F}"/>
           </ac:picMkLst>
         </pc:picChg>
-        <pc:picChg chg="mod">
-          <ac:chgData name="John Hartley" userId="a170d456-558b-4bfb-8993-eab8e1306763" providerId="ADAL" clId="{3101FC71-147B-4B5D-AD4F-350F54B2E346}" dt="2021-10-06T00:16:35.132" v="1363" actId="1038"/>
+        <pc:picChg chg="del mod">
+          <ac:chgData name="John Hartley" userId="a170d456-558b-4bfb-8993-eab8e1306763" providerId="ADAL" clId="{3101FC71-147B-4B5D-AD4F-350F54B2E346}" dt="2021-10-06T04:33:20.738" v="2245" actId="478"/>
           <ac:picMkLst>
             <pc:docMk/>
             <pc:sldMk cId="2169926769" sldId="2147328251"/>
             <ac:picMk id="46" creationId="{88729566-346C-4CAA-AF1F-79556851B48D}"/>
+          </ac:picMkLst>
+        </pc:picChg>
+        <pc:picChg chg="add mod">
+          <ac:chgData name="John Hartley" userId="a170d456-558b-4bfb-8993-eab8e1306763" providerId="ADAL" clId="{3101FC71-147B-4B5D-AD4F-350F54B2E346}" dt="2021-10-06T04:33:30.081" v="2248"/>
+          <ac:picMkLst>
+            <pc:docMk/>
+            <pc:sldMk cId="2169926769" sldId="2147328251"/>
+            <ac:picMk id="57" creationId="{6780C951-83EB-4B4B-9D51-7B8D79C0993B}"/>
           </ac:picMkLst>
         </pc:picChg>
         <pc:cxnChg chg="add mod">
@@ -3956,7 +4099,7 @@
           </ac:cxnSpMkLst>
         </pc:cxnChg>
         <pc:cxnChg chg="mod">
-          <ac:chgData name="John Hartley" userId="a170d456-558b-4bfb-8993-eab8e1306763" providerId="ADAL" clId="{3101FC71-147B-4B5D-AD4F-350F54B2E346}" dt="2021-10-06T00:16:35.132" v="1363" actId="1038"/>
+          <ac:chgData name="John Hartley" userId="a170d456-558b-4bfb-8993-eab8e1306763" providerId="ADAL" clId="{3101FC71-147B-4B5D-AD4F-350F54B2E346}" dt="2021-10-06T04:34:06.605" v="2252" actId="14100"/>
           <ac:cxnSpMkLst>
             <pc:docMk/>
             <pc:sldMk cId="2169926769" sldId="2147328251"/>
@@ -3964,7 +4107,7 @@
           </ac:cxnSpMkLst>
         </pc:cxnChg>
         <pc:cxnChg chg="mod">
-          <ac:chgData name="John Hartley" userId="a170d456-558b-4bfb-8993-eab8e1306763" providerId="ADAL" clId="{3101FC71-147B-4B5D-AD4F-350F54B2E346}" dt="2021-10-06T00:16:35.132" v="1363" actId="1038"/>
+          <ac:chgData name="John Hartley" userId="a170d456-558b-4bfb-8993-eab8e1306763" providerId="ADAL" clId="{3101FC71-147B-4B5D-AD4F-350F54B2E346}" dt="2021-10-06T04:34:00.620" v="2251" actId="14100"/>
           <ac:cxnSpMkLst>
             <pc:docMk/>
             <pc:sldMk cId="2169926769" sldId="2147328251"/>
@@ -4021,7 +4164,7 @@
         </pc:cxnChg>
       </pc:sldChg>
       <pc:sldChg chg="addSp delSp modSp add mod">
-        <pc:chgData name="John Hartley" userId="a170d456-558b-4bfb-8993-eab8e1306763" providerId="ADAL" clId="{3101FC71-147B-4B5D-AD4F-350F54B2E346}" dt="2021-10-06T00:41:24.015" v="2063" actId="14100"/>
+        <pc:chgData name="John Hartley" userId="a170d456-558b-4bfb-8993-eab8e1306763" providerId="ADAL" clId="{3101FC71-147B-4B5D-AD4F-350F54B2E346}" dt="2021-10-06T04:33:03.462" v="2244" actId="1035"/>
         <pc:sldMkLst>
           <pc:docMk/>
           <pc:sldMk cId="4258310586" sldId="2147328252"/>
@@ -4242,6 +4385,14 @@
             <ac:spMk id="79" creationId="{88CFC19E-8FE0-4F1A-8662-0F3DFCD2E231}"/>
           </ac:spMkLst>
         </pc:spChg>
+        <pc:spChg chg="add mod">
+          <ac:chgData name="John Hartley" userId="a170d456-558b-4bfb-8993-eab8e1306763" providerId="ADAL" clId="{3101FC71-147B-4B5D-AD4F-350F54B2E346}" dt="2021-10-06T04:33:03.462" v="2244" actId="1035"/>
+          <ac:spMkLst>
+            <pc:docMk/>
+            <pc:sldMk cId="4258310586" sldId="2147328252"/>
+            <ac:spMk id="79" creationId="{D62673D0-409B-48A3-9CD4-CD05A4E56395}"/>
+          </ac:spMkLst>
+        </pc:spChg>
         <pc:spChg chg="mod">
           <ac:chgData name="John Hartley" userId="a170d456-558b-4bfb-8993-eab8e1306763" providerId="ADAL" clId="{3101FC71-147B-4B5D-AD4F-350F54B2E346}" dt="2021-10-06T00:39:07.124" v="2061" actId="1038"/>
           <ac:spMkLst>
@@ -4250,6 +4401,14 @@
             <ac:spMk id="85" creationId="{B68742E4-6891-4DD0-A203-0F9FDC43DECB}"/>
           </ac:spMkLst>
         </pc:spChg>
+        <pc:picChg chg="mod">
+          <ac:chgData name="John Hartley" userId="a170d456-558b-4bfb-8993-eab8e1306763" providerId="ADAL" clId="{3101FC71-147B-4B5D-AD4F-350F54B2E346}" dt="2021-10-06T03:20:53.707" v="2168" actId="555"/>
+          <ac:picMkLst>
+            <pc:docMk/>
+            <pc:sldMk cId="4258310586" sldId="2147328252"/>
+            <ac:picMk id="46" creationId="{88729566-346C-4CAA-AF1F-79556851B48D}"/>
+          </ac:picMkLst>
+        </pc:picChg>
         <pc:cxnChg chg="mod">
           <ac:chgData name="John Hartley" userId="a170d456-558b-4bfb-8993-eab8e1306763" providerId="ADAL" clId="{3101FC71-147B-4B5D-AD4F-350F54B2E346}" dt="2021-10-06T00:25:05.790" v="1701" actId="14100"/>
           <ac:cxnSpMkLst>
@@ -7246,13 +7405,8 @@
             </a:r>
             <a:r>
               <a:rPr lang="en-AU" dirty="0"/>
-              <a:t> </a:t>
+              <a:t> Multi-Cloud</a:t>
             </a:r>
-            <a:r>
-              <a:rPr lang="en-AU" dirty="0" err="1"/>
-              <a:t>Multicloud</a:t>
-            </a:r>
-            <a:endParaRPr lang="en-AU" dirty="0"/>
           </a:p>
         </p:txBody>
       </p:sp>
@@ -11289,7 +11443,7 @@
         </p:blipFill>
         <p:spPr>
           <a:xfrm>
-            <a:off x="165264" y="2326514"/>
+            <a:off x="115734" y="2326514"/>
             <a:ext cx="443328" cy="471834"/>
           </a:xfrm>
           <a:prstGeom prst="rect">
@@ -12636,6 +12790,984 @@
           </a:p>
         </p:txBody>
       </p:sp>
+      <p:sp>
+        <p:nvSpPr>
+          <p:cNvPr id="31" name="Freeform 103">
+            <a:extLst>
+              <a:ext uri="{FF2B5EF4-FFF2-40B4-BE49-F238E27FC236}">
+                <a16:creationId xmlns:a16="http://schemas.microsoft.com/office/drawing/2014/main" id="{4D5729A0-7EFF-4E51-927F-E23730B4C897}"/>
+              </a:ext>
+            </a:extLst>
+          </p:cNvPr>
+          <p:cNvSpPr>
+            <a:spLocks noChangeArrowheads="1"/>
+          </p:cNvSpPr>
+          <p:nvPr/>
+        </p:nvSpPr>
+        <p:spPr bwMode="auto">
+          <a:xfrm>
+            <a:off x="488141" y="2512877"/>
+            <a:ext cx="276513" cy="266421"/>
+          </a:xfrm>
+          <a:custGeom>
+            <a:avLst/>
+            <a:gdLst>
+              <a:gd name="T0" fmla="*/ 0 w 1285"/>
+              <a:gd name="T1" fmla="*/ 423 h 1272"/>
+              <a:gd name="T2" fmla="*/ 81 w 1285"/>
+              <a:gd name="T3" fmla="*/ 301 h 1272"/>
+              <a:gd name="T4" fmla="*/ 81 w 1285"/>
+              <a:gd name="T5" fmla="*/ 142 h 1272"/>
+              <a:gd name="T6" fmla="*/ 223 w 1285"/>
+              <a:gd name="T7" fmla="*/ 111 h 1272"/>
+              <a:gd name="T8" fmla="*/ 340 w 1285"/>
+              <a:gd name="T9" fmla="*/ 0 h 1272"/>
+              <a:gd name="T10" fmla="*/ 463 w 1285"/>
+              <a:gd name="T11" fmla="*/ 78 h 1272"/>
+              <a:gd name="T12" fmla="*/ 621 w 1285"/>
+              <a:gd name="T13" fmla="*/ 84 h 1272"/>
+              <a:gd name="T14" fmla="*/ 652 w 1285"/>
+              <a:gd name="T15" fmla="*/ 226 h 1272"/>
+              <a:gd name="T16" fmla="*/ 760 w 1285"/>
+              <a:gd name="T17" fmla="*/ 338 h 1272"/>
+              <a:gd name="T18" fmla="*/ 680 w 1285"/>
+              <a:gd name="T19" fmla="*/ 460 h 1272"/>
+              <a:gd name="T20" fmla="*/ 679 w 1285"/>
+              <a:gd name="T21" fmla="*/ 619 h 1272"/>
+              <a:gd name="T22" fmla="*/ 534 w 1285"/>
+              <a:gd name="T23" fmla="*/ 648 h 1272"/>
+              <a:gd name="T24" fmla="*/ 419 w 1285"/>
+              <a:gd name="T25" fmla="*/ 761 h 1272"/>
+              <a:gd name="T26" fmla="*/ 296 w 1285"/>
+              <a:gd name="T27" fmla="*/ 676 h 1272"/>
+              <a:gd name="T28" fmla="*/ 139 w 1285"/>
+              <a:gd name="T29" fmla="*/ 677 h 1272"/>
+              <a:gd name="T30" fmla="*/ 112 w 1285"/>
+              <a:gd name="T31" fmla="*/ 530 h 1272"/>
+              <a:gd name="T32" fmla="*/ 246 w 1285"/>
+              <a:gd name="T33" fmla="*/ 378 h 1272"/>
+              <a:gd name="T34" fmla="*/ 382 w 1285"/>
+              <a:gd name="T35" fmla="*/ 242 h 1272"/>
+              <a:gd name="T36" fmla="*/ 962 w 1285"/>
+              <a:gd name="T37" fmla="*/ 590 h 1272"/>
+              <a:gd name="T38" fmla="*/ 1194 w 1285"/>
+              <a:gd name="T39" fmla="*/ 484 h 1272"/>
+              <a:gd name="T40" fmla="*/ 1210 w 1285"/>
+              <a:gd name="T41" fmla="*/ 615 h 1272"/>
+              <a:gd name="T42" fmla="*/ 1283 w 1285"/>
+              <a:gd name="T43" fmla="*/ 704 h 1272"/>
+              <a:gd name="T44" fmla="*/ 1201 w 1285"/>
+              <a:gd name="T45" fmla="*/ 809 h 1272"/>
+              <a:gd name="T46" fmla="*/ 1191 w 1285"/>
+              <a:gd name="T47" fmla="*/ 925 h 1272"/>
+              <a:gd name="T48" fmla="*/ 1056 w 1285"/>
+              <a:gd name="T49" fmla="*/ 940 h 1272"/>
+              <a:gd name="T50" fmla="*/ 967 w 1285"/>
+              <a:gd name="T51" fmla="*/ 1016 h 1272"/>
+              <a:gd name="T52" fmla="*/ 864 w 1285"/>
+              <a:gd name="T53" fmla="*/ 931 h 1272"/>
+              <a:gd name="T54" fmla="*/ 747 w 1285"/>
+              <a:gd name="T55" fmla="*/ 922 h 1272"/>
+              <a:gd name="T56" fmla="*/ 734 w 1285"/>
+              <a:gd name="T57" fmla="*/ 792 h 1272"/>
+              <a:gd name="T58" fmla="*/ 658 w 1285"/>
+              <a:gd name="T59" fmla="*/ 702 h 1272"/>
+              <a:gd name="T60" fmla="*/ 739 w 1285"/>
+              <a:gd name="T61" fmla="*/ 597 h 1272"/>
+              <a:gd name="T62" fmla="*/ 750 w 1285"/>
+              <a:gd name="T63" fmla="*/ 481 h 1272"/>
+              <a:gd name="T64" fmla="*/ 885 w 1285"/>
+              <a:gd name="T65" fmla="*/ 462 h 1272"/>
+              <a:gd name="T66" fmla="*/ 974 w 1285"/>
+              <a:gd name="T67" fmla="*/ 390 h 1272"/>
+              <a:gd name="T68" fmla="*/ 1081 w 1285"/>
+              <a:gd name="T69" fmla="*/ 471 h 1272"/>
+              <a:gd name="T70" fmla="*/ 1194 w 1285"/>
+              <a:gd name="T71" fmla="*/ 484 h 1272"/>
+              <a:gd name="T72" fmla="*/ 504 w 1285"/>
+              <a:gd name="T73" fmla="*/ 1105 h 1272"/>
+              <a:gd name="T74" fmla="*/ 282 w 1285"/>
+              <a:gd name="T75" fmla="*/ 964 h 1272"/>
+              <a:gd name="T76" fmla="*/ 311 w 1285"/>
+              <a:gd name="T77" fmla="*/ 894 h 1272"/>
+              <a:gd name="T78" fmla="*/ 385 w 1285"/>
+              <a:gd name="T79" fmla="*/ 822 h 1272"/>
+              <a:gd name="T80" fmla="*/ 457 w 1285"/>
+              <a:gd name="T81" fmla="*/ 793 h 1272"/>
+              <a:gd name="T82" fmla="*/ 560 w 1285"/>
+              <a:gd name="T83" fmla="*/ 794 h 1272"/>
+              <a:gd name="T84" fmla="*/ 629 w 1285"/>
+              <a:gd name="T85" fmla="*/ 825 h 1272"/>
+              <a:gd name="T86" fmla="*/ 701 w 1285"/>
+              <a:gd name="T87" fmla="*/ 899 h 1272"/>
+              <a:gd name="T88" fmla="*/ 728 w 1285"/>
+              <a:gd name="T89" fmla="*/ 967 h 1272"/>
+              <a:gd name="T90" fmla="*/ 727 w 1285"/>
+              <a:gd name="T91" fmla="*/ 1070 h 1272"/>
+              <a:gd name="T92" fmla="*/ 698 w 1285"/>
+              <a:gd name="T93" fmla="*/ 1140 h 1272"/>
+              <a:gd name="T94" fmla="*/ 624 w 1285"/>
+              <a:gd name="T95" fmla="*/ 1212 h 1272"/>
+              <a:gd name="T96" fmla="*/ 552 w 1285"/>
+              <a:gd name="T97" fmla="*/ 1241 h 1272"/>
+              <a:gd name="T98" fmla="*/ 449 w 1285"/>
+              <a:gd name="T99" fmla="*/ 1239 h 1272"/>
+              <a:gd name="T100" fmla="*/ 380 w 1285"/>
+              <a:gd name="T101" fmla="*/ 1209 h 1272"/>
+              <a:gd name="T102" fmla="*/ 308 w 1285"/>
+              <a:gd name="T103" fmla="*/ 1135 h 1272"/>
+              <a:gd name="T104" fmla="*/ 281 w 1285"/>
+              <a:gd name="T105" fmla="*/ 1067 h 1272"/>
+              <a:gd name="T106" fmla="*/ 282 w 1285"/>
+              <a:gd name="T107" fmla="*/ 964 h 1272"/>
+            </a:gdLst>
+            <a:ahLst/>
+            <a:cxnLst>
+              <a:cxn ang="0">
+                <a:pos x="T0" y="T1"/>
+              </a:cxn>
+              <a:cxn ang="0">
+                <a:pos x="T2" y="T3"/>
+              </a:cxn>
+              <a:cxn ang="0">
+                <a:pos x="T4" y="T5"/>
+              </a:cxn>
+              <a:cxn ang="0">
+                <a:pos x="T6" y="T7"/>
+              </a:cxn>
+              <a:cxn ang="0">
+                <a:pos x="T8" y="T9"/>
+              </a:cxn>
+              <a:cxn ang="0">
+                <a:pos x="T10" y="T11"/>
+              </a:cxn>
+              <a:cxn ang="0">
+                <a:pos x="T12" y="T13"/>
+              </a:cxn>
+              <a:cxn ang="0">
+                <a:pos x="T14" y="T15"/>
+              </a:cxn>
+              <a:cxn ang="0">
+                <a:pos x="T16" y="T17"/>
+              </a:cxn>
+              <a:cxn ang="0">
+                <a:pos x="T18" y="T19"/>
+              </a:cxn>
+              <a:cxn ang="0">
+                <a:pos x="T20" y="T21"/>
+              </a:cxn>
+              <a:cxn ang="0">
+                <a:pos x="T22" y="T23"/>
+              </a:cxn>
+              <a:cxn ang="0">
+                <a:pos x="T24" y="T25"/>
+              </a:cxn>
+              <a:cxn ang="0">
+                <a:pos x="T26" y="T27"/>
+              </a:cxn>
+              <a:cxn ang="0">
+                <a:pos x="T28" y="T29"/>
+              </a:cxn>
+              <a:cxn ang="0">
+                <a:pos x="T30" y="T31"/>
+              </a:cxn>
+              <a:cxn ang="0">
+                <a:pos x="T32" y="T33"/>
+              </a:cxn>
+              <a:cxn ang="0">
+                <a:pos x="T34" y="T35"/>
+              </a:cxn>
+              <a:cxn ang="0">
+                <a:pos x="T36" y="T37"/>
+              </a:cxn>
+              <a:cxn ang="0">
+                <a:pos x="T38" y="T39"/>
+              </a:cxn>
+              <a:cxn ang="0">
+                <a:pos x="T40" y="T41"/>
+              </a:cxn>
+              <a:cxn ang="0">
+                <a:pos x="T42" y="T43"/>
+              </a:cxn>
+              <a:cxn ang="0">
+                <a:pos x="T44" y="T45"/>
+              </a:cxn>
+              <a:cxn ang="0">
+                <a:pos x="T46" y="T47"/>
+              </a:cxn>
+              <a:cxn ang="0">
+                <a:pos x="T48" y="T49"/>
+              </a:cxn>
+              <a:cxn ang="0">
+                <a:pos x="T50" y="T51"/>
+              </a:cxn>
+              <a:cxn ang="0">
+                <a:pos x="T52" y="T53"/>
+              </a:cxn>
+              <a:cxn ang="0">
+                <a:pos x="T54" y="T55"/>
+              </a:cxn>
+              <a:cxn ang="0">
+                <a:pos x="T56" y="T57"/>
+              </a:cxn>
+              <a:cxn ang="0">
+                <a:pos x="T58" y="T59"/>
+              </a:cxn>
+              <a:cxn ang="0">
+                <a:pos x="T60" y="T61"/>
+              </a:cxn>
+              <a:cxn ang="0">
+                <a:pos x="T62" y="T63"/>
+              </a:cxn>
+              <a:cxn ang="0">
+                <a:pos x="T64" y="T65"/>
+              </a:cxn>
+              <a:cxn ang="0">
+                <a:pos x="T66" y="T67"/>
+              </a:cxn>
+              <a:cxn ang="0">
+                <a:pos x="T68" y="T69"/>
+              </a:cxn>
+              <a:cxn ang="0">
+                <a:pos x="T70" y="T71"/>
+              </a:cxn>
+              <a:cxn ang="0">
+                <a:pos x="T72" y="T73"/>
+              </a:cxn>
+              <a:cxn ang="0">
+                <a:pos x="T74" y="T75"/>
+              </a:cxn>
+              <a:cxn ang="0">
+                <a:pos x="T76" y="T77"/>
+              </a:cxn>
+              <a:cxn ang="0">
+                <a:pos x="T78" y="T79"/>
+              </a:cxn>
+              <a:cxn ang="0">
+                <a:pos x="T80" y="T81"/>
+              </a:cxn>
+              <a:cxn ang="0">
+                <a:pos x="T82" y="T83"/>
+              </a:cxn>
+              <a:cxn ang="0">
+                <a:pos x="T84" y="T85"/>
+              </a:cxn>
+              <a:cxn ang="0">
+                <a:pos x="T86" y="T87"/>
+              </a:cxn>
+              <a:cxn ang="0">
+                <a:pos x="T88" y="T89"/>
+              </a:cxn>
+              <a:cxn ang="0">
+                <a:pos x="T90" y="T91"/>
+              </a:cxn>
+              <a:cxn ang="0">
+                <a:pos x="T92" y="T93"/>
+              </a:cxn>
+              <a:cxn ang="0">
+                <a:pos x="T94" y="T95"/>
+              </a:cxn>
+              <a:cxn ang="0">
+                <a:pos x="T96" y="T97"/>
+              </a:cxn>
+              <a:cxn ang="0">
+                <a:pos x="T98" y="T99"/>
+              </a:cxn>
+              <a:cxn ang="0">
+                <a:pos x="T100" y="T101"/>
+              </a:cxn>
+              <a:cxn ang="0">
+                <a:pos x="T102" y="T103"/>
+              </a:cxn>
+              <a:cxn ang="0">
+                <a:pos x="T104" y="T105"/>
+              </a:cxn>
+              <a:cxn ang="0">
+                <a:pos x="T106" y="T107"/>
+              </a:cxn>
+            </a:cxnLst>
+            <a:rect l="0" t="0" r="r" b="b"/>
+            <a:pathLst>
+              <a:path w="1285" h="1272">
+                <a:moveTo>
+                  <a:pt x="84" y="464"/>
+                </a:moveTo>
+                <a:lnTo>
+                  <a:pt x="30" y="458"/>
+                </a:lnTo>
+                <a:cubicBezTo>
+                  <a:pt x="13" y="456"/>
+                  <a:pt x="0" y="441"/>
+                  <a:pt x="0" y="423"/>
+                </a:cubicBezTo>
+                <a:lnTo>
+                  <a:pt x="0" y="341"/>
+                </a:lnTo>
+                <a:cubicBezTo>
+                  <a:pt x="0" y="323"/>
+                  <a:pt x="13" y="309"/>
+                  <a:pt x="30" y="307"/>
+                </a:cubicBezTo>
+                <a:lnTo>
+                  <a:pt x="81" y="301"/>
+                </a:lnTo>
+                <a:cubicBezTo>
+                  <a:pt x="87" y="275"/>
+                  <a:pt x="97" y="251"/>
+                  <a:pt x="110" y="228"/>
+                </a:cubicBezTo>
+                <a:lnTo>
+                  <a:pt x="78" y="188"/>
+                </a:lnTo>
+                <a:cubicBezTo>
+                  <a:pt x="67" y="174"/>
+                  <a:pt x="68" y="154"/>
+                  <a:pt x="81" y="142"/>
+                </a:cubicBezTo>
+                <a:lnTo>
+                  <a:pt x="139" y="84"/>
+                </a:lnTo>
+                <a:cubicBezTo>
+                  <a:pt x="151" y="71"/>
+                  <a:pt x="171" y="70"/>
+                  <a:pt x="185" y="81"/>
+                </a:cubicBezTo>
+                <a:lnTo>
+                  <a:pt x="223" y="111"/>
+                </a:lnTo>
+                <a:cubicBezTo>
+                  <a:pt x="247" y="97"/>
+                  <a:pt x="273" y="86"/>
+                  <a:pt x="300" y="78"/>
+                </a:cubicBezTo>
+                <a:lnTo>
+                  <a:pt x="306" y="31"/>
+                </a:lnTo>
+                <a:cubicBezTo>
+                  <a:pt x="308" y="14"/>
+                  <a:pt x="323" y="0"/>
+                  <a:pt x="340" y="0"/>
+                </a:cubicBezTo>
+                <a:lnTo>
+                  <a:pt x="423" y="0"/>
+                </a:lnTo>
+                <a:cubicBezTo>
+                  <a:pt x="440" y="0"/>
+                  <a:pt x="455" y="14"/>
+                  <a:pt x="457" y="31"/>
+                </a:cubicBezTo>
+                <a:lnTo>
+                  <a:pt x="463" y="78"/>
+                </a:lnTo>
+                <a:cubicBezTo>
+                  <a:pt x="489" y="86"/>
+                  <a:pt x="515" y="96"/>
+                  <a:pt x="538" y="110"/>
+                </a:cubicBezTo>
+                <a:lnTo>
+                  <a:pt x="575" y="81"/>
+                </a:lnTo>
+                <a:cubicBezTo>
+                  <a:pt x="589" y="70"/>
+                  <a:pt x="608" y="71"/>
+                  <a:pt x="621" y="84"/>
+                </a:cubicBezTo>
+                <a:lnTo>
+                  <a:pt x="679" y="142"/>
+                </a:lnTo>
+                <a:cubicBezTo>
+                  <a:pt x="691" y="154"/>
+                  <a:pt x="693" y="174"/>
+                  <a:pt x="682" y="188"/>
+                </a:cubicBezTo>
+                <a:lnTo>
+                  <a:pt x="652" y="226"/>
+                </a:lnTo>
+                <a:cubicBezTo>
+                  <a:pt x="664" y="248"/>
+                  <a:pt x="674" y="272"/>
+                  <a:pt x="681" y="297"/>
+                </a:cubicBezTo>
+                <a:lnTo>
+                  <a:pt x="729" y="303"/>
+                </a:lnTo>
+                <a:cubicBezTo>
+                  <a:pt x="747" y="305"/>
+                  <a:pt x="760" y="320"/>
+                  <a:pt x="760" y="338"/>
+                </a:cubicBezTo>
+                <a:lnTo>
+                  <a:pt x="760" y="420"/>
+                </a:lnTo>
+                <a:cubicBezTo>
+                  <a:pt x="760" y="437"/>
+                  <a:pt x="747" y="452"/>
+                  <a:pt x="729" y="454"/>
+                </a:cubicBezTo>
+                <a:lnTo>
+                  <a:pt x="680" y="460"/>
+                </a:lnTo>
+                <a:cubicBezTo>
+                  <a:pt x="673" y="485"/>
+                  <a:pt x="663" y="510"/>
+                  <a:pt x="650" y="533"/>
+                </a:cubicBezTo>
+                <a:lnTo>
+                  <a:pt x="682" y="573"/>
+                </a:lnTo>
+                <a:cubicBezTo>
+                  <a:pt x="693" y="587"/>
+                  <a:pt x="692" y="607"/>
+                  <a:pt x="679" y="619"/>
+                </a:cubicBezTo>
+                <a:lnTo>
+                  <a:pt x="621" y="677"/>
+                </a:lnTo>
+                <a:cubicBezTo>
+                  <a:pt x="608" y="690"/>
+                  <a:pt x="589" y="691"/>
+                  <a:pt x="575" y="680"/>
+                </a:cubicBezTo>
+                <a:lnTo>
+                  <a:pt x="534" y="648"/>
+                </a:lnTo>
+                <a:cubicBezTo>
+                  <a:pt x="511" y="661"/>
+                  <a:pt x="486" y="671"/>
+                  <a:pt x="460" y="678"/>
+                </a:cubicBezTo>
+                <a:lnTo>
+                  <a:pt x="454" y="730"/>
+                </a:lnTo>
+                <a:cubicBezTo>
+                  <a:pt x="452" y="748"/>
+                  <a:pt x="437" y="761"/>
+                  <a:pt x="419" y="761"/>
+                </a:cubicBezTo>
+                <a:lnTo>
+                  <a:pt x="337" y="761"/>
+                </a:lnTo>
+                <a:cubicBezTo>
+                  <a:pt x="319" y="761"/>
+                  <a:pt x="305" y="748"/>
+                  <a:pt x="303" y="730"/>
+                </a:cubicBezTo>
+                <a:lnTo>
+                  <a:pt x="296" y="676"/>
+                </a:lnTo>
+                <a:cubicBezTo>
+                  <a:pt x="272" y="669"/>
+                  <a:pt x="249" y="659"/>
+                  <a:pt x="227" y="646"/>
+                </a:cubicBezTo>
+                <a:lnTo>
+                  <a:pt x="185" y="680"/>
+                </a:lnTo>
+                <a:cubicBezTo>
+                  <a:pt x="171" y="691"/>
+                  <a:pt x="151" y="690"/>
+                  <a:pt x="139" y="677"/>
+                </a:cubicBezTo>
+                <a:lnTo>
+                  <a:pt x="81" y="619"/>
+                </a:lnTo>
+                <a:cubicBezTo>
+                  <a:pt x="68" y="607"/>
+                  <a:pt x="67" y="587"/>
+                  <a:pt x="78" y="573"/>
+                </a:cubicBezTo>
+                <a:lnTo>
+                  <a:pt x="112" y="530"/>
+                </a:lnTo>
+                <a:cubicBezTo>
+                  <a:pt x="100" y="509"/>
+                  <a:pt x="91" y="487"/>
+                  <a:pt x="84" y="464"/>
+                </a:cubicBezTo>
+                <a:close/>
+                <a:moveTo>
+                  <a:pt x="382" y="242"/>
+                </a:moveTo>
+                <a:cubicBezTo>
+                  <a:pt x="307" y="242"/>
+                  <a:pt x="246" y="303"/>
+                  <a:pt x="246" y="378"/>
+                </a:cubicBezTo>
+                <a:cubicBezTo>
+                  <a:pt x="246" y="452"/>
+                  <a:pt x="307" y="513"/>
+                  <a:pt x="382" y="513"/>
+                </a:cubicBezTo>
+                <a:cubicBezTo>
+                  <a:pt x="456" y="513"/>
+                  <a:pt x="517" y="452"/>
+                  <a:pt x="517" y="378"/>
+                </a:cubicBezTo>
+                <a:cubicBezTo>
+                  <a:pt x="517" y="303"/>
+                  <a:pt x="456" y="242"/>
+                  <a:pt x="382" y="242"/>
+                </a:cubicBezTo>
+                <a:close/>
+                <a:moveTo>
+                  <a:pt x="981" y="811"/>
+                </a:moveTo>
+                <a:cubicBezTo>
+                  <a:pt x="1042" y="806"/>
+                  <a:pt x="1088" y="752"/>
+                  <a:pt x="1082" y="691"/>
+                </a:cubicBezTo>
+                <a:cubicBezTo>
+                  <a:pt x="1077" y="630"/>
+                  <a:pt x="1023" y="584"/>
+                  <a:pt x="962" y="590"/>
+                </a:cubicBezTo>
+                <a:cubicBezTo>
+                  <a:pt x="901" y="595"/>
+                  <a:pt x="855" y="649"/>
+                  <a:pt x="861" y="710"/>
+                </a:cubicBezTo>
+                <a:cubicBezTo>
+                  <a:pt x="866" y="771"/>
+                  <a:pt x="920" y="817"/>
+                  <a:pt x="981" y="811"/>
+                </a:cubicBezTo>
+                <a:close/>
+                <a:moveTo>
+                  <a:pt x="1194" y="484"/>
+                </a:moveTo>
+                <a:cubicBezTo>
+                  <a:pt x="1207" y="496"/>
+                  <a:pt x="1210" y="515"/>
+                  <a:pt x="1200" y="530"/>
+                </a:cubicBezTo>
+                <a:lnTo>
+                  <a:pt x="1181" y="558"/>
+                </a:lnTo>
+                <a:cubicBezTo>
+                  <a:pt x="1193" y="576"/>
+                  <a:pt x="1203" y="595"/>
+                  <a:pt x="1210" y="615"/>
+                </a:cubicBezTo>
+                <a:lnTo>
+                  <a:pt x="1245" y="616"/>
+                </a:lnTo>
+                <a:cubicBezTo>
+                  <a:pt x="1262" y="616"/>
+                  <a:pt x="1276" y="630"/>
+                  <a:pt x="1278" y="647"/>
+                </a:cubicBezTo>
+                <a:lnTo>
+                  <a:pt x="1283" y="704"/>
+                </a:lnTo>
+                <a:cubicBezTo>
+                  <a:pt x="1284" y="721"/>
+                  <a:pt x="1272" y="737"/>
+                  <a:pt x="1255" y="741"/>
+                </a:cubicBezTo>
+                <a:lnTo>
+                  <a:pt x="1221" y="748"/>
+                </a:lnTo>
+                <a:cubicBezTo>
+                  <a:pt x="1217" y="769"/>
+                  <a:pt x="1210" y="789"/>
+                  <a:pt x="1201" y="809"/>
+                </a:cubicBezTo>
+                <a:lnTo>
+                  <a:pt x="1226" y="836"/>
+                </a:lnTo>
+                <a:cubicBezTo>
+                  <a:pt x="1238" y="848"/>
+                  <a:pt x="1239" y="868"/>
+                  <a:pt x="1227" y="881"/>
+                </a:cubicBezTo>
+                <a:lnTo>
+                  <a:pt x="1191" y="925"/>
+                </a:lnTo>
+                <a:cubicBezTo>
+                  <a:pt x="1180" y="938"/>
+                  <a:pt x="1160" y="941"/>
+                  <a:pt x="1146" y="931"/>
+                </a:cubicBezTo>
+                <a:lnTo>
+                  <a:pt x="1114" y="911"/>
+                </a:lnTo>
+                <a:cubicBezTo>
+                  <a:pt x="1096" y="923"/>
+                  <a:pt x="1077" y="933"/>
+                  <a:pt x="1056" y="940"/>
+                </a:cubicBezTo>
+                <a:lnTo>
+                  <a:pt x="1055" y="978"/>
+                </a:lnTo>
+                <a:cubicBezTo>
+                  <a:pt x="1054" y="996"/>
+                  <a:pt x="1041" y="1010"/>
+                  <a:pt x="1023" y="1011"/>
+                </a:cubicBezTo>
+                <a:lnTo>
+                  <a:pt x="967" y="1016"/>
+                </a:lnTo>
+                <a:cubicBezTo>
+                  <a:pt x="949" y="1017"/>
+                  <a:pt x="934" y="1006"/>
+                  <a:pt x="930" y="989"/>
+                </a:cubicBezTo>
+                <a:lnTo>
+                  <a:pt x="922" y="950"/>
+                </a:lnTo>
+                <a:cubicBezTo>
+                  <a:pt x="902" y="946"/>
+                  <a:pt x="883" y="939"/>
+                  <a:pt x="864" y="931"/>
+                </a:cubicBezTo>
+                <a:lnTo>
+                  <a:pt x="836" y="957"/>
+                </a:lnTo>
+                <a:cubicBezTo>
+                  <a:pt x="823" y="969"/>
+                  <a:pt x="803" y="970"/>
+                  <a:pt x="790" y="958"/>
+                </a:cubicBezTo>
+                <a:lnTo>
+                  <a:pt x="747" y="922"/>
+                </a:lnTo>
+                <a:cubicBezTo>
+                  <a:pt x="733" y="911"/>
+                  <a:pt x="730" y="891"/>
+                  <a:pt x="740" y="877"/>
+                </a:cubicBezTo>
+                <a:lnTo>
+                  <a:pt x="762" y="844"/>
+                </a:lnTo>
+                <a:cubicBezTo>
+                  <a:pt x="751" y="828"/>
+                  <a:pt x="741" y="810"/>
+                  <a:pt x="734" y="792"/>
+                </a:cubicBezTo>
+                <a:lnTo>
+                  <a:pt x="696" y="790"/>
+                </a:lnTo>
+                <a:cubicBezTo>
+                  <a:pt x="678" y="790"/>
+                  <a:pt x="664" y="776"/>
+                  <a:pt x="662" y="759"/>
+                </a:cubicBezTo>
+                <a:lnTo>
+                  <a:pt x="658" y="702"/>
+                </a:lnTo>
+                <a:cubicBezTo>
+                  <a:pt x="656" y="685"/>
+                  <a:pt x="668" y="669"/>
+                  <a:pt x="685" y="666"/>
+                </a:cubicBezTo>
+                <a:lnTo>
+                  <a:pt x="721" y="658"/>
+                </a:lnTo>
+                <a:cubicBezTo>
+                  <a:pt x="725" y="637"/>
+                  <a:pt x="731" y="617"/>
+                  <a:pt x="739" y="597"/>
+                </a:cubicBezTo>
+                <a:lnTo>
+                  <a:pt x="714" y="571"/>
+                </a:lnTo>
+                <a:cubicBezTo>
+                  <a:pt x="702" y="558"/>
+                  <a:pt x="702" y="538"/>
+                  <a:pt x="713" y="525"/>
+                </a:cubicBezTo>
+                <a:lnTo>
+                  <a:pt x="750" y="481"/>
+                </a:lnTo>
+                <a:cubicBezTo>
+                  <a:pt x="761" y="468"/>
+                  <a:pt x="780" y="465"/>
+                  <a:pt x="795" y="475"/>
+                </a:cubicBezTo>
+                <a:lnTo>
+                  <a:pt x="824" y="494"/>
+                </a:lnTo>
+                <a:cubicBezTo>
+                  <a:pt x="842" y="480"/>
+                  <a:pt x="863" y="470"/>
+                  <a:pt x="885" y="462"/>
+                </a:cubicBezTo>
+                <a:lnTo>
+                  <a:pt x="886" y="428"/>
+                </a:lnTo>
+                <a:cubicBezTo>
+                  <a:pt x="886" y="411"/>
+                  <a:pt x="900" y="396"/>
+                  <a:pt x="917" y="395"/>
+                </a:cubicBezTo>
+                <a:lnTo>
+                  <a:pt x="974" y="390"/>
+                </a:lnTo>
+                <a:cubicBezTo>
+                  <a:pt x="991" y="389"/>
+                  <a:pt x="1007" y="401"/>
+                  <a:pt x="1010" y="418"/>
+                </a:cubicBezTo>
+                <a:lnTo>
+                  <a:pt x="1017" y="451"/>
+                </a:lnTo>
+                <a:cubicBezTo>
+                  <a:pt x="1039" y="455"/>
+                  <a:pt x="1061" y="462"/>
+                  <a:pt x="1081" y="471"/>
+                </a:cubicBezTo>
+                <a:lnTo>
+                  <a:pt x="1105" y="449"/>
+                </a:lnTo>
+                <a:cubicBezTo>
+                  <a:pt x="1118" y="437"/>
+                  <a:pt x="1137" y="436"/>
+                  <a:pt x="1151" y="448"/>
+                </a:cubicBezTo>
+                <a:lnTo>
+                  <a:pt x="1194" y="484"/>
+                </a:lnTo>
+                <a:close/>
+                <a:moveTo>
+                  <a:pt x="507" y="924"/>
+                </a:moveTo>
+                <a:cubicBezTo>
+                  <a:pt x="457" y="924"/>
+                  <a:pt x="415" y="964"/>
+                  <a:pt x="415" y="1014"/>
+                </a:cubicBezTo>
+                <a:cubicBezTo>
+                  <a:pt x="414" y="1064"/>
+                  <a:pt x="454" y="1105"/>
+                  <a:pt x="504" y="1105"/>
+                </a:cubicBezTo>
+                <a:cubicBezTo>
+                  <a:pt x="554" y="1106"/>
+                  <a:pt x="596" y="1066"/>
+                  <a:pt x="596" y="1016"/>
+                </a:cubicBezTo>
+                <a:cubicBezTo>
+                  <a:pt x="597" y="966"/>
+                  <a:pt x="557" y="925"/>
+                  <a:pt x="507" y="924"/>
+                </a:cubicBezTo>
+                <a:close/>
+                <a:moveTo>
+                  <a:pt x="282" y="964"/>
+                </a:moveTo>
+                <a:lnTo>
+                  <a:pt x="306" y="961"/>
+                </a:lnTo>
+                <a:cubicBezTo>
+                  <a:pt x="310" y="944"/>
+                  <a:pt x="317" y="928"/>
+                  <a:pt x="326" y="913"/>
+                </a:cubicBezTo>
+                <a:lnTo>
+                  <a:pt x="311" y="894"/>
+                </a:lnTo>
+                <a:cubicBezTo>
+                  <a:pt x="300" y="880"/>
+                  <a:pt x="301" y="860"/>
+                  <a:pt x="314" y="848"/>
+                </a:cubicBezTo>
+                <a:lnTo>
+                  <a:pt x="339" y="824"/>
+                </a:lnTo>
+                <a:cubicBezTo>
+                  <a:pt x="352" y="811"/>
+                  <a:pt x="371" y="811"/>
+                  <a:pt x="385" y="822"/>
+                </a:cubicBezTo>
+                <a:lnTo>
+                  <a:pt x="402" y="836"/>
+                </a:lnTo>
+                <a:cubicBezTo>
+                  <a:pt x="418" y="826"/>
+                  <a:pt x="436" y="819"/>
+                  <a:pt x="454" y="814"/>
+                </a:cubicBezTo>
+                <a:lnTo>
+                  <a:pt x="457" y="793"/>
+                </a:lnTo>
+                <a:cubicBezTo>
+                  <a:pt x="459" y="776"/>
+                  <a:pt x="474" y="763"/>
+                  <a:pt x="491" y="763"/>
+                </a:cubicBezTo>
+                <a:lnTo>
+                  <a:pt x="526" y="763"/>
+                </a:lnTo>
+                <a:cubicBezTo>
+                  <a:pt x="543" y="764"/>
+                  <a:pt x="558" y="777"/>
+                  <a:pt x="560" y="794"/>
+                </a:cubicBezTo>
+                <a:lnTo>
+                  <a:pt x="562" y="816"/>
+                </a:lnTo>
+                <a:cubicBezTo>
+                  <a:pt x="580" y="821"/>
+                  <a:pt x="596" y="828"/>
+                  <a:pt x="612" y="838"/>
+                </a:cubicBezTo>
+                <a:lnTo>
+                  <a:pt x="629" y="825"/>
+                </a:lnTo>
+                <a:cubicBezTo>
+                  <a:pt x="643" y="814"/>
+                  <a:pt x="662" y="815"/>
+                  <a:pt x="675" y="828"/>
+                </a:cubicBezTo>
+                <a:lnTo>
+                  <a:pt x="699" y="853"/>
+                </a:lnTo>
+                <a:cubicBezTo>
+                  <a:pt x="711" y="865"/>
+                  <a:pt x="712" y="885"/>
+                  <a:pt x="701" y="899"/>
+                </a:cubicBezTo>
+                <a:lnTo>
+                  <a:pt x="687" y="916"/>
+                </a:lnTo>
+                <a:cubicBezTo>
+                  <a:pt x="695" y="931"/>
+                  <a:pt x="702" y="947"/>
+                  <a:pt x="706" y="964"/>
+                </a:cubicBezTo>
+                <a:lnTo>
+                  <a:pt x="728" y="967"/>
+                </a:lnTo>
+                <a:cubicBezTo>
+                  <a:pt x="746" y="969"/>
+                  <a:pt x="759" y="984"/>
+                  <a:pt x="758" y="1001"/>
+                </a:cubicBezTo>
+                <a:lnTo>
+                  <a:pt x="758" y="1036"/>
+                </a:lnTo>
+                <a:cubicBezTo>
+                  <a:pt x="758" y="1054"/>
+                  <a:pt x="744" y="1068"/>
+                  <a:pt x="727" y="1070"/>
+                </a:cubicBezTo>
+                <a:lnTo>
+                  <a:pt x="704" y="1072"/>
+                </a:lnTo>
+                <a:cubicBezTo>
+                  <a:pt x="699" y="1089"/>
+                  <a:pt x="692" y="1105"/>
+                  <a:pt x="683" y="1121"/>
+                </a:cubicBezTo>
+                <a:lnTo>
+                  <a:pt x="698" y="1140"/>
+                </a:lnTo>
+                <a:cubicBezTo>
+                  <a:pt x="709" y="1154"/>
+                  <a:pt x="707" y="1173"/>
+                  <a:pt x="695" y="1185"/>
+                </a:cubicBezTo>
+                <a:lnTo>
+                  <a:pt x="670" y="1210"/>
+                </a:lnTo>
+                <a:cubicBezTo>
+                  <a:pt x="657" y="1222"/>
+                  <a:pt x="638" y="1223"/>
+                  <a:pt x="624" y="1212"/>
+                </a:cubicBezTo>
+                <a:lnTo>
+                  <a:pt x="605" y="1196"/>
+                </a:lnTo>
+                <a:cubicBezTo>
+                  <a:pt x="589" y="1205"/>
+                  <a:pt x="573" y="1211"/>
+                  <a:pt x="555" y="1215"/>
+                </a:cubicBezTo>
+                <a:lnTo>
+                  <a:pt x="552" y="1241"/>
+                </a:lnTo>
+                <a:cubicBezTo>
+                  <a:pt x="550" y="1258"/>
+                  <a:pt x="535" y="1271"/>
+                  <a:pt x="518" y="1271"/>
+                </a:cubicBezTo>
+                <a:lnTo>
+                  <a:pt x="483" y="1270"/>
+                </a:lnTo>
+                <a:cubicBezTo>
+                  <a:pt x="465" y="1270"/>
+                  <a:pt x="451" y="1257"/>
+                  <a:pt x="449" y="1239"/>
+                </a:cubicBezTo>
+                <a:lnTo>
+                  <a:pt x="446" y="1213"/>
+                </a:lnTo>
+                <a:cubicBezTo>
+                  <a:pt x="430" y="1208"/>
+                  <a:pt x="415" y="1201"/>
+                  <a:pt x="400" y="1193"/>
+                </a:cubicBezTo>
+                <a:lnTo>
+                  <a:pt x="380" y="1209"/>
+                </a:lnTo>
+                <a:cubicBezTo>
+                  <a:pt x="366" y="1219"/>
+                  <a:pt x="346" y="1218"/>
+                  <a:pt x="334" y="1206"/>
+                </a:cubicBezTo>
+                <a:lnTo>
+                  <a:pt x="310" y="1181"/>
+                </a:lnTo>
+                <a:cubicBezTo>
+                  <a:pt x="298" y="1168"/>
+                  <a:pt x="297" y="1149"/>
+                  <a:pt x="308" y="1135"/>
+                </a:cubicBezTo>
+                <a:lnTo>
+                  <a:pt x="324" y="1115"/>
+                </a:lnTo>
+                <a:cubicBezTo>
+                  <a:pt x="316" y="1101"/>
+                  <a:pt x="310" y="1086"/>
+                  <a:pt x="306" y="1070"/>
+                </a:cubicBezTo>
+                <a:lnTo>
+                  <a:pt x="281" y="1067"/>
+                </a:lnTo>
+                <a:cubicBezTo>
+                  <a:pt x="263" y="1065"/>
+                  <a:pt x="250" y="1050"/>
+                  <a:pt x="251" y="1032"/>
+                </a:cubicBezTo>
+                <a:lnTo>
+                  <a:pt x="251" y="997"/>
+                </a:lnTo>
+                <a:cubicBezTo>
+                  <a:pt x="251" y="980"/>
+                  <a:pt x="264" y="965"/>
+                  <a:pt x="282" y="964"/>
+                </a:cubicBezTo>
+                <a:close/>
+              </a:path>
+            </a:pathLst>
+          </a:custGeom>
+          <a:solidFill>
+            <a:schemeClr val="tx1"/>
+          </a:solidFill>
+          <a:ln>
+            <a:noFill/>
+          </a:ln>
+          <a:effectLst/>
+        </p:spPr>
+        <p:txBody>
+          <a:bodyPr wrap="none" anchor="ctr"/>
+          <a:lstStyle/>
+          <a:p>
+            <a:endParaRPr lang="en-US" sz="1889"/>
+          </a:p>
+        </p:txBody>
+      </p:sp>
     </p:spTree>
     <p:extLst>
       <p:ext uri="{BB962C8B-B14F-4D97-AF65-F5344CB8AC3E}">
@@ -12666,6 +13798,1081 @@
           <a:chExt cx="0" cy="0"/>
         </a:xfrm>
       </p:grpSpPr>
+      <p:sp>
+        <p:nvSpPr>
+          <p:cNvPr id="131" name="Rounded Rectangle 160">
+            <a:extLst>
+              <a:ext uri="{FF2B5EF4-FFF2-40B4-BE49-F238E27FC236}">
+                <a16:creationId xmlns:a16="http://schemas.microsoft.com/office/drawing/2014/main" id="{5A6744CB-5C27-44CA-B25A-BBCB8B222E61}"/>
+              </a:ext>
+            </a:extLst>
+          </p:cNvPr>
+          <p:cNvSpPr/>
+          <p:nvPr/>
+        </p:nvSpPr>
+        <p:spPr>
+          <a:xfrm>
+            <a:off x="144132" y="1908702"/>
+            <a:ext cx="673432" cy="769108"/>
+          </a:xfrm>
+          <a:prstGeom prst="roundRect">
+            <a:avLst/>
+          </a:prstGeom>
+          <a:solidFill>
+            <a:schemeClr val="bg1"/>
+          </a:solidFill>
+          <a:ln w="12700">
+            <a:solidFill>
+              <a:schemeClr val="tx1"/>
+            </a:solidFill>
+          </a:ln>
+        </p:spPr>
+        <p:style>
+          <a:lnRef idx="2">
+            <a:schemeClr val="accent1">
+              <a:shade val="50000"/>
+            </a:schemeClr>
+          </a:lnRef>
+          <a:fillRef idx="1">
+            <a:schemeClr val="accent1"/>
+          </a:fillRef>
+          <a:effectRef idx="0">
+            <a:schemeClr val="accent1"/>
+          </a:effectRef>
+          <a:fontRef idx="minor">
+            <a:schemeClr val="lt1"/>
+          </a:fontRef>
+        </p:style>
+        <p:txBody>
+          <a:bodyPr lIns="18000" tIns="18000" rIns="18000" bIns="18000" rtlCol="0" anchor="b"/>
+          <a:lstStyle/>
+          <a:p>
+            <a:pPr algn="ctr"/>
+            <a:r>
+              <a:rPr lang="en-AU" sz="1000" dirty="0">
+                <a:solidFill>
+                  <a:schemeClr val="tx1"/>
+                </a:solidFill>
+              </a:rPr>
+              <a:t>Customer / User</a:t>
+            </a:r>
+          </a:p>
+        </p:txBody>
+      </p:sp>
+      <p:pic>
+        <p:nvPicPr>
+          <p:cNvPr id="132" name="Picture 131">
+            <a:extLst>
+              <a:ext uri="{FF2B5EF4-FFF2-40B4-BE49-F238E27FC236}">
+                <a16:creationId xmlns:a16="http://schemas.microsoft.com/office/drawing/2014/main" id="{1A7802CD-902A-4CEB-A49E-EA31CD2596BD}"/>
+              </a:ext>
+            </a:extLst>
+          </p:cNvPr>
+          <p:cNvPicPr>
+            <a:picLocks noChangeAspect="1"/>
+          </p:cNvPicPr>
+          <p:nvPr/>
+        </p:nvPicPr>
+        <p:blipFill>
+          <a:blip r:embed="rId2" cstate="print">
+            <a:extLst>
+              <a:ext uri="{28A0092B-C50C-407E-A947-70E740481C1C}">
+                <a14:useLocalDpi xmlns:a14="http://schemas.microsoft.com/office/drawing/2010/main" val="0"/>
+              </a:ext>
+            </a:extLst>
+          </a:blip>
+          <a:stretch>
+            <a:fillRect/>
+          </a:stretch>
+        </p:blipFill>
+        <p:spPr>
+          <a:xfrm>
+            <a:off x="123989" y="1904874"/>
+            <a:ext cx="443328" cy="471834"/>
+          </a:xfrm>
+          <a:prstGeom prst="rect">
+            <a:avLst/>
+          </a:prstGeom>
+        </p:spPr>
+      </p:pic>
+      <p:sp>
+        <p:nvSpPr>
+          <p:cNvPr id="133" name="Freeform 103">
+            <a:extLst>
+              <a:ext uri="{FF2B5EF4-FFF2-40B4-BE49-F238E27FC236}">
+                <a16:creationId xmlns:a16="http://schemas.microsoft.com/office/drawing/2014/main" id="{3FD115D7-4C88-4C9B-8090-2BEAC1BF9018}"/>
+              </a:ext>
+            </a:extLst>
+          </p:cNvPr>
+          <p:cNvSpPr>
+            <a:spLocks noChangeArrowheads="1"/>
+          </p:cNvSpPr>
+          <p:nvPr/>
+        </p:nvSpPr>
+        <p:spPr bwMode="auto">
+          <a:xfrm>
+            <a:off x="517334" y="2091237"/>
+            <a:ext cx="276513" cy="266421"/>
+          </a:xfrm>
+          <a:custGeom>
+            <a:avLst/>
+            <a:gdLst>
+              <a:gd name="T0" fmla="*/ 0 w 1285"/>
+              <a:gd name="T1" fmla="*/ 423 h 1272"/>
+              <a:gd name="T2" fmla="*/ 81 w 1285"/>
+              <a:gd name="T3" fmla="*/ 301 h 1272"/>
+              <a:gd name="T4" fmla="*/ 81 w 1285"/>
+              <a:gd name="T5" fmla="*/ 142 h 1272"/>
+              <a:gd name="T6" fmla="*/ 223 w 1285"/>
+              <a:gd name="T7" fmla="*/ 111 h 1272"/>
+              <a:gd name="T8" fmla="*/ 340 w 1285"/>
+              <a:gd name="T9" fmla="*/ 0 h 1272"/>
+              <a:gd name="T10" fmla="*/ 463 w 1285"/>
+              <a:gd name="T11" fmla="*/ 78 h 1272"/>
+              <a:gd name="T12" fmla="*/ 621 w 1285"/>
+              <a:gd name="T13" fmla="*/ 84 h 1272"/>
+              <a:gd name="T14" fmla="*/ 652 w 1285"/>
+              <a:gd name="T15" fmla="*/ 226 h 1272"/>
+              <a:gd name="T16" fmla="*/ 760 w 1285"/>
+              <a:gd name="T17" fmla="*/ 338 h 1272"/>
+              <a:gd name="T18" fmla="*/ 680 w 1285"/>
+              <a:gd name="T19" fmla="*/ 460 h 1272"/>
+              <a:gd name="T20" fmla="*/ 679 w 1285"/>
+              <a:gd name="T21" fmla="*/ 619 h 1272"/>
+              <a:gd name="T22" fmla="*/ 534 w 1285"/>
+              <a:gd name="T23" fmla="*/ 648 h 1272"/>
+              <a:gd name="T24" fmla="*/ 419 w 1285"/>
+              <a:gd name="T25" fmla="*/ 761 h 1272"/>
+              <a:gd name="T26" fmla="*/ 296 w 1285"/>
+              <a:gd name="T27" fmla="*/ 676 h 1272"/>
+              <a:gd name="T28" fmla="*/ 139 w 1285"/>
+              <a:gd name="T29" fmla="*/ 677 h 1272"/>
+              <a:gd name="T30" fmla="*/ 112 w 1285"/>
+              <a:gd name="T31" fmla="*/ 530 h 1272"/>
+              <a:gd name="T32" fmla="*/ 246 w 1285"/>
+              <a:gd name="T33" fmla="*/ 378 h 1272"/>
+              <a:gd name="T34" fmla="*/ 382 w 1285"/>
+              <a:gd name="T35" fmla="*/ 242 h 1272"/>
+              <a:gd name="T36" fmla="*/ 962 w 1285"/>
+              <a:gd name="T37" fmla="*/ 590 h 1272"/>
+              <a:gd name="T38" fmla="*/ 1194 w 1285"/>
+              <a:gd name="T39" fmla="*/ 484 h 1272"/>
+              <a:gd name="T40" fmla="*/ 1210 w 1285"/>
+              <a:gd name="T41" fmla="*/ 615 h 1272"/>
+              <a:gd name="T42" fmla="*/ 1283 w 1285"/>
+              <a:gd name="T43" fmla="*/ 704 h 1272"/>
+              <a:gd name="T44" fmla="*/ 1201 w 1285"/>
+              <a:gd name="T45" fmla="*/ 809 h 1272"/>
+              <a:gd name="T46" fmla="*/ 1191 w 1285"/>
+              <a:gd name="T47" fmla="*/ 925 h 1272"/>
+              <a:gd name="T48" fmla="*/ 1056 w 1285"/>
+              <a:gd name="T49" fmla="*/ 940 h 1272"/>
+              <a:gd name="T50" fmla="*/ 967 w 1285"/>
+              <a:gd name="T51" fmla="*/ 1016 h 1272"/>
+              <a:gd name="T52" fmla="*/ 864 w 1285"/>
+              <a:gd name="T53" fmla="*/ 931 h 1272"/>
+              <a:gd name="T54" fmla="*/ 747 w 1285"/>
+              <a:gd name="T55" fmla="*/ 922 h 1272"/>
+              <a:gd name="T56" fmla="*/ 734 w 1285"/>
+              <a:gd name="T57" fmla="*/ 792 h 1272"/>
+              <a:gd name="T58" fmla="*/ 658 w 1285"/>
+              <a:gd name="T59" fmla="*/ 702 h 1272"/>
+              <a:gd name="T60" fmla="*/ 739 w 1285"/>
+              <a:gd name="T61" fmla="*/ 597 h 1272"/>
+              <a:gd name="T62" fmla="*/ 750 w 1285"/>
+              <a:gd name="T63" fmla="*/ 481 h 1272"/>
+              <a:gd name="T64" fmla="*/ 885 w 1285"/>
+              <a:gd name="T65" fmla="*/ 462 h 1272"/>
+              <a:gd name="T66" fmla="*/ 974 w 1285"/>
+              <a:gd name="T67" fmla="*/ 390 h 1272"/>
+              <a:gd name="T68" fmla="*/ 1081 w 1285"/>
+              <a:gd name="T69" fmla="*/ 471 h 1272"/>
+              <a:gd name="T70" fmla="*/ 1194 w 1285"/>
+              <a:gd name="T71" fmla="*/ 484 h 1272"/>
+              <a:gd name="T72" fmla="*/ 504 w 1285"/>
+              <a:gd name="T73" fmla="*/ 1105 h 1272"/>
+              <a:gd name="T74" fmla="*/ 282 w 1285"/>
+              <a:gd name="T75" fmla="*/ 964 h 1272"/>
+              <a:gd name="T76" fmla="*/ 311 w 1285"/>
+              <a:gd name="T77" fmla="*/ 894 h 1272"/>
+              <a:gd name="T78" fmla="*/ 385 w 1285"/>
+              <a:gd name="T79" fmla="*/ 822 h 1272"/>
+              <a:gd name="T80" fmla="*/ 457 w 1285"/>
+              <a:gd name="T81" fmla="*/ 793 h 1272"/>
+              <a:gd name="T82" fmla="*/ 560 w 1285"/>
+              <a:gd name="T83" fmla="*/ 794 h 1272"/>
+              <a:gd name="T84" fmla="*/ 629 w 1285"/>
+              <a:gd name="T85" fmla="*/ 825 h 1272"/>
+              <a:gd name="T86" fmla="*/ 701 w 1285"/>
+              <a:gd name="T87" fmla="*/ 899 h 1272"/>
+              <a:gd name="T88" fmla="*/ 728 w 1285"/>
+              <a:gd name="T89" fmla="*/ 967 h 1272"/>
+              <a:gd name="T90" fmla="*/ 727 w 1285"/>
+              <a:gd name="T91" fmla="*/ 1070 h 1272"/>
+              <a:gd name="T92" fmla="*/ 698 w 1285"/>
+              <a:gd name="T93" fmla="*/ 1140 h 1272"/>
+              <a:gd name="T94" fmla="*/ 624 w 1285"/>
+              <a:gd name="T95" fmla="*/ 1212 h 1272"/>
+              <a:gd name="T96" fmla="*/ 552 w 1285"/>
+              <a:gd name="T97" fmla="*/ 1241 h 1272"/>
+              <a:gd name="T98" fmla="*/ 449 w 1285"/>
+              <a:gd name="T99" fmla="*/ 1239 h 1272"/>
+              <a:gd name="T100" fmla="*/ 380 w 1285"/>
+              <a:gd name="T101" fmla="*/ 1209 h 1272"/>
+              <a:gd name="T102" fmla="*/ 308 w 1285"/>
+              <a:gd name="T103" fmla="*/ 1135 h 1272"/>
+              <a:gd name="T104" fmla="*/ 281 w 1285"/>
+              <a:gd name="T105" fmla="*/ 1067 h 1272"/>
+              <a:gd name="T106" fmla="*/ 282 w 1285"/>
+              <a:gd name="T107" fmla="*/ 964 h 1272"/>
+            </a:gdLst>
+            <a:ahLst/>
+            <a:cxnLst>
+              <a:cxn ang="0">
+                <a:pos x="T0" y="T1"/>
+              </a:cxn>
+              <a:cxn ang="0">
+                <a:pos x="T2" y="T3"/>
+              </a:cxn>
+              <a:cxn ang="0">
+                <a:pos x="T4" y="T5"/>
+              </a:cxn>
+              <a:cxn ang="0">
+                <a:pos x="T6" y="T7"/>
+              </a:cxn>
+              <a:cxn ang="0">
+                <a:pos x="T8" y="T9"/>
+              </a:cxn>
+              <a:cxn ang="0">
+                <a:pos x="T10" y="T11"/>
+              </a:cxn>
+              <a:cxn ang="0">
+                <a:pos x="T12" y="T13"/>
+              </a:cxn>
+              <a:cxn ang="0">
+                <a:pos x="T14" y="T15"/>
+              </a:cxn>
+              <a:cxn ang="0">
+                <a:pos x="T16" y="T17"/>
+              </a:cxn>
+              <a:cxn ang="0">
+                <a:pos x="T18" y="T19"/>
+              </a:cxn>
+              <a:cxn ang="0">
+                <a:pos x="T20" y="T21"/>
+              </a:cxn>
+              <a:cxn ang="0">
+                <a:pos x="T22" y="T23"/>
+              </a:cxn>
+              <a:cxn ang="0">
+                <a:pos x="T24" y="T25"/>
+              </a:cxn>
+              <a:cxn ang="0">
+                <a:pos x="T26" y="T27"/>
+              </a:cxn>
+              <a:cxn ang="0">
+                <a:pos x="T28" y="T29"/>
+              </a:cxn>
+              <a:cxn ang="0">
+                <a:pos x="T30" y="T31"/>
+              </a:cxn>
+              <a:cxn ang="0">
+                <a:pos x="T32" y="T33"/>
+              </a:cxn>
+              <a:cxn ang="0">
+                <a:pos x="T34" y="T35"/>
+              </a:cxn>
+              <a:cxn ang="0">
+                <a:pos x="T36" y="T37"/>
+              </a:cxn>
+              <a:cxn ang="0">
+                <a:pos x="T38" y="T39"/>
+              </a:cxn>
+              <a:cxn ang="0">
+                <a:pos x="T40" y="T41"/>
+              </a:cxn>
+              <a:cxn ang="0">
+                <a:pos x="T42" y="T43"/>
+              </a:cxn>
+              <a:cxn ang="0">
+                <a:pos x="T44" y="T45"/>
+              </a:cxn>
+              <a:cxn ang="0">
+                <a:pos x="T46" y="T47"/>
+              </a:cxn>
+              <a:cxn ang="0">
+                <a:pos x="T48" y="T49"/>
+              </a:cxn>
+              <a:cxn ang="0">
+                <a:pos x="T50" y="T51"/>
+              </a:cxn>
+              <a:cxn ang="0">
+                <a:pos x="T52" y="T53"/>
+              </a:cxn>
+              <a:cxn ang="0">
+                <a:pos x="T54" y="T55"/>
+              </a:cxn>
+              <a:cxn ang="0">
+                <a:pos x="T56" y="T57"/>
+              </a:cxn>
+              <a:cxn ang="0">
+                <a:pos x="T58" y="T59"/>
+              </a:cxn>
+              <a:cxn ang="0">
+                <a:pos x="T60" y="T61"/>
+              </a:cxn>
+              <a:cxn ang="0">
+                <a:pos x="T62" y="T63"/>
+              </a:cxn>
+              <a:cxn ang="0">
+                <a:pos x="T64" y="T65"/>
+              </a:cxn>
+              <a:cxn ang="0">
+                <a:pos x="T66" y="T67"/>
+              </a:cxn>
+              <a:cxn ang="0">
+                <a:pos x="T68" y="T69"/>
+              </a:cxn>
+              <a:cxn ang="0">
+                <a:pos x="T70" y="T71"/>
+              </a:cxn>
+              <a:cxn ang="0">
+                <a:pos x="T72" y="T73"/>
+              </a:cxn>
+              <a:cxn ang="0">
+                <a:pos x="T74" y="T75"/>
+              </a:cxn>
+              <a:cxn ang="0">
+                <a:pos x="T76" y="T77"/>
+              </a:cxn>
+              <a:cxn ang="0">
+                <a:pos x="T78" y="T79"/>
+              </a:cxn>
+              <a:cxn ang="0">
+                <a:pos x="T80" y="T81"/>
+              </a:cxn>
+              <a:cxn ang="0">
+                <a:pos x="T82" y="T83"/>
+              </a:cxn>
+              <a:cxn ang="0">
+                <a:pos x="T84" y="T85"/>
+              </a:cxn>
+              <a:cxn ang="0">
+                <a:pos x="T86" y="T87"/>
+              </a:cxn>
+              <a:cxn ang="0">
+                <a:pos x="T88" y="T89"/>
+              </a:cxn>
+              <a:cxn ang="0">
+                <a:pos x="T90" y="T91"/>
+              </a:cxn>
+              <a:cxn ang="0">
+                <a:pos x="T92" y="T93"/>
+              </a:cxn>
+              <a:cxn ang="0">
+                <a:pos x="T94" y="T95"/>
+              </a:cxn>
+              <a:cxn ang="0">
+                <a:pos x="T96" y="T97"/>
+              </a:cxn>
+              <a:cxn ang="0">
+                <a:pos x="T98" y="T99"/>
+              </a:cxn>
+              <a:cxn ang="0">
+                <a:pos x="T100" y="T101"/>
+              </a:cxn>
+              <a:cxn ang="0">
+                <a:pos x="T102" y="T103"/>
+              </a:cxn>
+              <a:cxn ang="0">
+                <a:pos x="T104" y="T105"/>
+              </a:cxn>
+              <a:cxn ang="0">
+                <a:pos x="T106" y="T107"/>
+              </a:cxn>
+            </a:cxnLst>
+            <a:rect l="0" t="0" r="r" b="b"/>
+            <a:pathLst>
+              <a:path w="1285" h="1272">
+                <a:moveTo>
+                  <a:pt x="84" y="464"/>
+                </a:moveTo>
+                <a:lnTo>
+                  <a:pt x="30" y="458"/>
+                </a:lnTo>
+                <a:cubicBezTo>
+                  <a:pt x="13" y="456"/>
+                  <a:pt x="0" y="441"/>
+                  <a:pt x="0" y="423"/>
+                </a:cubicBezTo>
+                <a:lnTo>
+                  <a:pt x="0" y="341"/>
+                </a:lnTo>
+                <a:cubicBezTo>
+                  <a:pt x="0" y="323"/>
+                  <a:pt x="13" y="309"/>
+                  <a:pt x="30" y="307"/>
+                </a:cubicBezTo>
+                <a:lnTo>
+                  <a:pt x="81" y="301"/>
+                </a:lnTo>
+                <a:cubicBezTo>
+                  <a:pt x="87" y="275"/>
+                  <a:pt x="97" y="251"/>
+                  <a:pt x="110" y="228"/>
+                </a:cubicBezTo>
+                <a:lnTo>
+                  <a:pt x="78" y="188"/>
+                </a:lnTo>
+                <a:cubicBezTo>
+                  <a:pt x="67" y="174"/>
+                  <a:pt x="68" y="154"/>
+                  <a:pt x="81" y="142"/>
+                </a:cubicBezTo>
+                <a:lnTo>
+                  <a:pt x="139" y="84"/>
+                </a:lnTo>
+                <a:cubicBezTo>
+                  <a:pt x="151" y="71"/>
+                  <a:pt x="171" y="70"/>
+                  <a:pt x="185" y="81"/>
+                </a:cubicBezTo>
+                <a:lnTo>
+                  <a:pt x="223" y="111"/>
+                </a:lnTo>
+                <a:cubicBezTo>
+                  <a:pt x="247" y="97"/>
+                  <a:pt x="273" y="86"/>
+                  <a:pt x="300" y="78"/>
+                </a:cubicBezTo>
+                <a:lnTo>
+                  <a:pt x="306" y="31"/>
+                </a:lnTo>
+                <a:cubicBezTo>
+                  <a:pt x="308" y="14"/>
+                  <a:pt x="323" y="0"/>
+                  <a:pt x="340" y="0"/>
+                </a:cubicBezTo>
+                <a:lnTo>
+                  <a:pt x="423" y="0"/>
+                </a:lnTo>
+                <a:cubicBezTo>
+                  <a:pt x="440" y="0"/>
+                  <a:pt x="455" y="14"/>
+                  <a:pt x="457" y="31"/>
+                </a:cubicBezTo>
+                <a:lnTo>
+                  <a:pt x="463" y="78"/>
+                </a:lnTo>
+                <a:cubicBezTo>
+                  <a:pt x="489" y="86"/>
+                  <a:pt x="515" y="96"/>
+                  <a:pt x="538" y="110"/>
+                </a:cubicBezTo>
+                <a:lnTo>
+                  <a:pt x="575" y="81"/>
+                </a:lnTo>
+                <a:cubicBezTo>
+                  <a:pt x="589" y="70"/>
+                  <a:pt x="608" y="71"/>
+                  <a:pt x="621" y="84"/>
+                </a:cubicBezTo>
+                <a:lnTo>
+                  <a:pt x="679" y="142"/>
+                </a:lnTo>
+                <a:cubicBezTo>
+                  <a:pt x="691" y="154"/>
+                  <a:pt x="693" y="174"/>
+                  <a:pt x="682" y="188"/>
+                </a:cubicBezTo>
+                <a:lnTo>
+                  <a:pt x="652" y="226"/>
+                </a:lnTo>
+                <a:cubicBezTo>
+                  <a:pt x="664" y="248"/>
+                  <a:pt x="674" y="272"/>
+                  <a:pt x="681" y="297"/>
+                </a:cubicBezTo>
+                <a:lnTo>
+                  <a:pt x="729" y="303"/>
+                </a:lnTo>
+                <a:cubicBezTo>
+                  <a:pt x="747" y="305"/>
+                  <a:pt x="760" y="320"/>
+                  <a:pt x="760" y="338"/>
+                </a:cubicBezTo>
+                <a:lnTo>
+                  <a:pt x="760" y="420"/>
+                </a:lnTo>
+                <a:cubicBezTo>
+                  <a:pt x="760" y="437"/>
+                  <a:pt x="747" y="452"/>
+                  <a:pt x="729" y="454"/>
+                </a:cubicBezTo>
+                <a:lnTo>
+                  <a:pt x="680" y="460"/>
+                </a:lnTo>
+                <a:cubicBezTo>
+                  <a:pt x="673" y="485"/>
+                  <a:pt x="663" y="510"/>
+                  <a:pt x="650" y="533"/>
+                </a:cubicBezTo>
+                <a:lnTo>
+                  <a:pt x="682" y="573"/>
+                </a:lnTo>
+                <a:cubicBezTo>
+                  <a:pt x="693" y="587"/>
+                  <a:pt x="692" y="607"/>
+                  <a:pt x="679" y="619"/>
+                </a:cubicBezTo>
+                <a:lnTo>
+                  <a:pt x="621" y="677"/>
+                </a:lnTo>
+                <a:cubicBezTo>
+                  <a:pt x="608" y="690"/>
+                  <a:pt x="589" y="691"/>
+                  <a:pt x="575" y="680"/>
+                </a:cubicBezTo>
+                <a:lnTo>
+                  <a:pt x="534" y="648"/>
+                </a:lnTo>
+                <a:cubicBezTo>
+                  <a:pt x="511" y="661"/>
+                  <a:pt x="486" y="671"/>
+                  <a:pt x="460" y="678"/>
+                </a:cubicBezTo>
+                <a:lnTo>
+                  <a:pt x="454" y="730"/>
+                </a:lnTo>
+                <a:cubicBezTo>
+                  <a:pt x="452" y="748"/>
+                  <a:pt x="437" y="761"/>
+                  <a:pt x="419" y="761"/>
+                </a:cubicBezTo>
+                <a:lnTo>
+                  <a:pt x="337" y="761"/>
+                </a:lnTo>
+                <a:cubicBezTo>
+                  <a:pt x="319" y="761"/>
+                  <a:pt x="305" y="748"/>
+                  <a:pt x="303" y="730"/>
+                </a:cubicBezTo>
+                <a:lnTo>
+                  <a:pt x="296" y="676"/>
+                </a:lnTo>
+                <a:cubicBezTo>
+                  <a:pt x="272" y="669"/>
+                  <a:pt x="249" y="659"/>
+                  <a:pt x="227" y="646"/>
+                </a:cubicBezTo>
+                <a:lnTo>
+                  <a:pt x="185" y="680"/>
+                </a:lnTo>
+                <a:cubicBezTo>
+                  <a:pt x="171" y="691"/>
+                  <a:pt x="151" y="690"/>
+                  <a:pt x="139" y="677"/>
+                </a:cubicBezTo>
+                <a:lnTo>
+                  <a:pt x="81" y="619"/>
+                </a:lnTo>
+                <a:cubicBezTo>
+                  <a:pt x="68" y="607"/>
+                  <a:pt x="67" y="587"/>
+                  <a:pt x="78" y="573"/>
+                </a:cubicBezTo>
+                <a:lnTo>
+                  <a:pt x="112" y="530"/>
+                </a:lnTo>
+                <a:cubicBezTo>
+                  <a:pt x="100" y="509"/>
+                  <a:pt x="91" y="487"/>
+                  <a:pt x="84" y="464"/>
+                </a:cubicBezTo>
+                <a:close/>
+                <a:moveTo>
+                  <a:pt x="382" y="242"/>
+                </a:moveTo>
+                <a:cubicBezTo>
+                  <a:pt x="307" y="242"/>
+                  <a:pt x="246" y="303"/>
+                  <a:pt x="246" y="378"/>
+                </a:cubicBezTo>
+                <a:cubicBezTo>
+                  <a:pt x="246" y="452"/>
+                  <a:pt x="307" y="513"/>
+                  <a:pt x="382" y="513"/>
+                </a:cubicBezTo>
+                <a:cubicBezTo>
+                  <a:pt x="456" y="513"/>
+                  <a:pt x="517" y="452"/>
+                  <a:pt x="517" y="378"/>
+                </a:cubicBezTo>
+                <a:cubicBezTo>
+                  <a:pt x="517" y="303"/>
+                  <a:pt x="456" y="242"/>
+                  <a:pt x="382" y="242"/>
+                </a:cubicBezTo>
+                <a:close/>
+                <a:moveTo>
+                  <a:pt x="981" y="811"/>
+                </a:moveTo>
+                <a:cubicBezTo>
+                  <a:pt x="1042" y="806"/>
+                  <a:pt x="1088" y="752"/>
+                  <a:pt x="1082" y="691"/>
+                </a:cubicBezTo>
+                <a:cubicBezTo>
+                  <a:pt x="1077" y="630"/>
+                  <a:pt x="1023" y="584"/>
+                  <a:pt x="962" y="590"/>
+                </a:cubicBezTo>
+                <a:cubicBezTo>
+                  <a:pt x="901" y="595"/>
+                  <a:pt x="855" y="649"/>
+                  <a:pt x="861" y="710"/>
+                </a:cubicBezTo>
+                <a:cubicBezTo>
+                  <a:pt x="866" y="771"/>
+                  <a:pt x="920" y="817"/>
+                  <a:pt x="981" y="811"/>
+                </a:cubicBezTo>
+                <a:close/>
+                <a:moveTo>
+                  <a:pt x="1194" y="484"/>
+                </a:moveTo>
+                <a:cubicBezTo>
+                  <a:pt x="1207" y="496"/>
+                  <a:pt x="1210" y="515"/>
+                  <a:pt x="1200" y="530"/>
+                </a:cubicBezTo>
+                <a:lnTo>
+                  <a:pt x="1181" y="558"/>
+                </a:lnTo>
+                <a:cubicBezTo>
+                  <a:pt x="1193" y="576"/>
+                  <a:pt x="1203" y="595"/>
+                  <a:pt x="1210" y="615"/>
+                </a:cubicBezTo>
+                <a:lnTo>
+                  <a:pt x="1245" y="616"/>
+                </a:lnTo>
+                <a:cubicBezTo>
+                  <a:pt x="1262" y="616"/>
+                  <a:pt x="1276" y="630"/>
+                  <a:pt x="1278" y="647"/>
+                </a:cubicBezTo>
+                <a:lnTo>
+                  <a:pt x="1283" y="704"/>
+                </a:lnTo>
+                <a:cubicBezTo>
+                  <a:pt x="1284" y="721"/>
+                  <a:pt x="1272" y="737"/>
+                  <a:pt x="1255" y="741"/>
+                </a:cubicBezTo>
+                <a:lnTo>
+                  <a:pt x="1221" y="748"/>
+                </a:lnTo>
+                <a:cubicBezTo>
+                  <a:pt x="1217" y="769"/>
+                  <a:pt x="1210" y="789"/>
+                  <a:pt x="1201" y="809"/>
+                </a:cubicBezTo>
+                <a:lnTo>
+                  <a:pt x="1226" y="836"/>
+                </a:lnTo>
+                <a:cubicBezTo>
+                  <a:pt x="1238" y="848"/>
+                  <a:pt x="1239" y="868"/>
+                  <a:pt x="1227" y="881"/>
+                </a:cubicBezTo>
+                <a:lnTo>
+                  <a:pt x="1191" y="925"/>
+                </a:lnTo>
+                <a:cubicBezTo>
+                  <a:pt x="1180" y="938"/>
+                  <a:pt x="1160" y="941"/>
+                  <a:pt x="1146" y="931"/>
+                </a:cubicBezTo>
+                <a:lnTo>
+                  <a:pt x="1114" y="911"/>
+                </a:lnTo>
+                <a:cubicBezTo>
+                  <a:pt x="1096" y="923"/>
+                  <a:pt x="1077" y="933"/>
+                  <a:pt x="1056" y="940"/>
+                </a:cubicBezTo>
+                <a:lnTo>
+                  <a:pt x="1055" y="978"/>
+                </a:lnTo>
+                <a:cubicBezTo>
+                  <a:pt x="1054" y="996"/>
+                  <a:pt x="1041" y="1010"/>
+                  <a:pt x="1023" y="1011"/>
+                </a:cubicBezTo>
+                <a:lnTo>
+                  <a:pt x="967" y="1016"/>
+                </a:lnTo>
+                <a:cubicBezTo>
+                  <a:pt x="949" y="1017"/>
+                  <a:pt x="934" y="1006"/>
+                  <a:pt x="930" y="989"/>
+                </a:cubicBezTo>
+                <a:lnTo>
+                  <a:pt x="922" y="950"/>
+                </a:lnTo>
+                <a:cubicBezTo>
+                  <a:pt x="902" y="946"/>
+                  <a:pt x="883" y="939"/>
+                  <a:pt x="864" y="931"/>
+                </a:cubicBezTo>
+                <a:lnTo>
+                  <a:pt x="836" y="957"/>
+                </a:lnTo>
+                <a:cubicBezTo>
+                  <a:pt x="823" y="969"/>
+                  <a:pt x="803" y="970"/>
+                  <a:pt x="790" y="958"/>
+                </a:cubicBezTo>
+                <a:lnTo>
+                  <a:pt x="747" y="922"/>
+                </a:lnTo>
+                <a:cubicBezTo>
+                  <a:pt x="733" y="911"/>
+                  <a:pt x="730" y="891"/>
+                  <a:pt x="740" y="877"/>
+                </a:cubicBezTo>
+                <a:lnTo>
+                  <a:pt x="762" y="844"/>
+                </a:lnTo>
+                <a:cubicBezTo>
+                  <a:pt x="751" y="828"/>
+                  <a:pt x="741" y="810"/>
+                  <a:pt x="734" y="792"/>
+                </a:cubicBezTo>
+                <a:lnTo>
+                  <a:pt x="696" y="790"/>
+                </a:lnTo>
+                <a:cubicBezTo>
+                  <a:pt x="678" y="790"/>
+                  <a:pt x="664" y="776"/>
+                  <a:pt x="662" y="759"/>
+                </a:cubicBezTo>
+                <a:lnTo>
+                  <a:pt x="658" y="702"/>
+                </a:lnTo>
+                <a:cubicBezTo>
+                  <a:pt x="656" y="685"/>
+                  <a:pt x="668" y="669"/>
+                  <a:pt x="685" y="666"/>
+                </a:cubicBezTo>
+                <a:lnTo>
+                  <a:pt x="721" y="658"/>
+                </a:lnTo>
+                <a:cubicBezTo>
+                  <a:pt x="725" y="637"/>
+                  <a:pt x="731" y="617"/>
+                  <a:pt x="739" y="597"/>
+                </a:cubicBezTo>
+                <a:lnTo>
+                  <a:pt x="714" y="571"/>
+                </a:lnTo>
+                <a:cubicBezTo>
+                  <a:pt x="702" y="558"/>
+                  <a:pt x="702" y="538"/>
+                  <a:pt x="713" y="525"/>
+                </a:cubicBezTo>
+                <a:lnTo>
+                  <a:pt x="750" y="481"/>
+                </a:lnTo>
+                <a:cubicBezTo>
+                  <a:pt x="761" y="468"/>
+                  <a:pt x="780" y="465"/>
+                  <a:pt x="795" y="475"/>
+                </a:cubicBezTo>
+                <a:lnTo>
+                  <a:pt x="824" y="494"/>
+                </a:lnTo>
+                <a:cubicBezTo>
+                  <a:pt x="842" y="480"/>
+                  <a:pt x="863" y="470"/>
+                  <a:pt x="885" y="462"/>
+                </a:cubicBezTo>
+                <a:lnTo>
+                  <a:pt x="886" y="428"/>
+                </a:lnTo>
+                <a:cubicBezTo>
+                  <a:pt x="886" y="411"/>
+                  <a:pt x="900" y="396"/>
+                  <a:pt x="917" y="395"/>
+                </a:cubicBezTo>
+                <a:lnTo>
+                  <a:pt x="974" y="390"/>
+                </a:lnTo>
+                <a:cubicBezTo>
+                  <a:pt x="991" y="389"/>
+                  <a:pt x="1007" y="401"/>
+                  <a:pt x="1010" y="418"/>
+                </a:cubicBezTo>
+                <a:lnTo>
+                  <a:pt x="1017" y="451"/>
+                </a:lnTo>
+                <a:cubicBezTo>
+                  <a:pt x="1039" y="455"/>
+                  <a:pt x="1061" y="462"/>
+                  <a:pt x="1081" y="471"/>
+                </a:cubicBezTo>
+                <a:lnTo>
+                  <a:pt x="1105" y="449"/>
+                </a:lnTo>
+                <a:cubicBezTo>
+                  <a:pt x="1118" y="437"/>
+                  <a:pt x="1137" y="436"/>
+                  <a:pt x="1151" y="448"/>
+                </a:cubicBezTo>
+                <a:lnTo>
+                  <a:pt x="1194" y="484"/>
+                </a:lnTo>
+                <a:close/>
+                <a:moveTo>
+                  <a:pt x="507" y="924"/>
+                </a:moveTo>
+                <a:cubicBezTo>
+                  <a:pt x="457" y="924"/>
+                  <a:pt x="415" y="964"/>
+                  <a:pt x="415" y="1014"/>
+                </a:cubicBezTo>
+                <a:cubicBezTo>
+                  <a:pt x="414" y="1064"/>
+                  <a:pt x="454" y="1105"/>
+                  <a:pt x="504" y="1105"/>
+                </a:cubicBezTo>
+                <a:cubicBezTo>
+                  <a:pt x="554" y="1106"/>
+                  <a:pt x="596" y="1066"/>
+                  <a:pt x="596" y="1016"/>
+                </a:cubicBezTo>
+                <a:cubicBezTo>
+                  <a:pt x="597" y="966"/>
+                  <a:pt x="557" y="925"/>
+                  <a:pt x="507" y="924"/>
+                </a:cubicBezTo>
+                <a:close/>
+                <a:moveTo>
+                  <a:pt x="282" y="964"/>
+                </a:moveTo>
+                <a:lnTo>
+                  <a:pt x="306" y="961"/>
+                </a:lnTo>
+                <a:cubicBezTo>
+                  <a:pt x="310" y="944"/>
+                  <a:pt x="317" y="928"/>
+                  <a:pt x="326" y="913"/>
+                </a:cubicBezTo>
+                <a:lnTo>
+                  <a:pt x="311" y="894"/>
+                </a:lnTo>
+                <a:cubicBezTo>
+                  <a:pt x="300" y="880"/>
+                  <a:pt x="301" y="860"/>
+                  <a:pt x="314" y="848"/>
+                </a:cubicBezTo>
+                <a:lnTo>
+                  <a:pt x="339" y="824"/>
+                </a:lnTo>
+                <a:cubicBezTo>
+                  <a:pt x="352" y="811"/>
+                  <a:pt x="371" y="811"/>
+                  <a:pt x="385" y="822"/>
+                </a:cubicBezTo>
+                <a:lnTo>
+                  <a:pt x="402" y="836"/>
+                </a:lnTo>
+                <a:cubicBezTo>
+                  <a:pt x="418" y="826"/>
+                  <a:pt x="436" y="819"/>
+                  <a:pt x="454" y="814"/>
+                </a:cubicBezTo>
+                <a:lnTo>
+                  <a:pt x="457" y="793"/>
+                </a:lnTo>
+                <a:cubicBezTo>
+                  <a:pt x="459" y="776"/>
+                  <a:pt x="474" y="763"/>
+                  <a:pt x="491" y="763"/>
+                </a:cubicBezTo>
+                <a:lnTo>
+                  <a:pt x="526" y="763"/>
+                </a:lnTo>
+                <a:cubicBezTo>
+                  <a:pt x="543" y="764"/>
+                  <a:pt x="558" y="777"/>
+                  <a:pt x="560" y="794"/>
+                </a:cubicBezTo>
+                <a:lnTo>
+                  <a:pt x="562" y="816"/>
+                </a:lnTo>
+                <a:cubicBezTo>
+                  <a:pt x="580" y="821"/>
+                  <a:pt x="596" y="828"/>
+                  <a:pt x="612" y="838"/>
+                </a:cubicBezTo>
+                <a:lnTo>
+                  <a:pt x="629" y="825"/>
+                </a:lnTo>
+                <a:cubicBezTo>
+                  <a:pt x="643" y="814"/>
+                  <a:pt x="662" y="815"/>
+                  <a:pt x="675" y="828"/>
+                </a:cubicBezTo>
+                <a:lnTo>
+                  <a:pt x="699" y="853"/>
+                </a:lnTo>
+                <a:cubicBezTo>
+                  <a:pt x="711" y="865"/>
+                  <a:pt x="712" y="885"/>
+                  <a:pt x="701" y="899"/>
+                </a:cubicBezTo>
+                <a:lnTo>
+                  <a:pt x="687" y="916"/>
+                </a:lnTo>
+                <a:cubicBezTo>
+                  <a:pt x="695" y="931"/>
+                  <a:pt x="702" y="947"/>
+                  <a:pt x="706" y="964"/>
+                </a:cubicBezTo>
+                <a:lnTo>
+                  <a:pt x="728" y="967"/>
+                </a:lnTo>
+                <a:cubicBezTo>
+                  <a:pt x="746" y="969"/>
+                  <a:pt x="759" y="984"/>
+                  <a:pt x="758" y="1001"/>
+                </a:cubicBezTo>
+                <a:lnTo>
+                  <a:pt x="758" y="1036"/>
+                </a:lnTo>
+                <a:cubicBezTo>
+                  <a:pt x="758" y="1054"/>
+                  <a:pt x="744" y="1068"/>
+                  <a:pt x="727" y="1070"/>
+                </a:cubicBezTo>
+                <a:lnTo>
+                  <a:pt x="704" y="1072"/>
+                </a:lnTo>
+                <a:cubicBezTo>
+                  <a:pt x="699" y="1089"/>
+                  <a:pt x="692" y="1105"/>
+                  <a:pt x="683" y="1121"/>
+                </a:cubicBezTo>
+                <a:lnTo>
+                  <a:pt x="698" y="1140"/>
+                </a:lnTo>
+                <a:cubicBezTo>
+                  <a:pt x="709" y="1154"/>
+                  <a:pt x="707" y="1173"/>
+                  <a:pt x="695" y="1185"/>
+                </a:cubicBezTo>
+                <a:lnTo>
+                  <a:pt x="670" y="1210"/>
+                </a:lnTo>
+                <a:cubicBezTo>
+                  <a:pt x="657" y="1222"/>
+                  <a:pt x="638" y="1223"/>
+                  <a:pt x="624" y="1212"/>
+                </a:cubicBezTo>
+                <a:lnTo>
+                  <a:pt x="605" y="1196"/>
+                </a:lnTo>
+                <a:cubicBezTo>
+                  <a:pt x="589" y="1205"/>
+                  <a:pt x="573" y="1211"/>
+                  <a:pt x="555" y="1215"/>
+                </a:cubicBezTo>
+                <a:lnTo>
+                  <a:pt x="552" y="1241"/>
+                </a:lnTo>
+                <a:cubicBezTo>
+                  <a:pt x="550" y="1258"/>
+                  <a:pt x="535" y="1271"/>
+                  <a:pt x="518" y="1271"/>
+                </a:cubicBezTo>
+                <a:lnTo>
+                  <a:pt x="483" y="1270"/>
+                </a:lnTo>
+                <a:cubicBezTo>
+                  <a:pt x="465" y="1270"/>
+                  <a:pt x="451" y="1257"/>
+                  <a:pt x="449" y="1239"/>
+                </a:cubicBezTo>
+                <a:lnTo>
+                  <a:pt x="446" y="1213"/>
+                </a:lnTo>
+                <a:cubicBezTo>
+                  <a:pt x="430" y="1208"/>
+                  <a:pt x="415" y="1201"/>
+                  <a:pt x="400" y="1193"/>
+                </a:cubicBezTo>
+                <a:lnTo>
+                  <a:pt x="380" y="1209"/>
+                </a:lnTo>
+                <a:cubicBezTo>
+                  <a:pt x="366" y="1219"/>
+                  <a:pt x="346" y="1218"/>
+                  <a:pt x="334" y="1206"/>
+                </a:cubicBezTo>
+                <a:lnTo>
+                  <a:pt x="310" y="1181"/>
+                </a:lnTo>
+                <a:cubicBezTo>
+                  <a:pt x="298" y="1168"/>
+                  <a:pt x="297" y="1149"/>
+                  <a:pt x="308" y="1135"/>
+                </a:cubicBezTo>
+                <a:lnTo>
+                  <a:pt x="324" y="1115"/>
+                </a:lnTo>
+                <a:cubicBezTo>
+                  <a:pt x="316" y="1101"/>
+                  <a:pt x="310" y="1086"/>
+                  <a:pt x="306" y="1070"/>
+                </a:cubicBezTo>
+                <a:lnTo>
+                  <a:pt x="281" y="1067"/>
+                </a:lnTo>
+                <a:cubicBezTo>
+                  <a:pt x="263" y="1065"/>
+                  <a:pt x="250" y="1050"/>
+                  <a:pt x="251" y="1032"/>
+                </a:cubicBezTo>
+                <a:lnTo>
+                  <a:pt x="251" y="997"/>
+                </a:lnTo>
+                <a:cubicBezTo>
+                  <a:pt x="251" y="980"/>
+                  <a:pt x="264" y="965"/>
+                  <a:pt x="282" y="964"/>
+                </a:cubicBezTo>
+                <a:close/>
+              </a:path>
+            </a:pathLst>
+          </a:custGeom>
+          <a:solidFill>
+            <a:schemeClr val="tx1"/>
+          </a:solidFill>
+          <a:ln>
+            <a:noFill/>
+          </a:ln>
+          <a:effectLst/>
+        </p:spPr>
+        <p:txBody>
+          <a:bodyPr wrap="none" anchor="ctr"/>
+          <a:lstStyle/>
+          <a:p>
+            <a:endParaRPr lang="en-US" sz="1889"/>
+          </a:p>
+        </p:txBody>
+      </p:sp>
       <p:sp>
         <p:nvSpPr>
           <p:cNvPr id="2" name="Title 1">
@@ -13355,7 +15562,7 @@
           <p:nvPr/>
         </p:nvPicPr>
         <p:blipFill>
-          <a:blip r:embed="rId2" cstate="print"/>
+          <a:blip r:embed="rId3" cstate="print"/>
           <a:srcRect/>
           <a:stretch>
             <a:fillRect/>
@@ -13833,103 +16040,6 @@
           </a:p>
         </p:txBody>
       </p:sp>
-      <p:sp>
-        <p:nvSpPr>
-          <p:cNvPr id="87" name="Rounded Rectangle 160">
-            <a:extLst>
-              <a:ext uri="{FF2B5EF4-FFF2-40B4-BE49-F238E27FC236}">
-                <a16:creationId xmlns:a16="http://schemas.microsoft.com/office/drawing/2014/main" id="{CFD51D35-6ACA-4FFB-85FE-A99EED9B710D}"/>
-              </a:ext>
-            </a:extLst>
-          </p:cNvPr>
-          <p:cNvSpPr/>
-          <p:nvPr/>
-        </p:nvSpPr>
-        <p:spPr>
-          <a:xfrm>
-            <a:off x="134607" y="1903622"/>
-            <a:ext cx="673432" cy="769108"/>
-          </a:xfrm>
-          <a:prstGeom prst="roundRect">
-            <a:avLst/>
-          </a:prstGeom>
-          <a:solidFill>
-            <a:schemeClr val="bg1"/>
-          </a:solidFill>
-          <a:ln w="12700">
-            <a:solidFill>
-              <a:schemeClr val="tx1"/>
-            </a:solidFill>
-          </a:ln>
-        </p:spPr>
-        <p:style>
-          <a:lnRef idx="2">
-            <a:schemeClr val="accent1">
-              <a:shade val="50000"/>
-            </a:schemeClr>
-          </a:lnRef>
-          <a:fillRef idx="1">
-            <a:schemeClr val="accent1"/>
-          </a:fillRef>
-          <a:effectRef idx="0">
-            <a:schemeClr val="accent1"/>
-          </a:effectRef>
-          <a:fontRef idx="minor">
-            <a:schemeClr val="lt1"/>
-          </a:fontRef>
-        </p:style>
-        <p:txBody>
-          <a:bodyPr lIns="18000" tIns="18000" rIns="18000" bIns="18000" rtlCol="0" anchor="b"/>
-          <a:lstStyle/>
-          <a:p>
-            <a:pPr algn="ctr"/>
-            <a:r>
-              <a:rPr lang="en-AU" sz="1000" dirty="0">
-                <a:solidFill>
-                  <a:schemeClr val="tx1"/>
-                </a:solidFill>
-              </a:rPr>
-              <a:t>Customer / User</a:t>
-            </a:r>
-          </a:p>
-        </p:txBody>
-      </p:sp>
-      <p:pic>
-        <p:nvPicPr>
-          <p:cNvPr id="88" name="Picture 87">
-            <a:extLst>
-              <a:ext uri="{FF2B5EF4-FFF2-40B4-BE49-F238E27FC236}">
-                <a16:creationId xmlns:a16="http://schemas.microsoft.com/office/drawing/2014/main" id="{B1757288-E33E-4E98-AA38-A456BCC679A4}"/>
-              </a:ext>
-            </a:extLst>
-          </p:cNvPr>
-          <p:cNvPicPr>
-            <a:picLocks noChangeAspect="1"/>
-          </p:cNvPicPr>
-          <p:nvPr/>
-        </p:nvPicPr>
-        <p:blipFill>
-          <a:blip r:embed="rId3" cstate="print">
-            <a:extLst>
-              <a:ext uri="{28A0092B-C50C-407E-A947-70E740481C1C}">
-                <a14:useLocalDpi xmlns:a14="http://schemas.microsoft.com/office/drawing/2010/main" val="0"/>
-              </a:ext>
-            </a:extLst>
-          </a:blip>
-          <a:stretch>
-            <a:fillRect/>
-          </a:stretch>
-        </p:blipFill>
-        <p:spPr>
-          <a:xfrm>
-            <a:off x="165264" y="1899794"/>
-            <a:ext cx="443328" cy="471834"/>
-          </a:xfrm>
-          <a:prstGeom prst="rect">
-            <a:avLst/>
-          </a:prstGeom>
-        </p:spPr>
-      </p:pic>
       <p:sp>
         <p:nvSpPr>
           <p:cNvPr id="89" name="TextBox 88">
@@ -14878,14 +16988,14 @@
           <p:cNvCxnSpPr>
             <a:cxnSpLocks/>
             <a:stCxn id="93" idx="2"/>
-            <a:endCxn id="87" idx="3"/>
+            <a:endCxn id="131" idx="3"/>
           </p:cNvCxnSpPr>
           <p:nvPr/>
         </p:nvCxnSpPr>
         <p:spPr bwMode="auto">
-          <a:xfrm flipH="1" flipV="1">
-            <a:off x="808039" y="2288176"/>
-            <a:ext cx="345017" cy="2808"/>
+          <a:xfrm flipH="1">
+            <a:off x="817564" y="2290984"/>
+            <a:ext cx="335492" cy="2272"/>
           </a:xfrm>
           <a:prstGeom prst="straightConnector1">
             <a:avLst/>
@@ -14916,15 +17026,15 @@
           </p:cNvPr>
           <p:cNvCxnSpPr>
             <a:cxnSpLocks/>
-            <a:stCxn id="87" idx="0"/>
+            <a:stCxn id="131" idx="0"/>
             <a:endCxn id="73" idx="1"/>
           </p:cNvCxnSpPr>
           <p:nvPr/>
         </p:nvCxnSpPr>
         <p:spPr bwMode="auto">
           <a:xfrm rot="5400000" flipH="1" flipV="1">
-            <a:off x="660670" y="1589967"/>
-            <a:ext cx="124309" cy="503003"/>
+            <a:off x="662893" y="1597269"/>
+            <a:ext cx="129389" cy="493478"/>
           </a:xfrm>
           <a:prstGeom prst="bentConnector2">
             <a:avLst/>
@@ -15210,7 +17320,7 @@
           <p:nvPr/>
         </p:nvPicPr>
         <p:blipFill>
-          <a:blip r:embed="rId2" cstate="print"/>
+          <a:blip r:embed="rId3" cstate="print"/>
           <a:srcRect/>
           <a:stretch>
             <a:fillRect/>
@@ -15772,7 +17882,7 @@
           <p:nvPr/>
         </p:nvPicPr>
         <p:blipFill>
-          <a:blip r:embed="rId3" cstate="print">
+          <a:blip r:embed="rId2" cstate="print">
             <a:extLst>
               <a:ext uri="{28A0092B-C50C-407E-A947-70E740481C1C}">
                 <a14:useLocalDpi xmlns:a14="http://schemas.microsoft.com/office/drawing/2010/main" val="0"/>
@@ -15785,7 +17895,7 @@
         </p:blipFill>
         <p:spPr>
           <a:xfrm>
-            <a:off x="6494944" y="1909954"/>
+            <a:off x="6445414" y="1909954"/>
             <a:ext cx="443328" cy="471834"/>
           </a:xfrm>
           <a:prstGeom prst="rect">
@@ -17073,7 +19183,7 @@
           <p:nvPr/>
         </p:nvPicPr>
         <p:blipFill>
-          <a:blip r:embed="rId2" cstate="print"/>
+          <a:blip r:embed="rId3" cstate="print"/>
           <a:srcRect/>
           <a:stretch>
             <a:fillRect/>
@@ -17619,7 +19729,7 @@
           <p:nvPr/>
         </p:nvPicPr>
         <p:blipFill>
-          <a:blip r:embed="rId3" cstate="print">
+          <a:blip r:embed="rId2" cstate="print">
             <a:extLst>
               <a:ext uri="{28A0092B-C50C-407E-A947-70E740481C1C}">
                 <a14:useLocalDpi xmlns:a14="http://schemas.microsoft.com/office/drawing/2010/main" val="0"/>
@@ -17632,7 +19742,7 @@
         </p:blipFill>
         <p:spPr>
           <a:xfrm>
-            <a:off x="165264" y="4886834"/>
+            <a:off x="115734" y="4886834"/>
             <a:ext cx="443328" cy="471834"/>
           </a:xfrm>
           <a:prstGeom prst="rect">
@@ -18920,7 +21030,7 @@
           <p:nvPr/>
         </p:nvPicPr>
         <p:blipFill>
-          <a:blip r:embed="rId2" cstate="print"/>
+          <a:blip r:embed="rId3" cstate="print"/>
           <a:srcRect/>
           <a:stretch>
             <a:fillRect/>
@@ -19474,7 +21584,7 @@
           <p:nvPr/>
         </p:nvPicPr>
         <p:blipFill>
-          <a:blip r:embed="rId3" cstate="print">
+          <a:blip r:embed="rId2" cstate="print">
             <a:extLst>
               <a:ext uri="{28A0092B-C50C-407E-A947-70E740481C1C}">
                 <a14:useLocalDpi xmlns:a14="http://schemas.microsoft.com/office/drawing/2010/main" val="0"/>
@@ -19487,7 +21597,7 @@
         </p:blipFill>
         <p:spPr>
           <a:xfrm>
-            <a:off x="6494944" y="4896994"/>
+            <a:off x="6444144" y="4896994"/>
             <a:ext cx="443328" cy="471834"/>
           </a:xfrm>
           <a:prstGeom prst="rect">
@@ -20562,6 +22672,2940 @@
           </a:p>
         </p:txBody>
       </p:sp>
+      <p:sp>
+        <p:nvSpPr>
+          <p:cNvPr id="128" name="Freeform 103">
+            <a:extLst>
+              <a:ext uri="{FF2B5EF4-FFF2-40B4-BE49-F238E27FC236}">
+                <a16:creationId xmlns:a16="http://schemas.microsoft.com/office/drawing/2014/main" id="{B52F7625-5B7D-4B30-A236-C7D3EAC5FBD5}"/>
+              </a:ext>
+            </a:extLst>
+          </p:cNvPr>
+          <p:cNvSpPr>
+            <a:spLocks noChangeArrowheads="1"/>
+          </p:cNvSpPr>
+          <p:nvPr/>
+        </p:nvSpPr>
+        <p:spPr bwMode="auto">
+          <a:xfrm>
+            <a:off x="6828116" y="2096317"/>
+            <a:ext cx="276513" cy="266421"/>
+          </a:xfrm>
+          <a:custGeom>
+            <a:avLst/>
+            <a:gdLst>
+              <a:gd name="T0" fmla="*/ 0 w 1285"/>
+              <a:gd name="T1" fmla="*/ 423 h 1272"/>
+              <a:gd name="T2" fmla="*/ 81 w 1285"/>
+              <a:gd name="T3" fmla="*/ 301 h 1272"/>
+              <a:gd name="T4" fmla="*/ 81 w 1285"/>
+              <a:gd name="T5" fmla="*/ 142 h 1272"/>
+              <a:gd name="T6" fmla="*/ 223 w 1285"/>
+              <a:gd name="T7" fmla="*/ 111 h 1272"/>
+              <a:gd name="T8" fmla="*/ 340 w 1285"/>
+              <a:gd name="T9" fmla="*/ 0 h 1272"/>
+              <a:gd name="T10" fmla="*/ 463 w 1285"/>
+              <a:gd name="T11" fmla="*/ 78 h 1272"/>
+              <a:gd name="T12" fmla="*/ 621 w 1285"/>
+              <a:gd name="T13" fmla="*/ 84 h 1272"/>
+              <a:gd name="T14" fmla="*/ 652 w 1285"/>
+              <a:gd name="T15" fmla="*/ 226 h 1272"/>
+              <a:gd name="T16" fmla="*/ 760 w 1285"/>
+              <a:gd name="T17" fmla="*/ 338 h 1272"/>
+              <a:gd name="T18" fmla="*/ 680 w 1285"/>
+              <a:gd name="T19" fmla="*/ 460 h 1272"/>
+              <a:gd name="T20" fmla="*/ 679 w 1285"/>
+              <a:gd name="T21" fmla="*/ 619 h 1272"/>
+              <a:gd name="T22" fmla="*/ 534 w 1285"/>
+              <a:gd name="T23" fmla="*/ 648 h 1272"/>
+              <a:gd name="T24" fmla="*/ 419 w 1285"/>
+              <a:gd name="T25" fmla="*/ 761 h 1272"/>
+              <a:gd name="T26" fmla="*/ 296 w 1285"/>
+              <a:gd name="T27" fmla="*/ 676 h 1272"/>
+              <a:gd name="T28" fmla="*/ 139 w 1285"/>
+              <a:gd name="T29" fmla="*/ 677 h 1272"/>
+              <a:gd name="T30" fmla="*/ 112 w 1285"/>
+              <a:gd name="T31" fmla="*/ 530 h 1272"/>
+              <a:gd name="T32" fmla="*/ 246 w 1285"/>
+              <a:gd name="T33" fmla="*/ 378 h 1272"/>
+              <a:gd name="T34" fmla="*/ 382 w 1285"/>
+              <a:gd name="T35" fmla="*/ 242 h 1272"/>
+              <a:gd name="T36" fmla="*/ 962 w 1285"/>
+              <a:gd name="T37" fmla="*/ 590 h 1272"/>
+              <a:gd name="T38" fmla="*/ 1194 w 1285"/>
+              <a:gd name="T39" fmla="*/ 484 h 1272"/>
+              <a:gd name="T40" fmla="*/ 1210 w 1285"/>
+              <a:gd name="T41" fmla="*/ 615 h 1272"/>
+              <a:gd name="T42" fmla="*/ 1283 w 1285"/>
+              <a:gd name="T43" fmla="*/ 704 h 1272"/>
+              <a:gd name="T44" fmla="*/ 1201 w 1285"/>
+              <a:gd name="T45" fmla="*/ 809 h 1272"/>
+              <a:gd name="T46" fmla="*/ 1191 w 1285"/>
+              <a:gd name="T47" fmla="*/ 925 h 1272"/>
+              <a:gd name="T48" fmla="*/ 1056 w 1285"/>
+              <a:gd name="T49" fmla="*/ 940 h 1272"/>
+              <a:gd name="T50" fmla="*/ 967 w 1285"/>
+              <a:gd name="T51" fmla="*/ 1016 h 1272"/>
+              <a:gd name="T52" fmla="*/ 864 w 1285"/>
+              <a:gd name="T53" fmla="*/ 931 h 1272"/>
+              <a:gd name="T54" fmla="*/ 747 w 1285"/>
+              <a:gd name="T55" fmla="*/ 922 h 1272"/>
+              <a:gd name="T56" fmla="*/ 734 w 1285"/>
+              <a:gd name="T57" fmla="*/ 792 h 1272"/>
+              <a:gd name="T58" fmla="*/ 658 w 1285"/>
+              <a:gd name="T59" fmla="*/ 702 h 1272"/>
+              <a:gd name="T60" fmla="*/ 739 w 1285"/>
+              <a:gd name="T61" fmla="*/ 597 h 1272"/>
+              <a:gd name="T62" fmla="*/ 750 w 1285"/>
+              <a:gd name="T63" fmla="*/ 481 h 1272"/>
+              <a:gd name="T64" fmla="*/ 885 w 1285"/>
+              <a:gd name="T65" fmla="*/ 462 h 1272"/>
+              <a:gd name="T66" fmla="*/ 974 w 1285"/>
+              <a:gd name="T67" fmla="*/ 390 h 1272"/>
+              <a:gd name="T68" fmla="*/ 1081 w 1285"/>
+              <a:gd name="T69" fmla="*/ 471 h 1272"/>
+              <a:gd name="T70" fmla="*/ 1194 w 1285"/>
+              <a:gd name="T71" fmla="*/ 484 h 1272"/>
+              <a:gd name="T72" fmla="*/ 504 w 1285"/>
+              <a:gd name="T73" fmla="*/ 1105 h 1272"/>
+              <a:gd name="T74" fmla="*/ 282 w 1285"/>
+              <a:gd name="T75" fmla="*/ 964 h 1272"/>
+              <a:gd name="T76" fmla="*/ 311 w 1285"/>
+              <a:gd name="T77" fmla="*/ 894 h 1272"/>
+              <a:gd name="T78" fmla="*/ 385 w 1285"/>
+              <a:gd name="T79" fmla="*/ 822 h 1272"/>
+              <a:gd name="T80" fmla="*/ 457 w 1285"/>
+              <a:gd name="T81" fmla="*/ 793 h 1272"/>
+              <a:gd name="T82" fmla="*/ 560 w 1285"/>
+              <a:gd name="T83" fmla="*/ 794 h 1272"/>
+              <a:gd name="T84" fmla="*/ 629 w 1285"/>
+              <a:gd name="T85" fmla="*/ 825 h 1272"/>
+              <a:gd name="T86" fmla="*/ 701 w 1285"/>
+              <a:gd name="T87" fmla="*/ 899 h 1272"/>
+              <a:gd name="T88" fmla="*/ 728 w 1285"/>
+              <a:gd name="T89" fmla="*/ 967 h 1272"/>
+              <a:gd name="T90" fmla="*/ 727 w 1285"/>
+              <a:gd name="T91" fmla="*/ 1070 h 1272"/>
+              <a:gd name="T92" fmla="*/ 698 w 1285"/>
+              <a:gd name="T93" fmla="*/ 1140 h 1272"/>
+              <a:gd name="T94" fmla="*/ 624 w 1285"/>
+              <a:gd name="T95" fmla="*/ 1212 h 1272"/>
+              <a:gd name="T96" fmla="*/ 552 w 1285"/>
+              <a:gd name="T97" fmla="*/ 1241 h 1272"/>
+              <a:gd name="T98" fmla="*/ 449 w 1285"/>
+              <a:gd name="T99" fmla="*/ 1239 h 1272"/>
+              <a:gd name="T100" fmla="*/ 380 w 1285"/>
+              <a:gd name="T101" fmla="*/ 1209 h 1272"/>
+              <a:gd name="T102" fmla="*/ 308 w 1285"/>
+              <a:gd name="T103" fmla="*/ 1135 h 1272"/>
+              <a:gd name="T104" fmla="*/ 281 w 1285"/>
+              <a:gd name="T105" fmla="*/ 1067 h 1272"/>
+              <a:gd name="T106" fmla="*/ 282 w 1285"/>
+              <a:gd name="T107" fmla="*/ 964 h 1272"/>
+            </a:gdLst>
+            <a:ahLst/>
+            <a:cxnLst>
+              <a:cxn ang="0">
+                <a:pos x="T0" y="T1"/>
+              </a:cxn>
+              <a:cxn ang="0">
+                <a:pos x="T2" y="T3"/>
+              </a:cxn>
+              <a:cxn ang="0">
+                <a:pos x="T4" y="T5"/>
+              </a:cxn>
+              <a:cxn ang="0">
+                <a:pos x="T6" y="T7"/>
+              </a:cxn>
+              <a:cxn ang="0">
+                <a:pos x="T8" y="T9"/>
+              </a:cxn>
+              <a:cxn ang="0">
+                <a:pos x="T10" y="T11"/>
+              </a:cxn>
+              <a:cxn ang="0">
+                <a:pos x="T12" y="T13"/>
+              </a:cxn>
+              <a:cxn ang="0">
+                <a:pos x="T14" y="T15"/>
+              </a:cxn>
+              <a:cxn ang="0">
+                <a:pos x="T16" y="T17"/>
+              </a:cxn>
+              <a:cxn ang="0">
+                <a:pos x="T18" y="T19"/>
+              </a:cxn>
+              <a:cxn ang="0">
+                <a:pos x="T20" y="T21"/>
+              </a:cxn>
+              <a:cxn ang="0">
+                <a:pos x="T22" y="T23"/>
+              </a:cxn>
+              <a:cxn ang="0">
+                <a:pos x="T24" y="T25"/>
+              </a:cxn>
+              <a:cxn ang="0">
+                <a:pos x="T26" y="T27"/>
+              </a:cxn>
+              <a:cxn ang="0">
+                <a:pos x="T28" y="T29"/>
+              </a:cxn>
+              <a:cxn ang="0">
+                <a:pos x="T30" y="T31"/>
+              </a:cxn>
+              <a:cxn ang="0">
+                <a:pos x="T32" y="T33"/>
+              </a:cxn>
+              <a:cxn ang="0">
+                <a:pos x="T34" y="T35"/>
+              </a:cxn>
+              <a:cxn ang="0">
+                <a:pos x="T36" y="T37"/>
+              </a:cxn>
+              <a:cxn ang="0">
+                <a:pos x="T38" y="T39"/>
+              </a:cxn>
+              <a:cxn ang="0">
+                <a:pos x="T40" y="T41"/>
+              </a:cxn>
+              <a:cxn ang="0">
+                <a:pos x="T42" y="T43"/>
+              </a:cxn>
+              <a:cxn ang="0">
+                <a:pos x="T44" y="T45"/>
+              </a:cxn>
+              <a:cxn ang="0">
+                <a:pos x="T46" y="T47"/>
+              </a:cxn>
+              <a:cxn ang="0">
+                <a:pos x="T48" y="T49"/>
+              </a:cxn>
+              <a:cxn ang="0">
+                <a:pos x="T50" y="T51"/>
+              </a:cxn>
+              <a:cxn ang="0">
+                <a:pos x="T52" y="T53"/>
+              </a:cxn>
+              <a:cxn ang="0">
+                <a:pos x="T54" y="T55"/>
+              </a:cxn>
+              <a:cxn ang="0">
+                <a:pos x="T56" y="T57"/>
+              </a:cxn>
+              <a:cxn ang="0">
+                <a:pos x="T58" y="T59"/>
+              </a:cxn>
+              <a:cxn ang="0">
+                <a:pos x="T60" y="T61"/>
+              </a:cxn>
+              <a:cxn ang="0">
+                <a:pos x="T62" y="T63"/>
+              </a:cxn>
+              <a:cxn ang="0">
+                <a:pos x="T64" y="T65"/>
+              </a:cxn>
+              <a:cxn ang="0">
+                <a:pos x="T66" y="T67"/>
+              </a:cxn>
+              <a:cxn ang="0">
+                <a:pos x="T68" y="T69"/>
+              </a:cxn>
+              <a:cxn ang="0">
+                <a:pos x="T70" y="T71"/>
+              </a:cxn>
+              <a:cxn ang="0">
+                <a:pos x="T72" y="T73"/>
+              </a:cxn>
+              <a:cxn ang="0">
+                <a:pos x="T74" y="T75"/>
+              </a:cxn>
+              <a:cxn ang="0">
+                <a:pos x="T76" y="T77"/>
+              </a:cxn>
+              <a:cxn ang="0">
+                <a:pos x="T78" y="T79"/>
+              </a:cxn>
+              <a:cxn ang="0">
+                <a:pos x="T80" y="T81"/>
+              </a:cxn>
+              <a:cxn ang="0">
+                <a:pos x="T82" y="T83"/>
+              </a:cxn>
+              <a:cxn ang="0">
+                <a:pos x="T84" y="T85"/>
+              </a:cxn>
+              <a:cxn ang="0">
+                <a:pos x="T86" y="T87"/>
+              </a:cxn>
+              <a:cxn ang="0">
+                <a:pos x="T88" y="T89"/>
+              </a:cxn>
+              <a:cxn ang="0">
+                <a:pos x="T90" y="T91"/>
+              </a:cxn>
+              <a:cxn ang="0">
+                <a:pos x="T92" y="T93"/>
+              </a:cxn>
+              <a:cxn ang="0">
+                <a:pos x="T94" y="T95"/>
+              </a:cxn>
+              <a:cxn ang="0">
+                <a:pos x="T96" y="T97"/>
+              </a:cxn>
+              <a:cxn ang="0">
+                <a:pos x="T98" y="T99"/>
+              </a:cxn>
+              <a:cxn ang="0">
+                <a:pos x="T100" y="T101"/>
+              </a:cxn>
+              <a:cxn ang="0">
+                <a:pos x="T102" y="T103"/>
+              </a:cxn>
+              <a:cxn ang="0">
+                <a:pos x="T104" y="T105"/>
+              </a:cxn>
+              <a:cxn ang="0">
+                <a:pos x="T106" y="T107"/>
+              </a:cxn>
+            </a:cxnLst>
+            <a:rect l="0" t="0" r="r" b="b"/>
+            <a:pathLst>
+              <a:path w="1285" h="1272">
+                <a:moveTo>
+                  <a:pt x="84" y="464"/>
+                </a:moveTo>
+                <a:lnTo>
+                  <a:pt x="30" y="458"/>
+                </a:lnTo>
+                <a:cubicBezTo>
+                  <a:pt x="13" y="456"/>
+                  <a:pt x="0" y="441"/>
+                  <a:pt x="0" y="423"/>
+                </a:cubicBezTo>
+                <a:lnTo>
+                  <a:pt x="0" y="341"/>
+                </a:lnTo>
+                <a:cubicBezTo>
+                  <a:pt x="0" y="323"/>
+                  <a:pt x="13" y="309"/>
+                  <a:pt x="30" y="307"/>
+                </a:cubicBezTo>
+                <a:lnTo>
+                  <a:pt x="81" y="301"/>
+                </a:lnTo>
+                <a:cubicBezTo>
+                  <a:pt x="87" y="275"/>
+                  <a:pt x="97" y="251"/>
+                  <a:pt x="110" y="228"/>
+                </a:cubicBezTo>
+                <a:lnTo>
+                  <a:pt x="78" y="188"/>
+                </a:lnTo>
+                <a:cubicBezTo>
+                  <a:pt x="67" y="174"/>
+                  <a:pt x="68" y="154"/>
+                  <a:pt x="81" y="142"/>
+                </a:cubicBezTo>
+                <a:lnTo>
+                  <a:pt x="139" y="84"/>
+                </a:lnTo>
+                <a:cubicBezTo>
+                  <a:pt x="151" y="71"/>
+                  <a:pt x="171" y="70"/>
+                  <a:pt x="185" y="81"/>
+                </a:cubicBezTo>
+                <a:lnTo>
+                  <a:pt x="223" y="111"/>
+                </a:lnTo>
+                <a:cubicBezTo>
+                  <a:pt x="247" y="97"/>
+                  <a:pt x="273" y="86"/>
+                  <a:pt x="300" y="78"/>
+                </a:cubicBezTo>
+                <a:lnTo>
+                  <a:pt x="306" y="31"/>
+                </a:lnTo>
+                <a:cubicBezTo>
+                  <a:pt x="308" y="14"/>
+                  <a:pt x="323" y="0"/>
+                  <a:pt x="340" y="0"/>
+                </a:cubicBezTo>
+                <a:lnTo>
+                  <a:pt x="423" y="0"/>
+                </a:lnTo>
+                <a:cubicBezTo>
+                  <a:pt x="440" y="0"/>
+                  <a:pt x="455" y="14"/>
+                  <a:pt x="457" y="31"/>
+                </a:cubicBezTo>
+                <a:lnTo>
+                  <a:pt x="463" y="78"/>
+                </a:lnTo>
+                <a:cubicBezTo>
+                  <a:pt x="489" y="86"/>
+                  <a:pt x="515" y="96"/>
+                  <a:pt x="538" y="110"/>
+                </a:cubicBezTo>
+                <a:lnTo>
+                  <a:pt x="575" y="81"/>
+                </a:lnTo>
+                <a:cubicBezTo>
+                  <a:pt x="589" y="70"/>
+                  <a:pt x="608" y="71"/>
+                  <a:pt x="621" y="84"/>
+                </a:cubicBezTo>
+                <a:lnTo>
+                  <a:pt x="679" y="142"/>
+                </a:lnTo>
+                <a:cubicBezTo>
+                  <a:pt x="691" y="154"/>
+                  <a:pt x="693" y="174"/>
+                  <a:pt x="682" y="188"/>
+                </a:cubicBezTo>
+                <a:lnTo>
+                  <a:pt x="652" y="226"/>
+                </a:lnTo>
+                <a:cubicBezTo>
+                  <a:pt x="664" y="248"/>
+                  <a:pt x="674" y="272"/>
+                  <a:pt x="681" y="297"/>
+                </a:cubicBezTo>
+                <a:lnTo>
+                  <a:pt x="729" y="303"/>
+                </a:lnTo>
+                <a:cubicBezTo>
+                  <a:pt x="747" y="305"/>
+                  <a:pt x="760" y="320"/>
+                  <a:pt x="760" y="338"/>
+                </a:cubicBezTo>
+                <a:lnTo>
+                  <a:pt x="760" y="420"/>
+                </a:lnTo>
+                <a:cubicBezTo>
+                  <a:pt x="760" y="437"/>
+                  <a:pt x="747" y="452"/>
+                  <a:pt x="729" y="454"/>
+                </a:cubicBezTo>
+                <a:lnTo>
+                  <a:pt x="680" y="460"/>
+                </a:lnTo>
+                <a:cubicBezTo>
+                  <a:pt x="673" y="485"/>
+                  <a:pt x="663" y="510"/>
+                  <a:pt x="650" y="533"/>
+                </a:cubicBezTo>
+                <a:lnTo>
+                  <a:pt x="682" y="573"/>
+                </a:lnTo>
+                <a:cubicBezTo>
+                  <a:pt x="693" y="587"/>
+                  <a:pt x="692" y="607"/>
+                  <a:pt x="679" y="619"/>
+                </a:cubicBezTo>
+                <a:lnTo>
+                  <a:pt x="621" y="677"/>
+                </a:lnTo>
+                <a:cubicBezTo>
+                  <a:pt x="608" y="690"/>
+                  <a:pt x="589" y="691"/>
+                  <a:pt x="575" y="680"/>
+                </a:cubicBezTo>
+                <a:lnTo>
+                  <a:pt x="534" y="648"/>
+                </a:lnTo>
+                <a:cubicBezTo>
+                  <a:pt x="511" y="661"/>
+                  <a:pt x="486" y="671"/>
+                  <a:pt x="460" y="678"/>
+                </a:cubicBezTo>
+                <a:lnTo>
+                  <a:pt x="454" y="730"/>
+                </a:lnTo>
+                <a:cubicBezTo>
+                  <a:pt x="452" y="748"/>
+                  <a:pt x="437" y="761"/>
+                  <a:pt x="419" y="761"/>
+                </a:cubicBezTo>
+                <a:lnTo>
+                  <a:pt x="337" y="761"/>
+                </a:lnTo>
+                <a:cubicBezTo>
+                  <a:pt x="319" y="761"/>
+                  <a:pt x="305" y="748"/>
+                  <a:pt x="303" y="730"/>
+                </a:cubicBezTo>
+                <a:lnTo>
+                  <a:pt x="296" y="676"/>
+                </a:lnTo>
+                <a:cubicBezTo>
+                  <a:pt x="272" y="669"/>
+                  <a:pt x="249" y="659"/>
+                  <a:pt x="227" y="646"/>
+                </a:cubicBezTo>
+                <a:lnTo>
+                  <a:pt x="185" y="680"/>
+                </a:lnTo>
+                <a:cubicBezTo>
+                  <a:pt x="171" y="691"/>
+                  <a:pt x="151" y="690"/>
+                  <a:pt x="139" y="677"/>
+                </a:cubicBezTo>
+                <a:lnTo>
+                  <a:pt x="81" y="619"/>
+                </a:lnTo>
+                <a:cubicBezTo>
+                  <a:pt x="68" y="607"/>
+                  <a:pt x="67" y="587"/>
+                  <a:pt x="78" y="573"/>
+                </a:cubicBezTo>
+                <a:lnTo>
+                  <a:pt x="112" y="530"/>
+                </a:lnTo>
+                <a:cubicBezTo>
+                  <a:pt x="100" y="509"/>
+                  <a:pt x="91" y="487"/>
+                  <a:pt x="84" y="464"/>
+                </a:cubicBezTo>
+                <a:close/>
+                <a:moveTo>
+                  <a:pt x="382" y="242"/>
+                </a:moveTo>
+                <a:cubicBezTo>
+                  <a:pt x="307" y="242"/>
+                  <a:pt x="246" y="303"/>
+                  <a:pt x="246" y="378"/>
+                </a:cubicBezTo>
+                <a:cubicBezTo>
+                  <a:pt x="246" y="452"/>
+                  <a:pt x="307" y="513"/>
+                  <a:pt x="382" y="513"/>
+                </a:cubicBezTo>
+                <a:cubicBezTo>
+                  <a:pt x="456" y="513"/>
+                  <a:pt x="517" y="452"/>
+                  <a:pt x="517" y="378"/>
+                </a:cubicBezTo>
+                <a:cubicBezTo>
+                  <a:pt x="517" y="303"/>
+                  <a:pt x="456" y="242"/>
+                  <a:pt x="382" y="242"/>
+                </a:cubicBezTo>
+                <a:close/>
+                <a:moveTo>
+                  <a:pt x="981" y="811"/>
+                </a:moveTo>
+                <a:cubicBezTo>
+                  <a:pt x="1042" y="806"/>
+                  <a:pt x="1088" y="752"/>
+                  <a:pt x="1082" y="691"/>
+                </a:cubicBezTo>
+                <a:cubicBezTo>
+                  <a:pt x="1077" y="630"/>
+                  <a:pt x="1023" y="584"/>
+                  <a:pt x="962" y="590"/>
+                </a:cubicBezTo>
+                <a:cubicBezTo>
+                  <a:pt x="901" y="595"/>
+                  <a:pt x="855" y="649"/>
+                  <a:pt x="861" y="710"/>
+                </a:cubicBezTo>
+                <a:cubicBezTo>
+                  <a:pt x="866" y="771"/>
+                  <a:pt x="920" y="817"/>
+                  <a:pt x="981" y="811"/>
+                </a:cubicBezTo>
+                <a:close/>
+                <a:moveTo>
+                  <a:pt x="1194" y="484"/>
+                </a:moveTo>
+                <a:cubicBezTo>
+                  <a:pt x="1207" y="496"/>
+                  <a:pt x="1210" y="515"/>
+                  <a:pt x="1200" y="530"/>
+                </a:cubicBezTo>
+                <a:lnTo>
+                  <a:pt x="1181" y="558"/>
+                </a:lnTo>
+                <a:cubicBezTo>
+                  <a:pt x="1193" y="576"/>
+                  <a:pt x="1203" y="595"/>
+                  <a:pt x="1210" y="615"/>
+                </a:cubicBezTo>
+                <a:lnTo>
+                  <a:pt x="1245" y="616"/>
+                </a:lnTo>
+                <a:cubicBezTo>
+                  <a:pt x="1262" y="616"/>
+                  <a:pt x="1276" y="630"/>
+                  <a:pt x="1278" y="647"/>
+                </a:cubicBezTo>
+                <a:lnTo>
+                  <a:pt x="1283" y="704"/>
+                </a:lnTo>
+                <a:cubicBezTo>
+                  <a:pt x="1284" y="721"/>
+                  <a:pt x="1272" y="737"/>
+                  <a:pt x="1255" y="741"/>
+                </a:cubicBezTo>
+                <a:lnTo>
+                  <a:pt x="1221" y="748"/>
+                </a:lnTo>
+                <a:cubicBezTo>
+                  <a:pt x="1217" y="769"/>
+                  <a:pt x="1210" y="789"/>
+                  <a:pt x="1201" y="809"/>
+                </a:cubicBezTo>
+                <a:lnTo>
+                  <a:pt x="1226" y="836"/>
+                </a:lnTo>
+                <a:cubicBezTo>
+                  <a:pt x="1238" y="848"/>
+                  <a:pt x="1239" y="868"/>
+                  <a:pt x="1227" y="881"/>
+                </a:cubicBezTo>
+                <a:lnTo>
+                  <a:pt x="1191" y="925"/>
+                </a:lnTo>
+                <a:cubicBezTo>
+                  <a:pt x="1180" y="938"/>
+                  <a:pt x="1160" y="941"/>
+                  <a:pt x="1146" y="931"/>
+                </a:cubicBezTo>
+                <a:lnTo>
+                  <a:pt x="1114" y="911"/>
+                </a:lnTo>
+                <a:cubicBezTo>
+                  <a:pt x="1096" y="923"/>
+                  <a:pt x="1077" y="933"/>
+                  <a:pt x="1056" y="940"/>
+                </a:cubicBezTo>
+                <a:lnTo>
+                  <a:pt x="1055" y="978"/>
+                </a:lnTo>
+                <a:cubicBezTo>
+                  <a:pt x="1054" y="996"/>
+                  <a:pt x="1041" y="1010"/>
+                  <a:pt x="1023" y="1011"/>
+                </a:cubicBezTo>
+                <a:lnTo>
+                  <a:pt x="967" y="1016"/>
+                </a:lnTo>
+                <a:cubicBezTo>
+                  <a:pt x="949" y="1017"/>
+                  <a:pt x="934" y="1006"/>
+                  <a:pt x="930" y="989"/>
+                </a:cubicBezTo>
+                <a:lnTo>
+                  <a:pt x="922" y="950"/>
+                </a:lnTo>
+                <a:cubicBezTo>
+                  <a:pt x="902" y="946"/>
+                  <a:pt x="883" y="939"/>
+                  <a:pt x="864" y="931"/>
+                </a:cubicBezTo>
+                <a:lnTo>
+                  <a:pt x="836" y="957"/>
+                </a:lnTo>
+                <a:cubicBezTo>
+                  <a:pt x="823" y="969"/>
+                  <a:pt x="803" y="970"/>
+                  <a:pt x="790" y="958"/>
+                </a:cubicBezTo>
+                <a:lnTo>
+                  <a:pt x="747" y="922"/>
+                </a:lnTo>
+                <a:cubicBezTo>
+                  <a:pt x="733" y="911"/>
+                  <a:pt x="730" y="891"/>
+                  <a:pt x="740" y="877"/>
+                </a:cubicBezTo>
+                <a:lnTo>
+                  <a:pt x="762" y="844"/>
+                </a:lnTo>
+                <a:cubicBezTo>
+                  <a:pt x="751" y="828"/>
+                  <a:pt x="741" y="810"/>
+                  <a:pt x="734" y="792"/>
+                </a:cubicBezTo>
+                <a:lnTo>
+                  <a:pt x="696" y="790"/>
+                </a:lnTo>
+                <a:cubicBezTo>
+                  <a:pt x="678" y="790"/>
+                  <a:pt x="664" y="776"/>
+                  <a:pt x="662" y="759"/>
+                </a:cubicBezTo>
+                <a:lnTo>
+                  <a:pt x="658" y="702"/>
+                </a:lnTo>
+                <a:cubicBezTo>
+                  <a:pt x="656" y="685"/>
+                  <a:pt x="668" y="669"/>
+                  <a:pt x="685" y="666"/>
+                </a:cubicBezTo>
+                <a:lnTo>
+                  <a:pt x="721" y="658"/>
+                </a:lnTo>
+                <a:cubicBezTo>
+                  <a:pt x="725" y="637"/>
+                  <a:pt x="731" y="617"/>
+                  <a:pt x="739" y="597"/>
+                </a:cubicBezTo>
+                <a:lnTo>
+                  <a:pt x="714" y="571"/>
+                </a:lnTo>
+                <a:cubicBezTo>
+                  <a:pt x="702" y="558"/>
+                  <a:pt x="702" y="538"/>
+                  <a:pt x="713" y="525"/>
+                </a:cubicBezTo>
+                <a:lnTo>
+                  <a:pt x="750" y="481"/>
+                </a:lnTo>
+                <a:cubicBezTo>
+                  <a:pt x="761" y="468"/>
+                  <a:pt x="780" y="465"/>
+                  <a:pt x="795" y="475"/>
+                </a:cubicBezTo>
+                <a:lnTo>
+                  <a:pt x="824" y="494"/>
+                </a:lnTo>
+                <a:cubicBezTo>
+                  <a:pt x="842" y="480"/>
+                  <a:pt x="863" y="470"/>
+                  <a:pt x="885" y="462"/>
+                </a:cubicBezTo>
+                <a:lnTo>
+                  <a:pt x="886" y="428"/>
+                </a:lnTo>
+                <a:cubicBezTo>
+                  <a:pt x="886" y="411"/>
+                  <a:pt x="900" y="396"/>
+                  <a:pt x="917" y="395"/>
+                </a:cubicBezTo>
+                <a:lnTo>
+                  <a:pt x="974" y="390"/>
+                </a:lnTo>
+                <a:cubicBezTo>
+                  <a:pt x="991" y="389"/>
+                  <a:pt x="1007" y="401"/>
+                  <a:pt x="1010" y="418"/>
+                </a:cubicBezTo>
+                <a:lnTo>
+                  <a:pt x="1017" y="451"/>
+                </a:lnTo>
+                <a:cubicBezTo>
+                  <a:pt x="1039" y="455"/>
+                  <a:pt x="1061" y="462"/>
+                  <a:pt x="1081" y="471"/>
+                </a:cubicBezTo>
+                <a:lnTo>
+                  <a:pt x="1105" y="449"/>
+                </a:lnTo>
+                <a:cubicBezTo>
+                  <a:pt x="1118" y="437"/>
+                  <a:pt x="1137" y="436"/>
+                  <a:pt x="1151" y="448"/>
+                </a:cubicBezTo>
+                <a:lnTo>
+                  <a:pt x="1194" y="484"/>
+                </a:lnTo>
+                <a:close/>
+                <a:moveTo>
+                  <a:pt x="507" y="924"/>
+                </a:moveTo>
+                <a:cubicBezTo>
+                  <a:pt x="457" y="924"/>
+                  <a:pt x="415" y="964"/>
+                  <a:pt x="415" y="1014"/>
+                </a:cubicBezTo>
+                <a:cubicBezTo>
+                  <a:pt x="414" y="1064"/>
+                  <a:pt x="454" y="1105"/>
+                  <a:pt x="504" y="1105"/>
+                </a:cubicBezTo>
+                <a:cubicBezTo>
+                  <a:pt x="554" y="1106"/>
+                  <a:pt x="596" y="1066"/>
+                  <a:pt x="596" y="1016"/>
+                </a:cubicBezTo>
+                <a:cubicBezTo>
+                  <a:pt x="597" y="966"/>
+                  <a:pt x="557" y="925"/>
+                  <a:pt x="507" y="924"/>
+                </a:cubicBezTo>
+                <a:close/>
+                <a:moveTo>
+                  <a:pt x="282" y="964"/>
+                </a:moveTo>
+                <a:lnTo>
+                  <a:pt x="306" y="961"/>
+                </a:lnTo>
+                <a:cubicBezTo>
+                  <a:pt x="310" y="944"/>
+                  <a:pt x="317" y="928"/>
+                  <a:pt x="326" y="913"/>
+                </a:cubicBezTo>
+                <a:lnTo>
+                  <a:pt x="311" y="894"/>
+                </a:lnTo>
+                <a:cubicBezTo>
+                  <a:pt x="300" y="880"/>
+                  <a:pt x="301" y="860"/>
+                  <a:pt x="314" y="848"/>
+                </a:cubicBezTo>
+                <a:lnTo>
+                  <a:pt x="339" y="824"/>
+                </a:lnTo>
+                <a:cubicBezTo>
+                  <a:pt x="352" y="811"/>
+                  <a:pt x="371" y="811"/>
+                  <a:pt x="385" y="822"/>
+                </a:cubicBezTo>
+                <a:lnTo>
+                  <a:pt x="402" y="836"/>
+                </a:lnTo>
+                <a:cubicBezTo>
+                  <a:pt x="418" y="826"/>
+                  <a:pt x="436" y="819"/>
+                  <a:pt x="454" y="814"/>
+                </a:cubicBezTo>
+                <a:lnTo>
+                  <a:pt x="457" y="793"/>
+                </a:lnTo>
+                <a:cubicBezTo>
+                  <a:pt x="459" y="776"/>
+                  <a:pt x="474" y="763"/>
+                  <a:pt x="491" y="763"/>
+                </a:cubicBezTo>
+                <a:lnTo>
+                  <a:pt x="526" y="763"/>
+                </a:lnTo>
+                <a:cubicBezTo>
+                  <a:pt x="543" y="764"/>
+                  <a:pt x="558" y="777"/>
+                  <a:pt x="560" y="794"/>
+                </a:cubicBezTo>
+                <a:lnTo>
+                  <a:pt x="562" y="816"/>
+                </a:lnTo>
+                <a:cubicBezTo>
+                  <a:pt x="580" y="821"/>
+                  <a:pt x="596" y="828"/>
+                  <a:pt x="612" y="838"/>
+                </a:cubicBezTo>
+                <a:lnTo>
+                  <a:pt x="629" y="825"/>
+                </a:lnTo>
+                <a:cubicBezTo>
+                  <a:pt x="643" y="814"/>
+                  <a:pt x="662" y="815"/>
+                  <a:pt x="675" y="828"/>
+                </a:cubicBezTo>
+                <a:lnTo>
+                  <a:pt x="699" y="853"/>
+                </a:lnTo>
+                <a:cubicBezTo>
+                  <a:pt x="711" y="865"/>
+                  <a:pt x="712" y="885"/>
+                  <a:pt x="701" y="899"/>
+                </a:cubicBezTo>
+                <a:lnTo>
+                  <a:pt x="687" y="916"/>
+                </a:lnTo>
+                <a:cubicBezTo>
+                  <a:pt x="695" y="931"/>
+                  <a:pt x="702" y="947"/>
+                  <a:pt x="706" y="964"/>
+                </a:cubicBezTo>
+                <a:lnTo>
+                  <a:pt x="728" y="967"/>
+                </a:lnTo>
+                <a:cubicBezTo>
+                  <a:pt x="746" y="969"/>
+                  <a:pt x="759" y="984"/>
+                  <a:pt x="758" y="1001"/>
+                </a:cubicBezTo>
+                <a:lnTo>
+                  <a:pt x="758" y="1036"/>
+                </a:lnTo>
+                <a:cubicBezTo>
+                  <a:pt x="758" y="1054"/>
+                  <a:pt x="744" y="1068"/>
+                  <a:pt x="727" y="1070"/>
+                </a:cubicBezTo>
+                <a:lnTo>
+                  <a:pt x="704" y="1072"/>
+                </a:lnTo>
+                <a:cubicBezTo>
+                  <a:pt x="699" y="1089"/>
+                  <a:pt x="692" y="1105"/>
+                  <a:pt x="683" y="1121"/>
+                </a:cubicBezTo>
+                <a:lnTo>
+                  <a:pt x="698" y="1140"/>
+                </a:lnTo>
+                <a:cubicBezTo>
+                  <a:pt x="709" y="1154"/>
+                  <a:pt x="707" y="1173"/>
+                  <a:pt x="695" y="1185"/>
+                </a:cubicBezTo>
+                <a:lnTo>
+                  <a:pt x="670" y="1210"/>
+                </a:lnTo>
+                <a:cubicBezTo>
+                  <a:pt x="657" y="1222"/>
+                  <a:pt x="638" y="1223"/>
+                  <a:pt x="624" y="1212"/>
+                </a:cubicBezTo>
+                <a:lnTo>
+                  <a:pt x="605" y="1196"/>
+                </a:lnTo>
+                <a:cubicBezTo>
+                  <a:pt x="589" y="1205"/>
+                  <a:pt x="573" y="1211"/>
+                  <a:pt x="555" y="1215"/>
+                </a:cubicBezTo>
+                <a:lnTo>
+                  <a:pt x="552" y="1241"/>
+                </a:lnTo>
+                <a:cubicBezTo>
+                  <a:pt x="550" y="1258"/>
+                  <a:pt x="535" y="1271"/>
+                  <a:pt x="518" y="1271"/>
+                </a:cubicBezTo>
+                <a:lnTo>
+                  <a:pt x="483" y="1270"/>
+                </a:lnTo>
+                <a:cubicBezTo>
+                  <a:pt x="465" y="1270"/>
+                  <a:pt x="451" y="1257"/>
+                  <a:pt x="449" y="1239"/>
+                </a:cubicBezTo>
+                <a:lnTo>
+                  <a:pt x="446" y="1213"/>
+                </a:lnTo>
+                <a:cubicBezTo>
+                  <a:pt x="430" y="1208"/>
+                  <a:pt x="415" y="1201"/>
+                  <a:pt x="400" y="1193"/>
+                </a:cubicBezTo>
+                <a:lnTo>
+                  <a:pt x="380" y="1209"/>
+                </a:lnTo>
+                <a:cubicBezTo>
+                  <a:pt x="366" y="1219"/>
+                  <a:pt x="346" y="1218"/>
+                  <a:pt x="334" y="1206"/>
+                </a:cubicBezTo>
+                <a:lnTo>
+                  <a:pt x="310" y="1181"/>
+                </a:lnTo>
+                <a:cubicBezTo>
+                  <a:pt x="298" y="1168"/>
+                  <a:pt x="297" y="1149"/>
+                  <a:pt x="308" y="1135"/>
+                </a:cubicBezTo>
+                <a:lnTo>
+                  <a:pt x="324" y="1115"/>
+                </a:lnTo>
+                <a:cubicBezTo>
+                  <a:pt x="316" y="1101"/>
+                  <a:pt x="310" y="1086"/>
+                  <a:pt x="306" y="1070"/>
+                </a:cubicBezTo>
+                <a:lnTo>
+                  <a:pt x="281" y="1067"/>
+                </a:lnTo>
+                <a:cubicBezTo>
+                  <a:pt x="263" y="1065"/>
+                  <a:pt x="250" y="1050"/>
+                  <a:pt x="251" y="1032"/>
+                </a:cubicBezTo>
+                <a:lnTo>
+                  <a:pt x="251" y="997"/>
+                </a:lnTo>
+                <a:cubicBezTo>
+                  <a:pt x="251" y="980"/>
+                  <a:pt x="264" y="965"/>
+                  <a:pt x="282" y="964"/>
+                </a:cubicBezTo>
+                <a:close/>
+              </a:path>
+            </a:pathLst>
+          </a:custGeom>
+          <a:solidFill>
+            <a:schemeClr val="tx1"/>
+          </a:solidFill>
+          <a:ln>
+            <a:noFill/>
+          </a:ln>
+          <a:effectLst/>
+        </p:spPr>
+        <p:txBody>
+          <a:bodyPr wrap="none" anchor="ctr"/>
+          <a:lstStyle/>
+          <a:p>
+            <a:endParaRPr lang="en-US" sz="1889"/>
+          </a:p>
+        </p:txBody>
+      </p:sp>
+      <p:sp>
+        <p:nvSpPr>
+          <p:cNvPr id="129" name="Freeform 103">
+            <a:extLst>
+              <a:ext uri="{FF2B5EF4-FFF2-40B4-BE49-F238E27FC236}">
+                <a16:creationId xmlns:a16="http://schemas.microsoft.com/office/drawing/2014/main" id="{92367D78-DF09-4509-9032-F8DC7726F040}"/>
+              </a:ext>
+            </a:extLst>
+          </p:cNvPr>
+          <p:cNvSpPr>
+            <a:spLocks noChangeArrowheads="1"/>
+          </p:cNvSpPr>
+          <p:nvPr/>
+        </p:nvSpPr>
+        <p:spPr bwMode="auto">
+          <a:xfrm>
+            <a:off x="6817886" y="5083357"/>
+            <a:ext cx="276513" cy="266421"/>
+          </a:xfrm>
+          <a:custGeom>
+            <a:avLst/>
+            <a:gdLst>
+              <a:gd name="T0" fmla="*/ 0 w 1285"/>
+              <a:gd name="T1" fmla="*/ 423 h 1272"/>
+              <a:gd name="T2" fmla="*/ 81 w 1285"/>
+              <a:gd name="T3" fmla="*/ 301 h 1272"/>
+              <a:gd name="T4" fmla="*/ 81 w 1285"/>
+              <a:gd name="T5" fmla="*/ 142 h 1272"/>
+              <a:gd name="T6" fmla="*/ 223 w 1285"/>
+              <a:gd name="T7" fmla="*/ 111 h 1272"/>
+              <a:gd name="T8" fmla="*/ 340 w 1285"/>
+              <a:gd name="T9" fmla="*/ 0 h 1272"/>
+              <a:gd name="T10" fmla="*/ 463 w 1285"/>
+              <a:gd name="T11" fmla="*/ 78 h 1272"/>
+              <a:gd name="T12" fmla="*/ 621 w 1285"/>
+              <a:gd name="T13" fmla="*/ 84 h 1272"/>
+              <a:gd name="T14" fmla="*/ 652 w 1285"/>
+              <a:gd name="T15" fmla="*/ 226 h 1272"/>
+              <a:gd name="T16" fmla="*/ 760 w 1285"/>
+              <a:gd name="T17" fmla="*/ 338 h 1272"/>
+              <a:gd name="T18" fmla="*/ 680 w 1285"/>
+              <a:gd name="T19" fmla="*/ 460 h 1272"/>
+              <a:gd name="T20" fmla="*/ 679 w 1285"/>
+              <a:gd name="T21" fmla="*/ 619 h 1272"/>
+              <a:gd name="T22" fmla="*/ 534 w 1285"/>
+              <a:gd name="T23" fmla="*/ 648 h 1272"/>
+              <a:gd name="T24" fmla="*/ 419 w 1285"/>
+              <a:gd name="T25" fmla="*/ 761 h 1272"/>
+              <a:gd name="T26" fmla="*/ 296 w 1285"/>
+              <a:gd name="T27" fmla="*/ 676 h 1272"/>
+              <a:gd name="T28" fmla="*/ 139 w 1285"/>
+              <a:gd name="T29" fmla="*/ 677 h 1272"/>
+              <a:gd name="T30" fmla="*/ 112 w 1285"/>
+              <a:gd name="T31" fmla="*/ 530 h 1272"/>
+              <a:gd name="T32" fmla="*/ 246 w 1285"/>
+              <a:gd name="T33" fmla="*/ 378 h 1272"/>
+              <a:gd name="T34" fmla="*/ 382 w 1285"/>
+              <a:gd name="T35" fmla="*/ 242 h 1272"/>
+              <a:gd name="T36" fmla="*/ 962 w 1285"/>
+              <a:gd name="T37" fmla="*/ 590 h 1272"/>
+              <a:gd name="T38" fmla="*/ 1194 w 1285"/>
+              <a:gd name="T39" fmla="*/ 484 h 1272"/>
+              <a:gd name="T40" fmla="*/ 1210 w 1285"/>
+              <a:gd name="T41" fmla="*/ 615 h 1272"/>
+              <a:gd name="T42" fmla="*/ 1283 w 1285"/>
+              <a:gd name="T43" fmla="*/ 704 h 1272"/>
+              <a:gd name="T44" fmla="*/ 1201 w 1285"/>
+              <a:gd name="T45" fmla="*/ 809 h 1272"/>
+              <a:gd name="T46" fmla="*/ 1191 w 1285"/>
+              <a:gd name="T47" fmla="*/ 925 h 1272"/>
+              <a:gd name="T48" fmla="*/ 1056 w 1285"/>
+              <a:gd name="T49" fmla="*/ 940 h 1272"/>
+              <a:gd name="T50" fmla="*/ 967 w 1285"/>
+              <a:gd name="T51" fmla="*/ 1016 h 1272"/>
+              <a:gd name="T52" fmla="*/ 864 w 1285"/>
+              <a:gd name="T53" fmla="*/ 931 h 1272"/>
+              <a:gd name="T54" fmla="*/ 747 w 1285"/>
+              <a:gd name="T55" fmla="*/ 922 h 1272"/>
+              <a:gd name="T56" fmla="*/ 734 w 1285"/>
+              <a:gd name="T57" fmla="*/ 792 h 1272"/>
+              <a:gd name="T58" fmla="*/ 658 w 1285"/>
+              <a:gd name="T59" fmla="*/ 702 h 1272"/>
+              <a:gd name="T60" fmla="*/ 739 w 1285"/>
+              <a:gd name="T61" fmla="*/ 597 h 1272"/>
+              <a:gd name="T62" fmla="*/ 750 w 1285"/>
+              <a:gd name="T63" fmla="*/ 481 h 1272"/>
+              <a:gd name="T64" fmla="*/ 885 w 1285"/>
+              <a:gd name="T65" fmla="*/ 462 h 1272"/>
+              <a:gd name="T66" fmla="*/ 974 w 1285"/>
+              <a:gd name="T67" fmla="*/ 390 h 1272"/>
+              <a:gd name="T68" fmla="*/ 1081 w 1285"/>
+              <a:gd name="T69" fmla="*/ 471 h 1272"/>
+              <a:gd name="T70" fmla="*/ 1194 w 1285"/>
+              <a:gd name="T71" fmla="*/ 484 h 1272"/>
+              <a:gd name="T72" fmla="*/ 504 w 1285"/>
+              <a:gd name="T73" fmla="*/ 1105 h 1272"/>
+              <a:gd name="T74" fmla="*/ 282 w 1285"/>
+              <a:gd name="T75" fmla="*/ 964 h 1272"/>
+              <a:gd name="T76" fmla="*/ 311 w 1285"/>
+              <a:gd name="T77" fmla="*/ 894 h 1272"/>
+              <a:gd name="T78" fmla="*/ 385 w 1285"/>
+              <a:gd name="T79" fmla="*/ 822 h 1272"/>
+              <a:gd name="T80" fmla="*/ 457 w 1285"/>
+              <a:gd name="T81" fmla="*/ 793 h 1272"/>
+              <a:gd name="T82" fmla="*/ 560 w 1285"/>
+              <a:gd name="T83" fmla="*/ 794 h 1272"/>
+              <a:gd name="T84" fmla="*/ 629 w 1285"/>
+              <a:gd name="T85" fmla="*/ 825 h 1272"/>
+              <a:gd name="T86" fmla="*/ 701 w 1285"/>
+              <a:gd name="T87" fmla="*/ 899 h 1272"/>
+              <a:gd name="T88" fmla="*/ 728 w 1285"/>
+              <a:gd name="T89" fmla="*/ 967 h 1272"/>
+              <a:gd name="T90" fmla="*/ 727 w 1285"/>
+              <a:gd name="T91" fmla="*/ 1070 h 1272"/>
+              <a:gd name="T92" fmla="*/ 698 w 1285"/>
+              <a:gd name="T93" fmla="*/ 1140 h 1272"/>
+              <a:gd name="T94" fmla="*/ 624 w 1285"/>
+              <a:gd name="T95" fmla="*/ 1212 h 1272"/>
+              <a:gd name="T96" fmla="*/ 552 w 1285"/>
+              <a:gd name="T97" fmla="*/ 1241 h 1272"/>
+              <a:gd name="T98" fmla="*/ 449 w 1285"/>
+              <a:gd name="T99" fmla="*/ 1239 h 1272"/>
+              <a:gd name="T100" fmla="*/ 380 w 1285"/>
+              <a:gd name="T101" fmla="*/ 1209 h 1272"/>
+              <a:gd name="T102" fmla="*/ 308 w 1285"/>
+              <a:gd name="T103" fmla="*/ 1135 h 1272"/>
+              <a:gd name="T104" fmla="*/ 281 w 1285"/>
+              <a:gd name="T105" fmla="*/ 1067 h 1272"/>
+              <a:gd name="T106" fmla="*/ 282 w 1285"/>
+              <a:gd name="T107" fmla="*/ 964 h 1272"/>
+            </a:gdLst>
+            <a:ahLst/>
+            <a:cxnLst>
+              <a:cxn ang="0">
+                <a:pos x="T0" y="T1"/>
+              </a:cxn>
+              <a:cxn ang="0">
+                <a:pos x="T2" y="T3"/>
+              </a:cxn>
+              <a:cxn ang="0">
+                <a:pos x="T4" y="T5"/>
+              </a:cxn>
+              <a:cxn ang="0">
+                <a:pos x="T6" y="T7"/>
+              </a:cxn>
+              <a:cxn ang="0">
+                <a:pos x="T8" y="T9"/>
+              </a:cxn>
+              <a:cxn ang="0">
+                <a:pos x="T10" y="T11"/>
+              </a:cxn>
+              <a:cxn ang="0">
+                <a:pos x="T12" y="T13"/>
+              </a:cxn>
+              <a:cxn ang="0">
+                <a:pos x="T14" y="T15"/>
+              </a:cxn>
+              <a:cxn ang="0">
+                <a:pos x="T16" y="T17"/>
+              </a:cxn>
+              <a:cxn ang="0">
+                <a:pos x="T18" y="T19"/>
+              </a:cxn>
+              <a:cxn ang="0">
+                <a:pos x="T20" y="T21"/>
+              </a:cxn>
+              <a:cxn ang="0">
+                <a:pos x="T22" y="T23"/>
+              </a:cxn>
+              <a:cxn ang="0">
+                <a:pos x="T24" y="T25"/>
+              </a:cxn>
+              <a:cxn ang="0">
+                <a:pos x="T26" y="T27"/>
+              </a:cxn>
+              <a:cxn ang="0">
+                <a:pos x="T28" y="T29"/>
+              </a:cxn>
+              <a:cxn ang="0">
+                <a:pos x="T30" y="T31"/>
+              </a:cxn>
+              <a:cxn ang="0">
+                <a:pos x="T32" y="T33"/>
+              </a:cxn>
+              <a:cxn ang="0">
+                <a:pos x="T34" y="T35"/>
+              </a:cxn>
+              <a:cxn ang="0">
+                <a:pos x="T36" y="T37"/>
+              </a:cxn>
+              <a:cxn ang="0">
+                <a:pos x="T38" y="T39"/>
+              </a:cxn>
+              <a:cxn ang="0">
+                <a:pos x="T40" y="T41"/>
+              </a:cxn>
+              <a:cxn ang="0">
+                <a:pos x="T42" y="T43"/>
+              </a:cxn>
+              <a:cxn ang="0">
+                <a:pos x="T44" y="T45"/>
+              </a:cxn>
+              <a:cxn ang="0">
+                <a:pos x="T46" y="T47"/>
+              </a:cxn>
+              <a:cxn ang="0">
+                <a:pos x="T48" y="T49"/>
+              </a:cxn>
+              <a:cxn ang="0">
+                <a:pos x="T50" y="T51"/>
+              </a:cxn>
+              <a:cxn ang="0">
+                <a:pos x="T52" y="T53"/>
+              </a:cxn>
+              <a:cxn ang="0">
+                <a:pos x="T54" y="T55"/>
+              </a:cxn>
+              <a:cxn ang="0">
+                <a:pos x="T56" y="T57"/>
+              </a:cxn>
+              <a:cxn ang="0">
+                <a:pos x="T58" y="T59"/>
+              </a:cxn>
+              <a:cxn ang="0">
+                <a:pos x="T60" y="T61"/>
+              </a:cxn>
+              <a:cxn ang="0">
+                <a:pos x="T62" y="T63"/>
+              </a:cxn>
+              <a:cxn ang="0">
+                <a:pos x="T64" y="T65"/>
+              </a:cxn>
+              <a:cxn ang="0">
+                <a:pos x="T66" y="T67"/>
+              </a:cxn>
+              <a:cxn ang="0">
+                <a:pos x="T68" y="T69"/>
+              </a:cxn>
+              <a:cxn ang="0">
+                <a:pos x="T70" y="T71"/>
+              </a:cxn>
+              <a:cxn ang="0">
+                <a:pos x="T72" y="T73"/>
+              </a:cxn>
+              <a:cxn ang="0">
+                <a:pos x="T74" y="T75"/>
+              </a:cxn>
+              <a:cxn ang="0">
+                <a:pos x="T76" y="T77"/>
+              </a:cxn>
+              <a:cxn ang="0">
+                <a:pos x="T78" y="T79"/>
+              </a:cxn>
+              <a:cxn ang="0">
+                <a:pos x="T80" y="T81"/>
+              </a:cxn>
+              <a:cxn ang="0">
+                <a:pos x="T82" y="T83"/>
+              </a:cxn>
+              <a:cxn ang="0">
+                <a:pos x="T84" y="T85"/>
+              </a:cxn>
+              <a:cxn ang="0">
+                <a:pos x="T86" y="T87"/>
+              </a:cxn>
+              <a:cxn ang="0">
+                <a:pos x="T88" y="T89"/>
+              </a:cxn>
+              <a:cxn ang="0">
+                <a:pos x="T90" y="T91"/>
+              </a:cxn>
+              <a:cxn ang="0">
+                <a:pos x="T92" y="T93"/>
+              </a:cxn>
+              <a:cxn ang="0">
+                <a:pos x="T94" y="T95"/>
+              </a:cxn>
+              <a:cxn ang="0">
+                <a:pos x="T96" y="T97"/>
+              </a:cxn>
+              <a:cxn ang="0">
+                <a:pos x="T98" y="T99"/>
+              </a:cxn>
+              <a:cxn ang="0">
+                <a:pos x="T100" y="T101"/>
+              </a:cxn>
+              <a:cxn ang="0">
+                <a:pos x="T102" y="T103"/>
+              </a:cxn>
+              <a:cxn ang="0">
+                <a:pos x="T104" y="T105"/>
+              </a:cxn>
+              <a:cxn ang="0">
+                <a:pos x="T106" y="T107"/>
+              </a:cxn>
+            </a:cxnLst>
+            <a:rect l="0" t="0" r="r" b="b"/>
+            <a:pathLst>
+              <a:path w="1285" h="1272">
+                <a:moveTo>
+                  <a:pt x="84" y="464"/>
+                </a:moveTo>
+                <a:lnTo>
+                  <a:pt x="30" y="458"/>
+                </a:lnTo>
+                <a:cubicBezTo>
+                  <a:pt x="13" y="456"/>
+                  <a:pt x="0" y="441"/>
+                  <a:pt x="0" y="423"/>
+                </a:cubicBezTo>
+                <a:lnTo>
+                  <a:pt x="0" y="341"/>
+                </a:lnTo>
+                <a:cubicBezTo>
+                  <a:pt x="0" y="323"/>
+                  <a:pt x="13" y="309"/>
+                  <a:pt x="30" y="307"/>
+                </a:cubicBezTo>
+                <a:lnTo>
+                  <a:pt x="81" y="301"/>
+                </a:lnTo>
+                <a:cubicBezTo>
+                  <a:pt x="87" y="275"/>
+                  <a:pt x="97" y="251"/>
+                  <a:pt x="110" y="228"/>
+                </a:cubicBezTo>
+                <a:lnTo>
+                  <a:pt x="78" y="188"/>
+                </a:lnTo>
+                <a:cubicBezTo>
+                  <a:pt x="67" y="174"/>
+                  <a:pt x="68" y="154"/>
+                  <a:pt x="81" y="142"/>
+                </a:cubicBezTo>
+                <a:lnTo>
+                  <a:pt x="139" y="84"/>
+                </a:lnTo>
+                <a:cubicBezTo>
+                  <a:pt x="151" y="71"/>
+                  <a:pt x="171" y="70"/>
+                  <a:pt x="185" y="81"/>
+                </a:cubicBezTo>
+                <a:lnTo>
+                  <a:pt x="223" y="111"/>
+                </a:lnTo>
+                <a:cubicBezTo>
+                  <a:pt x="247" y="97"/>
+                  <a:pt x="273" y="86"/>
+                  <a:pt x="300" y="78"/>
+                </a:cubicBezTo>
+                <a:lnTo>
+                  <a:pt x="306" y="31"/>
+                </a:lnTo>
+                <a:cubicBezTo>
+                  <a:pt x="308" y="14"/>
+                  <a:pt x="323" y="0"/>
+                  <a:pt x="340" y="0"/>
+                </a:cubicBezTo>
+                <a:lnTo>
+                  <a:pt x="423" y="0"/>
+                </a:lnTo>
+                <a:cubicBezTo>
+                  <a:pt x="440" y="0"/>
+                  <a:pt x="455" y="14"/>
+                  <a:pt x="457" y="31"/>
+                </a:cubicBezTo>
+                <a:lnTo>
+                  <a:pt x="463" y="78"/>
+                </a:lnTo>
+                <a:cubicBezTo>
+                  <a:pt x="489" y="86"/>
+                  <a:pt x="515" y="96"/>
+                  <a:pt x="538" y="110"/>
+                </a:cubicBezTo>
+                <a:lnTo>
+                  <a:pt x="575" y="81"/>
+                </a:lnTo>
+                <a:cubicBezTo>
+                  <a:pt x="589" y="70"/>
+                  <a:pt x="608" y="71"/>
+                  <a:pt x="621" y="84"/>
+                </a:cubicBezTo>
+                <a:lnTo>
+                  <a:pt x="679" y="142"/>
+                </a:lnTo>
+                <a:cubicBezTo>
+                  <a:pt x="691" y="154"/>
+                  <a:pt x="693" y="174"/>
+                  <a:pt x="682" y="188"/>
+                </a:cubicBezTo>
+                <a:lnTo>
+                  <a:pt x="652" y="226"/>
+                </a:lnTo>
+                <a:cubicBezTo>
+                  <a:pt x="664" y="248"/>
+                  <a:pt x="674" y="272"/>
+                  <a:pt x="681" y="297"/>
+                </a:cubicBezTo>
+                <a:lnTo>
+                  <a:pt x="729" y="303"/>
+                </a:lnTo>
+                <a:cubicBezTo>
+                  <a:pt x="747" y="305"/>
+                  <a:pt x="760" y="320"/>
+                  <a:pt x="760" y="338"/>
+                </a:cubicBezTo>
+                <a:lnTo>
+                  <a:pt x="760" y="420"/>
+                </a:lnTo>
+                <a:cubicBezTo>
+                  <a:pt x="760" y="437"/>
+                  <a:pt x="747" y="452"/>
+                  <a:pt x="729" y="454"/>
+                </a:cubicBezTo>
+                <a:lnTo>
+                  <a:pt x="680" y="460"/>
+                </a:lnTo>
+                <a:cubicBezTo>
+                  <a:pt x="673" y="485"/>
+                  <a:pt x="663" y="510"/>
+                  <a:pt x="650" y="533"/>
+                </a:cubicBezTo>
+                <a:lnTo>
+                  <a:pt x="682" y="573"/>
+                </a:lnTo>
+                <a:cubicBezTo>
+                  <a:pt x="693" y="587"/>
+                  <a:pt x="692" y="607"/>
+                  <a:pt x="679" y="619"/>
+                </a:cubicBezTo>
+                <a:lnTo>
+                  <a:pt x="621" y="677"/>
+                </a:lnTo>
+                <a:cubicBezTo>
+                  <a:pt x="608" y="690"/>
+                  <a:pt x="589" y="691"/>
+                  <a:pt x="575" y="680"/>
+                </a:cubicBezTo>
+                <a:lnTo>
+                  <a:pt x="534" y="648"/>
+                </a:lnTo>
+                <a:cubicBezTo>
+                  <a:pt x="511" y="661"/>
+                  <a:pt x="486" y="671"/>
+                  <a:pt x="460" y="678"/>
+                </a:cubicBezTo>
+                <a:lnTo>
+                  <a:pt x="454" y="730"/>
+                </a:lnTo>
+                <a:cubicBezTo>
+                  <a:pt x="452" y="748"/>
+                  <a:pt x="437" y="761"/>
+                  <a:pt x="419" y="761"/>
+                </a:cubicBezTo>
+                <a:lnTo>
+                  <a:pt x="337" y="761"/>
+                </a:lnTo>
+                <a:cubicBezTo>
+                  <a:pt x="319" y="761"/>
+                  <a:pt x="305" y="748"/>
+                  <a:pt x="303" y="730"/>
+                </a:cubicBezTo>
+                <a:lnTo>
+                  <a:pt x="296" y="676"/>
+                </a:lnTo>
+                <a:cubicBezTo>
+                  <a:pt x="272" y="669"/>
+                  <a:pt x="249" y="659"/>
+                  <a:pt x="227" y="646"/>
+                </a:cubicBezTo>
+                <a:lnTo>
+                  <a:pt x="185" y="680"/>
+                </a:lnTo>
+                <a:cubicBezTo>
+                  <a:pt x="171" y="691"/>
+                  <a:pt x="151" y="690"/>
+                  <a:pt x="139" y="677"/>
+                </a:cubicBezTo>
+                <a:lnTo>
+                  <a:pt x="81" y="619"/>
+                </a:lnTo>
+                <a:cubicBezTo>
+                  <a:pt x="68" y="607"/>
+                  <a:pt x="67" y="587"/>
+                  <a:pt x="78" y="573"/>
+                </a:cubicBezTo>
+                <a:lnTo>
+                  <a:pt x="112" y="530"/>
+                </a:lnTo>
+                <a:cubicBezTo>
+                  <a:pt x="100" y="509"/>
+                  <a:pt x="91" y="487"/>
+                  <a:pt x="84" y="464"/>
+                </a:cubicBezTo>
+                <a:close/>
+                <a:moveTo>
+                  <a:pt x="382" y="242"/>
+                </a:moveTo>
+                <a:cubicBezTo>
+                  <a:pt x="307" y="242"/>
+                  <a:pt x="246" y="303"/>
+                  <a:pt x="246" y="378"/>
+                </a:cubicBezTo>
+                <a:cubicBezTo>
+                  <a:pt x="246" y="452"/>
+                  <a:pt x="307" y="513"/>
+                  <a:pt x="382" y="513"/>
+                </a:cubicBezTo>
+                <a:cubicBezTo>
+                  <a:pt x="456" y="513"/>
+                  <a:pt x="517" y="452"/>
+                  <a:pt x="517" y="378"/>
+                </a:cubicBezTo>
+                <a:cubicBezTo>
+                  <a:pt x="517" y="303"/>
+                  <a:pt x="456" y="242"/>
+                  <a:pt x="382" y="242"/>
+                </a:cubicBezTo>
+                <a:close/>
+                <a:moveTo>
+                  <a:pt x="981" y="811"/>
+                </a:moveTo>
+                <a:cubicBezTo>
+                  <a:pt x="1042" y="806"/>
+                  <a:pt x="1088" y="752"/>
+                  <a:pt x="1082" y="691"/>
+                </a:cubicBezTo>
+                <a:cubicBezTo>
+                  <a:pt x="1077" y="630"/>
+                  <a:pt x="1023" y="584"/>
+                  <a:pt x="962" y="590"/>
+                </a:cubicBezTo>
+                <a:cubicBezTo>
+                  <a:pt x="901" y="595"/>
+                  <a:pt x="855" y="649"/>
+                  <a:pt x="861" y="710"/>
+                </a:cubicBezTo>
+                <a:cubicBezTo>
+                  <a:pt x="866" y="771"/>
+                  <a:pt x="920" y="817"/>
+                  <a:pt x="981" y="811"/>
+                </a:cubicBezTo>
+                <a:close/>
+                <a:moveTo>
+                  <a:pt x="1194" y="484"/>
+                </a:moveTo>
+                <a:cubicBezTo>
+                  <a:pt x="1207" y="496"/>
+                  <a:pt x="1210" y="515"/>
+                  <a:pt x="1200" y="530"/>
+                </a:cubicBezTo>
+                <a:lnTo>
+                  <a:pt x="1181" y="558"/>
+                </a:lnTo>
+                <a:cubicBezTo>
+                  <a:pt x="1193" y="576"/>
+                  <a:pt x="1203" y="595"/>
+                  <a:pt x="1210" y="615"/>
+                </a:cubicBezTo>
+                <a:lnTo>
+                  <a:pt x="1245" y="616"/>
+                </a:lnTo>
+                <a:cubicBezTo>
+                  <a:pt x="1262" y="616"/>
+                  <a:pt x="1276" y="630"/>
+                  <a:pt x="1278" y="647"/>
+                </a:cubicBezTo>
+                <a:lnTo>
+                  <a:pt x="1283" y="704"/>
+                </a:lnTo>
+                <a:cubicBezTo>
+                  <a:pt x="1284" y="721"/>
+                  <a:pt x="1272" y="737"/>
+                  <a:pt x="1255" y="741"/>
+                </a:cubicBezTo>
+                <a:lnTo>
+                  <a:pt x="1221" y="748"/>
+                </a:lnTo>
+                <a:cubicBezTo>
+                  <a:pt x="1217" y="769"/>
+                  <a:pt x="1210" y="789"/>
+                  <a:pt x="1201" y="809"/>
+                </a:cubicBezTo>
+                <a:lnTo>
+                  <a:pt x="1226" y="836"/>
+                </a:lnTo>
+                <a:cubicBezTo>
+                  <a:pt x="1238" y="848"/>
+                  <a:pt x="1239" y="868"/>
+                  <a:pt x="1227" y="881"/>
+                </a:cubicBezTo>
+                <a:lnTo>
+                  <a:pt x="1191" y="925"/>
+                </a:lnTo>
+                <a:cubicBezTo>
+                  <a:pt x="1180" y="938"/>
+                  <a:pt x="1160" y="941"/>
+                  <a:pt x="1146" y="931"/>
+                </a:cubicBezTo>
+                <a:lnTo>
+                  <a:pt x="1114" y="911"/>
+                </a:lnTo>
+                <a:cubicBezTo>
+                  <a:pt x="1096" y="923"/>
+                  <a:pt x="1077" y="933"/>
+                  <a:pt x="1056" y="940"/>
+                </a:cubicBezTo>
+                <a:lnTo>
+                  <a:pt x="1055" y="978"/>
+                </a:lnTo>
+                <a:cubicBezTo>
+                  <a:pt x="1054" y="996"/>
+                  <a:pt x="1041" y="1010"/>
+                  <a:pt x="1023" y="1011"/>
+                </a:cubicBezTo>
+                <a:lnTo>
+                  <a:pt x="967" y="1016"/>
+                </a:lnTo>
+                <a:cubicBezTo>
+                  <a:pt x="949" y="1017"/>
+                  <a:pt x="934" y="1006"/>
+                  <a:pt x="930" y="989"/>
+                </a:cubicBezTo>
+                <a:lnTo>
+                  <a:pt x="922" y="950"/>
+                </a:lnTo>
+                <a:cubicBezTo>
+                  <a:pt x="902" y="946"/>
+                  <a:pt x="883" y="939"/>
+                  <a:pt x="864" y="931"/>
+                </a:cubicBezTo>
+                <a:lnTo>
+                  <a:pt x="836" y="957"/>
+                </a:lnTo>
+                <a:cubicBezTo>
+                  <a:pt x="823" y="969"/>
+                  <a:pt x="803" y="970"/>
+                  <a:pt x="790" y="958"/>
+                </a:cubicBezTo>
+                <a:lnTo>
+                  <a:pt x="747" y="922"/>
+                </a:lnTo>
+                <a:cubicBezTo>
+                  <a:pt x="733" y="911"/>
+                  <a:pt x="730" y="891"/>
+                  <a:pt x="740" y="877"/>
+                </a:cubicBezTo>
+                <a:lnTo>
+                  <a:pt x="762" y="844"/>
+                </a:lnTo>
+                <a:cubicBezTo>
+                  <a:pt x="751" y="828"/>
+                  <a:pt x="741" y="810"/>
+                  <a:pt x="734" y="792"/>
+                </a:cubicBezTo>
+                <a:lnTo>
+                  <a:pt x="696" y="790"/>
+                </a:lnTo>
+                <a:cubicBezTo>
+                  <a:pt x="678" y="790"/>
+                  <a:pt x="664" y="776"/>
+                  <a:pt x="662" y="759"/>
+                </a:cubicBezTo>
+                <a:lnTo>
+                  <a:pt x="658" y="702"/>
+                </a:lnTo>
+                <a:cubicBezTo>
+                  <a:pt x="656" y="685"/>
+                  <a:pt x="668" y="669"/>
+                  <a:pt x="685" y="666"/>
+                </a:cubicBezTo>
+                <a:lnTo>
+                  <a:pt x="721" y="658"/>
+                </a:lnTo>
+                <a:cubicBezTo>
+                  <a:pt x="725" y="637"/>
+                  <a:pt x="731" y="617"/>
+                  <a:pt x="739" y="597"/>
+                </a:cubicBezTo>
+                <a:lnTo>
+                  <a:pt x="714" y="571"/>
+                </a:lnTo>
+                <a:cubicBezTo>
+                  <a:pt x="702" y="558"/>
+                  <a:pt x="702" y="538"/>
+                  <a:pt x="713" y="525"/>
+                </a:cubicBezTo>
+                <a:lnTo>
+                  <a:pt x="750" y="481"/>
+                </a:lnTo>
+                <a:cubicBezTo>
+                  <a:pt x="761" y="468"/>
+                  <a:pt x="780" y="465"/>
+                  <a:pt x="795" y="475"/>
+                </a:cubicBezTo>
+                <a:lnTo>
+                  <a:pt x="824" y="494"/>
+                </a:lnTo>
+                <a:cubicBezTo>
+                  <a:pt x="842" y="480"/>
+                  <a:pt x="863" y="470"/>
+                  <a:pt x="885" y="462"/>
+                </a:cubicBezTo>
+                <a:lnTo>
+                  <a:pt x="886" y="428"/>
+                </a:lnTo>
+                <a:cubicBezTo>
+                  <a:pt x="886" y="411"/>
+                  <a:pt x="900" y="396"/>
+                  <a:pt x="917" y="395"/>
+                </a:cubicBezTo>
+                <a:lnTo>
+                  <a:pt x="974" y="390"/>
+                </a:lnTo>
+                <a:cubicBezTo>
+                  <a:pt x="991" y="389"/>
+                  <a:pt x="1007" y="401"/>
+                  <a:pt x="1010" y="418"/>
+                </a:cubicBezTo>
+                <a:lnTo>
+                  <a:pt x="1017" y="451"/>
+                </a:lnTo>
+                <a:cubicBezTo>
+                  <a:pt x="1039" y="455"/>
+                  <a:pt x="1061" y="462"/>
+                  <a:pt x="1081" y="471"/>
+                </a:cubicBezTo>
+                <a:lnTo>
+                  <a:pt x="1105" y="449"/>
+                </a:lnTo>
+                <a:cubicBezTo>
+                  <a:pt x="1118" y="437"/>
+                  <a:pt x="1137" y="436"/>
+                  <a:pt x="1151" y="448"/>
+                </a:cubicBezTo>
+                <a:lnTo>
+                  <a:pt x="1194" y="484"/>
+                </a:lnTo>
+                <a:close/>
+                <a:moveTo>
+                  <a:pt x="507" y="924"/>
+                </a:moveTo>
+                <a:cubicBezTo>
+                  <a:pt x="457" y="924"/>
+                  <a:pt x="415" y="964"/>
+                  <a:pt x="415" y="1014"/>
+                </a:cubicBezTo>
+                <a:cubicBezTo>
+                  <a:pt x="414" y="1064"/>
+                  <a:pt x="454" y="1105"/>
+                  <a:pt x="504" y="1105"/>
+                </a:cubicBezTo>
+                <a:cubicBezTo>
+                  <a:pt x="554" y="1106"/>
+                  <a:pt x="596" y="1066"/>
+                  <a:pt x="596" y="1016"/>
+                </a:cubicBezTo>
+                <a:cubicBezTo>
+                  <a:pt x="597" y="966"/>
+                  <a:pt x="557" y="925"/>
+                  <a:pt x="507" y="924"/>
+                </a:cubicBezTo>
+                <a:close/>
+                <a:moveTo>
+                  <a:pt x="282" y="964"/>
+                </a:moveTo>
+                <a:lnTo>
+                  <a:pt x="306" y="961"/>
+                </a:lnTo>
+                <a:cubicBezTo>
+                  <a:pt x="310" y="944"/>
+                  <a:pt x="317" y="928"/>
+                  <a:pt x="326" y="913"/>
+                </a:cubicBezTo>
+                <a:lnTo>
+                  <a:pt x="311" y="894"/>
+                </a:lnTo>
+                <a:cubicBezTo>
+                  <a:pt x="300" y="880"/>
+                  <a:pt x="301" y="860"/>
+                  <a:pt x="314" y="848"/>
+                </a:cubicBezTo>
+                <a:lnTo>
+                  <a:pt x="339" y="824"/>
+                </a:lnTo>
+                <a:cubicBezTo>
+                  <a:pt x="352" y="811"/>
+                  <a:pt x="371" y="811"/>
+                  <a:pt x="385" y="822"/>
+                </a:cubicBezTo>
+                <a:lnTo>
+                  <a:pt x="402" y="836"/>
+                </a:lnTo>
+                <a:cubicBezTo>
+                  <a:pt x="418" y="826"/>
+                  <a:pt x="436" y="819"/>
+                  <a:pt x="454" y="814"/>
+                </a:cubicBezTo>
+                <a:lnTo>
+                  <a:pt x="457" y="793"/>
+                </a:lnTo>
+                <a:cubicBezTo>
+                  <a:pt x="459" y="776"/>
+                  <a:pt x="474" y="763"/>
+                  <a:pt x="491" y="763"/>
+                </a:cubicBezTo>
+                <a:lnTo>
+                  <a:pt x="526" y="763"/>
+                </a:lnTo>
+                <a:cubicBezTo>
+                  <a:pt x="543" y="764"/>
+                  <a:pt x="558" y="777"/>
+                  <a:pt x="560" y="794"/>
+                </a:cubicBezTo>
+                <a:lnTo>
+                  <a:pt x="562" y="816"/>
+                </a:lnTo>
+                <a:cubicBezTo>
+                  <a:pt x="580" y="821"/>
+                  <a:pt x="596" y="828"/>
+                  <a:pt x="612" y="838"/>
+                </a:cubicBezTo>
+                <a:lnTo>
+                  <a:pt x="629" y="825"/>
+                </a:lnTo>
+                <a:cubicBezTo>
+                  <a:pt x="643" y="814"/>
+                  <a:pt x="662" y="815"/>
+                  <a:pt x="675" y="828"/>
+                </a:cubicBezTo>
+                <a:lnTo>
+                  <a:pt x="699" y="853"/>
+                </a:lnTo>
+                <a:cubicBezTo>
+                  <a:pt x="711" y="865"/>
+                  <a:pt x="712" y="885"/>
+                  <a:pt x="701" y="899"/>
+                </a:cubicBezTo>
+                <a:lnTo>
+                  <a:pt x="687" y="916"/>
+                </a:lnTo>
+                <a:cubicBezTo>
+                  <a:pt x="695" y="931"/>
+                  <a:pt x="702" y="947"/>
+                  <a:pt x="706" y="964"/>
+                </a:cubicBezTo>
+                <a:lnTo>
+                  <a:pt x="728" y="967"/>
+                </a:lnTo>
+                <a:cubicBezTo>
+                  <a:pt x="746" y="969"/>
+                  <a:pt x="759" y="984"/>
+                  <a:pt x="758" y="1001"/>
+                </a:cubicBezTo>
+                <a:lnTo>
+                  <a:pt x="758" y="1036"/>
+                </a:lnTo>
+                <a:cubicBezTo>
+                  <a:pt x="758" y="1054"/>
+                  <a:pt x="744" y="1068"/>
+                  <a:pt x="727" y="1070"/>
+                </a:cubicBezTo>
+                <a:lnTo>
+                  <a:pt x="704" y="1072"/>
+                </a:lnTo>
+                <a:cubicBezTo>
+                  <a:pt x="699" y="1089"/>
+                  <a:pt x="692" y="1105"/>
+                  <a:pt x="683" y="1121"/>
+                </a:cubicBezTo>
+                <a:lnTo>
+                  <a:pt x="698" y="1140"/>
+                </a:lnTo>
+                <a:cubicBezTo>
+                  <a:pt x="709" y="1154"/>
+                  <a:pt x="707" y="1173"/>
+                  <a:pt x="695" y="1185"/>
+                </a:cubicBezTo>
+                <a:lnTo>
+                  <a:pt x="670" y="1210"/>
+                </a:lnTo>
+                <a:cubicBezTo>
+                  <a:pt x="657" y="1222"/>
+                  <a:pt x="638" y="1223"/>
+                  <a:pt x="624" y="1212"/>
+                </a:cubicBezTo>
+                <a:lnTo>
+                  <a:pt x="605" y="1196"/>
+                </a:lnTo>
+                <a:cubicBezTo>
+                  <a:pt x="589" y="1205"/>
+                  <a:pt x="573" y="1211"/>
+                  <a:pt x="555" y="1215"/>
+                </a:cubicBezTo>
+                <a:lnTo>
+                  <a:pt x="552" y="1241"/>
+                </a:lnTo>
+                <a:cubicBezTo>
+                  <a:pt x="550" y="1258"/>
+                  <a:pt x="535" y="1271"/>
+                  <a:pt x="518" y="1271"/>
+                </a:cubicBezTo>
+                <a:lnTo>
+                  <a:pt x="483" y="1270"/>
+                </a:lnTo>
+                <a:cubicBezTo>
+                  <a:pt x="465" y="1270"/>
+                  <a:pt x="451" y="1257"/>
+                  <a:pt x="449" y="1239"/>
+                </a:cubicBezTo>
+                <a:lnTo>
+                  <a:pt x="446" y="1213"/>
+                </a:lnTo>
+                <a:cubicBezTo>
+                  <a:pt x="430" y="1208"/>
+                  <a:pt x="415" y="1201"/>
+                  <a:pt x="400" y="1193"/>
+                </a:cubicBezTo>
+                <a:lnTo>
+                  <a:pt x="380" y="1209"/>
+                </a:lnTo>
+                <a:cubicBezTo>
+                  <a:pt x="366" y="1219"/>
+                  <a:pt x="346" y="1218"/>
+                  <a:pt x="334" y="1206"/>
+                </a:cubicBezTo>
+                <a:lnTo>
+                  <a:pt x="310" y="1181"/>
+                </a:lnTo>
+                <a:cubicBezTo>
+                  <a:pt x="298" y="1168"/>
+                  <a:pt x="297" y="1149"/>
+                  <a:pt x="308" y="1135"/>
+                </a:cubicBezTo>
+                <a:lnTo>
+                  <a:pt x="324" y="1115"/>
+                </a:lnTo>
+                <a:cubicBezTo>
+                  <a:pt x="316" y="1101"/>
+                  <a:pt x="310" y="1086"/>
+                  <a:pt x="306" y="1070"/>
+                </a:cubicBezTo>
+                <a:lnTo>
+                  <a:pt x="281" y="1067"/>
+                </a:lnTo>
+                <a:cubicBezTo>
+                  <a:pt x="263" y="1065"/>
+                  <a:pt x="250" y="1050"/>
+                  <a:pt x="251" y="1032"/>
+                </a:cubicBezTo>
+                <a:lnTo>
+                  <a:pt x="251" y="997"/>
+                </a:lnTo>
+                <a:cubicBezTo>
+                  <a:pt x="251" y="980"/>
+                  <a:pt x="264" y="965"/>
+                  <a:pt x="282" y="964"/>
+                </a:cubicBezTo>
+                <a:close/>
+              </a:path>
+            </a:pathLst>
+          </a:custGeom>
+          <a:solidFill>
+            <a:schemeClr val="tx1"/>
+          </a:solidFill>
+          <a:ln>
+            <a:noFill/>
+          </a:ln>
+          <a:effectLst/>
+        </p:spPr>
+        <p:txBody>
+          <a:bodyPr wrap="none" anchor="ctr"/>
+          <a:lstStyle/>
+          <a:p>
+            <a:endParaRPr lang="en-US" sz="1889"/>
+          </a:p>
+        </p:txBody>
+      </p:sp>
+      <p:sp>
+        <p:nvSpPr>
+          <p:cNvPr id="130" name="Freeform 103">
+            <a:extLst>
+              <a:ext uri="{FF2B5EF4-FFF2-40B4-BE49-F238E27FC236}">
+                <a16:creationId xmlns:a16="http://schemas.microsoft.com/office/drawing/2014/main" id="{4AB2CB60-43CA-4C39-88D2-DE998AA06222}"/>
+              </a:ext>
+            </a:extLst>
+          </p:cNvPr>
+          <p:cNvSpPr>
+            <a:spLocks noChangeArrowheads="1"/>
+          </p:cNvSpPr>
+          <p:nvPr/>
+        </p:nvSpPr>
+        <p:spPr bwMode="auto">
+          <a:xfrm>
+            <a:off x="508330" y="5073197"/>
+            <a:ext cx="276513" cy="266421"/>
+          </a:xfrm>
+          <a:custGeom>
+            <a:avLst/>
+            <a:gdLst>
+              <a:gd name="T0" fmla="*/ 0 w 1285"/>
+              <a:gd name="T1" fmla="*/ 423 h 1272"/>
+              <a:gd name="T2" fmla="*/ 81 w 1285"/>
+              <a:gd name="T3" fmla="*/ 301 h 1272"/>
+              <a:gd name="T4" fmla="*/ 81 w 1285"/>
+              <a:gd name="T5" fmla="*/ 142 h 1272"/>
+              <a:gd name="T6" fmla="*/ 223 w 1285"/>
+              <a:gd name="T7" fmla="*/ 111 h 1272"/>
+              <a:gd name="T8" fmla="*/ 340 w 1285"/>
+              <a:gd name="T9" fmla="*/ 0 h 1272"/>
+              <a:gd name="T10" fmla="*/ 463 w 1285"/>
+              <a:gd name="T11" fmla="*/ 78 h 1272"/>
+              <a:gd name="T12" fmla="*/ 621 w 1285"/>
+              <a:gd name="T13" fmla="*/ 84 h 1272"/>
+              <a:gd name="T14" fmla="*/ 652 w 1285"/>
+              <a:gd name="T15" fmla="*/ 226 h 1272"/>
+              <a:gd name="T16" fmla="*/ 760 w 1285"/>
+              <a:gd name="T17" fmla="*/ 338 h 1272"/>
+              <a:gd name="T18" fmla="*/ 680 w 1285"/>
+              <a:gd name="T19" fmla="*/ 460 h 1272"/>
+              <a:gd name="T20" fmla="*/ 679 w 1285"/>
+              <a:gd name="T21" fmla="*/ 619 h 1272"/>
+              <a:gd name="T22" fmla="*/ 534 w 1285"/>
+              <a:gd name="T23" fmla="*/ 648 h 1272"/>
+              <a:gd name="T24" fmla="*/ 419 w 1285"/>
+              <a:gd name="T25" fmla="*/ 761 h 1272"/>
+              <a:gd name="T26" fmla="*/ 296 w 1285"/>
+              <a:gd name="T27" fmla="*/ 676 h 1272"/>
+              <a:gd name="T28" fmla="*/ 139 w 1285"/>
+              <a:gd name="T29" fmla="*/ 677 h 1272"/>
+              <a:gd name="T30" fmla="*/ 112 w 1285"/>
+              <a:gd name="T31" fmla="*/ 530 h 1272"/>
+              <a:gd name="T32" fmla="*/ 246 w 1285"/>
+              <a:gd name="T33" fmla="*/ 378 h 1272"/>
+              <a:gd name="T34" fmla="*/ 382 w 1285"/>
+              <a:gd name="T35" fmla="*/ 242 h 1272"/>
+              <a:gd name="T36" fmla="*/ 962 w 1285"/>
+              <a:gd name="T37" fmla="*/ 590 h 1272"/>
+              <a:gd name="T38" fmla="*/ 1194 w 1285"/>
+              <a:gd name="T39" fmla="*/ 484 h 1272"/>
+              <a:gd name="T40" fmla="*/ 1210 w 1285"/>
+              <a:gd name="T41" fmla="*/ 615 h 1272"/>
+              <a:gd name="T42" fmla="*/ 1283 w 1285"/>
+              <a:gd name="T43" fmla="*/ 704 h 1272"/>
+              <a:gd name="T44" fmla="*/ 1201 w 1285"/>
+              <a:gd name="T45" fmla="*/ 809 h 1272"/>
+              <a:gd name="T46" fmla="*/ 1191 w 1285"/>
+              <a:gd name="T47" fmla="*/ 925 h 1272"/>
+              <a:gd name="T48" fmla="*/ 1056 w 1285"/>
+              <a:gd name="T49" fmla="*/ 940 h 1272"/>
+              <a:gd name="T50" fmla="*/ 967 w 1285"/>
+              <a:gd name="T51" fmla="*/ 1016 h 1272"/>
+              <a:gd name="T52" fmla="*/ 864 w 1285"/>
+              <a:gd name="T53" fmla="*/ 931 h 1272"/>
+              <a:gd name="T54" fmla="*/ 747 w 1285"/>
+              <a:gd name="T55" fmla="*/ 922 h 1272"/>
+              <a:gd name="T56" fmla="*/ 734 w 1285"/>
+              <a:gd name="T57" fmla="*/ 792 h 1272"/>
+              <a:gd name="T58" fmla="*/ 658 w 1285"/>
+              <a:gd name="T59" fmla="*/ 702 h 1272"/>
+              <a:gd name="T60" fmla="*/ 739 w 1285"/>
+              <a:gd name="T61" fmla="*/ 597 h 1272"/>
+              <a:gd name="T62" fmla="*/ 750 w 1285"/>
+              <a:gd name="T63" fmla="*/ 481 h 1272"/>
+              <a:gd name="T64" fmla="*/ 885 w 1285"/>
+              <a:gd name="T65" fmla="*/ 462 h 1272"/>
+              <a:gd name="T66" fmla="*/ 974 w 1285"/>
+              <a:gd name="T67" fmla="*/ 390 h 1272"/>
+              <a:gd name="T68" fmla="*/ 1081 w 1285"/>
+              <a:gd name="T69" fmla="*/ 471 h 1272"/>
+              <a:gd name="T70" fmla="*/ 1194 w 1285"/>
+              <a:gd name="T71" fmla="*/ 484 h 1272"/>
+              <a:gd name="T72" fmla="*/ 504 w 1285"/>
+              <a:gd name="T73" fmla="*/ 1105 h 1272"/>
+              <a:gd name="T74" fmla="*/ 282 w 1285"/>
+              <a:gd name="T75" fmla="*/ 964 h 1272"/>
+              <a:gd name="T76" fmla="*/ 311 w 1285"/>
+              <a:gd name="T77" fmla="*/ 894 h 1272"/>
+              <a:gd name="T78" fmla="*/ 385 w 1285"/>
+              <a:gd name="T79" fmla="*/ 822 h 1272"/>
+              <a:gd name="T80" fmla="*/ 457 w 1285"/>
+              <a:gd name="T81" fmla="*/ 793 h 1272"/>
+              <a:gd name="T82" fmla="*/ 560 w 1285"/>
+              <a:gd name="T83" fmla="*/ 794 h 1272"/>
+              <a:gd name="T84" fmla="*/ 629 w 1285"/>
+              <a:gd name="T85" fmla="*/ 825 h 1272"/>
+              <a:gd name="T86" fmla="*/ 701 w 1285"/>
+              <a:gd name="T87" fmla="*/ 899 h 1272"/>
+              <a:gd name="T88" fmla="*/ 728 w 1285"/>
+              <a:gd name="T89" fmla="*/ 967 h 1272"/>
+              <a:gd name="T90" fmla="*/ 727 w 1285"/>
+              <a:gd name="T91" fmla="*/ 1070 h 1272"/>
+              <a:gd name="T92" fmla="*/ 698 w 1285"/>
+              <a:gd name="T93" fmla="*/ 1140 h 1272"/>
+              <a:gd name="T94" fmla="*/ 624 w 1285"/>
+              <a:gd name="T95" fmla="*/ 1212 h 1272"/>
+              <a:gd name="T96" fmla="*/ 552 w 1285"/>
+              <a:gd name="T97" fmla="*/ 1241 h 1272"/>
+              <a:gd name="T98" fmla="*/ 449 w 1285"/>
+              <a:gd name="T99" fmla="*/ 1239 h 1272"/>
+              <a:gd name="T100" fmla="*/ 380 w 1285"/>
+              <a:gd name="T101" fmla="*/ 1209 h 1272"/>
+              <a:gd name="T102" fmla="*/ 308 w 1285"/>
+              <a:gd name="T103" fmla="*/ 1135 h 1272"/>
+              <a:gd name="T104" fmla="*/ 281 w 1285"/>
+              <a:gd name="T105" fmla="*/ 1067 h 1272"/>
+              <a:gd name="T106" fmla="*/ 282 w 1285"/>
+              <a:gd name="T107" fmla="*/ 964 h 1272"/>
+            </a:gdLst>
+            <a:ahLst/>
+            <a:cxnLst>
+              <a:cxn ang="0">
+                <a:pos x="T0" y="T1"/>
+              </a:cxn>
+              <a:cxn ang="0">
+                <a:pos x="T2" y="T3"/>
+              </a:cxn>
+              <a:cxn ang="0">
+                <a:pos x="T4" y="T5"/>
+              </a:cxn>
+              <a:cxn ang="0">
+                <a:pos x="T6" y="T7"/>
+              </a:cxn>
+              <a:cxn ang="0">
+                <a:pos x="T8" y="T9"/>
+              </a:cxn>
+              <a:cxn ang="0">
+                <a:pos x="T10" y="T11"/>
+              </a:cxn>
+              <a:cxn ang="0">
+                <a:pos x="T12" y="T13"/>
+              </a:cxn>
+              <a:cxn ang="0">
+                <a:pos x="T14" y="T15"/>
+              </a:cxn>
+              <a:cxn ang="0">
+                <a:pos x="T16" y="T17"/>
+              </a:cxn>
+              <a:cxn ang="0">
+                <a:pos x="T18" y="T19"/>
+              </a:cxn>
+              <a:cxn ang="0">
+                <a:pos x="T20" y="T21"/>
+              </a:cxn>
+              <a:cxn ang="0">
+                <a:pos x="T22" y="T23"/>
+              </a:cxn>
+              <a:cxn ang="0">
+                <a:pos x="T24" y="T25"/>
+              </a:cxn>
+              <a:cxn ang="0">
+                <a:pos x="T26" y="T27"/>
+              </a:cxn>
+              <a:cxn ang="0">
+                <a:pos x="T28" y="T29"/>
+              </a:cxn>
+              <a:cxn ang="0">
+                <a:pos x="T30" y="T31"/>
+              </a:cxn>
+              <a:cxn ang="0">
+                <a:pos x="T32" y="T33"/>
+              </a:cxn>
+              <a:cxn ang="0">
+                <a:pos x="T34" y="T35"/>
+              </a:cxn>
+              <a:cxn ang="0">
+                <a:pos x="T36" y="T37"/>
+              </a:cxn>
+              <a:cxn ang="0">
+                <a:pos x="T38" y="T39"/>
+              </a:cxn>
+              <a:cxn ang="0">
+                <a:pos x="T40" y="T41"/>
+              </a:cxn>
+              <a:cxn ang="0">
+                <a:pos x="T42" y="T43"/>
+              </a:cxn>
+              <a:cxn ang="0">
+                <a:pos x="T44" y="T45"/>
+              </a:cxn>
+              <a:cxn ang="0">
+                <a:pos x="T46" y="T47"/>
+              </a:cxn>
+              <a:cxn ang="0">
+                <a:pos x="T48" y="T49"/>
+              </a:cxn>
+              <a:cxn ang="0">
+                <a:pos x="T50" y="T51"/>
+              </a:cxn>
+              <a:cxn ang="0">
+                <a:pos x="T52" y="T53"/>
+              </a:cxn>
+              <a:cxn ang="0">
+                <a:pos x="T54" y="T55"/>
+              </a:cxn>
+              <a:cxn ang="0">
+                <a:pos x="T56" y="T57"/>
+              </a:cxn>
+              <a:cxn ang="0">
+                <a:pos x="T58" y="T59"/>
+              </a:cxn>
+              <a:cxn ang="0">
+                <a:pos x="T60" y="T61"/>
+              </a:cxn>
+              <a:cxn ang="0">
+                <a:pos x="T62" y="T63"/>
+              </a:cxn>
+              <a:cxn ang="0">
+                <a:pos x="T64" y="T65"/>
+              </a:cxn>
+              <a:cxn ang="0">
+                <a:pos x="T66" y="T67"/>
+              </a:cxn>
+              <a:cxn ang="0">
+                <a:pos x="T68" y="T69"/>
+              </a:cxn>
+              <a:cxn ang="0">
+                <a:pos x="T70" y="T71"/>
+              </a:cxn>
+              <a:cxn ang="0">
+                <a:pos x="T72" y="T73"/>
+              </a:cxn>
+              <a:cxn ang="0">
+                <a:pos x="T74" y="T75"/>
+              </a:cxn>
+              <a:cxn ang="0">
+                <a:pos x="T76" y="T77"/>
+              </a:cxn>
+              <a:cxn ang="0">
+                <a:pos x="T78" y="T79"/>
+              </a:cxn>
+              <a:cxn ang="0">
+                <a:pos x="T80" y="T81"/>
+              </a:cxn>
+              <a:cxn ang="0">
+                <a:pos x="T82" y="T83"/>
+              </a:cxn>
+              <a:cxn ang="0">
+                <a:pos x="T84" y="T85"/>
+              </a:cxn>
+              <a:cxn ang="0">
+                <a:pos x="T86" y="T87"/>
+              </a:cxn>
+              <a:cxn ang="0">
+                <a:pos x="T88" y="T89"/>
+              </a:cxn>
+              <a:cxn ang="0">
+                <a:pos x="T90" y="T91"/>
+              </a:cxn>
+              <a:cxn ang="0">
+                <a:pos x="T92" y="T93"/>
+              </a:cxn>
+              <a:cxn ang="0">
+                <a:pos x="T94" y="T95"/>
+              </a:cxn>
+              <a:cxn ang="0">
+                <a:pos x="T96" y="T97"/>
+              </a:cxn>
+              <a:cxn ang="0">
+                <a:pos x="T98" y="T99"/>
+              </a:cxn>
+              <a:cxn ang="0">
+                <a:pos x="T100" y="T101"/>
+              </a:cxn>
+              <a:cxn ang="0">
+                <a:pos x="T102" y="T103"/>
+              </a:cxn>
+              <a:cxn ang="0">
+                <a:pos x="T104" y="T105"/>
+              </a:cxn>
+              <a:cxn ang="0">
+                <a:pos x="T106" y="T107"/>
+              </a:cxn>
+            </a:cxnLst>
+            <a:rect l="0" t="0" r="r" b="b"/>
+            <a:pathLst>
+              <a:path w="1285" h="1272">
+                <a:moveTo>
+                  <a:pt x="84" y="464"/>
+                </a:moveTo>
+                <a:lnTo>
+                  <a:pt x="30" y="458"/>
+                </a:lnTo>
+                <a:cubicBezTo>
+                  <a:pt x="13" y="456"/>
+                  <a:pt x="0" y="441"/>
+                  <a:pt x="0" y="423"/>
+                </a:cubicBezTo>
+                <a:lnTo>
+                  <a:pt x="0" y="341"/>
+                </a:lnTo>
+                <a:cubicBezTo>
+                  <a:pt x="0" y="323"/>
+                  <a:pt x="13" y="309"/>
+                  <a:pt x="30" y="307"/>
+                </a:cubicBezTo>
+                <a:lnTo>
+                  <a:pt x="81" y="301"/>
+                </a:lnTo>
+                <a:cubicBezTo>
+                  <a:pt x="87" y="275"/>
+                  <a:pt x="97" y="251"/>
+                  <a:pt x="110" y="228"/>
+                </a:cubicBezTo>
+                <a:lnTo>
+                  <a:pt x="78" y="188"/>
+                </a:lnTo>
+                <a:cubicBezTo>
+                  <a:pt x="67" y="174"/>
+                  <a:pt x="68" y="154"/>
+                  <a:pt x="81" y="142"/>
+                </a:cubicBezTo>
+                <a:lnTo>
+                  <a:pt x="139" y="84"/>
+                </a:lnTo>
+                <a:cubicBezTo>
+                  <a:pt x="151" y="71"/>
+                  <a:pt x="171" y="70"/>
+                  <a:pt x="185" y="81"/>
+                </a:cubicBezTo>
+                <a:lnTo>
+                  <a:pt x="223" y="111"/>
+                </a:lnTo>
+                <a:cubicBezTo>
+                  <a:pt x="247" y="97"/>
+                  <a:pt x="273" y="86"/>
+                  <a:pt x="300" y="78"/>
+                </a:cubicBezTo>
+                <a:lnTo>
+                  <a:pt x="306" y="31"/>
+                </a:lnTo>
+                <a:cubicBezTo>
+                  <a:pt x="308" y="14"/>
+                  <a:pt x="323" y="0"/>
+                  <a:pt x="340" y="0"/>
+                </a:cubicBezTo>
+                <a:lnTo>
+                  <a:pt x="423" y="0"/>
+                </a:lnTo>
+                <a:cubicBezTo>
+                  <a:pt x="440" y="0"/>
+                  <a:pt x="455" y="14"/>
+                  <a:pt x="457" y="31"/>
+                </a:cubicBezTo>
+                <a:lnTo>
+                  <a:pt x="463" y="78"/>
+                </a:lnTo>
+                <a:cubicBezTo>
+                  <a:pt x="489" y="86"/>
+                  <a:pt x="515" y="96"/>
+                  <a:pt x="538" y="110"/>
+                </a:cubicBezTo>
+                <a:lnTo>
+                  <a:pt x="575" y="81"/>
+                </a:lnTo>
+                <a:cubicBezTo>
+                  <a:pt x="589" y="70"/>
+                  <a:pt x="608" y="71"/>
+                  <a:pt x="621" y="84"/>
+                </a:cubicBezTo>
+                <a:lnTo>
+                  <a:pt x="679" y="142"/>
+                </a:lnTo>
+                <a:cubicBezTo>
+                  <a:pt x="691" y="154"/>
+                  <a:pt x="693" y="174"/>
+                  <a:pt x="682" y="188"/>
+                </a:cubicBezTo>
+                <a:lnTo>
+                  <a:pt x="652" y="226"/>
+                </a:lnTo>
+                <a:cubicBezTo>
+                  <a:pt x="664" y="248"/>
+                  <a:pt x="674" y="272"/>
+                  <a:pt x="681" y="297"/>
+                </a:cubicBezTo>
+                <a:lnTo>
+                  <a:pt x="729" y="303"/>
+                </a:lnTo>
+                <a:cubicBezTo>
+                  <a:pt x="747" y="305"/>
+                  <a:pt x="760" y="320"/>
+                  <a:pt x="760" y="338"/>
+                </a:cubicBezTo>
+                <a:lnTo>
+                  <a:pt x="760" y="420"/>
+                </a:lnTo>
+                <a:cubicBezTo>
+                  <a:pt x="760" y="437"/>
+                  <a:pt x="747" y="452"/>
+                  <a:pt x="729" y="454"/>
+                </a:cubicBezTo>
+                <a:lnTo>
+                  <a:pt x="680" y="460"/>
+                </a:lnTo>
+                <a:cubicBezTo>
+                  <a:pt x="673" y="485"/>
+                  <a:pt x="663" y="510"/>
+                  <a:pt x="650" y="533"/>
+                </a:cubicBezTo>
+                <a:lnTo>
+                  <a:pt x="682" y="573"/>
+                </a:lnTo>
+                <a:cubicBezTo>
+                  <a:pt x="693" y="587"/>
+                  <a:pt x="692" y="607"/>
+                  <a:pt x="679" y="619"/>
+                </a:cubicBezTo>
+                <a:lnTo>
+                  <a:pt x="621" y="677"/>
+                </a:lnTo>
+                <a:cubicBezTo>
+                  <a:pt x="608" y="690"/>
+                  <a:pt x="589" y="691"/>
+                  <a:pt x="575" y="680"/>
+                </a:cubicBezTo>
+                <a:lnTo>
+                  <a:pt x="534" y="648"/>
+                </a:lnTo>
+                <a:cubicBezTo>
+                  <a:pt x="511" y="661"/>
+                  <a:pt x="486" y="671"/>
+                  <a:pt x="460" y="678"/>
+                </a:cubicBezTo>
+                <a:lnTo>
+                  <a:pt x="454" y="730"/>
+                </a:lnTo>
+                <a:cubicBezTo>
+                  <a:pt x="452" y="748"/>
+                  <a:pt x="437" y="761"/>
+                  <a:pt x="419" y="761"/>
+                </a:cubicBezTo>
+                <a:lnTo>
+                  <a:pt x="337" y="761"/>
+                </a:lnTo>
+                <a:cubicBezTo>
+                  <a:pt x="319" y="761"/>
+                  <a:pt x="305" y="748"/>
+                  <a:pt x="303" y="730"/>
+                </a:cubicBezTo>
+                <a:lnTo>
+                  <a:pt x="296" y="676"/>
+                </a:lnTo>
+                <a:cubicBezTo>
+                  <a:pt x="272" y="669"/>
+                  <a:pt x="249" y="659"/>
+                  <a:pt x="227" y="646"/>
+                </a:cubicBezTo>
+                <a:lnTo>
+                  <a:pt x="185" y="680"/>
+                </a:lnTo>
+                <a:cubicBezTo>
+                  <a:pt x="171" y="691"/>
+                  <a:pt x="151" y="690"/>
+                  <a:pt x="139" y="677"/>
+                </a:cubicBezTo>
+                <a:lnTo>
+                  <a:pt x="81" y="619"/>
+                </a:lnTo>
+                <a:cubicBezTo>
+                  <a:pt x="68" y="607"/>
+                  <a:pt x="67" y="587"/>
+                  <a:pt x="78" y="573"/>
+                </a:cubicBezTo>
+                <a:lnTo>
+                  <a:pt x="112" y="530"/>
+                </a:lnTo>
+                <a:cubicBezTo>
+                  <a:pt x="100" y="509"/>
+                  <a:pt x="91" y="487"/>
+                  <a:pt x="84" y="464"/>
+                </a:cubicBezTo>
+                <a:close/>
+                <a:moveTo>
+                  <a:pt x="382" y="242"/>
+                </a:moveTo>
+                <a:cubicBezTo>
+                  <a:pt x="307" y="242"/>
+                  <a:pt x="246" y="303"/>
+                  <a:pt x="246" y="378"/>
+                </a:cubicBezTo>
+                <a:cubicBezTo>
+                  <a:pt x="246" y="452"/>
+                  <a:pt x="307" y="513"/>
+                  <a:pt x="382" y="513"/>
+                </a:cubicBezTo>
+                <a:cubicBezTo>
+                  <a:pt x="456" y="513"/>
+                  <a:pt x="517" y="452"/>
+                  <a:pt x="517" y="378"/>
+                </a:cubicBezTo>
+                <a:cubicBezTo>
+                  <a:pt x="517" y="303"/>
+                  <a:pt x="456" y="242"/>
+                  <a:pt x="382" y="242"/>
+                </a:cubicBezTo>
+                <a:close/>
+                <a:moveTo>
+                  <a:pt x="981" y="811"/>
+                </a:moveTo>
+                <a:cubicBezTo>
+                  <a:pt x="1042" y="806"/>
+                  <a:pt x="1088" y="752"/>
+                  <a:pt x="1082" y="691"/>
+                </a:cubicBezTo>
+                <a:cubicBezTo>
+                  <a:pt x="1077" y="630"/>
+                  <a:pt x="1023" y="584"/>
+                  <a:pt x="962" y="590"/>
+                </a:cubicBezTo>
+                <a:cubicBezTo>
+                  <a:pt x="901" y="595"/>
+                  <a:pt x="855" y="649"/>
+                  <a:pt x="861" y="710"/>
+                </a:cubicBezTo>
+                <a:cubicBezTo>
+                  <a:pt x="866" y="771"/>
+                  <a:pt x="920" y="817"/>
+                  <a:pt x="981" y="811"/>
+                </a:cubicBezTo>
+                <a:close/>
+                <a:moveTo>
+                  <a:pt x="1194" y="484"/>
+                </a:moveTo>
+                <a:cubicBezTo>
+                  <a:pt x="1207" y="496"/>
+                  <a:pt x="1210" y="515"/>
+                  <a:pt x="1200" y="530"/>
+                </a:cubicBezTo>
+                <a:lnTo>
+                  <a:pt x="1181" y="558"/>
+                </a:lnTo>
+                <a:cubicBezTo>
+                  <a:pt x="1193" y="576"/>
+                  <a:pt x="1203" y="595"/>
+                  <a:pt x="1210" y="615"/>
+                </a:cubicBezTo>
+                <a:lnTo>
+                  <a:pt x="1245" y="616"/>
+                </a:lnTo>
+                <a:cubicBezTo>
+                  <a:pt x="1262" y="616"/>
+                  <a:pt x="1276" y="630"/>
+                  <a:pt x="1278" y="647"/>
+                </a:cubicBezTo>
+                <a:lnTo>
+                  <a:pt x="1283" y="704"/>
+                </a:lnTo>
+                <a:cubicBezTo>
+                  <a:pt x="1284" y="721"/>
+                  <a:pt x="1272" y="737"/>
+                  <a:pt x="1255" y="741"/>
+                </a:cubicBezTo>
+                <a:lnTo>
+                  <a:pt x="1221" y="748"/>
+                </a:lnTo>
+                <a:cubicBezTo>
+                  <a:pt x="1217" y="769"/>
+                  <a:pt x="1210" y="789"/>
+                  <a:pt x="1201" y="809"/>
+                </a:cubicBezTo>
+                <a:lnTo>
+                  <a:pt x="1226" y="836"/>
+                </a:lnTo>
+                <a:cubicBezTo>
+                  <a:pt x="1238" y="848"/>
+                  <a:pt x="1239" y="868"/>
+                  <a:pt x="1227" y="881"/>
+                </a:cubicBezTo>
+                <a:lnTo>
+                  <a:pt x="1191" y="925"/>
+                </a:lnTo>
+                <a:cubicBezTo>
+                  <a:pt x="1180" y="938"/>
+                  <a:pt x="1160" y="941"/>
+                  <a:pt x="1146" y="931"/>
+                </a:cubicBezTo>
+                <a:lnTo>
+                  <a:pt x="1114" y="911"/>
+                </a:lnTo>
+                <a:cubicBezTo>
+                  <a:pt x="1096" y="923"/>
+                  <a:pt x="1077" y="933"/>
+                  <a:pt x="1056" y="940"/>
+                </a:cubicBezTo>
+                <a:lnTo>
+                  <a:pt x="1055" y="978"/>
+                </a:lnTo>
+                <a:cubicBezTo>
+                  <a:pt x="1054" y="996"/>
+                  <a:pt x="1041" y="1010"/>
+                  <a:pt x="1023" y="1011"/>
+                </a:cubicBezTo>
+                <a:lnTo>
+                  <a:pt x="967" y="1016"/>
+                </a:lnTo>
+                <a:cubicBezTo>
+                  <a:pt x="949" y="1017"/>
+                  <a:pt x="934" y="1006"/>
+                  <a:pt x="930" y="989"/>
+                </a:cubicBezTo>
+                <a:lnTo>
+                  <a:pt x="922" y="950"/>
+                </a:lnTo>
+                <a:cubicBezTo>
+                  <a:pt x="902" y="946"/>
+                  <a:pt x="883" y="939"/>
+                  <a:pt x="864" y="931"/>
+                </a:cubicBezTo>
+                <a:lnTo>
+                  <a:pt x="836" y="957"/>
+                </a:lnTo>
+                <a:cubicBezTo>
+                  <a:pt x="823" y="969"/>
+                  <a:pt x="803" y="970"/>
+                  <a:pt x="790" y="958"/>
+                </a:cubicBezTo>
+                <a:lnTo>
+                  <a:pt x="747" y="922"/>
+                </a:lnTo>
+                <a:cubicBezTo>
+                  <a:pt x="733" y="911"/>
+                  <a:pt x="730" y="891"/>
+                  <a:pt x="740" y="877"/>
+                </a:cubicBezTo>
+                <a:lnTo>
+                  <a:pt x="762" y="844"/>
+                </a:lnTo>
+                <a:cubicBezTo>
+                  <a:pt x="751" y="828"/>
+                  <a:pt x="741" y="810"/>
+                  <a:pt x="734" y="792"/>
+                </a:cubicBezTo>
+                <a:lnTo>
+                  <a:pt x="696" y="790"/>
+                </a:lnTo>
+                <a:cubicBezTo>
+                  <a:pt x="678" y="790"/>
+                  <a:pt x="664" y="776"/>
+                  <a:pt x="662" y="759"/>
+                </a:cubicBezTo>
+                <a:lnTo>
+                  <a:pt x="658" y="702"/>
+                </a:lnTo>
+                <a:cubicBezTo>
+                  <a:pt x="656" y="685"/>
+                  <a:pt x="668" y="669"/>
+                  <a:pt x="685" y="666"/>
+                </a:cubicBezTo>
+                <a:lnTo>
+                  <a:pt x="721" y="658"/>
+                </a:lnTo>
+                <a:cubicBezTo>
+                  <a:pt x="725" y="637"/>
+                  <a:pt x="731" y="617"/>
+                  <a:pt x="739" y="597"/>
+                </a:cubicBezTo>
+                <a:lnTo>
+                  <a:pt x="714" y="571"/>
+                </a:lnTo>
+                <a:cubicBezTo>
+                  <a:pt x="702" y="558"/>
+                  <a:pt x="702" y="538"/>
+                  <a:pt x="713" y="525"/>
+                </a:cubicBezTo>
+                <a:lnTo>
+                  <a:pt x="750" y="481"/>
+                </a:lnTo>
+                <a:cubicBezTo>
+                  <a:pt x="761" y="468"/>
+                  <a:pt x="780" y="465"/>
+                  <a:pt x="795" y="475"/>
+                </a:cubicBezTo>
+                <a:lnTo>
+                  <a:pt x="824" y="494"/>
+                </a:lnTo>
+                <a:cubicBezTo>
+                  <a:pt x="842" y="480"/>
+                  <a:pt x="863" y="470"/>
+                  <a:pt x="885" y="462"/>
+                </a:cubicBezTo>
+                <a:lnTo>
+                  <a:pt x="886" y="428"/>
+                </a:lnTo>
+                <a:cubicBezTo>
+                  <a:pt x="886" y="411"/>
+                  <a:pt x="900" y="396"/>
+                  <a:pt x="917" y="395"/>
+                </a:cubicBezTo>
+                <a:lnTo>
+                  <a:pt x="974" y="390"/>
+                </a:lnTo>
+                <a:cubicBezTo>
+                  <a:pt x="991" y="389"/>
+                  <a:pt x="1007" y="401"/>
+                  <a:pt x="1010" y="418"/>
+                </a:cubicBezTo>
+                <a:lnTo>
+                  <a:pt x="1017" y="451"/>
+                </a:lnTo>
+                <a:cubicBezTo>
+                  <a:pt x="1039" y="455"/>
+                  <a:pt x="1061" y="462"/>
+                  <a:pt x="1081" y="471"/>
+                </a:cubicBezTo>
+                <a:lnTo>
+                  <a:pt x="1105" y="449"/>
+                </a:lnTo>
+                <a:cubicBezTo>
+                  <a:pt x="1118" y="437"/>
+                  <a:pt x="1137" y="436"/>
+                  <a:pt x="1151" y="448"/>
+                </a:cubicBezTo>
+                <a:lnTo>
+                  <a:pt x="1194" y="484"/>
+                </a:lnTo>
+                <a:close/>
+                <a:moveTo>
+                  <a:pt x="507" y="924"/>
+                </a:moveTo>
+                <a:cubicBezTo>
+                  <a:pt x="457" y="924"/>
+                  <a:pt x="415" y="964"/>
+                  <a:pt x="415" y="1014"/>
+                </a:cubicBezTo>
+                <a:cubicBezTo>
+                  <a:pt x="414" y="1064"/>
+                  <a:pt x="454" y="1105"/>
+                  <a:pt x="504" y="1105"/>
+                </a:cubicBezTo>
+                <a:cubicBezTo>
+                  <a:pt x="554" y="1106"/>
+                  <a:pt x="596" y="1066"/>
+                  <a:pt x="596" y="1016"/>
+                </a:cubicBezTo>
+                <a:cubicBezTo>
+                  <a:pt x="597" y="966"/>
+                  <a:pt x="557" y="925"/>
+                  <a:pt x="507" y="924"/>
+                </a:cubicBezTo>
+                <a:close/>
+                <a:moveTo>
+                  <a:pt x="282" y="964"/>
+                </a:moveTo>
+                <a:lnTo>
+                  <a:pt x="306" y="961"/>
+                </a:lnTo>
+                <a:cubicBezTo>
+                  <a:pt x="310" y="944"/>
+                  <a:pt x="317" y="928"/>
+                  <a:pt x="326" y="913"/>
+                </a:cubicBezTo>
+                <a:lnTo>
+                  <a:pt x="311" y="894"/>
+                </a:lnTo>
+                <a:cubicBezTo>
+                  <a:pt x="300" y="880"/>
+                  <a:pt x="301" y="860"/>
+                  <a:pt x="314" y="848"/>
+                </a:cubicBezTo>
+                <a:lnTo>
+                  <a:pt x="339" y="824"/>
+                </a:lnTo>
+                <a:cubicBezTo>
+                  <a:pt x="352" y="811"/>
+                  <a:pt x="371" y="811"/>
+                  <a:pt x="385" y="822"/>
+                </a:cubicBezTo>
+                <a:lnTo>
+                  <a:pt x="402" y="836"/>
+                </a:lnTo>
+                <a:cubicBezTo>
+                  <a:pt x="418" y="826"/>
+                  <a:pt x="436" y="819"/>
+                  <a:pt x="454" y="814"/>
+                </a:cubicBezTo>
+                <a:lnTo>
+                  <a:pt x="457" y="793"/>
+                </a:lnTo>
+                <a:cubicBezTo>
+                  <a:pt x="459" y="776"/>
+                  <a:pt x="474" y="763"/>
+                  <a:pt x="491" y="763"/>
+                </a:cubicBezTo>
+                <a:lnTo>
+                  <a:pt x="526" y="763"/>
+                </a:lnTo>
+                <a:cubicBezTo>
+                  <a:pt x="543" y="764"/>
+                  <a:pt x="558" y="777"/>
+                  <a:pt x="560" y="794"/>
+                </a:cubicBezTo>
+                <a:lnTo>
+                  <a:pt x="562" y="816"/>
+                </a:lnTo>
+                <a:cubicBezTo>
+                  <a:pt x="580" y="821"/>
+                  <a:pt x="596" y="828"/>
+                  <a:pt x="612" y="838"/>
+                </a:cubicBezTo>
+                <a:lnTo>
+                  <a:pt x="629" y="825"/>
+                </a:lnTo>
+                <a:cubicBezTo>
+                  <a:pt x="643" y="814"/>
+                  <a:pt x="662" y="815"/>
+                  <a:pt x="675" y="828"/>
+                </a:cubicBezTo>
+                <a:lnTo>
+                  <a:pt x="699" y="853"/>
+                </a:lnTo>
+                <a:cubicBezTo>
+                  <a:pt x="711" y="865"/>
+                  <a:pt x="712" y="885"/>
+                  <a:pt x="701" y="899"/>
+                </a:cubicBezTo>
+                <a:lnTo>
+                  <a:pt x="687" y="916"/>
+                </a:lnTo>
+                <a:cubicBezTo>
+                  <a:pt x="695" y="931"/>
+                  <a:pt x="702" y="947"/>
+                  <a:pt x="706" y="964"/>
+                </a:cubicBezTo>
+                <a:lnTo>
+                  <a:pt x="728" y="967"/>
+                </a:lnTo>
+                <a:cubicBezTo>
+                  <a:pt x="746" y="969"/>
+                  <a:pt x="759" y="984"/>
+                  <a:pt x="758" y="1001"/>
+                </a:cubicBezTo>
+                <a:lnTo>
+                  <a:pt x="758" y="1036"/>
+                </a:lnTo>
+                <a:cubicBezTo>
+                  <a:pt x="758" y="1054"/>
+                  <a:pt x="744" y="1068"/>
+                  <a:pt x="727" y="1070"/>
+                </a:cubicBezTo>
+                <a:lnTo>
+                  <a:pt x="704" y="1072"/>
+                </a:lnTo>
+                <a:cubicBezTo>
+                  <a:pt x="699" y="1089"/>
+                  <a:pt x="692" y="1105"/>
+                  <a:pt x="683" y="1121"/>
+                </a:cubicBezTo>
+                <a:lnTo>
+                  <a:pt x="698" y="1140"/>
+                </a:lnTo>
+                <a:cubicBezTo>
+                  <a:pt x="709" y="1154"/>
+                  <a:pt x="707" y="1173"/>
+                  <a:pt x="695" y="1185"/>
+                </a:cubicBezTo>
+                <a:lnTo>
+                  <a:pt x="670" y="1210"/>
+                </a:lnTo>
+                <a:cubicBezTo>
+                  <a:pt x="657" y="1222"/>
+                  <a:pt x="638" y="1223"/>
+                  <a:pt x="624" y="1212"/>
+                </a:cubicBezTo>
+                <a:lnTo>
+                  <a:pt x="605" y="1196"/>
+                </a:lnTo>
+                <a:cubicBezTo>
+                  <a:pt x="589" y="1205"/>
+                  <a:pt x="573" y="1211"/>
+                  <a:pt x="555" y="1215"/>
+                </a:cubicBezTo>
+                <a:lnTo>
+                  <a:pt x="552" y="1241"/>
+                </a:lnTo>
+                <a:cubicBezTo>
+                  <a:pt x="550" y="1258"/>
+                  <a:pt x="535" y="1271"/>
+                  <a:pt x="518" y="1271"/>
+                </a:cubicBezTo>
+                <a:lnTo>
+                  <a:pt x="483" y="1270"/>
+                </a:lnTo>
+                <a:cubicBezTo>
+                  <a:pt x="465" y="1270"/>
+                  <a:pt x="451" y="1257"/>
+                  <a:pt x="449" y="1239"/>
+                </a:cubicBezTo>
+                <a:lnTo>
+                  <a:pt x="446" y="1213"/>
+                </a:lnTo>
+                <a:cubicBezTo>
+                  <a:pt x="430" y="1208"/>
+                  <a:pt x="415" y="1201"/>
+                  <a:pt x="400" y="1193"/>
+                </a:cubicBezTo>
+                <a:lnTo>
+                  <a:pt x="380" y="1209"/>
+                </a:lnTo>
+                <a:cubicBezTo>
+                  <a:pt x="366" y="1219"/>
+                  <a:pt x="346" y="1218"/>
+                  <a:pt x="334" y="1206"/>
+                </a:cubicBezTo>
+                <a:lnTo>
+                  <a:pt x="310" y="1181"/>
+                </a:lnTo>
+                <a:cubicBezTo>
+                  <a:pt x="298" y="1168"/>
+                  <a:pt x="297" y="1149"/>
+                  <a:pt x="308" y="1135"/>
+                </a:cubicBezTo>
+                <a:lnTo>
+                  <a:pt x="324" y="1115"/>
+                </a:lnTo>
+                <a:cubicBezTo>
+                  <a:pt x="316" y="1101"/>
+                  <a:pt x="310" y="1086"/>
+                  <a:pt x="306" y="1070"/>
+                </a:cubicBezTo>
+                <a:lnTo>
+                  <a:pt x="281" y="1067"/>
+                </a:lnTo>
+                <a:cubicBezTo>
+                  <a:pt x="263" y="1065"/>
+                  <a:pt x="250" y="1050"/>
+                  <a:pt x="251" y="1032"/>
+                </a:cubicBezTo>
+                <a:lnTo>
+                  <a:pt x="251" y="997"/>
+                </a:lnTo>
+                <a:cubicBezTo>
+                  <a:pt x="251" y="980"/>
+                  <a:pt x="264" y="965"/>
+                  <a:pt x="282" y="964"/>
+                </a:cubicBezTo>
+                <a:close/>
+              </a:path>
+            </a:pathLst>
+          </a:custGeom>
+          <a:solidFill>
+            <a:schemeClr val="tx1"/>
+          </a:solidFill>
+          <a:ln>
+            <a:noFill/>
+          </a:ln>
+          <a:effectLst/>
+        </p:spPr>
+        <p:txBody>
+          <a:bodyPr wrap="none" anchor="ctr"/>
+          <a:lstStyle/>
+          <a:p>
+            <a:endParaRPr lang="en-US" sz="1889"/>
+          </a:p>
+        </p:txBody>
+      </p:sp>
     </p:spTree>
     <p:extLst>
       <p:ext uri="{BB962C8B-B14F-4D97-AF65-F5344CB8AC3E}">
@@ -20592,6 +25636,103 @@
           <a:chExt cx="0" cy="0"/>
         </a:xfrm>
       </p:grpSpPr>
+      <p:sp>
+        <p:nvSpPr>
+          <p:cNvPr id="50" name="Rounded Rectangle 160">
+            <a:extLst>
+              <a:ext uri="{FF2B5EF4-FFF2-40B4-BE49-F238E27FC236}">
+                <a16:creationId xmlns:a16="http://schemas.microsoft.com/office/drawing/2014/main" id="{533A2E50-1D96-4293-A185-13A2D8B806C1}"/>
+              </a:ext>
+            </a:extLst>
+          </p:cNvPr>
+          <p:cNvSpPr/>
+          <p:nvPr/>
+        </p:nvSpPr>
+        <p:spPr>
+          <a:xfrm>
+            <a:off x="182232" y="1861077"/>
+            <a:ext cx="673432" cy="769108"/>
+          </a:xfrm>
+          <a:prstGeom prst="roundRect">
+            <a:avLst/>
+          </a:prstGeom>
+          <a:solidFill>
+            <a:schemeClr val="bg1"/>
+          </a:solidFill>
+          <a:ln w="12700">
+            <a:solidFill>
+              <a:schemeClr val="tx1"/>
+            </a:solidFill>
+          </a:ln>
+        </p:spPr>
+        <p:style>
+          <a:lnRef idx="2">
+            <a:schemeClr val="accent1">
+              <a:shade val="50000"/>
+            </a:schemeClr>
+          </a:lnRef>
+          <a:fillRef idx="1">
+            <a:schemeClr val="accent1"/>
+          </a:fillRef>
+          <a:effectRef idx="0">
+            <a:schemeClr val="accent1"/>
+          </a:effectRef>
+          <a:fontRef idx="minor">
+            <a:schemeClr val="lt1"/>
+          </a:fontRef>
+        </p:style>
+        <p:txBody>
+          <a:bodyPr lIns="18000" tIns="18000" rIns="18000" bIns="18000" rtlCol="0" anchor="b"/>
+          <a:lstStyle/>
+          <a:p>
+            <a:pPr algn="ctr"/>
+            <a:r>
+              <a:rPr lang="en-AU" sz="1000" dirty="0">
+                <a:solidFill>
+                  <a:schemeClr val="tx1"/>
+                </a:solidFill>
+              </a:rPr>
+              <a:t>Customer / User</a:t>
+            </a:r>
+          </a:p>
+        </p:txBody>
+      </p:sp>
+      <p:pic>
+        <p:nvPicPr>
+          <p:cNvPr id="64" name="Picture 63">
+            <a:extLst>
+              <a:ext uri="{FF2B5EF4-FFF2-40B4-BE49-F238E27FC236}">
+                <a16:creationId xmlns:a16="http://schemas.microsoft.com/office/drawing/2014/main" id="{410ABBED-8228-4A11-85D3-BF18B6FEEE9A}"/>
+              </a:ext>
+            </a:extLst>
+          </p:cNvPr>
+          <p:cNvPicPr>
+            <a:picLocks noChangeAspect="1"/>
+          </p:cNvPicPr>
+          <p:nvPr/>
+        </p:nvPicPr>
+        <p:blipFill>
+          <a:blip r:embed="rId2" cstate="print">
+            <a:extLst>
+              <a:ext uri="{28A0092B-C50C-407E-A947-70E740481C1C}">
+                <a14:useLocalDpi xmlns:a14="http://schemas.microsoft.com/office/drawing/2010/main" val="0"/>
+              </a:ext>
+            </a:extLst>
+          </a:blip>
+          <a:stretch>
+            <a:fillRect/>
+          </a:stretch>
+        </p:blipFill>
+        <p:spPr>
+          <a:xfrm>
+            <a:off x="162089" y="1857249"/>
+            <a:ext cx="443328" cy="471834"/>
+          </a:xfrm>
+          <a:prstGeom prst="rect">
+            <a:avLst/>
+          </a:prstGeom>
+        </p:spPr>
+      </p:pic>
       <p:sp>
         <p:nvSpPr>
           <p:cNvPr id="2" name="Title 1">
@@ -20914,7 +26055,7 @@
           <p:nvPr/>
         </p:nvPicPr>
         <p:blipFill>
-          <a:blip r:embed="rId2" cstate="print"/>
+          <a:blip r:embed="rId3" cstate="print"/>
           <a:srcRect/>
           <a:stretch>
             <a:fillRect/>
@@ -20953,7 +26094,7 @@
         <p:spPr>
           <a:xfrm>
             <a:off x="3950240" y="980352"/>
-            <a:ext cx="1098082" cy="1486160"/>
+            <a:ext cx="1098082" cy="1163585"/>
           </a:xfrm>
           <a:prstGeom prst="roundRect">
             <a:avLst>
@@ -21210,45 +26351,6 @@
           </a:p>
         </p:txBody>
       </p:sp>
-      <p:cxnSp>
-        <p:nvCxnSpPr>
-          <p:cNvPr id="41" name="Straight Arrow Connector 40">
-            <a:extLst>
-              <a:ext uri="{FF2B5EF4-FFF2-40B4-BE49-F238E27FC236}">
-                <a16:creationId xmlns:a16="http://schemas.microsoft.com/office/drawing/2014/main" id="{9922CC76-54F2-4104-95BF-E3AC364DF4F6}"/>
-              </a:ext>
-            </a:extLst>
-          </p:cNvPr>
-          <p:cNvCxnSpPr>
-            <a:cxnSpLocks/>
-            <a:stCxn id="51" idx="2"/>
-            <a:endCxn id="52" idx="0"/>
-          </p:cNvCxnSpPr>
-          <p:nvPr/>
-        </p:nvCxnSpPr>
-        <p:spPr bwMode="auto">
-          <a:xfrm flipH="1" flipV="1">
-            <a:off x="2000062" y="2250344"/>
-            <a:ext cx="2148415" cy="10904"/>
-          </a:xfrm>
-          <a:prstGeom prst="straightConnector1">
-            <a:avLst/>
-          </a:prstGeom>
-          <a:solidFill>
-            <a:schemeClr val="accent1"/>
-          </a:solidFill>
-          <a:ln w="12700" cap="flat" cmpd="sng" algn="ctr">
-            <a:solidFill>
-              <a:schemeClr val="tx1"/>
-            </a:solidFill>
-            <a:prstDash val="solid"/>
-            <a:round/>
-            <a:headEnd type="triangle" w="lg" len="med"/>
-            <a:tailEnd type="triangle" w="lg" len="med"/>
-          </a:ln>
-          <a:effectLst/>
-        </p:spPr>
-      </p:cxnSp>
       <p:sp>
         <p:nvSpPr>
           <p:cNvPr id="42" name="TextBox 41">
@@ -21392,103 +26494,6 @@
           </a:p>
         </p:txBody>
       </p:sp>
-      <p:sp>
-        <p:nvSpPr>
-          <p:cNvPr id="45" name="Rounded Rectangle 160">
-            <a:extLst>
-              <a:ext uri="{FF2B5EF4-FFF2-40B4-BE49-F238E27FC236}">
-                <a16:creationId xmlns:a16="http://schemas.microsoft.com/office/drawing/2014/main" id="{23E022B6-D3EC-404D-8D0A-48A711EC51D7}"/>
-              </a:ext>
-            </a:extLst>
-          </p:cNvPr>
-          <p:cNvSpPr/>
-          <p:nvPr/>
-        </p:nvSpPr>
-        <p:spPr>
-          <a:xfrm>
-            <a:off x="185407" y="1862982"/>
-            <a:ext cx="673432" cy="769108"/>
-          </a:xfrm>
-          <a:prstGeom prst="roundRect">
-            <a:avLst/>
-          </a:prstGeom>
-          <a:solidFill>
-            <a:schemeClr val="bg1"/>
-          </a:solidFill>
-          <a:ln w="12700">
-            <a:solidFill>
-              <a:schemeClr val="tx1"/>
-            </a:solidFill>
-          </a:ln>
-        </p:spPr>
-        <p:style>
-          <a:lnRef idx="2">
-            <a:schemeClr val="accent1">
-              <a:shade val="50000"/>
-            </a:schemeClr>
-          </a:lnRef>
-          <a:fillRef idx="1">
-            <a:schemeClr val="accent1"/>
-          </a:fillRef>
-          <a:effectRef idx="0">
-            <a:schemeClr val="accent1"/>
-          </a:effectRef>
-          <a:fontRef idx="minor">
-            <a:schemeClr val="lt1"/>
-          </a:fontRef>
-        </p:style>
-        <p:txBody>
-          <a:bodyPr lIns="18000" tIns="18000" rIns="18000" bIns="18000" rtlCol="0" anchor="b"/>
-          <a:lstStyle/>
-          <a:p>
-            <a:pPr algn="ctr"/>
-            <a:r>
-              <a:rPr lang="en-AU" sz="1000" dirty="0">
-                <a:solidFill>
-                  <a:schemeClr val="tx1"/>
-                </a:solidFill>
-              </a:rPr>
-              <a:t>Customer / User</a:t>
-            </a:r>
-          </a:p>
-        </p:txBody>
-      </p:sp>
-      <p:pic>
-        <p:nvPicPr>
-          <p:cNvPr id="46" name="Picture 45">
-            <a:extLst>
-              <a:ext uri="{FF2B5EF4-FFF2-40B4-BE49-F238E27FC236}">
-                <a16:creationId xmlns:a16="http://schemas.microsoft.com/office/drawing/2014/main" id="{88729566-346C-4CAA-AF1F-79556851B48D}"/>
-              </a:ext>
-            </a:extLst>
-          </p:cNvPr>
-          <p:cNvPicPr>
-            <a:picLocks noChangeAspect="1"/>
-          </p:cNvPicPr>
-          <p:nvPr/>
-        </p:nvPicPr>
-        <p:blipFill>
-          <a:blip r:embed="rId3" cstate="print">
-            <a:extLst>
-              <a:ext uri="{28A0092B-C50C-407E-A947-70E740481C1C}">
-                <a14:useLocalDpi xmlns:a14="http://schemas.microsoft.com/office/drawing/2010/main" val="0"/>
-              </a:ext>
-            </a:extLst>
-          </a:blip>
-          <a:stretch>
-            <a:fillRect/>
-          </a:stretch>
-        </p:blipFill>
-        <p:spPr>
-          <a:xfrm>
-            <a:off x="216064" y="1859154"/>
-            <a:ext cx="443328" cy="471834"/>
-          </a:xfrm>
-          <a:prstGeom prst="rect">
-            <a:avLst/>
-          </a:prstGeom>
-        </p:spPr>
-      </p:pic>
       <p:sp>
         <p:nvSpPr>
           <p:cNvPr id="47" name="TextBox 46">
@@ -22263,67 +27268,6 @@
       </p:sp>
       <p:sp>
         <p:nvSpPr>
-          <p:cNvPr id="51" name="Cloud 50">
-            <a:extLst>
-              <a:ext uri="{FF2B5EF4-FFF2-40B4-BE49-F238E27FC236}">
-                <a16:creationId xmlns:a16="http://schemas.microsoft.com/office/drawing/2014/main" id="{FD311866-7A79-4B1D-A41C-A3BC7F11A6FA}"/>
-              </a:ext>
-            </a:extLst>
-          </p:cNvPr>
-          <p:cNvSpPr/>
-          <p:nvPr/>
-        </p:nvSpPr>
-        <p:spPr>
-          <a:xfrm>
-            <a:off x="4145998" y="2090013"/>
-            <a:ext cx="799351" cy="342470"/>
-          </a:xfrm>
-          <a:prstGeom prst="cloud">
-            <a:avLst/>
-          </a:prstGeom>
-          <a:solidFill>
-            <a:schemeClr val="bg1"/>
-          </a:solidFill>
-          <a:ln>
-            <a:solidFill>
-              <a:schemeClr val="tx1"/>
-            </a:solidFill>
-          </a:ln>
-        </p:spPr>
-        <p:style>
-          <a:lnRef idx="2">
-            <a:schemeClr val="accent1">
-              <a:shade val="50000"/>
-            </a:schemeClr>
-          </a:lnRef>
-          <a:fillRef idx="1">
-            <a:schemeClr val="accent1"/>
-          </a:fillRef>
-          <a:effectRef idx="0">
-            <a:schemeClr val="accent1"/>
-          </a:effectRef>
-          <a:fontRef idx="minor">
-            <a:schemeClr val="lt1"/>
-          </a:fontRef>
-        </p:style>
-        <p:txBody>
-          <a:bodyPr lIns="7200" tIns="7200" rIns="7200" bIns="7200" rtlCol="0" anchor="ctr"/>
-          <a:lstStyle/>
-          <a:p>
-            <a:pPr algn="ctr"/>
-            <a:r>
-              <a:rPr lang="en-US" sz="800" dirty="0">
-                <a:solidFill>
-                  <a:schemeClr val="tx1"/>
-                </a:solidFill>
-              </a:rPr>
-              <a:t>Data / User Plane</a:t>
-            </a:r>
-          </a:p>
-        </p:txBody>
-      </p:sp>
-      <p:sp>
-        <p:nvSpPr>
           <p:cNvPr id="52" name="Cloud 51">
             <a:extLst>
               <a:ext uri="{FF2B5EF4-FFF2-40B4-BE49-F238E27FC236}">
@@ -22395,14 +27339,14 @@
           <p:cNvCxnSpPr>
             <a:cxnSpLocks/>
             <a:stCxn id="52" idx="2"/>
-            <a:endCxn id="45" idx="3"/>
+            <a:endCxn id="50" idx="3"/>
           </p:cNvCxnSpPr>
           <p:nvPr/>
         </p:nvCxnSpPr>
         <p:spPr bwMode="auto">
           <a:xfrm flipH="1" flipV="1">
-            <a:off x="858839" y="2247536"/>
-            <a:ext cx="345017" cy="2808"/>
+            <a:off x="855664" y="2245631"/>
+            <a:ext cx="348192" cy="4713"/>
           </a:xfrm>
           <a:prstGeom prst="straightConnector1">
             <a:avLst/>
@@ -22433,15 +27377,15 @@
           </p:cNvPr>
           <p:cNvCxnSpPr>
             <a:cxnSpLocks/>
-            <a:stCxn id="45" idx="0"/>
+            <a:stCxn id="50" idx="0"/>
             <a:endCxn id="33" idx="1"/>
           </p:cNvCxnSpPr>
           <p:nvPr/>
         </p:nvCxnSpPr>
         <p:spPr bwMode="auto">
           <a:xfrm rot="5400000" flipH="1" flipV="1">
-            <a:off x="711470" y="1549327"/>
-            <a:ext cx="124309" cy="503003"/>
+            <a:off x="710835" y="1546786"/>
+            <a:ext cx="122404" cy="506178"/>
           </a:xfrm>
           <a:prstGeom prst="bentConnector2">
             <a:avLst/>
@@ -23913,6 +28857,1084 @@
           </a:p>
         </p:txBody>
       </p:sp>
+      <p:sp>
+        <p:nvSpPr>
+          <p:cNvPr id="51" name="Cloud 50">
+            <a:extLst>
+              <a:ext uri="{FF2B5EF4-FFF2-40B4-BE49-F238E27FC236}">
+                <a16:creationId xmlns:a16="http://schemas.microsoft.com/office/drawing/2014/main" id="{FD311866-7A79-4B1D-A41C-A3BC7F11A6FA}"/>
+              </a:ext>
+            </a:extLst>
+          </p:cNvPr>
+          <p:cNvSpPr/>
+          <p:nvPr/>
+        </p:nvSpPr>
+        <p:spPr>
+          <a:xfrm>
+            <a:off x="7032073" y="2090013"/>
+            <a:ext cx="799351" cy="342470"/>
+          </a:xfrm>
+          <a:prstGeom prst="cloud">
+            <a:avLst/>
+          </a:prstGeom>
+          <a:solidFill>
+            <a:schemeClr val="bg1"/>
+          </a:solidFill>
+          <a:ln>
+            <a:solidFill>
+              <a:schemeClr val="tx1"/>
+            </a:solidFill>
+          </a:ln>
+        </p:spPr>
+        <p:style>
+          <a:lnRef idx="2">
+            <a:schemeClr val="accent1">
+              <a:shade val="50000"/>
+            </a:schemeClr>
+          </a:lnRef>
+          <a:fillRef idx="1">
+            <a:schemeClr val="accent1"/>
+          </a:fillRef>
+          <a:effectRef idx="0">
+            <a:schemeClr val="accent1"/>
+          </a:effectRef>
+          <a:fontRef idx="minor">
+            <a:schemeClr val="lt1"/>
+          </a:fontRef>
+        </p:style>
+        <p:txBody>
+          <a:bodyPr lIns="7200" tIns="7200" rIns="7200" bIns="7200" rtlCol="0" anchor="ctr"/>
+          <a:lstStyle/>
+          <a:p>
+            <a:pPr algn="ctr"/>
+            <a:r>
+              <a:rPr lang="en-US" sz="800" dirty="0">
+                <a:solidFill>
+                  <a:schemeClr val="tx1"/>
+                </a:solidFill>
+              </a:rPr>
+              <a:t>Data / User Plane</a:t>
+            </a:r>
+          </a:p>
+        </p:txBody>
+      </p:sp>
+      <p:cxnSp>
+        <p:nvCxnSpPr>
+          <p:cNvPr id="41" name="Straight Arrow Connector 40">
+            <a:extLst>
+              <a:ext uri="{FF2B5EF4-FFF2-40B4-BE49-F238E27FC236}">
+                <a16:creationId xmlns:a16="http://schemas.microsoft.com/office/drawing/2014/main" id="{9922CC76-54F2-4104-95BF-E3AC364DF4F6}"/>
+              </a:ext>
+            </a:extLst>
+          </p:cNvPr>
+          <p:cNvCxnSpPr>
+            <a:cxnSpLocks/>
+            <a:stCxn id="51" idx="2"/>
+            <a:endCxn id="52" idx="0"/>
+          </p:cNvCxnSpPr>
+          <p:nvPr/>
+        </p:nvCxnSpPr>
+        <p:spPr bwMode="auto">
+          <a:xfrm flipH="1" flipV="1">
+            <a:off x="2000062" y="2250344"/>
+            <a:ext cx="5034490" cy="10904"/>
+          </a:xfrm>
+          <a:prstGeom prst="straightConnector1">
+            <a:avLst/>
+          </a:prstGeom>
+          <a:solidFill>
+            <a:schemeClr val="accent1"/>
+          </a:solidFill>
+          <a:ln w="12700" cap="flat" cmpd="sng" algn="ctr">
+            <a:solidFill>
+              <a:schemeClr val="tx1"/>
+            </a:solidFill>
+            <a:prstDash val="solid"/>
+            <a:round/>
+            <a:headEnd type="triangle" w="lg" len="med"/>
+            <a:tailEnd type="triangle" w="lg" len="med"/>
+          </a:ln>
+          <a:effectLst/>
+        </p:spPr>
+      </p:cxnSp>
+      <p:sp>
+        <p:nvSpPr>
+          <p:cNvPr id="65" name="Freeform 103">
+            <a:extLst>
+              <a:ext uri="{FF2B5EF4-FFF2-40B4-BE49-F238E27FC236}">
+                <a16:creationId xmlns:a16="http://schemas.microsoft.com/office/drawing/2014/main" id="{17A375E2-8CB7-4DF9-A914-4FD0B1C153B0}"/>
+              </a:ext>
+            </a:extLst>
+          </p:cNvPr>
+          <p:cNvSpPr>
+            <a:spLocks noChangeArrowheads="1"/>
+          </p:cNvSpPr>
+          <p:nvPr/>
+        </p:nvSpPr>
+        <p:spPr bwMode="auto">
+          <a:xfrm>
+            <a:off x="555434" y="2043612"/>
+            <a:ext cx="276513" cy="266421"/>
+          </a:xfrm>
+          <a:custGeom>
+            <a:avLst/>
+            <a:gdLst>
+              <a:gd name="T0" fmla="*/ 0 w 1285"/>
+              <a:gd name="T1" fmla="*/ 423 h 1272"/>
+              <a:gd name="T2" fmla="*/ 81 w 1285"/>
+              <a:gd name="T3" fmla="*/ 301 h 1272"/>
+              <a:gd name="T4" fmla="*/ 81 w 1285"/>
+              <a:gd name="T5" fmla="*/ 142 h 1272"/>
+              <a:gd name="T6" fmla="*/ 223 w 1285"/>
+              <a:gd name="T7" fmla="*/ 111 h 1272"/>
+              <a:gd name="T8" fmla="*/ 340 w 1285"/>
+              <a:gd name="T9" fmla="*/ 0 h 1272"/>
+              <a:gd name="T10" fmla="*/ 463 w 1285"/>
+              <a:gd name="T11" fmla="*/ 78 h 1272"/>
+              <a:gd name="T12" fmla="*/ 621 w 1285"/>
+              <a:gd name="T13" fmla="*/ 84 h 1272"/>
+              <a:gd name="T14" fmla="*/ 652 w 1285"/>
+              <a:gd name="T15" fmla="*/ 226 h 1272"/>
+              <a:gd name="T16" fmla="*/ 760 w 1285"/>
+              <a:gd name="T17" fmla="*/ 338 h 1272"/>
+              <a:gd name="T18" fmla="*/ 680 w 1285"/>
+              <a:gd name="T19" fmla="*/ 460 h 1272"/>
+              <a:gd name="T20" fmla="*/ 679 w 1285"/>
+              <a:gd name="T21" fmla="*/ 619 h 1272"/>
+              <a:gd name="T22" fmla="*/ 534 w 1285"/>
+              <a:gd name="T23" fmla="*/ 648 h 1272"/>
+              <a:gd name="T24" fmla="*/ 419 w 1285"/>
+              <a:gd name="T25" fmla="*/ 761 h 1272"/>
+              <a:gd name="T26" fmla="*/ 296 w 1285"/>
+              <a:gd name="T27" fmla="*/ 676 h 1272"/>
+              <a:gd name="T28" fmla="*/ 139 w 1285"/>
+              <a:gd name="T29" fmla="*/ 677 h 1272"/>
+              <a:gd name="T30" fmla="*/ 112 w 1285"/>
+              <a:gd name="T31" fmla="*/ 530 h 1272"/>
+              <a:gd name="T32" fmla="*/ 246 w 1285"/>
+              <a:gd name="T33" fmla="*/ 378 h 1272"/>
+              <a:gd name="T34" fmla="*/ 382 w 1285"/>
+              <a:gd name="T35" fmla="*/ 242 h 1272"/>
+              <a:gd name="T36" fmla="*/ 962 w 1285"/>
+              <a:gd name="T37" fmla="*/ 590 h 1272"/>
+              <a:gd name="T38" fmla="*/ 1194 w 1285"/>
+              <a:gd name="T39" fmla="*/ 484 h 1272"/>
+              <a:gd name="T40" fmla="*/ 1210 w 1285"/>
+              <a:gd name="T41" fmla="*/ 615 h 1272"/>
+              <a:gd name="T42" fmla="*/ 1283 w 1285"/>
+              <a:gd name="T43" fmla="*/ 704 h 1272"/>
+              <a:gd name="T44" fmla="*/ 1201 w 1285"/>
+              <a:gd name="T45" fmla="*/ 809 h 1272"/>
+              <a:gd name="T46" fmla="*/ 1191 w 1285"/>
+              <a:gd name="T47" fmla="*/ 925 h 1272"/>
+              <a:gd name="T48" fmla="*/ 1056 w 1285"/>
+              <a:gd name="T49" fmla="*/ 940 h 1272"/>
+              <a:gd name="T50" fmla="*/ 967 w 1285"/>
+              <a:gd name="T51" fmla="*/ 1016 h 1272"/>
+              <a:gd name="T52" fmla="*/ 864 w 1285"/>
+              <a:gd name="T53" fmla="*/ 931 h 1272"/>
+              <a:gd name="T54" fmla="*/ 747 w 1285"/>
+              <a:gd name="T55" fmla="*/ 922 h 1272"/>
+              <a:gd name="T56" fmla="*/ 734 w 1285"/>
+              <a:gd name="T57" fmla="*/ 792 h 1272"/>
+              <a:gd name="T58" fmla="*/ 658 w 1285"/>
+              <a:gd name="T59" fmla="*/ 702 h 1272"/>
+              <a:gd name="T60" fmla="*/ 739 w 1285"/>
+              <a:gd name="T61" fmla="*/ 597 h 1272"/>
+              <a:gd name="T62" fmla="*/ 750 w 1285"/>
+              <a:gd name="T63" fmla="*/ 481 h 1272"/>
+              <a:gd name="T64" fmla="*/ 885 w 1285"/>
+              <a:gd name="T65" fmla="*/ 462 h 1272"/>
+              <a:gd name="T66" fmla="*/ 974 w 1285"/>
+              <a:gd name="T67" fmla="*/ 390 h 1272"/>
+              <a:gd name="T68" fmla="*/ 1081 w 1285"/>
+              <a:gd name="T69" fmla="*/ 471 h 1272"/>
+              <a:gd name="T70" fmla="*/ 1194 w 1285"/>
+              <a:gd name="T71" fmla="*/ 484 h 1272"/>
+              <a:gd name="T72" fmla="*/ 504 w 1285"/>
+              <a:gd name="T73" fmla="*/ 1105 h 1272"/>
+              <a:gd name="T74" fmla="*/ 282 w 1285"/>
+              <a:gd name="T75" fmla="*/ 964 h 1272"/>
+              <a:gd name="T76" fmla="*/ 311 w 1285"/>
+              <a:gd name="T77" fmla="*/ 894 h 1272"/>
+              <a:gd name="T78" fmla="*/ 385 w 1285"/>
+              <a:gd name="T79" fmla="*/ 822 h 1272"/>
+              <a:gd name="T80" fmla="*/ 457 w 1285"/>
+              <a:gd name="T81" fmla="*/ 793 h 1272"/>
+              <a:gd name="T82" fmla="*/ 560 w 1285"/>
+              <a:gd name="T83" fmla="*/ 794 h 1272"/>
+              <a:gd name="T84" fmla="*/ 629 w 1285"/>
+              <a:gd name="T85" fmla="*/ 825 h 1272"/>
+              <a:gd name="T86" fmla="*/ 701 w 1285"/>
+              <a:gd name="T87" fmla="*/ 899 h 1272"/>
+              <a:gd name="T88" fmla="*/ 728 w 1285"/>
+              <a:gd name="T89" fmla="*/ 967 h 1272"/>
+              <a:gd name="T90" fmla="*/ 727 w 1285"/>
+              <a:gd name="T91" fmla="*/ 1070 h 1272"/>
+              <a:gd name="T92" fmla="*/ 698 w 1285"/>
+              <a:gd name="T93" fmla="*/ 1140 h 1272"/>
+              <a:gd name="T94" fmla="*/ 624 w 1285"/>
+              <a:gd name="T95" fmla="*/ 1212 h 1272"/>
+              <a:gd name="T96" fmla="*/ 552 w 1285"/>
+              <a:gd name="T97" fmla="*/ 1241 h 1272"/>
+              <a:gd name="T98" fmla="*/ 449 w 1285"/>
+              <a:gd name="T99" fmla="*/ 1239 h 1272"/>
+              <a:gd name="T100" fmla="*/ 380 w 1285"/>
+              <a:gd name="T101" fmla="*/ 1209 h 1272"/>
+              <a:gd name="T102" fmla="*/ 308 w 1285"/>
+              <a:gd name="T103" fmla="*/ 1135 h 1272"/>
+              <a:gd name="T104" fmla="*/ 281 w 1285"/>
+              <a:gd name="T105" fmla="*/ 1067 h 1272"/>
+              <a:gd name="T106" fmla="*/ 282 w 1285"/>
+              <a:gd name="T107" fmla="*/ 964 h 1272"/>
+            </a:gdLst>
+            <a:ahLst/>
+            <a:cxnLst>
+              <a:cxn ang="0">
+                <a:pos x="T0" y="T1"/>
+              </a:cxn>
+              <a:cxn ang="0">
+                <a:pos x="T2" y="T3"/>
+              </a:cxn>
+              <a:cxn ang="0">
+                <a:pos x="T4" y="T5"/>
+              </a:cxn>
+              <a:cxn ang="0">
+                <a:pos x="T6" y="T7"/>
+              </a:cxn>
+              <a:cxn ang="0">
+                <a:pos x="T8" y="T9"/>
+              </a:cxn>
+              <a:cxn ang="0">
+                <a:pos x="T10" y="T11"/>
+              </a:cxn>
+              <a:cxn ang="0">
+                <a:pos x="T12" y="T13"/>
+              </a:cxn>
+              <a:cxn ang="0">
+                <a:pos x="T14" y="T15"/>
+              </a:cxn>
+              <a:cxn ang="0">
+                <a:pos x="T16" y="T17"/>
+              </a:cxn>
+              <a:cxn ang="0">
+                <a:pos x="T18" y="T19"/>
+              </a:cxn>
+              <a:cxn ang="0">
+                <a:pos x="T20" y="T21"/>
+              </a:cxn>
+              <a:cxn ang="0">
+                <a:pos x="T22" y="T23"/>
+              </a:cxn>
+              <a:cxn ang="0">
+                <a:pos x="T24" y="T25"/>
+              </a:cxn>
+              <a:cxn ang="0">
+                <a:pos x="T26" y="T27"/>
+              </a:cxn>
+              <a:cxn ang="0">
+                <a:pos x="T28" y="T29"/>
+              </a:cxn>
+              <a:cxn ang="0">
+                <a:pos x="T30" y="T31"/>
+              </a:cxn>
+              <a:cxn ang="0">
+                <a:pos x="T32" y="T33"/>
+              </a:cxn>
+              <a:cxn ang="0">
+                <a:pos x="T34" y="T35"/>
+              </a:cxn>
+              <a:cxn ang="0">
+                <a:pos x="T36" y="T37"/>
+              </a:cxn>
+              <a:cxn ang="0">
+                <a:pos x="T38" y="T39"/>
+              </a:cxn>
+              <a:cxn ang="0">
+                <a:pos x="T40" y="T41"/>
+              </a:cxn>
+              <a:cxn ang="0">
+                <a:pos x="T42" y="T43"/>
+              </a:cxn>
+              <a:cxn ang="0">
+                <a:pos x="T44" y="T45"/>
+              </a:cxn>
+              <a:cxn ang="0">
+                <a:pos x="T46" y="T47"/>
+              </a:cxn>
+              <a:cxn ang="0">
+                <a:pos x="T48" y="T49"/>
+              </a:cxn>
+              <a:cxn ang="0">
+                <a:pos x="T50" y="T51"/>
+              </a:cxn>
+              <a:cxn ang="0">
+                <a:pos x="T52" y="T53"/>
+              </a:cxn>
+              <a:cxn ang="0">
+                <a:pos x="T54" y="T55"/>
+              </a:cxn>
+              <a:cxn ang="0">
+                <a:pos x="T56" y="T57"/>
+              </a:cxn>
+              <a:cxn ang="0">
+                <a:pos x="T58" y="T59"/>
+              </a:cxn>
+              <a:cxn ang="0">
+                <a:pos x="T60" y="T61"/>
+              </a:cxn>
+              <a:cxn ang="0">
+                <a:pos x="T62" y="T63"/>
+              </a:cxn>
+              <a:cxn ang="0">
+                <a:pos x="T64" y="T65"/>
+              </a:cxn>
+              <a:cxn ang="0">
+                <a:pos x="T66" y="T67"/>
+              </a:cxn>
+              <a:cxn ang="0">
+                <a:pos x="T68" y="T69"/>
+              </a:cxn>
+              <a:cxn ang="0">
+                <a:pos x="T70" y="T71"/>
+              </a:cxn>
+              <a:cxn ang="0">
+                <a:pos x="T72" y="T73"/>
+              </a:cxn>
+              <a:cxn ang="0">
+                <a:pos x="T74" y="T75"/>
+              </a:cxn>
+              <a:cxn ang="0">
+                <a:pos x="T76" y="T77"/>
+              </a:cxn>
+              <a:cxn ang="0">
+                <a:pos x="T78" y="T79"/>
+              </a:cxn>
+              <a:cxn ang="0">
+                <a:pos x="T80" y="T81"/>
+              </a:cxn>
+              <a:cxn ang="0">
+                <a:pos x="T82" y="T83"/>
+              </a:cxn>
+              <a:cxn ang="0">
+                <a:pos x="T84" y="T85"/>
+              </a:cxn>
+              <a:cxn ang="0">
+                <a:pos x="T86" y="T87"/>
+              </a:cxn>
+              <a:cxn ang="0">
+                <a:pos x="T88" y="T89"/>
+              </a:cxn>
+              <a:cxn ang="0">
+                <a:pos x="T90" y="T91"/>
+              </a:cxn>
+              <a:cxn ang="0">
+                <a:pos x="T92" y="T93"/>
+              </a:cxn>
+              <a:cxn ang="0">
+                <a:pos x="T94" y="T95"/>
+              </a:cxn>
+              <a:cxn ang="0">
+                <a:pos x="T96" y="T97"/>
+              </a:cxn>
+              <a:cxn ang="0">
+                <a:pos x="T98" y="T99"/>
+              </a:cxn>
+              <a:cxn ang="0">
+                <a:pos x="T100" y="T101"/>
+              </a:cxn>
+              <a:cxn ang="0">
+                <a:pos x="T102" y="T103"/>
+              </a:cxn>
+              <a:cxn ang="0">
+                <a:pos x="T104" y="T105"/>
+              </a:cxn>
+              <a:cxn ang="0">
+                <a:pos x="T106" y="T107"/>
+              </a:cxn>
+            </a:cxnLst>
+            <a:rect l="0" t="0" r="r" b="b"/>
+            <a:pathLst>
+              <a:path w="1285" h="1272">
+                <a:moveTo>
+                  <a:pt x="84" y="464"/>
+                </a:moveTo>
+                <a:lnTo>
+                  <a:pt x="30" y="458"/>
+                </a:lnTo>
+                <a:cubicBezTo>
+                  <a:pt x="13" y="456"/>
+                  <a:pt x="0" y="441"/>
+                  <a:pt x="0" y="423"/>
+                </a:cubicBezTo>
+                <a:lnTo>
+                  <a:pt x="0" y="341"/>
+                </a:lnTo>
+                <a:cubicBezTo>
+                  <a:pt x="0" y="323"/>
+                  <a:pt x="13" y="309"/>
+                  <a:pt x="30" y="307"/>
+                </a:cubicBezTo>
+                <a:lnTo>
+                  <a:pt x="81" y="301"/>
+                </a:lnTo>
+                <a:cubicBezTo>
+                  <a:pt x="87" y="275"/>
+                  <a:pt x="97" y="251"/>
+                  <a:pt x="110" y="228"/>
+                </a:cubicBezTo>
+                <a:lnTo>
+                  <a:pt x="78" y="188"/>
+                </a:lnTo>
+                <a:cubicBezTo>
+                  <a:pt x="67" y="174"/>
+                  <a:pt x="68" y="154"/>
+                  <a:pt x="81" y="142"/>
+                </a:cubicBezTo>
+                <a:lnTo>
+                  <a:pt x="139" y="84"/>
+                </a:lnTo>
+                <a:cubicBezTo>
+                  <a:pt x="151" y="71"/>
+                  <a:pt x="171" y="70"/>
+                  <a:pt x="185" y="81"/>
+                </a:cubicBezTo>
+                <a:lnTo>
+                  <a:pt x="223" y="111"/>
+                </a:lnTo>
+                <a:cubicBezTo>
+                  <a:pt x="247" y="97"/>
+                  <a:pt x="273" y="86"/>
+                  <a:pt x="300" y="78"/>
+                </a:cubicBezTo>
+                <a:lnTo>
+                  <a:pt x="306" y="31"/>
+                </a:lnTo>
+                <a:cubicBezTo>
+                  <a:pt x="308" y="14"/>
+                  <a:pt x="323" y="0"/>
+                  <a:pt x="340" y="0"/>
+                </a:cubicBezTo>
+                <a:lnTo>
+                  <a:pt x="423" y="0"/>
+                </a:lnTo>
+                <a:cubicBezTo>
+                  <a:pt x="440" y="0"/>
+                  <a:pt x="455" y="14"/>
+                  <a:pt x="457" y="31"/>
+                </a:cubicBezTo>
+                <a:lnTo>
+                  <a:pt x="463" y="78"/>
+                </a:lnTo>
+                <a:cubicBezTo>
+                  <a:pt x="489" y="86"/>
+                  <a:pt x="515" y="96"/>
+                  <a:pt x="538" y="110"/>
+                </a:cubicBezTo>
+                <a:lnTo>
+                  <a:pt x="575" y="81"/>
+                </a:lnTo>
+                <a:cubicBezTo>
+                  <a:pt x="589" y="70"/>
+                  <a:pt x="608" y="71"/>
+                  <a:pt x="621" y="84"/>
+                </a:cubicBezTo>
+                <a:lnTo>
+                  <a:pt x="679" y="142"/>
+                </a:lnTo>
+                <a:cubicBezTo>
+                  <a:pt x="691" y="154"/>
+                  <a:pt x="693" y="174"/>
+                  <a:pt x="682" y="188"/>
+                </a:cubicBezTo>
+                <a:lnTo>
+                  <a:pt x="652" y="226"/>
+                </a:lnTo>
+                <a:cubicBezTo>
+                  <a:pt x="664" y="248"/>
+                  <a:pt x="674" y="272"/>
+                  <a:pt x="681" y="297"/>
+                </a:cubicBezTo>
+                <a:lnTo>
+                  <a:pt x="729" y="303"/>
+                </a:lnTo>
+                <a:cubicBezTo>
+                  <a:pt x="747" y="305"/>
+                  <a:pt x="760" y="320"/>
+                  <a:pt x="760" y="338"/>
+                </a:cubicBezTo>
+                <a:lnTo>
+                  <a:pt x="760" y="420"/>
+                </a:lnTo>
+                <a:cubicBezTo>
+                  <a:pt x="760" y="437"/>
+                  <a:pt x="747" y="452"/>
+                  <a:pt x="729" y="454"/>
+                </a:cubicBezTo>
+                <a:lnTo>
+                  <a:pt x="680" y="460"/>
+                </a:lnTo>
+                <a:cubicBezTo>
+                  <a:pt x="673" y="485"/>
+                  <a:pt x="663" y="510"/>
+                  <a:pt x="650" y="533"/>
+                </a:cubicBezTo>
+                <a:lnTo>
+                  <a:pt x="682" y="573"/>
+                </a:lnTo>
+                <a:cubicBezTo>
+                  <a:pt x="693" y="587"/>
+                  <a:pt x="692" y="607"/>
+                  <a:pt x="679" y="619"/>
+                </a:cubicBezTo>
+                <a:lnTo>
+                  <a:pt x="621" y="677"/>
+                </a:lnTo>
+                <a:cubicBezTo>
+                  <a:pt x="608" y="690"/>
+                  <a:pt x="589" y="691"/>
+                  <a:pt x="575" y="680"/>
+                </a:cubicBezTo>
+                <a:lnTo>
+                  <a:pt x="534" y="648"/>
+                </a:lnTo>
+                <a:cubicBezTo>
+                  <a:pt x="511" y="661"/>
+                  <a:pt x="486" y="671"/>
+                  <a:pt x="460" y="678"/>
+                </a:cubicBezTo>
+                <a:lnTo>
+                  <a:pt x="454" y="730"/>
+                </a:lnTo>
+                <a:cubicBezTo>
+                  <a:pt x="452" y="748"/>
+                  <a:pt x="437" y="761"/>
+                  <a:pt x="419" y="761"/>
+                </a:cubicBezTo>
+                <a:lnTo>
+                  <a:pt x="337" y="761"/>
+                </a:lnTo>
+                <a:cubicBezTo>
+                  <a:pt x="319" y="761"/>
+                  <a:pt x="305" y="748"/>
+                  <a:pt x="303" y="730"/>
+                </a:cubicBezTo>
+                <a:lnTo>
+                  <a:pt x="296" y="676"/>
+                </a:lnTo>
+                <a:cubicBezTo>
+                  <a:pt x="272" y="669"/>
+                  <a:pt x="249" y="659"/>
+                  <a:pt x="227" y="646"/>
+                </a:cubicBezTo>
+                <a:lnTo>
+                  <a:pt x="185" y="680"/>
+                </a:lnTo>
+                <a:cubicBezTo>
+                  <a:pt x="171" y="691"/>
+                  <a:pt x="151" y="690"/>
+                  <a:pt x="139" y="677"/>
+                </a:cubicBezTo>
+                <a:lnTo>
+                  <a:pt x="81" y="619"/>
+                </a:lnTo>
+                <a:cubicBezTo>
+                  <a:pt x="68" y="607"/>
+                  <a:pt x="67" y="587"/>
+                  <a:pt x="78" y="573"/>
+                </a:cubicBezTo>
+                <a:lnTo>
+                  <a:pt x="112" y="530"/>
+                </a:lnTo>
+                <a:cubicBezTo>
+                  <a:pt x="100" y="509"/>
+                  <a:pt x="91" y="487"/>
+                  <a:pt x="84" y="464"/>
+                </a:cubicBezTo>
+                <a:close/>
+                <a:moveTo>
+                  <a:pt x="382" y="242"/>
+                </a:moveTo>
+                <a:cubicBezTo>
+                  <a:pt x="307" y="242"/>
+                  <a:pt x="246" y="303"/>
+                  <a:pt x="246" y="378"/>
+                </a:cubicBezTo>
+                <a:cubicBezTo>
+                  <a:pt x="246" y="452"/>
+                  <a:pt x="307" y="513"/>
+                  <a:pt x="382" y="513"/>
+                </a:cubicBezTo>
+                <a:cubicBezTo>
+                  <a:pt x="456" y="513"/>
+                  <a:pt x="517" y="452"/>
+                  <a:pt x="517" y="378"/>
+                </a:cubicBezTo>
+                <a:cubicBezTo>
+                  <a:pt x="517" y="303"/>
+                  <a:pt x="456" y="242"/>
+                  <a:pt x="382" y="242"/>
+                </a:cubicBezTo>
+                <a:close/>
+                <a:moveTo>
+                  <a:pt x="981" y="811"/>
+                </a:moveTo>
+                <a:cubicBezTo>
+                  <a:pt x="1042" y="806"/>
+                  <a:pt x="1088" y="752"/>
+                  <a:pt x="1082" y="691"/>
+                </a:cubicBezTo>
+                <a:cubicBezTo>
+                  <a:pt x="1077" y="630"/>
+                  <a:pt x="1023" y="584"/>
+                  <a:pt x="962" y="590"/>
+                </a:cubicBezTo>
+                <a:cubicBezTo>
+                  <a:pt x="901" y="595"/>
+                  <a:pt x="855" y="649"/>
+                  <a:pt x="861" y="710"/>
+                </a:cubicBezTo>
+                <a:cubicBezTo>
+                  <a:pt x="866" y="771"/>
+                  <a:pt x="920" y="817"/>
+                  <a:pt x="981" y="811"/>
+                </a:cubicBezTo>
+                <a:close/>
+                <a:moveTo>
+                  <a:pt x="1194" y="484"/>
+                </a:moveTo>
+                <a:cubicBezTo>
+                  <a:pt x="1207" y="496"/>
+                  <a:pt x="1210" y="515"/>
+                  <a:pt x="1200" y="530"/>
+                </a:cubicBezTo>
+                <a:lnTo>
+                  <a:pt x="1181" y="558"/>
+                </a:lnTo>
+                <a:cubicBezTo>
+                  <a:pt x="1193" y="576"/>
+                  <a:pt x="1203" y="595"/>
+                  <a:pt x="1210" y="615"/>
+                </a:cubicBezTo>
+                <a:lnTo>
+                  <a:pt x="1245" y="616"/>
+                </a:lnTo>
+                <a:cubicBezTo>
+                  <a:pt x="1262" y="616"/>
+                  <a:pt x="1276" y="630"/>
+                  <a:pt x="1278" y="647"/>
+                </a:cubicBezTo>
+                <a:lnTo>
+                  <a:pt x="1283" y="704"/>
+                </a:lnTo>
+                <a:cubicBezTo>
+                  <a:pt x="1284" y="721"/>
+                  <a:pt x="1272" y="737"/>
+                  <a:pt x="1255" y="741"/>
+                </a:cubicBezTo>
+                <a:lnTo>
+                  <a:pt x="1221" y="748"/>
+                </a:lnTo>
+                <a:cubicBezTo>
+                  <a:pt x="1217" y="769"/>
+                  <a:pt x="1210" y="789"/>
+                  <a:pt x="1201" y="809"/>
+                </a:cubicBezTo>
+                <a:lnTo>
+                  <a:pt x="1226" y="836"/>
+                </a:lnTo>
+                <a:cubicBezTo>
+                  <a:pt x="1238" y="848"/>
+                  <a:pt x="1239" y="868"/>
+                  <a:pt x="1227" y="881"/>
+                </a:cubicBezTo>
+                <a:lnTo>
+                  <a:pt x="1191" y="925"/>
+                </a:lnTo>
+                <a:cubicBezTo>
+                  <a:pt x="1180" y="938"/>
+                  <a:pt x="1160" y="941"/>
+                  <a:pt x="1146" y="931"/>
+                </a:cubicBezTo>
+                <a:lnTo>
+                  <a:pt x="1114" y="911"/>
+                </a:lnTo>
+                <a:cubicBezTo>
+                  <a:pt x="1096" y="923"/>
+                  <a:pt x="1077" y="933"/>
+                  <a:pt x="1056" y="940"/>
+                </a:cubicBezTo>
+                <a:lnTo>
+                  <a:pt x="1055" y="978"/>
+                </a:lnTo>
+                <a:cubicBezTo>
+                  <a:pt x="1054" y="996"/>
+                  <a:pt x="1041" y="1010"/>
+                  <a:pt x="1023" y="1011"/>
+                </a:cubicBezTo>
+                <a:lnTo>
+                  <a:pt x="967" y="1016"/>
+                </a:lnTo>
+                <a:cubicBezTo>
+                  <a:pt x="949" y="1017"/>
+                  <a:pt x="934" y="1006"/>
+                  <a:pt x="930" y="989"/>
+                </a:cubicBezTo>
+                <a:lnTo>
+                  <a:pt x="922" y="950"/>
+                </a:lnTo>
+                <a:cubicBezTo>
+                  <a:pt x="902" y="946"/>
+                  <a:pt x="883" y="939"/>
+                  <a:pt x="864" y="931"/>
+                </a:cubicBezTo>
+                <a:lnTo>
+                  <a:pt x="836" y="957"/>
+                </a:lnTo>
+                <a:cubicBezTo>
+                  <a:pt x="823" y="969"/>
+                  <a:pt x="803" y="970"/>
+                  <a:pt x="790" y="958"/>
+                </a:cubicBezTo>
+                <a:lnTo>
+                  <a:pt x="747" y="922"/>
+                </a:lnTo>
+                <a:cubicBezTo>
+                  <a:pt x="733" y="911"/>
+                  <a:pt x="730" y="891"/>
+                  <a:pt x="740" y="877"/>
+                </a:cubicBezTo>
+                <a:lnTo>
+                  <a:pt x="762" y="844"/>
+                </a:lnTo>
+                <a:cubicBezTo>
+                  <a:pt x="751" y="828"/>
+                  <a:pt x="741" y="810"/>
+                  <a:pt x="734" y="792"/>
+                </a:cubicBezTo>
+                <a:lnTo>
+                  <a:pt x="696" y="790"/>
+                </a:lnTo>
+                <a:cubicBezTo>
+                  <a:pt x="678" y="790"/>
+                  <a:pt x="664" y="776"/>
+                  <a:pt x="662" y="759"/>
+                </a:cubicBezTo>
+                <a:lnTo>
+                  <a:pt x="658" y="702"/>
+                </a:lnTo>
+                <a:cubicBezTo>
+                  <a:pt x="656" y="685"/>
+                  <a:pt x="668" y="669"/>
+                  <a:pt x="685" y="666"/>
+                </a:cubicBezTo>
+                <a:lnTo>
+                  <a:pt x="721" y="658"/>
+                </a:lnTo>
+                <a:cubicBezTo>
+                  <a:pt x="725" y="637"/>
+                  <a:pt x="731" y="617"/>
+                  <a:pt x="739" y="597"/>
+                </a:cubicBezTo>
+                <a:lnTo>
+                  <a:pt x="714" y="571"/>
+                </a:lnTo>
+                <a:cubicBezTo>
+                  <a:pt x="702" y="558"/>
+                  <a:pt x="702" y="538"/>
+                  <a:pt x="713" y="525"/>
+                </a:cubicBezTo>
+                <a:lnTo>
+                  <a:pt x="750" y="481"/>
+                </a:lnTo>
+                <a:cubicBezTo>
+                  <a:pt x="761" y="468"/>
+                  <a:pt x="780" y="465"/>
+                  <a:pt x="795" y="475"/>
+                </a:cubicBezTo>
+                <a:lnTo>
+                  <a:pt x="824" y="494"/>
+                </a:lnTo>
+                <a:cubicBezTo>
+                  <a:pt x="842" y="480"/>
+                  <a:pt x="863" y="470"/>
+                  <a:pt x="885" y="462"/>
+                </a:cubicBezTo>
+                <a:lnTo>
+                  <a:pt x="886" y="428"/>
+                </a:lnTo>
+                <a:cubicBezTo>
+                  <a:pt x="886" y="411"/>
+                  <a:pt x="900" y="396"/>
+                  <a:pt x="917" y="395"/>
+                </a:cubicBezTo>
+                <a:lnTo>
+                  <a:pt x="974" y="390"/>
+                </a:lnTo>
+                <a:cubicBezTo>
+                  <a:pt x="991" y="389"/>
+                  <a:pt x="1007" y="401"/>
+                  <a:pt x="1010" y="418"/>
+                </a:cubicBezTo>
+                <a:lnTo>
+                  <a:pt x="1017" y="451"/>
+                </a:lnTo>
+                <a:cubicBezTo>
+                  <a:pt x="1039" y="455"/>
+                  <a:pt x="1061" y="462"/>
+                  <a:pt x="1081" y="471"/>
+                </a:cubicBezTo>
+                <a:lnTo>
+                  <a:pt x="1105" y="449"/>
+                </a:lnTo>
+                <a:cubicBezTo>
+                  <a:pt x="1118" y="437"/>
+                  <a:pt x="1137" y="436"/>
+                  <a:pt x="1151" y="448"/>
+                </a:cubicBezTo>
+                <a:lnTo>
+                  <a:pt x="1194" y="484"/>
+                </a:lnTo>
+                <a:close/>
+                <a:moveTo>
+                  <a:pt x="507" y="924"/>
+                </a:moveTo>
+                <a:cubicBezTo>
+                  <a:pt x="457" y="924"/>
+                  <a:pt x="415" y="964"/>
+                  <a:pt x="415" y="1014"/>
+                </a:cubicBezTo>
+                <a:cubicBezTo>
+                  <a:pt x="414" y="1064"/>
+                  <a:pt x="454" y="1105"/>
+                  <a:pt x="504" y="1105"/>
+                </a:cubicBezTo>
+                <a:cubicBezTo>
+                  <a:pt x="554" y="1106"/>
+                  <a:pt x="596" y="1066"/>
+                  <a:pt x="596" y="1016"/>
+                </a:cubicBezTo>
+                <a:cubicBezTo>
+                  <a:pt x="597" y="966"/>
+                  <a:pt x="557" y="925"/>
+                  <a:pt x="507" y="924"/>
+                </a:cubicBezTo>
+                <a:close/>
+                <a:moveTo>
+                  <a:pt x="282" y="964"/>
+                </a:moveTo>
+                <a:lnTo>
+                  <a:pt x="306" y="961"/>
+                </a:lnTo>
+                <a:cubicBezTo>
+                  <a:pt x="310" y="944"/>
+                  <a:pt x="317" y="928"/>
+                  <a:pt x="326" y="913"/>
+                </a:cubicBezTo>
+                <a:lnTo>
+                  <a:pt x="311" y="894"/>
+                </a:lnTo>
+                <a:cubicBezTo>
+                  <a:pt x="300" y="880"/>
+                  <a:pt x="301" y="860"/>
+                  <a:pt x="314" y="848"/>
+                </a:cubicBezTo>
+                <a:lnTo>
+                  <a:pt x="339" y="824"/>
+                </a:lnTo>
+                <a:cubicBezTo>
+                  <a:pt x="352" y="811"/>
+                  <a:pt x="371" y="811"/>
+                  <a:pt x="385" y="822"/>
+                </a:cubicBezTo>
+                <a:lnTo>
+                  <a:pt x="402" y="836"/>
+                </a:lnTo>
+                <a:cubicBezTo>
+                  <a:pt x="418" y="826"/>
+                  <a:pt x="436" y="819"/>
+                  <a:pt x="454" y="814"/>
+                </a:cubicBezTo>
+                <a:lnTo>
+                  <a:pt x="457" y="793"/>
+                </a:lnTo>
+                <a:cubicBezTo>
+                  <a:pt x="459" y="776"/>
+                  <a:pt x="474" y="763"/>
+                  <a:pt x="491" y="763"/>
+                </a:cubicBezTo>
+                <a:lnTo>
+                  <a:pt x="526" y="763"/>
+                </a:lnTo>
+                <a:cubicBezTo>
+                  <a:pt x="543" y="764"/>
+                  <a:pt x="558" y="777"/>
+                  <a:pt x="560" y="794"/>
+                </a:cubicBezTo>
+                <a:lnTo>
+                  <a:pt x="562" y="816"/>
+                </a:lnTo>
+                <a:cubicBezTo>
+                  <a:pt x="580" y="821"/>
+                  <a:pt x="596" y="828"/>
+                  <a:pt x="612" y="838"/>
+                </a:cubicBezTo>
+                <a:lnTo>
+                  <a:pt x="629" y="825"/>
+                </a:lnTo>
+                <a:cubicBezTo>
+                  <a:pt x="643" y="814"/>
+                  <a:pt x="662" y="815"/>
+                  <a:pt x="675" y="828"/>
+                </a:cubicBezTo>
+                <a:lnTo>
+                  <a:pt x="699" y="853"/>
+                </a:lnTo>
+                <a:cubicBezTo>
+                  <a:pt x="711" y="865"/>
+                  <a:pt x="712" y="885"/>
+                  <a:pt x="701" y="899"/>
+                </a:cubicBezTo>
+                <a:lnTo>
+                  <a:pt x="687" y="916"/>
+                </a:lnTo>
+                <a:cubicBezTo>
+                  <a:pt x="695" y="931"/>
+                  <a:pt x="702" y="947"/>
+                  <a:pt x="706" y="964"/>
+                </a:cubicBezTo>
+                <a:lnTo>
+                  <a:pt x="728" y="967"/>
+                </a:lnTo>
+                <a:cubicBezTo>
+                  <a:pt x="746" y="969"/>
+                  <a:pt x="759" y="984"/>
+                  <a:pt x="758" y="1001"/>
+                </a:cubicBezTo>
+                <a:lnTo>
+                  <a:pt x="758" y="1036"/>
+                </a:lnTo>
+                <a:cubicBezTo>
+                  <a:pt x="758" y="1054"/>
+                  <a:pt x="744" y="1068"/>
+                  <a:pt x="727" y="1070"/>
+                </a:cubicBezTo>
+                <a:lnTo>
+                  <a:pt x="704" y="1072"/>
+                </a:lnTo>
+                <a:cubicBezTo>
+                  <a:pt x="699" y="1089"/>
+                  <a:pt x="692" y="1105"/>
+                  <a:pt x="683" y="1121"/>
+                </a:cubicBezTo>
+                <a:lnTo>
+                  <a:pt x="698" y="1140"/>
+                </a:lnTo>
+                <a:cubicBezTo>
+                  <a:pt x="709" y="1154"/>
+                  <a:pt x="707" y="1173"/>
+                  <a:pt x="695" y="1185"/>
+                </a:cubicBezTo>
+                <a:lnTo>
+                  <a:pt x="670" y="1210"/>
+                </a:lnTo>
+                <a:cubicBezTo>
+                  <a:pt x="657" y="1222"/>
+                  <a:pt x="638" y="1223"/>
+                  <a:pt x="624" y="1212"/>
+                </a:cubicBezTo>
+                <a:lnTo>
+                  <a:pt x="605" y="1196"/>
+                </a:lnTo>
+                <a:cubicBezTo>
+                  <a:pt x="589" y="1205"/>
+                  <a:pt x="573" y="1211"/>
+                  <a:pt x="555" y="1215"/>
+                </a:cubicBezTo>
+                <a:lnTo>
+                  <a:pt x="552" y="1241"/>
+                </a:lnTo>
+                <a:cubicBezTo>
+                  <a:pt x="550" y="1258"/>
+                  <a:pt x="535" y="1271"/>
+                  <a:pt x="518" y="1271"/>
+                </a:cubicBezTo>
+                <a:lnTo>
+                  <a:pt x="483" y="1270"/>
+                </a:lnTo>
+                <a:cubicBezTo>
+                  <a:pt x="465" y="1270"/>
+                  <a:pt x="451" y="1257"/>
+                  <a:pt x="449" y="1239"/>
+                </a:cubicBezTo>
+                <a:lnTo>
+                  <a:pt x="446" y="1213"/>
+                </a:lnTo>
+                <a:cubicBezTo>
+                  <a:pt x="430" y="1208"/>
+                  <a:pt x="415" y="1201"/>
+                  <a:pt x="400" y="1193"/>
+                </a:cubicBezTo>
+                <a:lnTo>
+                  <a:pt x="380" y="1209"/>
+                </a:lnTo>
+                <a:cubicBezTo>
+                  <a:pt x="366" y="1219"/>
+                  <a:pt x="346" y="1218"/>
+                  <a:pt x="334" y="1206"/>
+                </a:cubicBezTo>
+                <a:lnTo>
+                  <a:pt x="310" y="1181"/>
+                </a:lnTo>
+                <a:cubicBezTo>
+                  <a:pt x="298" y="1168"/>
+                  <a:pt x="297" y="1149"/>
+                  <a:pt x="308" y="1135"/>
+                </a:cubicBezTo>
+                <a:lnTo>
+                  <a:pt x="324" y="1115"/>
+                </a:lnTo>
+                <a:cubicBezTo>
+                  <a:pt x="316" y="1101"/>
+                  <a:pt x="310" y="1086"/>
+                  <a:pt x="306" y="1070"/>
+                </a:cubicBezTo>
+                <a:lnTo>
+                  <a:pt x="281" y="1067"/>
+                </a:lnTo>
+                <a:cubicBezTo>
+                  <a:pt x="263" y="1065"/>
+                  <a:pt x="250" y="1050"/>
+                  <a:pt x="251" y="1032"/>
+                </a:cubicBezTo>
+                <a:lnTo>
+                  <a:pt x="251" y="997"/>
+                </a:lnTo>
+                <a:cubicBezTo>
+                  <a:pt x="251" y="980"/>
+                  <a:pt x="264" y="965"/>
+                  <a:pt x="282" y="964"/>
+                </a:cubicBezTo>
+                <a:close/>
+              </a:path>
+            </a:pathLst>
+          </a:custGeom>
+          <a:solidFill>
+            <a:schemeClr val="tx1"/>
+          </a:solidFill>
+          <a:ln>
+            <a:noFill/>
+          </a:ln>
+          <a:effectLst/>
+        </p:spPr>
+        <p:txBody>
+          <a:bodyPr wrap="none" anchor="ctr"/>
+          <a:lstStyle/>
+          <a:p>
+            <a:endParaRPr lang="en-US" sz="1889"/>
+          </a:p>
+        </p:txBody>
+      </p:sp>
     </p:spTree>
     <p:extLst>
       <p:ext uri="{BB962C8B-B14F-4D97-AF65-F5344CB8AC3E}">
@@ -23943,6 +29965,67 @@
           <a:chExt cx="0" cy="0"/>
         </a:xfrm>
       </p:grpSpPr>
+      <p:sp>
+        <p:nvSpPr>
+          <p:cNvPr id="56" name="Rounded Rectangle 160">
+            <a:extLst>
+              <a:ext uri="{FF2B5EF4-FFF2-40B4-BE49-F238E27FC236}">
+                <a16:creationId xmlns:a16="http://schemas.microsoft.com/office/drawing/2014/main" id="{4B5A266C-6BCE-4811-B19E-3008800282C4}"/>
+              </a:ext>
+            </a:extLst>
+          </p:cNvPr>
+          <p:cNvSpPr/>
+          <p:nvPr/>
+        </p:nvSpPr>
+        <p:spPr>
+          <a:xfrm>
+            <a:off x="591807" y="2594502"/>
+            <a:ext cx="673432" cy="769108"/>
+          </a:xfrm>
+          <a:prstGeom prst="roundRect">
+            <a:avLst/>
+          </a:prstGeom>
+          <a:solidFill>
+            <a:schemeClr val="bg1"/>
+          </a:solidFill>
+          <a:ln w="12700">
+            <a:solidFill>
+              <a:schemeClr val="tx1"/>
+            </a:solidFill>
+          </a:ln>
+        </p:spPr>
+        <p:style>
+          <a:lnRef idx="2">
+            <a:schemeClr val="accent1">
+              <a:shade val="50000"/>
+            </a:schemeClr>
+          </a:lnRef>
+          <a:fillRef idx="1">
+            <a:schemeClr val="accent1"/>
+          </a:fillRef>
+          <a:effectRef idx="0">
+            <a:schemeClr val="accent1"/>
+          </a:effectRef>
+          <a:fontRef idx="minor">
+            <a:schemeClr val="lt1"/>
+          </a:fontRef>
+        </p:style>
+        <p:txBody>
+          <a:bodyPr lIns="18000" tIns="18000" rIns="18000" bIns="18000" rtlCol="0" anchor="b"/>
+          <a:lstStyle/>
+          <a:p>
+            <a:pPr algn="ctr"/>
+            <a:r>
+              <a:rPr lang="en-AU" sz="1000" dirty="0">
+                <a:solidFill>
+                  <a:schemeClr val="tx1"/>
+                </a:solidFill>
+              </a:rPr>
+              <a:t>Customer / User</a:t>
+            </a:r>
+          </a:p>
+        </p:txBody>
+      </p:sp>
       <p:sp>
         <p:nvSpPr>
           <p:cNvPr id="50" name="Rounded Rectangle 21">
@@ -24682,103 +30765,6 @@
           </a:p>
         </p:txBody>
       </p:sp>
-      <p:sp>
-        <p:nvSpPr>
-          <p:cNvPr id="45" name="Rounded Rectangle 160">
-            <a:extLst>
-              <a:ext uri="{FF2B5EF4-FFF2-40B4-BE49-F238E27FC236}">
-                <a16:creationId xmlns:a16="http://schemas.microsoft.com/office/drawing/2014/main" id="{23E022B6-D3EC-404D-8D0A-48A711EC51D7}"/>
-              </a:ext>
-            </a:extLst>
-          </p:cNvPr>
-          <p:cNvSpPr/>
-          <p:nvPr/>
-        </p:nvSpPr>
-        <p:spPr>
-          <a:xfrm>
-            <a:off x="591807" y="2594502"/>
-            <a:ext cx="673432" cy="769108"/>
-          </a:xfrm>
-          <a:prstGeom prst="roundRect">
-            <a:avLst/>
-          </a:prstGeom>
-          <a:solidFill>
-            <a:schemeClr val="bg1"/>
-          </a:solidFill>
-          <a:ln w="12700">
-            <a:solidFill>
-              <a:schemeClr val="tx1"/>
-            </a:solidFill>
-          </a:ln>
-        </p:spPr>
-        <p:style>
-          <a:lnRef idx="2">
-            <a:schemeClr val="accent1">
-              <a:shade val="50000"/>
-            </a:schemeClr>
-          </a:lnRef>
-          <a:fillRef idx="1">
-            <a:schemeClr val="accent1"/>
-          </a:fillRef>
-          <a:effectRef idx="0">
-            <a:schemeClr val="accent1"/>
-          </a:effectRef>
-          <a:fontRef idx="minor">
-            <a:schemeClr val="lt1"/>
-          </a:fontRef>
-        </p:style>
-        <p:txBody>
-          <a:bodyPr lIns="18000" tIns="18000" rIns="18000" bIns="18000" rtlCol="0" anchor="b"/>
-          <a:lstStyle/>
-          <a:p>
-            <a:pPr algn="ctr"/>
-            <a:r>
-              <a:rPr lang="en-AU" sz="1000" dirty="0">
-                <a:solidFill>
-                  <a:schemeClr val="tx1"/>
-                </a:solidFill>
-              </a:rPr>
-              <a:t>Customer / User</a:t>
-            </a:r>
-          </a:p>
-        </p:txBody>
-      </p:sp>
-      <p:pic>
-        <p:nvPicPr>
-          <p:cNvPr id="46" name="Picture 45">
-            <a:extLst>
-              <a:ext uri="{FF2B5EF4-FFF2-40B4-BE49-F238E27FC236}">
-                <a16:creationId xmlns:a16="http://schemas.microsoft.com/office/drawing/2014/main" id="{88729566-346C-4CAA-AF1F-79556851B48D}"/>
-              </a:ext>
-            </a:extLst>
-          </p:cNvPr>
-          <p:cNvPicPr>
-            <a:picLocks noChangeAspect="1"/>
-          </p:cNvPicPr>
-          <p:nvPr/>
-        </p:nvPicPr>
-        <p:blipFill>
-          <a:blip r:embed="rId3" cstate="print">
-            <a:extLst>
-              <a:ext uri="{28A0092B-C50C-407E-A947-70E740481C1C}">
-                <a14:useLocalDpi xmlns:a14="http://schemas.microsoft.com/office/drawing/2010/main" val="0"/>
-              </a:ext>
-            </a:extLst>
-          </a:blip>
-          <a:stretch>
-            <a:fillRect/>
-          </a:stretch>
-        </p:blipFill>
-        <p:spPr>
-          <a:xfrm>
-            <a:off x="622464" y="2590674"/>
-            <a:ext cx="443328" cy="471834"/>
-          </a:xfrm>
-          <a:prstGeom prst="rect">
-            <a:avLst/>
-          </a:prstGeom>
-        </p:spPr>
-      </p:pic>
       <p:sp>
         <p:nvSpPr>
           <p:cNvPr id="47" name="TextBox 46">
@@ -25685,7 +31671,7 @@
           <p:cNvCxnSpPr>
             <a:cxnSpLocks/>
             <a:stCxn id="52" idx="2"/>
-            <a:endCxn id="45" idx="3"/>
+            <a:endCxn id="56" idx="3"/>
           </p:cNvCxnSpPr>
           <p:nvPr/>
         </p:nvCxnSpPr>
@@ -25723,7 +31709,7 @@
           </p:cNvPr>
           <p:cNvCxnSpPr>
             <a:cxnSpLocks/>
-            <a:stCxn id="45" idx="0"/>
+            <a:stCxn id="56" idx="0"/>
             <a:endCxn id="33" idx="1"/>
           </p:cNvCxnSpPr>
           <p:nvPr/>
@@ -27175,6 +33161,1020 @@
           </a:p>
         </p:txBody>
       </p:sp>
+      <p:pic>
+        <p:nvPicPr>
+          <p:cNvPr id="57" name="Picture 56">
+            <a:extLst>
+              <a:ext uri="{FF2B5EF4-FFF2-40B4-BE49-F238E27FC236}">
+                <a16:creationId xmlns:a16="http://schemas.microsoft.com/office/drawing/2014/main" id="{6780C951-83EB-4B4B-9D51-7B8D79C0993B}"/>
+              </a:ext>
+            </a:extLst>
+          </p:cNvPr>
+          <p:cNvPicPr>
+            <a:picLocks noChangeAspect="1"/>
+          </p:cNvPicPr>
+          <p:nvPr/>
+        </p:nvPicPr>
+        <p:blipFill>
+          <a:blip r:embed="rId3" cstate="print">
+            <a:extLst>
+              <a:ext uri="{28A0092B-C50C-407E-A947-70E740481C1C}">
+                <a14:useLocalDpi xmlns:a14="http://schemas.microsoft.com/office/drawing/2010/main" val="0"/>
+              </a:ext>
+            </a:extLst>
+          </a:blip>
+          <a:stretch>
+            <a:fillRect/>
+          </a:stretch>
+        </p:blipFill>
+        <p:spPr>
+          <a:xfrm>
+            <a:off x="571664" y="2590674"/>
+            <a:ext cx="443328" cy="471834"/>
+          </a:xfrm>
+          <a:prstGeom prst="rect">
+            <a:avLst/>
+          </a:prstGeom>
+        </p:spPr>
+      </p:pic>
+      <p:sp>
+        <p:nvSpPr>
+          <p:cNvPr id="71" name="Freeform 103">
+            <a:extLst>
+              <a:ext uri="{FF2B5EF4-FFF2-40B4-BE49-F238E27FC236}">
+                <a16:creationId xmlns:a16="http://schemas.microsoft.com/office/drawing/2014/main" id="{FCC241D2-F1D4-40AE-B86E-B592D7C3819A}"/>
+              </a:ext>
+            </a:extLst>
+          </p:cNvPr>
+          <p:cNvSpPr>
+            <a:spLocks noChangeArrowheads="1"/>
+          </p:cNvSpPr>
+          <p:nvPr/>
+        </p:nvSpPr>
+        <p:spPr bwMode="auto">
+          <a:xfrm>
+            <a:off x="965009" y="2777037"/>
+            <a:ext cx="276513" cy="266421"/>
+          </a:xfrm>
+          <a:custGeom>
+            <a:avLst/>
+            <a:gdLst>
+              <a:gd name="T0" fmla="*/ 0 w 1285"/>
+              <a:gd name="T1" fmla="*/ 423 h 1272"/>
+              <a:gd name="T2" fmla="*/ 81 w 1285"/>
+              <a:gd name="T3" fmla="*/ 301 h 1272"/>
+              <a:gd name="T4" fmla="*/ 81 w 1285"/>
+              <a:gd name="T5" fmla="*/ 142 h 1272"/>
+              <a:gd name="T6" fmla="*/ 223 w 1285"/>
+              <a:gd name="T7" fmla="*/ 111 h 1272"/>
+              <a:gd name="T8" fmla="*/ 340 w 1285"/>
+              <a:gd name="T9" fmla="*/ 0 h 1272"/>
+              <a:gd name="T10" fmla="*/ 463 w 1285"/>
+              <a:gd name="T11" fmla="*/ 78 h 1272"/>
+              <a:gd name="T12" fmla="*/ 621 w 1285"/>
+              <a:gd name="T13" fmla="*/ 84 h 1272"/>
+              <a:gd name="T14" fmla="*/ 652 w 1285"/>
+              <a:gd name="T15" fmla="*/ 226 h 1272"/>
+              <a:gd name="T16" fmla="*/ 760 w 1285"/>
+              <a:gd name="T17" fmla="*/ 338 h 1272"/>
+              <a:gd name="T18" fmla="*/ 680 w 1285"/>
+              <a:gd name="T19" fmla="*/ 460 h 1272"/>
+              <a:gd name="T20" fmla="*/ 679 w 1285"/>
+              <a:gd name="T21" fmla="*/ 619 h 1272"/>
+              <a:gd name="T22" fmla="*/ 534 w 1285"/>
+              <a:gd name="T23" fmla="*/ 648 h 1272"/>
+              <a:gd name="T24" fmla="*/ 419 w 1285"/>
+              <a:gd name="T25" fmla="*/ 761 h 1272"/>
+              <a:gd name="T26" fmla="*/ 296 w 1285"/>
+              <a:gd name="T27" fmla="*/ 676 h 1272"/>
+              <a:gd name="T28" fmla="*/ 139 w 1285"/>
+              <a:gd name="T29" fmla="*/ 677 h 1272"/>
+              <a:gd name="T30" fmla="*/ 112 w 1285"/>
+              <a:gd name="T31" fmla="*/ 530 h 1272"/>
+              <a:gd name="T32" fmla="*/ 246 w 1285"/>
+              <a:gd name="T33" fmla="*/ 378 h 1272"/>
+              <a:gd name="T34" fmla="*/ 382 w 1285"/>
+              <a:gd name="T35" fmla="*/ 242 h 1272"/>
+              <a:gd name="T36" fmla="*/ 962 w 1285"/>
+              <a:gd name="T37" fmla="*/ 590 h 1272"/>
+              <a:gd name="T38" fmla="*/ 1194 w 1285"/>
+              <a:gd name="T39" fmla="*/ 484 h 1272"/>
+              <a:gd name="T40" fmla="*/ 1210 w 1285"/>
+              <a:gd name="T41" fmla="*/ 615 h 1272"/>
+              <a:gd name="T42" fmla="*/ 1283 w 1285"/>
+              <a:gd name="T43" fmla="*/ 704 h 1272"/>
+              <a:gd name="T44" fmla="*/ 1201 w 1285"/>
+              <a:gd name="T45" fmla="*/ 809 h 1272"/>
+              <a:gd name="T46" fmla="*/ 1191 w 1285"/>
+              <a:gd name="T47" fmla="*/ 925 h 1272"/>
+              <a:gd name="T48" fmla="*/ 1056 w 1285"/>
+              <a:gd name="T49" fmla="*/ 940 h 1272"/>
+              <a:gd name="T50" fmla="*/ 967 w 1285"/>
+              <a:gd name="T51" fmla="*/ 1016 h 1272"/>
+              <a:gd name="T52" fmla="*/ 864 w 1285"/>
+              <a:gd name="T53" fmla="*/ 931 h 1272"/>
+              <a:gd name="T54" fmla="*/ 747 w 1285"/>
+              <a:gd name="T55" fmla="*/ 922 h 1272"/>
+              <a:gd name="T56" fmla="*/ 734 w 1285"/>
+              <a:gd name="T57" fmla="*/ 792 h 1272"/>
+              <a:gd name="T58" fmla="*/ 658 w 1285"/>
+              <a:gd name="T59" fmla="*/ 702 h 1272"/>
+              <a:gd name="T60" fmla="*/ 739 w 1285"/>
+              <a:gd name="T61" fmla="*/ 597 h 1272"/>
+              <a:gd name="T62" fmla="*/ 750 w 1285"/>
+              <a:gd name="T63" fmla="*/ 481 h 1272"/>
+              <a:gd name="T64" fmla="*/ 885 w 1285"/>
+              <a:gd name="T65" fmla="*/ 462 h 1272"/>
+              <a:gd name="T66" fmla="*/ 974 w 1285"/>
+              <a:gd name="T67" fmla="*/ 390 h 1272"/>
+              <a:gd name="T68" fmla="*/ 1081 w 1285"/>
+              <a:gd name="T69" fmla="*/ 471 h 1272"/>
+              <a:gd name="T70" fmla="*/ 1194 w 1285"/>
+              <a:gd name="T71" fmla="*/ 484 h 1272"/>
+              <a:gd name="T72" fmla="*/ 504 w 1285"/>
+              <a:gd name="T73" fmla="*/ 1105 h 1272"/>
+              <a:gd name="T74" fmla="*/ 282 w 1285"/>
+              <a:gd name="T75" fmla="*/ 964 h 1272"/>
+              <a:gd name="T76" fmla="*/ 311 w 1285"/>
+              <a:gd name="T77" fmla="*/ 894 h 1272"/>
+              <a:gd name="T78" fmla="*/ 385 w 1285"/>
+              <a:gd name="T79" fmla="*/ 822 h 1272"/>
+              <a:gd name="T80" fmla="*/ 457 w 1285"/>
+              <a:gd name="T81" fmla="*/ 793 h 1272"/>
+              <a:gd name="T82" fmla="*/ 560 w 1285"/>
+              <a:gd name="T83" fmla="*/ 794 h 1272"/>
+              <a:gd name="T84" fmla="*/ 629 w 1285"/>
+              <a:gd name="T85" fmla="*/ 825 h 1272"/>
+              <a:gd name="T86" fmla="*/ 701 w 1285"/>
+              <a:gd name="T87" fmla="*/ 899 h 1272"/>
+              <a:gd name="T88" fmla="*/ 728 w 1285"/>
+              <a:gd name="T89" fmla="*/ 967 h 1272"/>
+              <a:gd name="T90" fmla="*/ 727 w 1285"/>
+              <a:gd name="T91" fmla="*/ 1070 h 1272"/>
+              <a:gd name="T92" fmla="*/ 698 w 1285"/>
+              <a:gd name="T93" fmla="*/ 1140 h 1272"/>
+              <a:gd name="T94" fmla="*/ 624 w 1285"/>
+              <a:gd name="T95" fmla="*/ 1212 h 1272"/>
+              <a:gd name="T96" fmla="*/ 552 w 1285"/>
+              <a:gd name="T97" fmla="*/ 1241 h 1272"/>
+              <a:gd name="T98" fmla="*/ 449 w 1285"/>
+              <a:gd name="T99" fmla="*/ 1239 h 1272"/>
+              <a:gd name="T100" fmla="*/ 380 w 1285"/>
+              <a:gd name="T101" fmla="*/ 1209 h 1272"/>
+              <a:gd name="T102" fmla="*/ 308 w 1285"/>
+              <a:gd name="T103" fmla="*/ 1135 h 1272"/>
+              <a:gd name="T104" fmla="*/ 281 w 1285"/>
+              <a:gd name="T105" fmla="*/ 1067 h 1272"/>
+              <a:gd name="T106" fmla="*/ 282 w 1285"/>
+              <a:gd name="T107" fmla="*/ 964 h 1272"/>
+            </a:gdLst>
+            <a:ahLst/>
+            <a:cxnLst>
+              <a:cxn ang="0">
+                <a:pos x="T0" y="T1"/>
+              </a:cxn>
+              <a:cxn ang="0">
+                <a:pos x="T2" y="T3"/>
+              </a:cxn>
+              <a:cxn ang="0">
+                <a:pos x="T4" y="T5"/>
+              </a:cxn>
+              <a:cxn ang="0">
+                <a:pos x="T6" y="T7"/>
+              </a:cxn>
+              <a:cxn ang="0">
+                <a:pos x="T8" y="T9"/>
+              </a:cxn>
+              <a:cxn ang="0">
+                <a:pos x="T10" y="T11"/>
+              </a:cxn>
+              <a:cxn ang="0">
+                <a:pos x="T12" y="T13"/>
+              </a:cxn>
+              <a:cxn ang="0">
+                <a:pos x="T14" y="T15"/>
+              </a:cxn>
+              <a:cxn ang="0">
+                <a:pos x="T16" y="T17"/>
+              </a:cxn>
+              <a:cxn ang="0">
+                <a:pos x="T18" y="T19"/>
+              </a:cxn>
+              <a:cxn ang="0">
+                <a:pos x="T20" y="T21"/>
+              </a:cxn>
+              <a:cxn ang="0">
+                <a:pos x="T22" y="T23"/>
+              </a:cxn>
+              <a:cxn ang="0">
+                <a:pos x="T24" y="T25"/>
+              </a:cxn>
+              <a:cxn ang="0">
+                <a:pos x="T26" y="T27"/>
+              </a:cxn>
+              <a:cxn ang="0">
+                <a:pos x="T28" y="T29"/>
+              </a:cxn>
+              <a:cxn ang="0">
+                <a:pos x="T30" y="T31"/>
+              </a:cxn>
+              <a:cxn ang="0">
+                <a:pos x="T32" y="T33"/>
+              </a:cxn>
+              <a:cxn ang="0">
+                <a:pos x="T34" y="T35"/>
+              </a:cxn>
+              <a:cxn ang="0">
+                <a:pos x="T36" y="T37"/>
+              </a:cxn>
+              <a:cxn ang="0">
+                <a:pos x="T38" y="T39"/>
+              </a:cxn>
+              <a:cxn ang="0">
+                <a:pos x="T40" y="T41"/>
+              </a:cxn>
+              <a:cxn ang="0">
+                <a:pos x="T42" y="T43"/>
+              </a:cxn>
+              <a:cxn ang="0">
+                <a:pos x="T44" y="T45"/>
+              </a:cxn>
+              <a:cxn ang="0">
+                <a:pos x="T46" y="T47"/>
+              </a:cxn>
+              <a:cxn ang="0">
+                <a:pos x="T48" y="T49"/>
+              </a:cxn>
+              <a:cxn ang="0">
+                <a:pos x="T50" y="T51"/>
+              </a:cxn>
+              <a:cxn ang="0">
+                <a:pos x="T52" y="T53"/>
+              </a:cxn>
+              <a:cxn ang="0">
+                <a:pos x="T54" y="T55"/>
+              </a:cxn>
+              <a:cxn ang="0">
+                <a:pos x="T56" y="T57"/>
+              </a:cxn>
+              <a:cxn ang="0">
+                <a:pos x="T58" y="T59"/>
+              </a:cxn>
+              <a:cxn ang="0">
+                <a:pos x="T60" y="T61"/>
+              </a:cxn>
+              <a:cxn ang="0">
+                <a:pos x="T62" y="T63"/>
+              </a:cxn>
+              <a:cxn ang="0">
+                <a:pos x="T64" y="T65"/>
+              </a:cxn>
+              <a:cxn ang="0">
+                <a:pos x="T66" y="T67"/>
+              </a:cxn>
+              <a:cxn ang="0">
+                <a:pos x="T68" y="T69"/>
+              </a:cxn>
+              <a:cxn ang="0">
+                <a:pos x="T70" y="T71"/>
+              </a:cxn>
+              <a:cxn ang="0">
+                <a:pos x="T72" y="T73"/>
+              </a:cxn>
+              <a:cxn ang="0">
+                <a:pos x="T74" y="T75"/>
+              </a:cxn>
+              <a:cxn ang="0">
+                <a:pos x="T76" y="T77"/>
+              </a:cxn>
+              <a:cxn ang="0">
+                <a:pos x="T78" y="T79"/>
+              </a:cxn>
+              <a:cxn ang="0">
+                <a:pos x="T80" y="T81"/>
+              </a:cxn>
+              <a:cxn ang="0">
+                <a:pos x="T82" y="T83"/>
+              </a:cxn>
+              <a:cxn ang="0">
+                <a:pos x="T84" y="T85"/>
+              </a:cxn>
+              <a:cxn ang="0">
+                <a:pos x="T86" y="T87"/>
+              </a:cxn>
+              <a:cxn ang="0">
+                <a:pos x="T88" y="T89"/>
+              </a:cxn>
+              <a:cxn ang="0">
+                <a:pos x="T90" y="T91"/>
+              </a:cxn>
+              <a:cxn ang="0">
+                <a:pos x="T92" y="T93"/>
+              </a:cxn>
+              <a:cxn ang="0">
+                <a:pos x="T94" y="T95"/>
+              </a:cxn>
+              <a:cxn ang="0">
+                <a:pos x="T96" y="T97"/>
+              </a:cxn>
+              <a:cxn ang="0">
+                <a:pos x="T98" y="T99"/>
+              </a:cxn>
+              <a:cxn ang="0">
+                <a:pos x="T100" y="T101"/>
+              </a:cxn>
+              <a:cxn ang="0">
+                <a:pos x="T102" y="T103"/>
+              </a:cxn>
+              <a:cxn ang="0">
+                <a:pos x="T104" y="T105"/>
+              </a:cxn>
+              <a:cxn ang="0">
+                <a:pos x="T106" y="T107"/>
+              </a:cxn>
+            </a:cxnLst>
+            <a:rect l="0" t="0" r="r" b="b"/>
+            <a:pathLst>
+              <a:path w="1285" h="1272">
+                <a:moveTo>
+                  <a:pt x="84" y="464"/>
+                </a:moveTo>
+                <a:lnTo>
+                  <a:pt x="30" y="458"/>
+                </a:lnTo>
+                <a:cubicBezTo>
+                  <a:pt x="13" y="456"/>
+                  <a:pt x="0" y="441"/>
+                  <a:pt x="0" y="423"/>
+                </a:cubicBezTo>
+                <a:lnTo>
+                  <a:pt x="0" y="341"/>
+                </a:lnTo>
+                <a:cubicBezTo>
+                  <a:pt x="0" y="323"/>
+                  <a:pt x="13" y="309"/>
+                  <a:pt x="30" y="307"/>
+                </a:cubicBezTo>
+                <a:lnTo>
+                  <a:pt x="81" y="301"/>
+                </a:lnTo>
+                <a:cubicBezTo>
+                  <a:pt x="87" y="275"/>
+                  <a:pt x="97" y="251"/>
+                  <a:pt x="110" y="228"/>
+                </a:cubicBezTo>
+                <a:lnTo>
+                  <a:pt x="78" y="188"/>
+                </a:lnTo>
+                <a:cubicBezTo>
+                  <a:pt x="67" y="174"/>
+                  <a:pt x="68" y="154"/>
+                  <a:pt x="81" y="142"/>
+                </a:cubicBezTo>
+                <a:lnTo>
+                  <a:pt x="139" y="84"/>
+                </a:lnTo>
+                <a:cubicBezTo>
+                  <a:pt x="151" y="71"/>
+                  <a:pt x="171" y="70"/>
+                  <a:pt x="185" y="81"/>
+                </a:cubicBezTo>
+                <a:lnTo>
+                  <a:pt x="223" y="111"/>
+                </a:lnTo>
+                <a:cubicBezTo>
+                  <a:pt x="247" y="97"/>
+                  <a:pt x="273" y="86"/>
+                  <a:pt x="300" y="78"/>
+                </a:cubicBezTo>
+                <a:lnTo>
+                  <a:pt x="306" y="31"/>
+                </a:lnTo>
+                <a:cubicBezTo>
+                  <a:pt x="308" y="14"/>
+                  <a:pt x="323" y="0"/>
+                  <a:pt x="340" y="0"/>
+                </a:cubicBezTo>
+                <a:lnTo>
+                  <a:pt x="423" y="0"/>
+                </a:lnTo>
+                <a:cubicBezTo>
+                  <a:pt x="440" y="0"/>
+                  <a:pt x="455" y="14"/>
+                  <a:pt x="457" y="31"/>
+                </a:cubicBezTo>
+                <a:lnTo>
+                  <a:pt x="463" y="78"/>
+                </a:lnTo>
+                <a:cubicBezTo>
+                  <a:pt x="489" y="86"/>
+                  <a:pt x="515" y="96"/>
+                  <a:pt x="538" y="110"/>
+                </a:cubicBezTo>
+                <a:lnTo>
+                  <a:pt x="575" y="81"/>
+                </a:lnTo>
+                <a:cubicBezTo>
+                  <a:pt x="589" y="70"/>
+                  <a:pt x="608" y="71"/>
+                  <a:pt x="621" y="84"/>
+                </a:cubicBezTo>
+                <a:lnTo>
+                  <a:pt x="679" y="142"/>
+                </a:lnTo>
+                <a:cubicBezTo>
+                  <a:pt x="691" y="154"/>
+                  <a:pt x="693" y="174"/>
+                  <a:pt x="682" y="188"/>
+                </a:cubicBezTo>
+                <a:lnTo>
+                  <a:pt x="652" y="226"/>
+                </a:lnTo>
+                <a:cubicBezTo>
+                  <a:pt x="664" y="248"/>
+                  <a:pt x="674" y="272"/>
+                  <a:pt x="681" y="297"/>
+                </a:cubicBezTo>
+                <a:lnTo>
+                  <a:pt x="729" y="303"/>
+                </a:lnTo>
+                <a:cubicBezTo>
+                  <a:pt x="747" y="305"/>
+                  <a:pt x="760" y="320"/>
+                  <a:pt x="760" y="338"/>
+                </a:cubicBezTo>
+                <a:lnTo>
+                  <a:pt x="760" y="420"/>
+                </a:lnTo>
+                <a:cubicBezTo>
+                  <a:pt x="760" y="437"/>
+                  <a:pt x="747" y="452"/>
+                  <a:pt x="729" y="454"/>
+                </a:cubicBezTo>
+                <a:lnTo>
+                  <a:pt x="680" y="460"/>
+                </a:lnTo>
+                <a:cubicBezTo>
+                  <a:pt x="673" y="485"/>
+                  <a:pt x="663" y="510"/>
+                  <a:pt x="650" y="533"/>
+                </a:cubicBezTo>
+                <a:lnTo>
+                  <a:pt x="682" y="573"/>
+                </a:lnTo>
+                <a:cubicBezTo>
+                  <a:pt x="693" y="587"/>
+                  <a:pt x="692" y="607"/>
+                  <a:pt x="679" y="619"/>
+                </a:cubicBezTo>
+                <a:lnTo>
+                  <a:pt x="621" y="677"/>
+                </a:lnTo>
+                <a:cubicBezTo>
+                  <a:pt x="608" y="690"/>
+                  <a:pt x="589" y="691"/>
+                  <a:pt x="575" y="680"/>
+                </a:cubicBezTo>
+                <a:lnTo>
+                  <a:pt x="534" y="648"/>
+                </a:lnTo>
+                <a:cubicBezTo>
+                  <a:pt x="511" y="661"/>
+                  <a:pt x="486" y="671"/>
+                  <a:pt x="460" y="678"/>
+                </a:cubicBezTo>
+                <a:lnTo>
+                  <a:pt x="454" y="730"/>
+                </a:lnTo>
+                <a:cubicBezTo>
+                  <a:pt x="452" y="748"/>
+                  <a:pt x="437" y="761"/>
+                  <a:pt x="419" y="761"/>
+                </a:cubicBezTo>
+                <a:lnTo>
+                  <a:pt x="337" y="761"/>
+                </a:lnTo>
+                <a:cubicBezTo>
+                  <a:pt x="319" y="761"/>
+                  <a:pt x="305" y="748"/>
+                  <a:pt x="303" y="730"/>
+                </a:cubicBezTo>
+                <a:lnTo>
+                  <a:pt x="296" y="676"/>
+                </a:lnTo>
+                <a:cubicBezTo>
+                  <a:pt x="272" y="669"/>
+                  <a:pt x="249" y="659"/>
+                  <a:pt x="227" y="646"/>
+                </a:cubicBezTo>
+                <a:lnTo>
+                  <a:pt x="185" y="680"/>
+                </a:lnTo>
+                <a:cubicBezTo>
+                  <a:pt x="171" y="691"/>
+                  <a:pt x="151" y="690"/>
+                  <a:pt x="139" y="677"/>
+                </a:cubicBezTo>
+                <a:lnTo>
+                  <a:pt x="81" y="619"/>
+                </a:lnTo>
+                <a:cubicBezTo>
+                  <a:pt x="68" y="607"/>
+                  <a:pt x="67" y="587"/>
+                  <a:pt x="78" y="573"/>
+                </a:cubicBezTo>
+                <a:lnTo>
+                  <a:pt x="112" y="530"/>
+                </a:lnTo>
+                <a:cubicBezTo>
+                  <a:pt x="100" y="509"/>
+                  <a:pt x="91" y="487"/>
+                  <a:pt x="84" y="464"/>
+                </a:cubicBezTo>
+                <a:close/>
+                <a:moveTo>
+                  <a:pt x="382" y="242"/>
+                </a:moveTo>
+                <a:cubicBezTo>
+                  <a:pt x="307" y="242"/>
+                  <a:pt x="246" y="303"/>
+                  <a:pt x="246" y="378"/>
+                </a:cubicBezTo>
+                <a:cubicBezTo>
+                  <a:pt x="246" y="452"/>
+                  <a:pt x="307" y="513"/>
+                  <a:pt x="382" y="513"/>
+                </a:cubicBezTo>
+                <a:cubicBezTo>
+                  <a:pt x="456" y="513"/>
+                  <a:pt x="517" y="452"/>
+                  <a:pt x="517" y="378"/>
+                </a:cubicBezTo>
+                <a:cubicBezTo>
+                  <a:pt x="517" y="303"/>
+                  <a:pt x="456" y="242"/>
+                  <a:pt x="382" y="242"/>
+                </a:cubicBezTo>
+                <a:close/>
+                <a:moveTo>
+                  <a:pt x="981" y="811"/>
+                </a:moveTo>
+                <a:cubicBezTo>
+                  <a:pt x="1042" y="806"/>
+                  <a:pt x="1088" y="752"/>
+                  <a:pt x="1082" y="691"/>
+                </a:cubicBezTo>
+                <a:cubicBezTo>
+                  <a:pt x="1077" y="630"/>
+                  <a:pt x="1023" y="584"/>
+                  <a:pt x="962" y="590"/>
+                </a:cubicBezTo>
+                <a:cubicBezTo>
+                  <a:pt x="901" y="595"/>
+                  <a:pt x="855" y="649"/>
+                  <a:pt x="861" y="710"/>
+                </a:cubicBezTo>
+                <a:cubicBezTo>
+                  <a:pt x="866" y="771"/>
+                  <a:pt x="920" y="817"/>
+                  <a:pt x="981" y="811"/>
+                </a:cubicBezTo>
+                <a:close/>
+                <a:moveTo>
+                  <a:pt x="1194" y="484"/>
+                </a:moveTo>
+                <a:cubicBezTo>
+                  <a:pt x="1207" y="496"/>
+                  <a:pt x="1210" y="515"/>
+                  <a:pt x="1200" y="530"/>
+                </a:cubicBezTo>
+                <a:lnTo>
+                  <a:pt x="1181" y="558"/>
+                </a:lnTo>
+                <a:cubicBezTo>
+                  <a:pt x="1193" y="576"/>
+                  <a:pt x="1203" y="595"/>
+                  <a:pt x="1210" y="615"/>
+                </a:cubicBezTo>
+                <a:lnTo>
+                  <a:pt x="1245" y="616"/>
+                </a:lnTo>
+                <a:cubicBezTo>
+                  <a:pt x="1262" y="616"/>
+                  <a:pt x="1276" y="630"/>
+                  <a:pt x="1278" y="647"/>
+                </a:cubicBezTo>
+                <a:lnTo>
+                  <a:pt x="1283" y="704"/>
+                </a:lnTo>
+                <a:cubicBezTo>
+                  <a:pt x="1284" y="721"/>
+                  <a:pt x="1272" y="737"/>
+                  <a:pt x="1255" y="741"/>
+                </a:cubicBezTo>
+                <a:lnTo>
+                  <a:pt x="1221" y="748"/>
+                </a:lnTo>
+                <a:cubicBezTo>
+                  <a:pt x="1217" y="769"/>
+                  <a:pt x="1210" y="789"/>
+                  <a:pt x="1201" y="809"/>
+                </a:cubicBezTo>
+                <a:lnTo>
+                  <a:pt x="1226" y="836"/>
+                </a:lnTo>
+                <a:cubicBezTo>
+                  <a:pt x="1238" y="848"/>
+                  <a:pt x="1239" y="868"/>
+                  <a:pt x="1227" y="881"/>
+                </a:cubicBezTo>
+                <a:lnTo>
+                  <a:pt x="1191" y="925"/>
+                </a:lnTo>
+                <a:cubicBezTo>
+                  <a:pt x="1180" y="938"/>
+                  <a:pt x="1160" y="941"/>
+                  <a:pt x="1146" y="931"/>
+                </a:cubicBezTo>
+                <a:lnTo>
+                  <a:pt x="1114" y="911"/>
+                </a:lnTo>
+                <a:cubicBezTo>
+                  <a:pt x="1096" y="923"/>
+                  <a:pt x="1077" y="933"/>
+                  <a:pt x="1056" y="940"/>
+                </a:cubicBezTo>
+                <a:lnTo>
+                  <a:pt x="1055" y="978"/>
+                </a:lnTo>
+                <a:cubicBezTo>
+                  <a:pt x="1054" y="996"/>
+                  <a:pt x="1041" y="1010"/>
+                  <a:pt x="1023" y="1011"/>
+                </a:cubicBezTo>
+                <a:lnTo>
+                  <a:pt x="967" y="1016"/>
+                </a:lnTo>
+                <a:cubicBezTo>
+                  <a:pt x="949" y="1017"/>
+                  <a:pt x="934" y="1006"/>
+                  <a:pt x="930" y="989"/>
+                </a:cubicBezTo>
+                <a:lnTo>
+                  <a:pt x="922" y="950"/>
+                </a:lnTo>
+                <a:cubicBezTo>
+                  <a:pt x="902" y="946"/>
+                  <a:pt x="883" y="939"/>
+                  <a:pt x="864" y="931"/>
+                </a:cubicBezTo>
+                <a:lnTo>
+                  <a:pt x="836" y="957"/>
+                </a:lnTo>
+                <a:cubicBezTo>
+                  <a:pt x="823" y="969"/>
+                  <a:pt x="803" y="970"/>
+                  <a:pt x="790" y="958"/>
+                </a:cubicBezTo>
+                <a:lnTo>
+                  <a:pt x="747" y="922"/>
+                </a:lnTo>
+                <a:cubicBezTo>
+                  <a:pt x="733" y="911"/>
+                  <a:pt x="730" y="891"/>
+                  <a:pt x="740" y="877"/>
+                </a:cubicBezTo>
+                <a:lnTo>
+                  <a:pt x="762" y="844"/>
+                </a:lnTo>
+                <a:cubicBezTo>
+                  <a:pt x="751" y="828"/>
+                  <a:pt x="741" y="810"/>
+                  <a:pt x="734" y="792"/>
+                </a:cubicBezTo>
+                <a:lnTo>
+                  <a:pt x="696" y="790"/>
+                </a:lnTo>
+                <a:cubicBezTo>
+                  <a:pt x="678" y="790"/>
+                  <a:pt x="664" y="776"/>
+                  <a:pt x="662" y="759"/>
+                </a:cubicBezTo>
+                <a:lnTo>
+                  <a:pt x="658" y="702"/>
+                </a:lnTo>
+                <a:cubicBezTo>
+                  <a:pt x="656" y="685"/>
+                  <a:pt x="668" y="669"/>
+                  <a:pt x="685" y="666"/>
+                </a:cubicBezTo>
+                <a:lnTo>
+                  <a:pt x="721" y="658"/>
+                </a:lnTo>
+                <a:cubicBezTo>
+                  <a:pt x="725" y="637"/>
+                  <a:pt x="731" y="617"/>
+                  <a:pt x="739" y="597"/>
+                </a:cubicBezTo>
+                <a:lnTo>
+                  <a:pt x="714" y="571"/>
+                </a:lnTo>
+                <a:cubicBezTo>
+                  <a:pt x="702" y="558"/>
+                  <a:pt x="702" y="538"/>
+                  <a:pt x="713" y="525"/>
+                </a:cubicBezTo>
+                <a:lnTo>
+                  <a:pt x="750" y="481"/>
+                </a:lnTo>
+                <a:cubicBezTo>
+                  <a:pt x="761" y="468"/>
+                  <a:pt x="780" y="465"/>
+                  <a:pt x="795" y="475"/>
+                </a:cubicBezTo>
+                <a:lnTo>
+                  <a:pt x="824" y="494"/>
+                </a:lnTo>
+                <a:cubicBezTo>
+                  <a:pt x="842" y="480"/>
+                  <a:pt x="863" y="470"/>
+                  <a:pt x="885" y="462"/>
+                </a:cubicBezTo>
+                <a:lnTo>
+                  <a:pt x="886" y="428"/>
+                </a:lnTo>
+                <a:cubicBezTo>
+                  <a:pt x="886" y="411"/>
+                  <a:pt x="900" y="396"/>
+                  <a:pt x="917" y="395"/>
+                </a:cubicBezTo>
+                <a:lnTo>
+                  <a:pt x="974" y="390"/>
+                </a:lnTo>
+                <a:cubicBezTo>
+                  <a:pt x="991" y="389"/>
+                  <a:pt x="1007" y="401"/>
+                  <a:pt x="1010" y="418"/>
+                </a:cubicBezTo>
+                <a:lnTo>
+                  <a:pt x="1017" y="451"/>
+                </a:lnTo>
+                <a:cubicBezTo>
+                  <a:pt x="1039" y="455"/>
+                  <a:pt x="1061" y="462"/>
+                  <a:pt x="1081" y="471"/>
+                </a:cubicBezTo>
+                <a:lnTo>
+                  <a:pt x="1105" y="449"/>
+                </a:lnTo>
+                <a:cubicBezTo>
+                  <a:pt x="1118" y="437"/>
+                  <a:pt x="1137" y="436"/>
+                  <a:pt x="1151" y="448"/>
+                </a:cubicBezTo>
+                <a:lnTo>
+                  <a:pt x="1194" y="484"/>
+                </a:lnTo>
+                <a:close/>
+                <a:moveTo>
+                  <a:pt x="507" y="924"/>
+                </a:moveTo>
+                <a:cubicBezTo>
+                  <a:pt x="457" y="924"/>
+                  <a:pt x="415" y="964"/>
+                  <a:pt x="415" y="1014"/>
+                </a:cubicBezTo>
+                <a:cubicBezTo>
+                  <a:pt x="414" y="1064"/>
+                  <a:pt x="454" y="1105"/>
+                  <a:pt x="504" y="1105"/>
+                </a:cubicBezTo>
+                <a:cubicBezTo>
+                  <a:pt x="554" y="1106"/>
+                  <a:pt x="596" y="1066"/>
+                  <a:pt x="596" y="1016"/>
+                </a:cubicBezTo>
+                <a:cubicBezTo>
+                  <a:pt x="597" y="966"/>
+                  <a:pt x="557" y="925"/>
+                  <a:pt x="507" y="924"/>
+                </a:cubicBezTo>
+                <a:close/>
+                <a:moveTo>
+                  <a:pt x="282" y="964"/>
+                </a:moveTo>
+                <a:lnTo>
+                  <a:pt x="306" y="961"/>
+                </a:lnTo>
+                <a:cubicBezTo>
+                  <a:pt x="310" y="944"/>
+                  <a:pt x="317" y="928"/>
+                  <a:pt x="326" y="913"/>
+                </a:cubicBezTo>
+                <a:lnTo>
+                  <a:pt x="311" y="894"/>
+                </a:lnTo>
+                <a:cubicBezTo>
+                  <a:pt x="300" y="880"/>
+                  <a:pt x="301" y="860"/>
+                  <a:pt x="314" y="848"/>
+                </a:cubicBezTo>
+                <a:lnTo>
+                  <a:pt x="339" y="824"/>
+                </a:lnTo>
+                <a:cubicBezTo>
+                  <a:pt x="352" y="811"/>
+                  <a:pt x="371" y="811"/>
+                  <a:pt x="385" y="822"/>
+                </a:cubicBezTo>
+                <a:lnTo>
+                  <a:pt x="402" y="836"/>
+                </a:lnTo>
+                <a:cubicBezTo>
+                  <a:pt x="418" y="826"/>
+                  <a:pt x="436" y="819"/>
+                  <a:pt x="454" y="814"/>
+                </a:cubicBezTo>
+                <a:lnTo>
+                  <a:pt x="457" y="793"/>
+                </a:lnTo>
+                <a:cubicBezTo>
+                  <a:pt x="459" y="776"/>
+                  <a:pt x="474" y="763"/>
+                  <a:pt x="491" y="763"/>
+                </a:cubicBezTo>
+                <a:lnTo>
+                  <a:pt x="526" y="763"/>
+                </a:lnTo>
+                <a:cubicBezTo>
+                  <a:pt x="543" y="764"/>
+                  <a:pt x="558" y="777"/>
+                  <a:pt x="560" y="794"/>
+                </a:cubicBezTo>
+                <a:lnTo>
+                  <a:pt x="562" y="816"/>
+                </a:lnTo>
+                <a:cubicBezTo>
+                  <a:pt x="580" y="821"/>
+                  <a:pt x="596" y="828"/>
+                  <a:pt x="612" y="838"/>
+                </a:cubicBezTo>
+                <a:lnTo>
+                  <a:pt x="629" y="825"/>
+                </a:lnTo>
+                <a:cubicBezTo>
+                  <a:pt x="643" y="814"/>
+                  <a:pt x="662" y="815"/>
+                  <a:pt x="675" y="828"/>
+                </a:cubicBezTo>
+                <a:lnTo>
+                  <a:pt x="699" y="853"/>
+                </a:lnTo>
+                <a:cubicBezTo>
+                  <a:pt x="711" y="865"/>
+                  <a:pt x="712" y="885"/>
+                  <a:pt x="701" y="899"/>
+                </a:cubicBezTo>
+                <a:lnTo>
+                  <a:pt x="687" y="916"/>
+                </a:lnTo>
+                <a:cubicBezTo>
+                  <a:pt x="695" y="931"/>
+                  <a:pt x="702" y="947"/>
+                  <a:pt x="706" y="964"/>
+                </a:cubicBezTo>
+                <a:lnTo>
+                  <a:pt x="728" y="967"/>
+                </a:lnTo>
+                <a:cubicBezTo>
+                  <a:pt x="746" y="969"/>
+                  <a:pt x="759" y="984"/>
+                  <a:pt x="758" y="1001"/>
+                </a:cubicBezTo>
+                <a:lnTo>
+                  <a:pt x="758" y="1036"/>
+                </a:lnTo>
+                <a:cubicBezTo>
+                  <a:pt x="758" y="1054"/>
+                  <a:pt x="744" y="1068"/>
+                  <a:pt x="727" y="1070"/>
+                </a:cubicBezTo>
+                <a:lnTo>
+                  <a:pt x="704" y="1072"/>
+                </a:lnTo>
+                <a:cubicBezTo>
+                  <a:pt x="699" y="1089"/>
+                  <a:pt x="692" y="1105"/>
+                  <a:pt x="683" y="1121"/>
+                </a:cubicBezTo>
+                <a:lnTo>
+                  <a:pt x="698" y="1140"/>
+                </a:lnTo>
+                <a:cubicBezTo>
+                  <a:pt x="709" y="1154"/>
+                  <a:pt x="707" y="1173"/>
+                  <a:pt x="695" y="1185"/>
+                </a:cubicBezTo>
+                <a:lnTo>
+                  <a:pt x="670" y="1210"/>
+                </a:lnTo>
+                <a:cubicBezTo>
+                  <a:pt x="657" y="1222"/>
+                  <a:pt x="638" y="1223"/>
+                  <a:pt x="624" y="1212"/>
+                </a:cubicBezTo>
+                <a:lnTo>
+                  <a:pt x="605" y="1196"/>
+                </a:lnTo>
+                <a:cubicBezTo>
+                  <a:pt x="589" y="1205"/>
+                  <a:pt x="573" y="1211"/>
+                  <a:pt x="555" y="1215"/>
+                </a:cubicBezTo>
+                <a:lnTo>
+                  <a:pt x="552" y="1241"/>
+                </a:lnTo>
+                <a:cubicBezTo>
+                  <a:pt x="550" y="1258"/>
+                  <a:pt x="535" y="1271"/>
+                  <a:pt x="518" y="1271"/>
+                </a:cubicBezTo>
+                <a:lnTo>
+                  <a:pt x="483" y="1270"/>
+                </a:lnTo>
+                <a:cubicBezTo>
+                  <a:pt x="465" y="1270"/>
+                  <a:pt x="451" y="1257"/>
+                  <a:pt x="449" y="1239"/>
+                </a:cubicBezTo>
+                <a:lnTo>
+                  <a:pt x="446" y="1213"/>
+                </a:lnTo>
+                <a:cubicBezTo>
+                  <a:pt x="430" y="1208"/>
+                  <a:pt x="415" y="1201"/>
+                  <a:pt x="400" y="1193"/>
+                </a:cubicBezTo>
+                <a:lnTo>
+                  <a:pt x="380" y="1209"/>
+                </a:lnTo>
+                <a:cubicBezTo>
+                  <a:pt x="366" y="1219"/>
+                  <a:pt x="346" y="1218"/>
+                  <a:pt x="334" y="1206"/>
+                </a:cubicBezTo>
+                <a:lnTo>
+                  <a:pt x="310" y="1181"/>
+                </a:lnTo>
+                <a:cubicBezTo>
+                  <a:pt x="298" y="1168"/>
+                  <a:pt x="297" y="1149"/>
+                  <a:pt x="308" y="1135"/>
+                </a:cubicBezTo>
+                <a:lnTo>
+                  <a:pt x="324" y="1115"/>
+                </a:lnTo>
+                <a:cubicBezTo>
+                  <a:pt x="316" y="1101"/>
+                  <a:pt x="310" y="1086"/>
+                  <a:pt x="306" y="1070"/>
+                </a:cubicBezTo>
+                <a:lnTo>
+                  <a:pt x="281" y="1067"/>
+                </a:lnTo>
+                <a:cubicBezTo>
+                  <a:pt x="263" y="1065"/>
+                  <a:pt x="250" y="1050"/>
+                  <a:pt x="251" y="1032"/>
+                </a:cubicBezTo>
+                <a:lnTo>
+                  <a:pt x="251" y="997"/>
+                </a:lnTo>
+                <a:cubicBezTo>
+                  <a:pt x="251" y="980"/>
+                  <a:pt x="264" y="965"/>
+                  <a:pt x="282" y="964"/>
+                </a:cubicBezTo>
+                <a:close/>
+              </a:path>
+            </a:pathLst>
+          </a:custGeom>
+          <a:solidFill>
+            <a:schemeClr val="tx1"/>
+          </a:solidFill>
+          <a:ln>
+            <a:noFill/>
+          </a:ln>
+          <a:effectLst/>
+        </p:spPr>
+        <p:txBody>
+          <a:bodyPr wrap="none" anchor="ctr"/>
+          <a:lstStyle/>
+          <a:p>
+            <a:endParaRPr lang="en-US" sz="1889"/>
+          </a:p>
+        </p:txBody>
+      </p:sp>
     </p:spTree>
     <p:extLst>
       <p:ext uri="{BB962C8B-B14F-4D97-AF65-F5344CB8AC3E}">
@@ -28120,7 +35120,7 @@
         </p:blipFill>
         <p:spPr>
           <a:xfrm>
-            <a:off x="622464" y="2590674"/>
+            <a:off x="571664" y="2590674"/>
             <a:ext cx="443328" cy="471834"/>
           </a:xfrm>
           <a:prstGeom prst="rect">
@@ -31684,6 +38684,984 @@
                   <a:pt x="980" y="186"/>
                   <a:pt x="988" y="190"/>
                   <a:pt x="997" y="191"/>
+                </a:cubicBezTo>
+                <a:close/>
+              </a:path>
+            </a:pathLst>
+          </a:custGeom>
+          <a:solidFill>
+            <a:schemeClr val="tx1"/>
+          </a:solidFill>
+          <a:ln>
+            <a:noFill/>
+          </a:ln>
+          <a:effectLst/>
+        </p:spPr>
+        <p:txBody>
+          <a:bodyPr wrap="none" anchor="ctr"/>
+          <a:lstStyle/>
+          <a:p>
+            <a:endParaRPr lang="en-US" sz="1889"/>
+          </a:p>
+        </p:txBody>
+      </p:sp>
+      <p:sp>
+        <p:nvSpPr>
+          <p:cNvPr id="79" name="Freeform 103">
+            <a:extLst>
+              <a:ext uri="{FF2B5EF4-FFF2-40B4-BE49-F238E27FC236}">
+                <a16:creationId xmlns:a16="http://schemas.microsoft.com/office/drawing/2014/main" id="{D62673D0-409B-48A3-9CD4-CD05A4E56395}"/>
+              </a:ext>
+            </a:extLst>
+          </p:cNvPr>
+          <p:cNvSpPr>
+            <a:spLocks noChangeArrowheads="1"/>
+          </p:cNvSpPr>
+          <p:nvPr/>
+        </p:nvSpPr>
+        <p:spPr bwMode="auto">
+          <a:xfrm>
+            <a:off x="965009" y="2777037"/>
+            <a:ext cx="276513" cy="266421"/>
+          </a:xfrm>
+          <a:custGeom>
+            <a:avLst/>
+            <a:gdLst>
+              <a:gd name="T0" fmla="*/ 0 w 1285"/>
+              <a:gd name="T1" fmla="*/ 423 h 1272"/>
+              <a:gd name="T2" fmla="*/ 81 w 1285"/>
+              <a:gd name="T3" fmla="*/ 301 h 1272"/>
+              <a:gd name="T4" fmla="*/ 81 w 1285"/>
+              <a:gd name="T5" fmla="*/ 142 h 1272"/>
+              <a:gd name="T6" fmla="*/ 223 w 1285"/>
+              <a:gd name="T7" fmla="*/ 111 h 1272"/>
+              <a:gd name="T8" fmla="*/ 340 w 1285"/>
+              <a:gd name="T9" fmla="*/ 0 h 1272"/>
+              <a:gd name="T10" fmla="*/ 463 w 1285"/>
+              <a:gd name="T11" fmla="*/ 78 h 1272"/>
+              <a:gd name="T12" fmla="*/ 621 w 1285"/>
+              <a:gd name="T13" fmla="*/ 84 h 1272"/>
+              <a:gd name="T14" fmla="*/ 652 w 1285"/>
+              <a:gd name="T15" fmla="*/ 226 h 1272"/>
+              <a:gd name="T16" fmla="*/ 760 w 1285"/>
+              <a:gd name="T17" fmla="*/ 338 h 1272"/>
+              <a:gd name="T18" fmla="*/ 680 w 1285"/>
+              <a:gd name="T19" fmla="*/ 460 h 1272"/>
+              <a:gd name="T20" fmla="*/ 679 w 1285"/>
+              <a:gd name="T21" fmla="*/ 619 h 1272"/>
+              <a:gd name="T22" fmla="*/ 534 w 1285"/>
+              <a:gd name="T23" fmla="*/ 648 h 1272"/>
+              <a:gd name="T24" fmla="*/ 419 w 1285"/>
+              <a:gd name="T25" fmla="*/ 761 h 1272"/>
+              <a:gd name="T26" fmla="*/ 296 w 1285"/>
+              <a:gd name="T27" fmla="*/ 676 h 1272"/>
+              <a:gd name="T28" fmla="*/ 139 w 1285"/>
+              <a:gd name="T29" fmla="*/ 677 h 1272"/>
+              <a:gd name="T30" fmla="*/ 112 w 1285"/>
+              <a:gd name="T31" fmla="*/ 530 h 1272"/>
+              <a:gd name="T32" fmla="*/ 246 w 1285"/>
+              <a:gd name="T33" fmla="*/ 378 h 1272"/>
+              <a:gd name="T34" fmla="*/ 382 w 1285"/>
+              <a:gd name="T35" fmla="*/ 242 h 1272"/>
+              <a:gd name="T36" fmla="*/ 962 w 1285"/>
+              <a:gd name="T37" fmla="*/ 590 h 1272"/>
+              <a:gd name="T38" fmla="*/ 1194 w 1285"/>
+              <a:gd name="T39" fmla="*/ 484 h 1272"/>
+              <a:gd name="T40" fmla="*/ 1210 w 1285"/>
+              <a:gd name="T41" fmla="*/ 615 h 1272"/>
+              <a:gd name="T42" fmla="*/ 1283 w 1285"/>
+              <a:gd name="T43" fmla="*/ 704 h 1272"/>
+              <a:gd name="T44" fmla="*/ 1201 w 1285"/>
+              <a:gd name="T45" fmla="*/ 809 h 1272"/>
+              <a:gd name="T46" fmla="*/ 1191 w 1285"/>
+              <a:gd name="T47" fmla="*/ 925 h 1272"/>
+              <a:gd name="T48" fmla="*/ 1056 w 1285"/>
+              <a:gd name="T49" fmla="*/ 940 h 1272"/>
+              <a:gd name="T50" fmla="*/ 967 w 1285"/>
+              <a:gd name="T51" fmla="*/ 1016 h 1272"/>
+              <a:gd name="T52" fmla="*/ 864 w 1285"/>
+              <a:gd name="T53" fmla="*/ 931 h 1272"/>
+              <a:gd name="T54" fmla="*/ 747 w 1285"/>
+              <a:gd name="T55" fmla="*/ 922 h 1272"/>
+              <a:gd name="T56" fmla="*/ 734 w 1285"/>
+              <a:gd name="T57" fmla="*/ 792 h 1272"/>
+              <a:gd name="T58" fmla="*/ 658 w 1285"/>
+              <a:gd name="T59" fmla="*/ 702 h 1272"/>
+              <a:gd name="T60" fmla="*/ 739 w 1285"/>
+              <a:gd name="T61" fmla="*/ 597 h 1272"/>
+              <a:gd name="T62" fmla="*/ 750 w 1285"/>
+              <a:gd name="T63" fmla="*/ 481 h 1272"/>
+              <a:gd name="T64" fmla="*/ 885 w 1285"/>
+              <a:gd name="T65" fmla="*/ 462 h 1272"/>
+              <a:gd name="T66" fmla="*/ 974 w 1285"/>
+              <a:gd name="T67" fmla="*/ 390 h 1272"/>
+              <a:gd name="T68" fmla="*/ 1081 w 1285"/>
+              <a:gd name="T69" fmla="*/ 471 h 1272"/>
+              <a:gd name="T70" fmla="*/ 1194 w 1285"/>
+              <a:gd name="T71" fmla="*/ 484 h 1272"/>
+              <a:gd name="T72" fmla="*/ 504 w 1285"/>
+              <a:gd name="T73" fmla="*/ 1105 h 1272"/>
+              <a:gd name="T74" fmla="*/ 282 w 1285"/>
+              <a:gd name="T75" fmla="*/ 964 h 1272"/>
+              <a:gd name="T76" fmla="*/ 311 w 1285"/>
+              <a:gd name="T77" fmla="*/ 894 h 1272"/>
+              <a:gd name="T78" fmla="*/ 385 w 1285"/>
+              <a:gd name="T79" fmla="*/ 822 h 1272"/>
+              <a:gd name="T80" fmla="*/ 457 w 1285"/>
+              <a:gd name="T81" fmla="*/ 793 h 1272"/>
+              <a:gd name="T82" fmla="*/ 560 w 1285"/>
+              <a:gd name="T83" fmla="*/ 794 h 1272"/>
+              <a:gd name="T84" fmla="*/ 629 w 1285"/>
+              <a:gd name="T85" fmla="*/ 825 h 1272"/>
+              <a:gd name="T86" fmla="*/ 701 w 1285"/>
+              <a:gd name="T87" fmla="*/ 899 h 1272"/>
+              <a:gd name="T88" fmla="*/ 728 w 1285"/>
+              <a:gd name="T89" fmla="*/ 967 h 1272"/>
+              <a:gd name="T90" fmla="*/ 727 w 1285"/>
+              <a:gd name="T91" fmla="*/ 1070 h 1272"/>
+              <a:gd name="T92" fmla="*/ 698 w 1285"/>
+              <a:gd name="T93" fmla="*/ 1140 h 1272"/>
+              <a:gd name="T94" fmla="*/ 624 w 1285"/>
+              <a:gd name="T95" fmla="*/ 1212 h 1272"/>
+              <a:gd name="T96" fmla="*/ 552 w 1285"/>
+              <a:gd name="T97" fmla="*/ 1241 h 1272"/>
+              <a:gd name="T98" fmla="*/ 449 w 1285"/>
+              <a:gd name="T99" fmla="*/ 1239 h 1272"/>
+              <a:gd name="T100" fmla="*/ 380 w 1285"/>
+              <a:gd name="T101" fmla="*/ 1209 h 1272"/>
+              <a:gd name="T102" fmla="*/ 308 w 1285"/>
+              <a:gd name="T103" fmla="*/ 1135 h 1272"/>
+              <a:gd name="T104" fmla="*/ 281 w 1285"/>
+              <a:gd name="T105" fmla="*/ 1067 h 1272"/>
+              <a:gd name="T106" fmla="*/ 282 w 1285"/>
+              <a:gd name="T107" fmla="*/ 964 h 1272"/>
+            </a:gdLst>
+            <a:ahLst/>
+            <a:cxnLst>
+              <a:cxn ang="0">
+                <a:pos x="T0" y="T1"/>
+              </a:cxn>
+              <a:cxn ang="0">
+                <a:pos x="T2" y="T3"/>
+              </a:cxn>
+              <a:cxn ang="0">
+                <a:pos x="T4" y="T5"/>
+              </a:cxn>
+              <a:cxn ang="0">
+                <a:pos x="T6" y="T7"/>
+              </a:cxn>
+              <a:cxn ang="0">
+                <a:pos x="T8" y="T9"/>
+              </a:cxn>
+              <a:cxn ang="0">
+                <a:pos x="T10" y="T11"/>
+              </a:cxn>
+              <a:cxn ang="0">
+                <a:pos x="T12" y="T13"/>
+              </a:cxn>
+              <a:cxn ang="0">
+                <a:pos x="T14" y="T15"/>
+              </a:cxn>
+              <a:cxn ang="0">
+                <a:pos x="T16" y="T17"/>
+              </a:cxn>
+              <a:cxn ang="0">
+                <a:pos x="T18" y="T19"/>
+              </a:cxn>
+              <a:cxn ang="0">
+                <a:pos x="T20" y="T21"/>
+              </a:cxn>
+              <a:cxn ang="0">
+                <a:pos x="T22" y="T23"/>
+              </a:cxn>
+              <a:cxn ang="0">
+                <a:pos x="T24" y="T25"/>
+              </a:cxn>
+              <a:cxn ang="0">
+                <a:pos x="T26" y="T27"/>
+              </a:cxn>
+              <a:cxn ang="0">
+                <a:pos x="T28" y="T29"/>
+              </a:cxn>
+              <a:cxn ang="0">
+                <a:pos x="T30" y="T31"/>
+              </a:cxn>
+              <a:cxn ang="0">
+                <a:pos x="T32" y="T33"/>
+              </a:cxn>
+              <a:cxn ang="0">
+                <a:pos x="T34" y="T35"/>
+              </a:cxn>
+              <a:cxn ang="0">
+                <a:pos x="T36" y="T37"/>
+              </a:cxn>
+              <a:cxn ang="0">
+                <a:pos x="T38" y="T39"/>
+              </a:cxn>
+              <a:cxn ang="0">
+                <a:pos x="T40" y="T41"/>
+              </a:cxn>
+              <a:cxn ang="0">
+                <a:pos x="T42" y="T43"/>
+              </a:cxn>
+              <a:cxn ang="0">
+                <a:pos x="T44" y="T45"/>
+              </a:cxn>
+              <a:cxn ang="0">
+                <a:pos x="T46" y="T47"/>
+              </a:cxn>
+              <a:cxn ang="0">
+                <a:pos x="T48" y="T49"/>
+              </a:cxn>
+              <a:cxn ang="0">
+                <a:pos x="T50" y="T51"/>
+              </a:cxn>
+              <a:cxn ang="0">
+                <a:pos x="T52" y="T53"/>
+              </a:cxn>
+              <a:cxn ang="0">
+                <a:pos x="T54" y="T55"/>
+              </a:cxn>
+              <a:cxn ang="0">
+                <a:pos x="T56" y="T57"/>
+              </a:cxn>
+              <a:cxn ang="0">
+                <a:pos x="T58" y="T59"/>
+              </a:cxn>
+              <a:cxn ang="0">
+                <a:pos x="T60" y="T61"/>
+              </a:cxn>
+              <a:cxn ang="0">
+                <a:pos x="T62" y="T63"/>
+              </a:cxn>
+              <a:cxn ang="0">
+                <a:pos x="T64" y="T65"/>
+              </a:cxn>
+              <a:cxn ang="0">
+                <a:pos x="T66" y="T67"/>
+              </a:cxn>
+              <a:cxn ang="0">
+                <a:pos x="T68" y="T69"/>
+              </a:cxn>
+              <a:cxn ang="0">
+                <a:pos x="T70" y="T71"/>
+              </a:cxn>
+              <a:cxn ang="0">
+                <a:pos x="T72" y="T73"/>
+              </a:cxn>
+              <a:cxn ang="0">
+                <a:pos x="T74" y="T75"/>
+              </a:cxn>
+              <a:cxn ang="0">
+                <a:pos x="T76" y="T77"/>
+              </a:cxn>
+              <a:cxn ang="0">
+                <a:pos x="T78" y="T79"/>
+              </a:cxn>
+              <a:cxn ang="0">
+                <a:pos x="T80" y="T81"/>
+              </a:cxn>
+              <a:cxn ang="0">
+                <a:pos x="T82" y="T83"/>
+              </a:cxn>
+              <a:cxn ang="0">
+                <a:pos x="T84" y="T85"/>
+              </a:cxn>
+              <a:cxn ang="0">
+                <a:pos x="T86" y="T87"/>
+              </a:cxn>
+              <a:cxn ang="0">
+                <a:pos x="T88" y="T89"/>
+              </a:cxn>
+              <a:cxn ang="0">
+                <a:pos x="T90" y="T91"/>
+              </a:cxn>
+              <a:cxn ang="0">
+                <a:pos x="T92" y="T93"/>
+              </a:cxn>
+              <a:cxn ang="0">
+                <a:pos x="T94" y="T95"/>
+              </a:cxn>
+              <a:cxn ang="0">
+                <a:pos x="T96" y="T97"/>
+              </a:cxn>
+              <a:cxn ang="0">
+                <a:pos x="T98" y="T99"/>
+              </a:cxn>
+              <a:cxn ang="0">
+                <a:pos x="T100" y="T101"/>
+              </a:cxn>
+              <a:cxn ang="0">
+                <a:pos x="T102" y="T103"/>
+              </a:cxn>
+              <a:cxn ang="0">
+                <a:pos x="T104" y="T105"/>
+              </a:cxn>
+              <a:cxn ang="0">
+                <a:pos x="T106" y="T107"/>
+              </a:cxn>
+            </a:cxnLst>
+            <a:rect l="0" t="0" r="r" b="b"/>
+            <a:pathLst>
+              <a:path w="1285" h="1272">
+                <a:moveTo>
+                  <a:pt x="84" y="464"/>
+                </a:moveTo>
+                <a:lnTo>
+                  <a:pt x="30" y="458"/>
+                </a:lnTo>
+                <a:cubicBezTo>
+                  <a:pt x="13" y="456"/>
+                  <a:pt x="0" y="441"/>
+                  <a:pt x="0" y="423"/>
+                </a:cubicBezTo>
+                <a:lnTo>
+                  <a:pt x="0" y="341"/>
+                </a:lnTo>
+                <a:cubicBezTo>
+                  <a:pt x="0" y="323"/>
+                  <a:pt x="13" y="309"/>
+                  <a:pt x="30" y="307"/>
+                </a:cubicBezTo>
+                <a:lnTo>
+                  <a:pt x="81" y="301"/>
+                </a:lnTo>
+                <a:cubicBezTo>
+                  <a:pt x="87" y="275"/>
+                  <a:pt x="97" y="251"/>
+                  <a:pt x="110" y="228"/>
+                </a:cubicBezTo>
+                <a:lnTo>
+                  <a:pt x="78" y="188"/>
+                </a:lnTo>
+                <a:cubicBezTo>
+                  <a:pt x="67" y="174"/>
+                  <a:pt x="68" y="154"/>
+                  <a:pt x="81" y="142"/>
+                </a:cubicBezTo>
+                <a:lnTo>
+                  <a:pt x="139" y="84"/>
+                </a:lnTo>
+                <a:cubicBezTo>
+                  <a:pt x="151" y="71"/>
+                  <a:pt x="171" y="70"/>
+                  <a:pt x="185" y="81"/>
+                </a:cubicBezTo>
+                <a:lnTo>
+                  <a:pt x="223" y="111"/>
+                </a:lnTo>
+                <a:cubicBezTo>
+                  <a:pt x="247" y="97"/>
+                  <a:pt x="273" y="86"/>
+                  <a:pt x="300" y="78"/>
+                </a:cubicBezTo>
+                <a:lnTo>
+                  <a:pt x="306" y="31"/>
+                </a:lnTo>
+                <a:cubicBezTo>
+                  <a:pt x="308" y="14"/>
+                  <a:pt x="323" y="0"/>
+                  <a:pt x="340" y="0"/>
+                </a:cubicBezTo>
+                <a:lnTo>
+                  <a:pt x="423" y="0"/>
+                </a:lnTo>
+                <a:cubicBezTo>
+                  <a:pt x="440" y="0"/>
+                  <a:pt x="455" y="14"/>
+                  <a:pt x="457" y="31"/>
+                </a:cubicBezTo>
+                <a:lnTo>
+                  <a:pt x="463" y="78"/>
+                </a:lnTo>
+                <a:cubicBezTo>
+                  <a:pt x="489" y="86"/>
+                  <a:pt x="515" y="96"/>
+                  <a:pt x="538" y="110"/>
+                </a:cubicBezTo>
+                <a:lnTo>
+                  <a:pt x="575" y="81"/>
+                </a:lnTo>
+                <a:cubicBezTo>
+                  <a:pt x="589" y="70"/>
+                  <a:pt x="608" y="71"/>
+                  <a:pt x="621" y="84"/>
+                </a:cubicBezTo>
+                <a:lnTo>
+                  <a:pt x="679" y="142"/>
+                </a:lnTo>
+                <a:cubicBezTo>
+                  <a:pt x="691" y="154"/>
+                  <a:pt x="693" y="174"/>
+                  <a:pt x="682" y="188"/>
+                </a:cubicBezTo>
+                <a:lnTo>
+                  <a:pt x="652" y="226"/>
+                </a:lnTo>
+                <a:cubicBezTo>
+                  <a:pt x="664" y="248"/>
+                  <a:pt x="674" y="272"/>
+                  <a:pt x="681" y="297"/>
+                </a:cubicBezTo>
+                <a:lnTo>
+                  <a:pt x="729" y="303"/>
+                </a:lnTo>
+                <a:cubicBezTo>
+                  <a:pt x="747" y="305"/>
+                  <a:pt x="760" y="320"/>
+                  <a:pt x="760" y="338"/>
+                </a:cubicBezTo>
+                <a:lnTo>
+                  <a:pt x="760" y="420"/>
+                </a:lnTo>
+                <a:cubicBezTo>
+                  <a:pt x="760" y="437"/>
+                  <a:pt x="747" y="452"/>
+                  <a:pt x="729" y="454"/>
+                </a:cubicBezTo>
+                <a:lnTo>
+                  <a:pt x="680" y="460"/>
+                </a:lnTo>
+                <a:cubicBezTo>
+                  <a:pt x="673" y="485"/>
+                  <a:pt x="663" y="510"/>
+                  <a:pt x="650" y="533"/>
+                </a:cubicBezTo>
+                <a:lnTo>
+                  <a:pt x="682" y="573"/>
+                </a:lnTo>
+                <a:cubicBezTo>
+                  <a:pt x="693" y="587"/>
+                  <a:pt x="692" y="607"/>
+                  <a:pt x="679" y="619"/>
+                </a:cubicBezTo>
+                <a:lnTo>
+                  <a:pt x="621" y="677"/>
+                </a:lnTo>
+                <a:cubicBezTo>
+                  <a:pt x="608" y="690"/>
+                  <a:pt x="589" y="691"/>
+                  <a:pt x="575" y="680"/>
+                </a:cubicBezTo>
+                <a:lnTo>
+                  <a:pt x="534" y="648"/>
+                </a:lnTo>
+                <a:cubicBezTo>
+                  <a:pt x="511" y="661"/>
+                  <a:pt x="486" y="671"/>
+                  <a:pt x="460" y="678"/>
+                </a:cubicBezTo>
+                <a:lnTo>
+                  <a:pt x="454" y="730"/>
+                </a:lnTo>
+                <a:cubicBezTo>
+                  <a:pt x="452" y="748"/>
+                  <a:pt x="437" y="761"/>
+                  <a:pt x="419" y="761"/>
+                </a:cubicBezTo>
+                <a:lnTo>
+                  <a:pt x="337" y="761"/>
+                </a:lnTo>
+                <a:cubicBezTo>
+                  <a:pt x="319" y="761"/>
+                  <a:pt x="305" y="748"/>
+                  <a:pt x="303" y="730"/>
+                </a:cubicBezTo>
+                <a:lnTo>
+                  <a:pt x="296" y="676"/>
+                </a:lnTo>
+                <a:cubicBezTo>
+                  <a:pt x="272" y="669"/>
+                  <a:pt x="249" y="659"/>
+                  <a:pt x="227" y="646"/>
+                </a:cubicBezTo>
+                <a:lnTo>
+                  <a:pt x="185" y="680"/>
+                </a:lnTo>
+                <a:cubicBezTo>
+                  <a:pt x="171" y="691"/>
+                  <a:pt x="151" y="690"/>
+                  <a:pt x="139" y="677"/>
+                </a:cubicBezTo>
+                <a:lnTo>
+                  <a:pt x="81" y="619"/>
+                </a:lnTo>
+                <a:cubicBezTo>
+                  <a:pt x="68" y="607"/>
+                  <a:pt x="67" y="587"/>
+                  <a:pt x="78" y="573"/>
+                </a:cubicBezTo>
+                <a:lnTo>
+                  <a:pt x="112" y="530"/>
+                </a:lnTo>
+                <a:cubicBezTo>
+                  <a:pt x="100" y="509"/>
+                  <a:pt x="91" y="487"/>
+                  <a:pt x="84" y="464"/>
+                </a:cubicBezTo>
+                <a:close/>
+                <a:moveTo>
+                  <a:pt x="382" y="242"/>
+                </a:moveTo>
+                <a:cubicBezTo>
+                  <a:pt x="307" y="242"/>
+                  <a:pt x="246" y="303"/>
+                  <a:pt x="246" y="378"/>
+                </a:cubicBezTo>
+                <a:cubicBezTo>
+                  <a:pt x="246" y="452"/>
+                  <a:pt x="307" y="513"/>
+                  <a:pt x="382" y="513"/>
+                </a:cubicBezTo>
+                <a:cubicBezTo>
+                  <a:pt x="456" y="513"/>
+                  <a:pt x="517" y="452"/>
+                  <a:pt x="517" y="378"/>
+                </a:cubicBezTo>
+                <a:cubicBezTo>
+                  <a:pt x="517" y="303"/>
+                  <a:pt x="456" y="242"/>
+                  <a:pt x="382" y="242"/>
+                </a:cubicBezTo>
+                <a:close/>
+                <a:moveTo>
+                  <a:pt x="981" y="811"/>
+                </a:moveTo>
+                <a:cubicBezTo>
+                  <a:pt x="1042" y="806"/>
+                  <a:pt x="1088" y="752"/>
+                  <a:pt x="1082" y="691"/>
+                </a:cubicBezTo>
+                <a:cubicBezTo>
+                  <a:pt x="1077" y="630"/>
+                  <a:pt x="1023" y="584"/>
+                  <a:pt x="962" y="590"/>
+                </a:cubicBezTo>
+                <a:cubicBezTo>
+                  <a:pt x="901" y="595"/>
+                  <a:pt x="855" y="649"/>
+                  <a:pt x="861" y="710"/>
+                </a:cubicBezTo>
+                <a:cubicBezTo>
+                  <a:pt x="866" y="771"/>
+                  <a:pt x="920" y="817"/>
+                  <a:pt x="981" y="811"/>
+                </a:cubicBezTo>
+                <a:close/>
+                <a:moveTo>
+                  <a:pt x="1194" y="484"/>
+                </a:moveTo>
+                <a:cubicBezTo>
+                  <a:pt x="1207" y="496"/>
+                  <a:pt x="1210" y="515"/>
+                  <a:pt x="1200" y="530"/>
+                </a:cubicBezTo>
+                <a:lnTo>
+                  <a:pt x="1181" y="558"/>
+                </a:lnTo>
+                <a:cubicBezTo>
+                  <a:pt x="1193" y="576"/>
+                  <a:pt x="1203" y="595"/>
+                  <a:pt x="1210" y="615"/>
+                </a:cubicBezTo>
+                <a:lnTo>
+                  <a:pt x="1245" y="616"/>
+                </a:lnTo>
+                <a:cubicBezTo>
+                  <a:pt x="1262" y="616"/>
+                  <a:pt x="1276" y="630"/>
+                  <a:pt x="1278" y="647"/>
+                </a:cubicBezTo>
+                <a:lnTo>
+                  <a:pt x="1283" y="704"/>
+                </a:lnTo>
+                <a:cubicBezTo>
+                  <a:pt x="1284" y="721"/>
+                  <a:pt x="1272" y="737"/>
+                  <a:pt x="1255" y="741"/>
+                </a:cubicBezTo>
+                <a:lnTo>
+                  <a:pt x="1221" y="748"/>
+                </a:lnTo>
+                <a:cubicBezTo>
+                  <a:pt x="1217" y="769"/>
+                  <a:pt x="1210" y="789"/>
+                  <a:pt x="1201" y="809"/>
+                </a:cubicBezTo>
+                <a:lnTo>
+                  <a:pt x="1226" y="836"/>
+                </a:lnTo>
+                <a:cubicBezTo>
+                  <a:pt x="1238" y="848"/>
+                  <a:pt x="1239" y="868"/>
+                  <a:pt x="1227" y="881"/>
+                </a:cubicBezTo>
+                <a:lnTo>
+                  <a:pt x="1191" y="925"/>
+                </a:lnTo>
+                <a:cubicBezTo>
+                  <a:pt x="1180" y="938"/>
+                  <a:pt x="1160" y="941"/>
+                  <a:pt x="1146" y="931"/>
+                </a:cubicBezTo>
+                <a:lnTo>
+                  <a:pt x="1114" y="911"/>
+                </a:lnTo>
+                <a:cubicBezTo>
+                  <a:pt x="1096" y="923"/>
+                  <a:pt x="1077" y="933"/>
+                  <a:pt x="1056" y="940"/>
+                </a:cubicBezTo>
+                <a:lnTo>
+                  <a:pt x="1055" y="978"/>
+                </a:lnTo>
+                <a:cubicBezTo>
+                  <a:pt x="1054" y="996"/>
+                  <a:pt x="1041" y="1010"/>
+                  <a:pt x="1023" y="1011"/>
+                </a:cubicBezTo>
+                <a:lnTo>
+                  <a:pt x="967" y="1016"/>
+                </a:lnTo>
+                <a:cubicBezTo>
+                  <a:pt x="949" y="1017"/>
+                  <a:pt x="934" y="1006"/>
+                  <a:pt x="930" y="989"/>
+                </a:cubicBezTo>
+                <a:lnTo>
+                  <a:pt x="922" y="950"/>
+                </a:lnTo>
+                <a:cubicBezTo>
+                  <a:pt x="902" y="946"/>
+                  <a:pt x="883" y="939"/>
+                  <a:pt x="864" y="931"/>
+                </a:cubicBezTo>
+                <a:lnTo>
+                  <a:pt x="836" y="957"/>
+                </a:lnTo>
+                <a:cubicBezTo>
+                  <a:pt x="823" y="969"/>
+                  <a:pt x="803" y="970"/>
+                  <a:pt x="790" y="958"/>
+                </a:cubicBezTo>
+                <a:lnTo>
+                  <a:pt x="747" y="922"/>
+                </a:lnTo>
+                <a:cubicBezTo>
+                  <a:pt x="733" y="911"/>
+                  <a:pt x="730" y="891"/>
+                  <a:pt x="740" y="877"/>
+                </a:cubicBezTo>
+                <a:lnTo>
+                  <a:pt x="762" y="844"/>
+                </a:lnTo>
+                <a:cubicBezTo>
+                  <a:pt x="751" y="828"/>
+                  <a:pt x="741" y="810"/>
+                  <a:pt x="734" y="792"/>
+                </a:cubicBezTo>
+                <a:lnTo>
+                  <a:pt x="696" y="790"/>
+                </a:lnTo>
+                <a:cubicBezTo>
+                  <a:pt x="678" y="790"/>
+                  <a:pt x="664" y="776"/>
+                  <a:pt x="662" y="759"/>
+                </a:cubicBezTo>
+                <a:lnTo>
+                  <a:pt x="658" y="702"/>
+                </a:lnTo>
+                <a:cubicBezTo>
+                  <a:pt x="656" y="685"/>
+                  <a:pt x="668" y="669"/>
+                  <a:pt x="685" y="666"/>
+                </a:cubicBezTo>
+                <a:lnTo>
+                  <a:pt x="721" y="658"/>
+                </a:lnTo>
+                <a:cubicBezTo>
+                  <a:pt x="725" y="637"/>
+                  <a:pt x="731" y="617"/>
+                  <a:pt x="739" y="597"/>
+                </a:cubicBezTo>
+                <a:lnTo>
+                  <a:pt x="714" y="571"/>
+                </a:lnTo>
+                <a:cubicBezTo>
+                  <a:pt x="702" y="558"/>
+                  <a:pt x="702" y="538"/>
+                  <a:pt x="713" y="525"/>
+                </a:cubicBezTo>
+                <a:lnTo>
+                  <a:pt x="750" y="481"/>
+                </a:lnTo>
+                <a:cubicBezTo>
+                  <a:pt x="761" y="468"/>
+                  <a:pt x="780" y="465"/>
+                  <a:pt x="795" y="475"/>
+                </a:cubicBezTo>
+                <a:lnTo>
+                  <a:pt x="824" y="494"/>
+                </a:lnTo>
+                <a:cubicBezTo>
+                  <a:pt x="842" y="480"/>
+                  <a:pt x="863" y="470"/>
+                  <a:pt x="885" y="462"/>
+                </a:cubicBezTo>
+                <a:lnTo>
+                  <a:pt x="886" y="428"/>
+                </a:lnTo>
+                <a:cubicBezTo>
+                  <a:pt x="886" y="411"/>
+                  <a:pt x="900" y="396"/>
+                  <a:pt x="917" y="395"/>
+                </a:cubicBezTo>
+                <a:lnTo>
+                  <a:pt x="974" y="390"/>
+                </a:lnTo>
+                <a:cubicBezTo>
+                  <a:pt x="991" y="389"/>
+                  <a:pt x="1007" y="401"/>
+                  <a:pt x="1010" y="418"/>
+                </a:cubicBezTo>
+                <a:lnTo>
+                  <a:pt x="1017" y="451"/>
+                </a:lnTo>
+                <a:cubicBezTo>
+                  <a:pt x="1039" y="455"/>
+                  <a:pt x="1061" y="462"/>
+                  <a:pt x="1081" y="471"/>
+                </a:cubicBezTo>
+                <a:lnTo>
+                  <a:pt x="1105" y="449"/>
+                </a:lnTo>
+                <a:cubicBezTo>
+                  <a:pt x="1118" y="437"/>
+                  <a:pt x="1137" y="436"/>
+                  <a:pt x="1151" y="448"/>
+                </a:cubicBezTo>
+                <a:lnTo>
+                  <a:pt x="1194" y="484"/>
+                </a:lnTo>
+                <a:close/>
+                <a:moveTo>
+                  <a:pt x="507" y="924"/>
+                </a:moveTo>
+                <a:cubicBezTo>
+                  <a:pt x="457" y="924"/>
+                  <a:pt x="415" y="964"/>
+                  <a:pt x="415" y="1014"/>
+                </a:cubicBezTo>
+                <a:cubicBezTo>
+                  <a:pt x="414" y="1064"/>
+                  <a:pt x="454" y="1105"/>
+                  <a:pt x="504" y="1105"/>
+                </a:cubicBezTo>
+                <a:cubicBezTo>
+                  <a:pt x="554" y="1106"/>
+                  <a:pt x="596" y="1066"/>
+                  <a:pt x="596" y="1016"/>
+                </a:cubicBezTo>
+                <a:cubicBezTo>
+                  <a:pt x="597" y="966"/>
+                  <a:pt x="557" y="925"/>
+                  <a:pt x="507" y="924"/>
+                </a:cubicBezTo>
+                <a:close/>
+                <a:moveTo>
+                  <a:pt x="282" y="964"/>
+                </a:moveTo>
+                <a:lnTo>
+                  <a:pt x="306" y="961"/>
+                </a:lnTo>
+                <a:cubicBezTo>
+                  <a:pt x="310" y="944"/>
+                  <a:pt x="317" y="928"/>
+                  <a:pt x="326" y="913"/>
+                </a:cubicBezTo>
+                <a:lnTo>
+                  <a:pt x="311" y="894"/>
+                </a:lnTo>
+                <a:cubicBezTo>
+                  <a:pt x="300" y="880"/>
+                  <a:pt x="301" y="860"/>
+                  <a:pt x="314" y="848"/>
+                </a:cubicBezTo>
+                <a:lnTo>
+                  <a:pt x="339" y="824"/>
+                </a:lnTo>
+                <a:cubicBezTo>
+                  <a:pt x="352" y="811"/>
+                  <a:pt x="371" y="811"/>
+                  <a:pt x="385" y="822"/>
+                </a:cubicBezTo>
+                <a:lnTo>
+                  <a:pt x="402" y="836"/>
+                </a:lnTo>
+                <a:cubicBezTo>
+                  <a:pt x="418" y="826"/>
+                  <a:pt x="436" y="819"/>
+                  <a:pt x="454" y="814"/>
+                </a:cubicBezTo>
+                <a:lnTo>
+                  <a:pt x="457" y="793"/>
+                </a:lnTo>
+                <a:cubicBezTo>
+                  <a:pt x="459" y="776"/>
+                  <a:pt x="474" y="763"/>
+                  <a:pt x="491" y="763"/>
+                </a:cubicBezTo>
+                <a:lnTo>
+                  <a:pt x="526" y="763"/>
+                </a:lnTo>
+                <a:cubicBezTo>
+                  <a:pt x="543" y="764"/>
+                  <a:pt x="558" y="777"/>
+                  <a:pt x="560" y="794"/>
+                </a:cubicBezTo>
+                <a:lnTo>
+                  <a:pt x="562" y="816"/>
+                </a:lnTo>
+                <a:cubicBezTo>
+                  <a:pt x="580" y="821"/>
+                  <a:pt x="596" y="828"/>
+                  <a:pt x="612" y="838"/>
+                </a:cubicBezTo>
+                <a:lnTo>
+                  <a:pt x="629" y="825"/>
+                </a:lnTo>
+                <a:cubicBezTo>
+                  <a:pt x="643" y="814"/>
+                  <a:pt x="662" y="815"/>
+                  <a:pt x="675" y="828"/>
+                </a:cubicBezTo>
+                <a:lnTo>
+                  <a:pt x="699" y="853"/>
+                </a:lnTo>
+                <a:cubicBezTo>
+                  <a:pt x="711" y="865"/>
+                  <a:pt x="712" y="885"/>
+                  <a:pt x="701" y="899"/>
+                </a:cubicBezTo>
+                <a:lnTo>
+                  <a:pt x="687" y="916"/>
+                </a:lnTo>
+                <a:cubicBezTo>
+                  <a:pt x="695" y="931"/>
+                  <a:pt x="702" y="947"/>
+                  <a:pt x="706" y="964"/>
+                </a:cubicBezTo>
+                <a:lnTo>
+                  <a:pt x="728" y="967"/>
+                </a:lnTo>
+                <a:cubicBezTo>
+                  <a:pt x="746" y="969"/>
+                  <a:pt x="759" y="984"/>
+                  <a:pt x="758" y="1001"/>
+                </a:cubicBezTo>
+                <a:lnTo>
+                  <a:pt x="758" y="1036"/>
+                </a:lnTo>
+                <a:cubicBezTo>
+                  <a:pt x="758" y="1054"/>
+                  <a:pt x="744" y="1068"/>
+                  <a:pt x="727" y="1070"/>
+                </a:cubicBezTo>
+                <a:lnTo>
+                  <a:pt x="704" y="1072"/>
+                </a:lnTo>
+                <a:cubicBezTo>
+                  <a:pt x="699" y="1089"/>
+                  <a:pt x="692" y="1105"/>
+                  <a:pt x="683" y="1121"/>
+                </a:cubicBezTo>
+                <a:lnTo>
+                  <a:pt x="698" y="1140"/>
+                </a:lnTo>
+                <a:cubicBezTo>
+                  <a:pt x="709" y="1154"/>
+                  <a:pt x="707" y="1173"/>
+                  <a:pt x="695" y="1185"/>
+                </a:cubicBezTo>
+                <a:lnTo>
+                  <a:pt x="670" y="1210"/>
+                </a:lnTo>
+                <a:cubicBezTo>
+                  <a:pt x="657" y="1222"/>
+                  <a:pt x="638" y="1223"/>
+                  <a:pt x="624" y="1212"/>
+                </a:cubicBezTo>
+                <a:lnTo>
+                  <a:pt x="605" y="1196"/>
+                </a:lnTo>
+                <a:cubicBezTo>
+                  <a:pt x="589" y="1205"/>
+                  <a:pt x="573" y="1211"/>
+                  <a:pt x="555" y="1215"/>
+                </a:cubicBezTo>
+                <a:lnTo>
+                  <a:pt x="552" y="1241"/>
+                </a:lnTo>
+                <a:cubicBezTo>
+                  <a:pt x="550" y="1258"/>
+                  <a:pt x="535" y="1271"/>
+                  <a:pt x="518" y="1271"/>
+                </a:cubicBezTo>
+                <a:lnTo>
+                  <a:pt x="483" y="1270"/>
+                </a:lnTo>
+                <a:cubicBezTo>
+                  <a:pt x="465" y="1270"/>
+                  <a:pt x="451" y="1257"/>
+                  <a:pt x="449" y="1239"/>
+                </a:cubicBezTo>
+                <a:lnTo>
+                  <a:pt x="446" y="1213"/>
+                </a:lnTo>
+                <a:cubicBezTo>
+                  <a:pt x="430" y="1208"/>
+                  <a:pt x="415" y="1201"/>
+                  <a:pt x="400" y="1193"/>
+                </a:cubicBezTo>
+                <a:lnTo>
+                  <a:pt x="380" y="1209"/>
+                </a:lnTo>
+                <a:cubicBezTo>
+                  <a:pt x="366" y="1219"/>
+                  <a:pt x="346" y="1218"/>
+                  <a:pt x="334" y="1206"/>
+                </a:cubicBezTo>
+                <a:lnTo>
+                  <a:pt x="310" y="1181"/>
+                </a:lnTo>
+                <a:cubicBezTo>
+                  <a:pt x="298" y="1168"/>
+                  <a:pt x="297" y="1149"/>
+                  <a:pt x="308" y="1135"/>
+                </a:cubicBezTo>
+                <a:lnTo>
+                  <a:pt x="324" y="1115"/>
+                </a:lnTo>
+                <a:cubicBezTo>
+                  <a:pt x="316" y="1101"/>
+                  <a:pt x="310" y="1086"/>
+                  <a:pt x="306" y="1070"/>
+                </a:cubicBezTo>
+                <a:lnTo>
+                  <a:pt x="281" y="1067"/>
+                </a:lnTo>
+                <a:cubicBezTo>
+                  <a:pt x="263" y="1065"/>
+                  <a:pt x="250" y="1050"/>
+                  <a:pt x="251" y="1032"/>
+                </a:cubicBezTo>
+                <a:lnTo>
+                  <a:pt x="251" y="997"/>
+                </a:lnTo>
+                <a:cubicBezTo>
+                  <a:pt x="251" y="980"/>
+                  <a:pt x="264" y="965"/>
+                  <a:pt x="282" y="964"/>
                 </a:cubicBezTo>
                 <a:close/>
               </a:path>
